--- a/Lektion 8/Exempel/Skapa ett spel.pptx
+++ b/Lektion 8/Exempel/Skapa ett spel.pptx
@@ -5,18 +5,22 @@
     <p:sldMasterId id="2147483672" r:id="rId1"/>
   </p:sldMasterIdLst>
   <p:notesMasterIdLst>
-    <p:notesMasterId r:id="rId8"/>
+    <p:notesMasterId r:id="rId12"/>
   </p:notesMasterIdLst>
   <p:handoutMasterIdLst>
-    <p:handoutMasterId r:id="rId9"/>
+    <p:handoutMasterId r:id="rId13"/>
   </p:handoutMasterIdLst>
   <p:sldIdLst>
     <p:sldId id="256" r:id="rId2"/>
     <p:sldId id="270" r:id="rId3"/>
-    <p:sldId id="288" r:id="rId4"/>
-    <p:sldId id="287" r:id="rId5"/>
-    <p:sldId id="289" r:id="rId6"/>
-    <p:sldId id="290" r:id="rId7"/>
+    <p:sldId id="290" r:id="rId4"/>
+    <p:sldId id="292" r:id="rId5"/>
+    <p:sldId id="293" r:id="rId6"/>
+    <p:sldId id="296" r:id="rId7"/>
+    <p:sldId id="316" r:id="rId8"/>
+    <p:sldId id="317" r:id="rId9"/>
+    <p:sldId id="318" r:id="rId10"/>
+    <p:sldId id="319" r:id="rId11"/>
   </p:sldIdLst>
   <p:sldSz cx="12192000" cy="6858000"/>
   <p:notesSz cx="6858000" cy="9144000"/>
@@ -126,20 +130,205 @@
 </p:presentation>
 </file>
 
-<file path=ppt/revisionInfo.xml><?xml version="1.0" encoding="utf-8"?>
-<p1510:revInfo xmlns:a="http://schemas.openxmlformats.org/drawingml/2006/main" xmlns:r="http://schemas.openxmlformats.org/officeDocument/2006/relationships" xmlns:p1510="http://schemas.microsoft.com/office/powerpoint/2015/10/main">
-  <p1510:revLst>
-    <p1510:client id="{A8289D4A-263B-49CE-9447-9BDB55CA3AF1}" v="115" dt="2024-03-19T09:38:07.360"/>
-  </p1510:revLst>
-</p1510:revInfo>
-</file>
-
 <file path=ppt/changesInfos/changesInfo1.xml><?xml version="1.0" encoding="utf-8"?>
 <pc:chgInfo xmlns:a="http://schemas.openxmlformats.org/drawingml/2006/main" xmlns:r="http://schemas.openxmlformats.org/officeDocument/2006/relationships" xmlns:ac="http://schemas.microsoft.com/office/drawing/2013/main/command" xmlns:pc="http://schemas.microsoft.com/office/powerpoint/2013/main/command">
   <pc:docChgLst>
+    <pc:chgData name="Alexandra Björnham" userId="09fb604d-9c8a-4ac5-ba40-5f9eb696fc4a" providerId="ADAL" clId="{AB25E1F0-1704-4B7C-A134-11EA8EACFAC8}"/>
+    <pc:docChg chg="undo custSel delSld modSld">
+      <pc:chgData name="Alexandra Björnham" userId="09fb604d-9c8a-4ac5-ba40-5f9eb696fc4a" providerId="ADAL" clId="{AB25E1F0-1704-4B7C-A134-11EA8EACFAC8}" dt="2024-06-03T10:31:11.655" v="25" actId="20577"/>
+      <pc:docMkLst>
+        <pc:docMk/>
+      </pc:docMkLst>
+      <pc:sldChg chg="addSp delSp modSp mod">
+        <pc:chgData name="Alexandra Björnham" userId="09fb604d-9c8a-4ac5-ba40-5f9eb696fc4a" providerId="ADAL" clId="{AB25E1F0-1704-4B7C-A134-11EA8EACFAC8}" dt="2024-06-03T10:26:57.070" v="9" actId="207"/>
+        <pc:sldMkLst>
+          <pc:docMk/>
+          <pc:sldMk cId="860574924" sldId="270"/>
+        </pc:sldMkLst>
+        <pc:spChg chg="mod">
+          <ac:chgData name="Alexandra Björnham" userId="09fb604d-9c8a-4ac5-ba40-5f9eb696fc4a" providerId="ADAL" clId="{AB25E1F0-1704-4B7C-A134-11EA8EACFAC8}" dt="2024-06-03T10:26:22.981" v="3" actId="207"/>
+          <ac:spMkLst>
+            <pc:docMk/>
+            <pc:sldMk cId="860574924" sldId="270"/>
+            <ac:spMk id="3" creationId="{80D1D142-774C-CEA7-4A03-8D884F37D28A}"/>
+          </ac:spMkLst>
+        </pc:spChg>
+        <pc:picChg chg="mod">
+          <ac:chgData name="Alexandra Björnham" userId="09fb604d-9c8a-4ac5-ba40-5f9eb696fc4a" providerId="ADAL" clId="{AB25E1F0-1704-4B7C-A134-11EA8EACFAC8}" dt="2024-06-03T10:26:37.475" v="5" actId="207"/>
+          <ac:picMkLst>
+            <pc:docMk/>
+            <pc:sldMk cId="860574924" sldId="270"/>
+            <ac:picMk id="4" creationId="{2A34BCF1-D7B3-E527-1E83-4EAED4313457}"/>
+          </ac:picMkLst>
+        </pc:picChg>
+        <pc:picChg chg="add del">
+          <ac:chgData name="Alexandra Björnham" userId="09fb604d-9c8a-4ac5-ba40-5f9eb696fc4a" providerId="ADAL" clId="{AB25E1F0-1704-4B7C-A134-11EA8EACFAC8}" dt="2024-06-03T10:25:55.216" v="1" actId="478"/>
+          <ac:picMkLst>
+            <pc:docMk/>
+            <pc:sldMk cId="860574924" sldId="270"/>
+            <ac:picMk id="7" creationId="{9EB76123-8A81-7C9A-946B-E36D84890A01}"/>
+          </ac:picMkLst>
+        </pc:picChg>
+        <pc:picChg chg="mod">
+          <ac:chgData name="Alexandra Björnham" userId="09fb604d-9c8a-4ac5-ba40-5f9eb696fc4a" providerId="ADAL" clId="{AB25E1F0-1704-4B7C-A134-11EA8EACFAC8}" dt="2024-06-03T10:26:41.916" v="6" actId="207"/>
+          <ac:picMkLst>
+            <pc:docMk/>
+            <pc:sldMk cId="860574924" sldId="270"/>
+            <ac:picMk id="8" creationId="{0C5A8167-5CBA-4E6E-36B9-074BA8E3F815}"/>
+          </ac:picMkLst>
+        </pc:picChg>
+        <pc:picChg chg="mod">
+          <ac:chgData name="Alexandra Björnham" userId="09fb604d-9c8a-4ac5-ba40-5f9eb696fc4a" providerId="ADAL" clId="{AB25E1F0-1704-4B7C-A134-11EA8EACFAC8}" dt="2024-06-03T10:26:46.044" v="7" actId="27349"/>
+          <ac:picMkLst>
+            <pc:docMk/>
+            <pc:sldMk cId="860574924" sldId="270"/>
+            <ac:picMk id="9" creationId="{06A36B19-9FC0-4908-8FEA-B4643F6B2236}"/>
+          </ac:picMkLst>
+        </pc:picChg>
+        <pc:picChg chg="mod">
+          <ac:chgData name="Alexandra Björnham" userId="09fb604d-9c8a-4ac5-ba40-5f9eb696fc4a" providerId="ADAL" clId="{AB25E1F0-1704-4B7C-A134-11EA8EACFAC8}" dt="2024-06-03T10:26:52.202" v="8" actId="207"/>
+          <ac:picMkLst>
+            <pc:docMk/>
+            <pc:sldMk cId="860574924" sldId="270"/>
+            <ac:picMk id="10" creationId="{97270DFC-04A5-178D-9CC2-5F8483C0C070}"/>
+          </ac:picMkLst>
+        </pc:picChg>
+        <pc:picChg chg="mod">
+          <ac:chgData name="Alexandra Björnham" userId="09fb604d-9c8a-4ac5-ba40-5f9eb696fc4a" providerId="ADAL" clId="{AB25E1F0-1704-4B7C-A134-11EA8EACFAC8}" dt="2024-06-03T10:26:57.070" v="9" actId="207"/>
+          <ac:picMkLst>
+            <pc:docMk/>
+            <pc:sldMk cId="860574924" sldId="270"/>
+            <ac:picMk id="11" creationId="{AED45F7A-366F-5917-B4FA-710BBDF7D5A0}"/>
+          </ac:picMkLst>
+        </pc:picChg>
+      </pc:sldChg>
+      <pc:sldChg chg="modSp mod">
+        <pc:chgData name="Alexandra Björnham" userId="09fb604d-9c8a-4ac5-ba40-5f9eb696fc4a" providerId="ADAL" clId="{AB25E1F0-1704-4B7C-A134-11EA8EACFAC8}" dt="2024-06-03T10:30:56.249" v="22" actId="20577"/>
+        <pc:sldMkLst>
+          <pc:docMk/>
+          <pc:sldMk cId="2918221789" sldId="293"/>
+        </pc:sldMkLst>
+        <pc:spChg chg="mod">
+          <ac:chgData name="Alexandra Björnham" userId="09fb604d-9c8a-4ac5-ba40-5f9eb696fc4a" providerId="ADAL" clId="{AB25E1F0-1704-4B7C-A134-11EA8EACFAC8}" dt="2024-06-03T10:30:56.249" v="22" actId="20577"/>
+          <ac:spMkLst>
+            <pc:docMk/>
+            <pc:sldMk cId="2918221789" sldId="293"/>
+            <ac:spMk id="2" creationId="{DC8E21D6-BE0A-3BA9-3156-B66481BF42F9}"/>
+          </ac:spMkLst>
+        </pc:spChg>
+      </pc:sldChg>
+      <pc:sldChg chg="del">
+        <pc:chgData name="Alexandra Björnham" userId="09fb604d-9c8a-4ac5-ba40-5f9eb696fc4a" providerId="ADAL" clId="{AB25E1F0-1704-4B7C-A134-11EA8EACFAC8}" dt="2024-06-03T10:30:48.389" v="10" actId="47"/>
+        <pc:sldMkLst>
+          <pc:docMk/>
+          <pc:sldMk cId="2829877512" sldId="294"/>
+        </pc:sldMkLst>
+      </pc:sldChg>
+      <pc:sldChg chg="del">
+        <pc:chgData name="Alexandra Björnham" userId="09fb604d-9c8a-4ac5-ba40-5f9eb696fc4a" providerId="ADAL" clId="{AB25E1F0-1704-4B7C-A134-11EA8EACFAC8}" dt="2024-06-03T10:30:48.389" v="10" actId="47"/>
+        <pc:sldMkLst>
+          <pc:docMk/>
+          <pc:sldMk cId="2854467045" sldId="295"/>
+        </pc:sldMkLst>
+      </pc:sldChg>
+      <pc:sldChg chg="modSp mod">
+        <pc:chgData name="Alexandra Björnham" userId="09fb604d-9c8a-4ac5-ba40-5f9eb696fc4a" providerId="ADAL" clId="{AB25E1F0-1704-4B7C-A134-11EA8EACFAC8}" dt="2024-06-03T10:31:11.655" v="25" actId="20577"/>
+        <pc:sldMkLst>
+          <pc:docMk/>
+          <pc:sldMk cId="2290443957" sldId="296"/>
+        </pc:sldMkLst>
+        <pc:spChg chg="mod">
+          <ac:chgData name="Alexandra Björnham" userId="09fb604d-9c8a-4ac5-ba40-5f9eb696fc4a" providerId="ADAL" clId="{AB25E1F0-1704-4B7C-A134-11EA8EACFAC8}" dt="2024-06-03T10:31:11.655" v="25" actId="20577"/>
+          <ac:spMkLst>
+            <pc:docMk/>
+            <pc:sldMk cId="2290443957" sldId="296"/>
+            <ac:spMk id="3" creationId="{627A2D34-4537-7653-47D4-60A8F9C5F16F}"/>
+          </ac:spMkLst>
+        </pc:spChg>
+      </pc:sldChg>
+      <pc:sldChg chg="del">
+        <pc:chgData name="Alexandra Björnham" userId="09fb604d-9c8a-4ac5-ba40-5f9eb696fc4a" providerId="ADAL" clId="{AB25E1F0-1704-4B7C-A134-11EA8EACFAC8}" dt="2024-06-03T10:30:48.389" v="10" actId="47"/>
+        <pc:sldMkLst>
+          <pc:docMk/>
+          <pc:sldMk cId="3597379145" sldId="297"/>
+        </pc:sldMkLst>
+      </pc:sldChg>
+      <pc:sldChg chg="del">
+        <pc:chgData name="Alexandra Björnham" userId="09fb604d-9c8a-4ac5-ba40-5f9eb696fc4a" providerId="ADAL" clId="{AB25E1F0-1704-4B7C-A134-11EA8EACFAC8}" dt="2024-06-03T10:30:48.389" v="10" actId="47"/>
+        <pc:sldMkLst>
+          <pc:docMk/>
+          <pc:sldMk cId="1851284232" sldId="298"/>
+        </pc:sldMkLst>
+      </pc:sldChg>
+      <pc:sldChg chg="del">
+        <pc:chgData name="Alexandra Björnham" userId="09fb604d-9c8a-4ac5-ba40-5f9eb696fc4a" providerId="ADAL" clId="{AB25E1F0-1704-4B7C-A134-11EA8EACFAC8}" dt="2024-06-03T10:30:48.389" v="10" actId="47"/>
+        <pc:sldMkLst>
+          <pc:docMk/>
+          <pc:sldMk cId="2629184072" sldId="299"/>
+        </pc:sldMkLst>
+      </pc:sldChg>
+      <pc:sldChg chg="del">
+        <pc:chgData name="Alexandra Björnham" userId="09fb604d-9c8a-4ac5-ba40-5f9eb696fc4a" providerId="ADAL" clId="{AB25E1F0-1704-4B7C-A134-11EA8EACFAC8}" dt="2024-06-03T10:30:48.389" v="10" actId="47"/>
+        <pc:sldMkLst>
+          <pc:docMk/>
+          <pc:sldMk cId="2054255250" sldId="300"/>
+        </pc:sldMkLst>
+      </pc:sldChg>
+      <pc:sldChg chg="del">
+        <pc:chgData name="Alexandra Björnham" userId="09fb604d-9c8a-4ac5-ba40-5f9eb696fc4a" providerId="ADAL" clId="{AB25E1F0-1704-4B7C-A134-11EA8EACFAC8}" dt="2024-06-03T10:30:48.389" v="10" actId="47"/>
+        <pc:sldMkLst>
+          <pc:docMk/>
+          <pc:sldMk cId="4174705414" sldId="301"/>
+        </pc:sldMkLst>
+      </pc:sldChg>
+      <pc:sldChg chg="del">
+        <pc:chgData name="Alexandra Björnham" userId="09fb604d-9c8a-4ac5-ba40-5f9eb696fc4a" providerId="ADAL" clId="{AB25E1F0-1704-4B7C-A134-11EA8EACFAC8}" dt="2024-06-03T10:30:48.389" v="10" actId="47"/>
+        <pc:sldMkLst>
+          <pc:docMk/>
+          <pc:sldMk cId="68757682" sldId="302"/>
+        </pc:sldMkLst>
+      </pc:sldChg>
+      <pc:sldChg chg="del">
+        <pc:chgData name="Alexandra Björnham" userId="09fb604d-9c8a-4ac5-ba40-5f9eb696fc4a" providerId="ADAL" clId="{AB25E1F0-1704-4B7C-A134-11EA8EACFAC8}" dt="2024-06-03T10:30:48.389" v="10" actId="47"/>
+        <pc:sldMkLst>
+          <pc:docMk/>
+          <pc:sldMk cId="1743426760" sldId="303"/>
+        </pc:sldMkLst>
+      </pc:sldChg>
+      <pc:sldChg chg="del">
+        <pc:chgData name="Alexandra Björnham" userId="09fb604d-9c8a-4ac5-ba40-5f9eb696fc4a" providerId="ADAL" clId="{AB25E1F0-1704-4B7C-A134-11EA8EACFAC8}" dt="2024-06-03T10:30:48.389" v="10" actId="47"/>
+        <pc:sldMkLst>
+          <pc:docMk/>
+          <pc:sldMk cId="664653128" sldId="304"/>
+        </pc:sldMkLst>
+      </pc:sldChg>
+      <pc:sldChg chg="del">
+        <pc:chgData name="Alexandra Björnham" userId="09fb604d-9c8a-4ac5-ba40-5f9eb696fc4a" providerId="ADAL" clId="{AB25E1F0-1704-4B7C-A134-11EA8EACFAC8}" dt="2024-06-03T10:30:48.389" v="10" actId="47"/>
+        <pc:sldMkLst>
+          <pc:docMk/>
+          <pc:sldMk cId="2567276736" sldId="305"/>
+        </pc:sldMkLst>
+      </pc:sldChg>
+      <pc:sldChg chg="del">
+        <pc:chgData name="Alexandra Björnham" userId="09fb604d-9c8a-4ac5-ba40-5f9eb696fc4a" providerId="ADAL" clId="{AB25E1F0-1704-4B7C-A134-11EA8EACFAC8}" dt="2024-06-03T10:30:48.389" v="10" actId="47"/>
+        <pc:sldMkLst>
+          <pc:docMk/>
+          <pc:sldMk cId="3431481199" sldId="306"/>
+        </pc:sldMkLst>
+      </pc:sldChg>
+      <pc:sldChg chg="del">
+        <pc:chgData name="Alexandra Björnham" userId="09fb604d-9c8a-4ac5-ba40-5f9eb696fc4a" providerId="ADAL" clId="{AB25E1F0-1704-4B7C-A134-11EA8EACFAC8}" dt="2024-06-03T10:30:48.389" v="10" actId="47"/>
+        <pc:sldMkLst>
+          <pc:docMk/>
+          <pc:sldMk cId="1207611210" sldId="307"/>
+        </pc:sldMkLst>
+      </pc:sldChg>
+    </pc:docChg>
+  </pc:docChgLst>
+  <pc:docChgLst>
     <pc:chgData name="Alexandra Björnham" userId="09fb604d-9c8a-4ac5-ba40-5f9eb696fc4a" providerId="ADAL" clId="{A8289D4A-263B-49CE-9447-9BDB55CA3AF1}"/>
-    <pc:docChg chg="custSel addSld delSld modSld sldOrd">
-      <pc:chgData name="Alexandra Björnham" userId="09fb604d-9c8a-4ac5-ba40-5f9eb696fc4a" providerId="ADAL" clId="{A8289D4A-263B-49CE-9447-9BDB55CA3AF1}" dt="2024-03-19T09:38:07.359" v="395" actId="20577"/>
+    <pc:docChg chg="undo custSel addSld delSld modSld sldOrd">
+      <pc:chgData name="Alexandra Björnham" userId="09fb604d-9c8a-4ac5-ba40-5f9eb696fc4a" providerId="ADAL" clId="{A8289D4A-263B-49CE-9447-9BDB55CA3AF1}" dt="2024-03-26T13:46:12.574" v="1386" actId="207"/>
       <pc:docMkLst>
         <pc:docMk/>
       </pc:docMkLst>
@@ -207,11 +396,19 @@
         </pc:sldMkLst>
       </pc:sldChg>
       <pc:sldChg chg="addSp modSp mod">
-        <pc:chgData name="Alexandra Björnham" userId="09fb604d-9c8a-4ac5-ba40-5f9eb696fc4a" providerId="ADAL" clId="{A8289D4A-263B-49CE-9447-9BDB55CA3AF1}" dt="2024-03-19T07:51:09.483" v="15" actId="1035"/>
+        <pc:chgData name="Alexandra Björnham" userId="09fb604d-9c8a-4ac5-ba40-5f9eb696fc4a" providerId="ADAL" clId="{A8289D4A-263B-49CE-9447-9BDB55CA3AF1}" dt="2024-03-26T12:04:06.193" v="475" actId="1076"/>
         <pc:sldMkLst>
           <pc:docMk/>
           <pc:sldMk cId="860574924" sldId="270"/>
         </pc:sldMkLst>
+        <pc:picChg chg="add mod">
+          <ac:chgData name="Alexandra Björnham" userId="09fb604d-9c8a-4ac5-ba40-5f9eb696fc4a" providerId="ADAL" clId="{A8289D4A-263B-49CE-9447-9BDB55CA3AF1}" dt="2024-03-26T12:03:49.221" v="467" actId="1076"/>
+          <ac:picMkLst>
+            <pc:docMk/>
+            <pc:sldMk cId="860574924" sldId="270"/>
+            <ac:picMk id="4" creationId="{2A34BCF1-D7B3-E527-1E83-4EAED4313457}"/>
+          </ac:picMkLst>
+        </pc:picChg>
         <pc:picChg chg="add mod">
           <ac:chgData name="Alexandra Björnham" userId="09fb604d-9c8a-4ac5-ba40-5f9eb696fc4a" providerId="ADAL" clId="{A8289D4A-263B-49CE-9447-9BDB55CA3AF1}" dt="2024-03-19T07:50:54.583" v="6" actId="1036"/>
           <ac:picMkLst>
@@ -234,6 +431,38 @@
             <pc:docMk/>
             <pc:sldMk cId="860574924" sldId="270"/>
             <ac:picMk id="7" creationId="{9EB76123-8A81-7C9A-946B-E36D84890A01}"/>
+          </ac:picMkLst>
+        </pc:picChg>
+        <pc:picChg chg="add mod">
+          <ac:chgData name="Alexandra Björnham" userId="09fb604d-9c8a-4ac5-ba40-5f9eb696fc4a" providerId="ADAL" clId="{A8289D4A-263B-49CE-9447-9BDB55CA3AF1}" dt="2024-03-26T12:03:53.142" v="469" actId="1076"/>
+          <ac:picMkLst>
+            <pc:docMk/>
+            <pc:sldMk cId="860574924" sldId="270"/>
+            <ac:picMk id="8" creationId="{0C5A8167-5CBA-4E6E-36B9-074BA8E3F815}"/>
+          </ac:picMkLst>
+        </pc:picChg>
+        <pc:picChg chg="add mod">
+          <ac:chgData name="Alexandra Björnham" userId="09fb604d-9c8a-4ac5-ba40-5f9eb696fc4a" providerId="ADAL" clId="{A8289D4A-263B-49CE-9447-9BDB55CA3AF1}" dt="2024-03-26T12:03:57.790" v="471" actId="1076"/>
+          <ac:picMkLst>
+            <pc:docMk/>
+            <pc:sldMk cId="860574924" sldId="270"/>
+            <ac:picMk id="9" creationId="{06A36B19-9FC0-4908-8FEA-B4643F6B2236}"/>
+          </ac:picMkLst>
+        </pc:picChg>
+        <pc:picChg chg="add mod">
+          <ac:chgData name="Alexandra Björnham" userId="09fb604d-9c8a-4ac5-ba40-5f9eb696fc4a" providerId="ADAL" clId="{A8289D4A-263B-49CE-9447-9BDB55CA3AF1}" dt="2024-03-26T12:04:02.179" v="473" actId="1076"/>
+          <ac:picMkLst>
+            <pc:docMk/>
+            <pc:sldMk cId="860574924" sldId="270"/>
+            <ac:picMk id="10" creationId="{97270DFC-04A5-178D-9CC2-5F8483C0C070}"/>
+          </ac:picMkLst>
+        </pc:picChg>
+        <pc:picChg chg="add mod">
+          <ac:chgData name="Alexandra Björnham" userId="09fb604d-9c8a-4ac5-ba40-5f9eb696fc4a" providerId="ADAL" clId="{A8289D4A-263B-49CE-9447-9BDB55CA3AF1}" dt="2024-03-26T12:04:06.193" v="475" actId="1076"/>
+          <ac:picMkLst>
+            <pc:docMk/>
+            <pc:sldMk cId="860574924" sldId="270"/>
+            <ac:picMk id="11" creationId="{AED45F7A-366F-5917-B4FA-710BBDF7D5A0}"/>
           </ac:picMkLst>
         </pc:picChg>
       </pc:sldChg>
@@ -349,8 +578,8 @@
           <pc:sldMk cId="3564129547" sldId="286"/>
         </pc:sldMkLst>
       </pc:sldChg>
-      <pc:sldChg chg="modSp mod">
-        <pc:chgData name="Alexandra Björnham" userId="09fb604d-9c8a-4ac5-ba40-5f9eb696fc4a" providerId="ADAL" clId="{A8289D4A-263B-49CE-9447-9BDB55CA3AF1}" dt="2024-03-19T07:54:52.485" v="116" actId="20577"/>
+      <pc:sldChg chg="modSp del mod">
+        <pc:chgData name="Alexandra Björnham" userId="09fb604d-9c8a-4ac5-ba40-5f9eb696fc4a" providerId="ADAL" clId="{A8289D4A-263B-49CE-9447-9BDB55CA3AF1}" dt="2024-03-26T12:02:32.779" v="464" actId="47"/>
         <pc:sldMkLst>
           <pc:docMk/>
           <pc:sldMk cId="1469632803" sldId="287"/>
@@ -364,8 +593,8 @@
           </ac:graphicFrameMkLst>
         </pc:graphicFrameChg>
       </pc:sldChg>
-      <pc:sldChg chg="addSp delSp modSp mod">
-        <pc:chgData name="Alexandra Björnham" userId="09fb604d-9c8a-4ac5-ba40-5f9eb696fc4a" providerId="ADAL" clId="{A8289D4A-263B-49CE-9447-9BDB55CA3AF1}" dt="2024-03-19T07:53:17.353" v="45" actId="1076"/>
+      <pc:sldChg chg="addSp delSp modSp del mod">
+        <pc:chgData name="Alexandra Björnham" userId="09fb604d-9c8a-4ac5-ba40-5f9eb696fc4a" providerId="ADAL" clId="{A8289D4A-263B-49CE-9447-9BDB55CA3AF1}" dt="2024-03-26T12:02:32.779" v="464" actId="47"/>
         <pc:sldMkLst>
           <pc:docMk/>
           <pc:sldMk cId="687416583" sldId="288"/>
@@ -466,8 +695,8 @@
           <pc:sldMk cId="366925090" sldId="289"/>
         </pc:sldMkLst>
       </pc:sldChg>
-      <pc:sldChg chg="addSp delSp modSp new mod">
-        <pc:chgData name="Alexandra Björnham" userId="09fb604d-9c8a-4ac5-ba40-5f9eb696fc4a" providerId="ADAL" clId="{A8289D4A-263B-49CE-9447-9BDB55CA3AF1}" dt="2024-03-19T09:38:07.359" v="395" actId="20577"/>
+      <pc:sldChg chg="addSp delSp modSp new del mod">
+        <pc:chgData name="Alexandra Björnham" userId="09fb604d-9c8a-4ac5-ba40-5f9eb696fc4a" providerId="ADAL" clId="{A8289D4A-263B-49CE-9447-9BDB55CA3AF1}" dt="2024-03-26T12:02:40.832" v="465" actId="47"/>
         <pc:sldMkLst>
           <pc:docMk/>
           <pc:sldMk cId="3403883220" sldId="289"/>
@@ -614,4207 +843,538 @@
           <pc:sldMk cId="2934751945" sldId="291"/>
         </pc:sldMkLst>
       </pc:sldChg>
+      <pc:sldChg chg="add del ord">
+        <pc:chgData name="Alexandra Björnham" userId="09fb604d-9c8a-4ac5-ba40-5f9eb696fc4a" providerId="ADAL" clId="{A8289D4A-263B-49CE-9447-9BDB55CA3AF1}" dt="2024-03-26T12:05:35.726" v="476" actId="47"/>
+        <pc:sldMkLst>
+          <pc:docMk/>
+          <pc:sldMk cId="4079700262" sldId="291"/>
+        </pc:sldMkLst>
+      </pc:sldChg>
+      <pc:sldChg chg="modSp add mod">
+        <pc:chgData name="Alexandra Björnham" userId="09fb604d-9c8a-4ac5-ba40-5f9eb696fc4a" providerId="ADAL" clId="{A8289D4A-263B-49CE-9447-9BDB55CA3AF1}" dt="2024-03-20T13:35:38.110" v="463" actId="20577"/>
+        <pc:sldMkLst>
+          <pc:docMk/>
+          <pc:sldMk cId="3690533731" sldId="292"/>
+        </pc:sldMkLst>
+        <pc:graphicFrameChg chg="modGraphic">
+          <ac:chgData name="Alexandra Björnham" userId="09fb604d-9c8a-4ac5-ba40-5f9eb696fc4a" providerId="ADAL" clId="{A8289D4A-263B-49CE-9447-9BDB55CA3AF1}" dt="2024-03-20T13:35:38.110" v="463" actId="20577"/>
+          <ac:graphicFrameMkLst>
+            <pc:docMk/>
+            <pc:sldMk cId="3690533731" sldId="292"/>
+            <ac:graphicFrameMk id="10" creationId="{77D80F79-A52B-113E-931D-97DB4DEC539F}"/>
+          </ac:graphicFrameMkLst>
+        </pc:graphicFrameChg>
+      </pc:sldChg>
+      <pc:sldChg chg="delSp modSp new mod">
+        <pc:chgData name="Alexandra Björnham" userId="09fb604d-9c8a-4ac5-ba40-5f9eb696fc4a" providerId="ADAL" clId="{A8289D4A-263B-49CE-9447-9BDB55CA3AF1}" dt="2024-03-26T12:12:33.827" v="514" actId="478"/>
+        <pc:sldMkLst>
+          <pc:docMk/>
+          <pc:sldMk cId="2918221789" sldId="293"/>
+        </pc:sldMkLst>
+        <pc:spChg chg="mod">
+          <ac:chgData name="Alexandra Björnham" userId="09fb604d-9c8a-4ac5-ba40-5f9eb696fc4a" providerId="ADAL" clId="{A8289D4A-263B-49CE-9447-9BDB55CA3AF1}" dt="2024-03-26T12:12:30.050" v="513" actId="20577"/>
+          <ac:spMkLst>
+            <pc:docMk/>
+            <pc:sldMk cId="2918221789" sldId="293"/>
+            <ac:spMk id="2" creationId="{DC8E21D6-BE0A-3BA9-3156-B66481BF42F9}"/>
+          </ac:spMkLst>
+        </pc:spChg>
+        <pc:spChg chg="del">
+          <ac:chgData name="Alexandra Björnham" userId="09fb604d-9c8a-4ac5-ba40-5f9eb696fc4a" providerId="ADAL" clId="{A8289D4A-263B-49CE-9447-9BDB55CA3AF1}" dt="2024-03-26T12:12:33.827" v="514" actId="478"/>
+          <ac:spMkLst>
+            <pc:docMk/>
+            <pc:sldMk cId="2918221789" sldId="293"/>
+            <ac:spMk id="3" creationId="{E512EDF3-DB9D-6CE9-3DD4-DDCFF70E51A8}"/>
+          </ac:spMkLst>
+        </pc:spChg>
+      </pc:sldChg>
+      <pc:sldChg chg="addSp delSp modSp new mod">
+        <pc:chgData name="Alexandra Björnham" userId="09fb604d-9c8a-4ac5-ba40-5f9eb696fc4a" providerId="ADAL" clId="{A8289D4A-263B-49CE-9447-9BDB55CA3AF1}" dt="2024-03-26T12:16:04.270" v="553" actId="20577"/>
+        <pc:sldMkLst>
+          <pc:docMk/>
+          <pc:sldMk cId="2829877512" sldId="294"/>
+        </pc:sldMkLst>
+        <pc:spChg chg="mod">
+          <ac:chgData name="Alexandra Björnham" userId="09fb604d-9c8a-4ac5-ba40-5f9eb696fc4a" providerId="ADAL" clId="{A8289D4A-263B-49CE-9447-9BDB55CA3AF1}" dt="2024-03-26T12:15:54.348" v="544" actId="26606"/>
+          <ac:spMkLst>
+            <pc:docMk/>
+            <pc:sldMk cId="2829877512" sldId="294"/>
+            <ac:spMk id="2" creationId="{5E003884-0629-0E93-E9E3-F3D31AF995A2}"/>
+          </ac:spMkLst>
+        </pc:spChg>
+        <pc:spChg chg="add del mod">
+          <ac:chgData name="Alexandra Björnham" userId="09fb604d-9c8a-4ac5-ba40-5f9eb696fc4a" providerId="ADAL" clId="{A8289D4A-263B-49CE-9447-9BDB55CA3AF1}" dt="2024-03-26T12:15:54.348" v="544" actId="26606"/>
+          <ac:spMkLst>
+            <pc:docMk/>
+            <pc:sldMk cId="2829877512" sldId="294"/>
+            <ac:spMk id="3" creationId="{5518B58C-7E86-23F8-2F1D-DB830B1B79A6}"/>
+          </ac:spMkLst>
+        </pc:spChg>
+        <pc:graphicFrameChg chg="add del">
+          <ac:chgData name="Alexandra Björnham" userId="09fb604d-9c8a-4ac5-ba40-5f9eb696fc4a" providerId="ADAL" clId="{A8289D4A-263B-49CE-9447-9BDB55CA3AF1}" dt="2024-03-26T12:15:54.321" v="543" actId="26606"/>
+          <ac:graphicFrameMkLst>
+            <pc:docMk/>
+            <pc:sldMk cId="2829877512" sldId="294"/>
+            <ac:graphicFrameMk id="5" creationId="{03A4BAFF-11E9-A934-7D0A-1965EB509211}"/>
+          </ac:graphicFrameMkLst>
+        </pc:graphicFrameChg>
+        <pc:graphicFrameChg chg="add mod">
+          <ac:chgData name="Alexandra Björnham" userId="09fb604d-9c8a-4ac5-ba40-5f9eb696fc4a" providerId="ADAL" clId="{A8289D4A-263B-49CE-9447-9BDB55CA3AF1}" dt="2024-03-26T12:16:04.270" v="553" actId="20577"/>
+          <ac:graphicFrameMkLst>
+            <pc:docMk/>
+            <pc:sldMk cId="2829877512" sldId="294"/>
+            <ac:graphicFrameMk id="7" creationId="{28AA738E-7240-D2CD-2556-1470F0EDC068}"/>
+          </ac:graphicFrameMkLst>
+        </pc:graphicFrameChg>
+      </pc:sldChg>
+      <pc:sldChg chg="new del">
+        <pc:chgData name="Alexandra Björnham" userId="09fb604d-9c8a-4ac5-ba40-5f9eb696fc4a" providerId="ADAL" clId="{A8289D4A-263B-49CE-9447-9BDB55CA3AF1}" dt="2024-03-26T12:12:41.547" v="516" actId="47"/>
+        <pc:sldMkLst>
+          <pc:docMk/>
+          <pc:sldMk cId="3878116174" sldId="294"/>
+        </pc:sldMkLst>
+      </pc:sldChg>
+      <pc:sldChg chg="modSp new add del mod">
+        <pc:chgData name="Alexandra Björnham" userId="09fb604d-9c8a-4ac5-ba40-5f9eb696fc4a" providerId="ADAL" clId="{A8289D4A-263B-49CE-9447-9BDB55CA3AF1}" dt="2024-03-26T13:13:51.523" v="884" actId="20577"/>
+        <pc:sldMkLst>
+          <pc:docMk/>
+          <pc:sldMk cId="2854467045" sldId="295"/>
+        </pc:sldMkLst>
+        <pc:spChg chg="mod">
+          <ac:chgData name="Alexandra Björnham" userId="09fb604d-9c8a-4ac5-ba40-5f9eb696fc4a" providerId="ADAL" clId="{A8289D4A-263B-49CE-9447-9BDB55CA3AF1}" dt="2024-03-26T13:11:54.896" v="781" actId="20577"/>
+          <ac:spMkLst>
+            <pc:docMk/>
+            <pc:sldMk cId="2854467045" sldId="295"/>
+            <ac:spMk id="2" creationId="{0FB40352-759D-9DF5-EF15-F8441A01C0DB}"/>
+          </ac:spMkLst>
+        </pc:spChg>
+        <pc:spChg chg="mod">
+          <ac:chgData name="Alexandra Björnham" userId="09fb604d-9c8a-4ac5-ba40-5f9eb696fc4a" providerId="ADAL" clId="{A8289D4A-263B-49CE-9447-9BDB55CA3AF1}" dt="2024-03-26T13:13:51.523" v="884" actId="20577"/>
+          <ac:spMkLst>
+            <pc:docMk/>
+            <pc:sldMk cId="2854467045" sldId="295"/>
+            <ac:spMk id="3" creationId="{627A2D34-4537-7653-47D4-60A8F9C5F16F}"/>
+          </ac:spMkLst>
+        </pc:spChg>
+      </pc:sldChg>
+      <pc:sldChg chg="add del">
+        <pc:chgData name="Alexandra Björnham" userId="09fb604d-9c8a-4ac5-ba40-5f9eb696fc4a" providerId="ADAL" clId="{A8289D4A-263B-49CE-9447-9BDB55CA3AF1}" dt="2024-03-26T12:31:31.532" v="556"/>
+        <pc:sldMkLst>
+          <pc:docMk/>
+          <pc:sldMk cId="1532348419" sldId="296"/>
+        </pc:sldMkLst>
+      </pc:sldChg>
+      <pc:sldChg chg="modSp add mod ord">
+        <pc:chgData name="Alexandra Björnham" userId="09fb604d-9c8a-4ac5-ba40-5f9eb696fc4a" providerId="ADAL" clId="{A8289D4A-263B-49CE-9447-9BDB55CA3AF1}" dt="2024-03-26T12:34:13.007" v="771" actId="20577"/>
+        <pc:sldMkLst>
+          <pc:docMk/>
+          <pc:sldMk cId="2290443957" sldId="296"/>
+        </pc:sldMkLst>
+        <pc:spChg chg="mod">
+          <ac:chgData name="Alexandra Björnham" userId="09fb604d-9c8a-4ac5-ba40-5f9eb696fc4a" providerId="ADAL" clId="{A8289D4A-263B-49CE-9447-9BDB55CA3AF1}" dt="2024-03-26T12:31:44.460" v="575" actId="20577"/>
+          <ac:spMkLst>
+            <pc:docMk/>
+            <pc:sldMk cId="2290443957" sldId="296"/>
+            <ac:spMk id="2" creationId="{0FB40352-759D-9DF5-EF15-F8441A01C0DB}"/>
+          </ac:spMkLst>
+        </pc:spChg>
+        <pc:spChg chg="mod">
+          <ac:chgData name="Alexandra Björnham" userId="09fb604d-9c8a-4ac5-ba40-5f9eb696fc4a" providerId="ADAL" clId="{A8289D4A-263B-49CE-9447-9BDB55CA3AF1}" dt="2024-03-26T12:34:13.007" v="771" actId="20577"/>
+          <ac:spMkLst>
+            <pc:docMk/>
+            <pc:sldMk cId="2290443957" sldId="296"/>
+            <ac:spMk id="3" creationId="{627A2D34-4537-7653-47D4-60A8F9C5F16F}"/>
+          </ac:spMkLst>
+        </pc:spChg>
+      </pc:sldChg>
+      <pc:sldChg chg="modSp new mod">
+        <pc:chgData name="Alexandra Björnham" userId="09fb604d-9c8a-4ac5-ba40-5f9eb696fc4a" providerId="ADAL" clId="{A8289D4A-263B-49CE-9447-9BDB55CA3AF1}" dt="2024-03-26T13:15:18.614" v="930" actId="20577"/>
+        <pc:sldMkLst>
+          <pc:docMk/>
+          <pc:sldMk cId="3597379145" sldId="297"/>
+        </pc:sldMkLst>
+        <pc:spChg chg="mod">
+          <ac:chgData name="Alexandra Björnham" userId="09fb604d-9c8a-4ac5-ba40-5f9eb696fc4a" providerId="ADAL" clId="{A8289D4A-263B-49CE-9447-9BDB55CA3AF1}" dt="2024-03-26T13:15:18.614" v="930" actId="20577"/>
+          <ac:spMkLst>
+            <pc:docMk/>
+            <pc:sldMk cId="3597379145" sldId="297"/>
+            <ac:spMk id="2" creationId="{55648862-EFFE-23E6-E4A7-578066C9C174}"/>
+          </ac:spMkLst>
+        </pc:spChg>
+        <pc:spChg chg="mod">
+          <ac:chgData name="Alexandra Björnham" userId="09fb604d-9c8a-4ac5-ba40-5f9eb696fc4a" providerId="ADAL" clId="{A8289D4A-263B-49CE-9447-9BDB55CA3AF1}" dt="2024-03-26T13:15:01.996" v="907" actId="403"/>
+          <ac:spMkLst>
+            <pc:docMk/>
+            <pc:sldMk cId="3597379145" sldId="297"/>
+            <ac:spMk id="3" creationId="{D040FCB5-244F-2BAD-A058-A2E35CD3E282}"/>
+          </ac:spMkLst>
+        </pc:spChg>
+      </pc:sldChg>
+      <pc:sldChg chg="modSp new mod">
+        <pc:chgData name="Alexandra Björnham" userId="09fb604d-9c8a-4ac5-ba40-5f9eb696fc4a" providerId="ADAL" clId="{A8289D4A-263B-49CE-9447-9BDB55CA3AF1}" dt="2024-03-26T13:21:16.555" v="999" actId="20577"/>
+        <pc:sldMkLst>
+          <pc:docMk/>
+          <pc:sldMk cId="1851284232" sldId="298"/>
+        </pc:sldMkLst>
+        <pc:spChg chg="mod">
+          <ac:chgData name="Alexandra Björnham" userId="09fb604d-9c8a-4ac5-ba40-5f9eb696fc4a" providerId="ADAL" clId="{A8289D4A-263B-49CE-9447-9BDB55CA3AF1}" dt="2024-03-26T13:21:16.555" v="999" actId="20577"/>
+          <ac:spMkLst>
+            <pc:docMk/>
+            <pc:sldMk cId="1851284232" sldId="298"/>
+            <ac:spMk id="2" creationId="{C20F1872-5255-18E0-BA7F-538909852DB6}"/>
+          </ac:spMkLst>
+        </pc:spChg>
+        <pc:spChg chg="mod">
+          <ac:chgData name="Alexandra Björnham" userId="09fb604d-9c8a-4ac5-ba40-5f9eb696fc4a" providerId="ADAL" clId="{A8289D4A-263B-49CE-9447-9BDB55CA3AF1}" dt="2024-03-26T13:21:05.074" v="994" actId="20577"/>
+          <ac:spMkLst>
+            <pc:docMk/>
+            <pc:sldMk cId="1851284232" sldId="298"/>
+            <ac:spMk id="3" creationId="{94D5348D-1AF1-8021-E88A-34C006BD116F}"/>
+          </ac:spMkLst>
+        </pc:spChg>
+      </pc:sldChg>
+      <pc:sldChg chg="modSp new mod">
+        <pc:chgData name="Alexandra Björnham" userId="09fb604d-9c8a-4ac5-ba40-5f9eb696fc4a" providerId="ADAL" clId="{A8289D4A-263B-49CE-9447-9BDB55CA3AF1}" dt="2024-03-26T13:21:12.547" v="998" actId="5793"/>
+        <pc:sldMkLst>
+          <pc:docMk/>
+          <pc:sldMk cId="2629184072" sldId="299"/>
+        </pc:sldMkLst>
+        <pc:spChg chg="mod">
+          <ac:chgData name="Alexandra Björnham" userId="09fb604d-9c8a-4ac5-ba40-5f9eb696fc4a" providerId="ADAL" clId="{A8289D4A-263B-49CE-9447-9BDB55CA3AF1}" dt="2024-03-26T13:21:12.547" v="998" actId="5793"/>
+          <ac:spMkLst>
+            <pc:docMk/>
+            <pc:sldMk cId="2629184072" sldId="299"/>
+            <ac:spMk id="2" creationId="{F998683D-77B1-D8B3-028F-E2E7A56420C2}"/>
+          </ac:spMkLst>
+        </pc:spChg>
+        <pc:spChg chg="mod">
+          <ac:chgData name="Alexandra Björnham" userId="09fb604d-9c8a-4ac5-ba40-5f9eb696fc4a" providerId="ADAL" clId="{A8289D4A-263B-49CE-9447-9BDB55CA3AF1}" dt="2024-03-26T13:18:47.595" v="989" actId="20577"/>
+          <ac:spMkLst>
+            <pc:docMk/>
+            <pc:sldMk cId="2629184072" sldId="299"/>
+            <ac:spMk id="3" creationId="{A68B1C30-991A-3C45-E185-20889D7312C9}"/>
+          </ac:spMkLst>
+        </pc:spChg>
+      </pc:sldChg>
+      <pc:sldChg chg="modSp new mod">
+        <pc:chgData name="Alexandra Björnham" userId="09fb604d-9c8a-4ac5-ba40-5f9eb696fc4a" providerId="ADAL" clId="{A8289D4A-263B-49CE-9447-9BDB55CA3AF1}" dt="2024-03-26T13:25:11.924" v="1033" actId="403"/>
+        <pc:sldMkLst>
+          <pc:docMk/>
+          <pc:sldMk cId="2054255250" sldId="300"/>
+        </pc:sldMkLst>
+        <pc:spChg chg="mod">
+          <ac:chgData name="Alexandra Björnham" userId="09fb604d-9c8a-4ac5-ba40-5f9eb696fc4a" providerId="ADAL" clId="{A8289D4A-263B-49CE-9447-9BDB55CA3AF1}" dt="2024-03-26T13:24:48.142" v="1019" actId="20577"/>
+          <ac:spMkLst>
+            <pc:docMk/>
+            <pc:sldMk cId="2054255250" sldId="300"/>
+            <ac:spMk id="2" creationId="{5C63552C-27A2-BE58-DC71-93D243A9BA83}"/>
+          </ac:spMkLst>
+        </pc:spChg>
+        <pc:spChg chg="mod">
+          <ac:chgData name="Alexandra Björnham" userId="09fb604d-9c8a-4ac5-ba40-5f9eb696fc4a" providerId="ADAL" clId="{A8289D4A-263B-49CE-9447-9BDB55CA3AF1}" dt="2024-03-26T13:25:11.924" v="1033" actId="403"/>
+          <ac:spMkLst>
+            <pc:docMk/>
+            <pc:sldMk cId="2054255250" sldId="300"/>
+            <ac:spMk id="3" creationId="{A38695DA-5736-466E-2CDC-369DED6396C8}"/>
+          </ac:spMkLst>
+        </pc:spChg>
+      </pc:sldChg>
+      <pc:sldChg chg="addSp delSp modSp new mod modClrScheme chgLayout">
+        <pc:chgData name="Alexandra Björnham" userId="09fb604d-9c8a-4ac5-ba40-5f9eb696fc4a" providerId="ADAL" clId="{A8289D4A-263B-49CE-9447-9BDB55CA3AF1}" dt="2024-03-26T13:36:09.905" v="1342" actId="20577"/>
+        <pc:sldMkLst>
+          <pc:docMk/>
+          <pc:sldMk cId="4174705414" sldId="301"/>
+        </pc:sldMkLst>
+        <pc:spChg chg="add del">
+          <ac:chgData name="Alexandra Björnham" userId="09fb604d-9c8a-4ac5-ba40-5f9eb696fc4a" providerId="ADAL" clId="{A8289D4A-263B-49CE-9447-9BDB55CA3AF1}" dt="2024-03-26T13:35:54.220" v="1330" actId="26606"/>
+          <ac:spMkLst>
+            <pc:docMk/>
+            <pc:sldMk cId="4174705414" sldId="301"/>
+            <ac:spMk id="2" creationId="{497CF896-03A3-C6FF-8C35-19BCDAAF15F5}"/>
+          </ac:spMkLst>
+        </pc:spChg>
+        <pc:spChg chg="add del mod">
+          <ac:chgData name="Alexandra Björnham" userId="09fb604d-9c8a-4ac5-ba40-5f9eb696fc4a" providerId="ADAL" clId="{A8289D4A-263B-49CE-9447-9BDB55CA3AF1}" dt="2024-03-26T13:35:54.220" v="1330" actId="26606"/>
+          <ac:spMkLst>
+            <pc:docMk/>
+            <pc:sldMk cId="4174705414" sldId="301"/>
+            <ac:spMk id="3" creationId="{96BA3F83-2BEE-EDFE-7A75-BCAE02BE1778}"/>
+          </ac:spMkLst>
+        </pc:spChg>
+        <pc:spChg chg="add del mod">
+          <ac:chgData name="Alexandra Björnham" userId="09fb604d-9c8a-4ac5-ba40-5f9eb696fc4a" providerId="ADAL" clId="{A8289D4A-263B-49CE-9447-9BDB55CA3AF1}" dt="2024-03-26T13:35:52.103" v="1327" actId="26606"/>
+          <ac:spMkLst>
+            <pc:docMk/>
+            <pc:sldMk cId="4174705414" sldId="301"/>
+            <ac:spMk id="9" creationId="{1D6D137D-9361-BDB5-9E16-2C9F8C75BE7F}"/>
+          </ac:spMkLst>
+        </pc:spChg>
+        <pc:spChg chg="add del mod">
+          <ac:chgData name="Alexandra Björnham" userId="09fb604d-9c8a-4ac5-ba40-5f9eb696fc4a" providerId="ADAL" clId="{A8289D4A-263B-49CE-9447-9BDB55CA3AF1}" dt="2024-03-26T13:35:52.103" v="1327" actId="26606"/>
+          <ac:spMkLst>
+            <pc:docMk/>
+            <pc:sldMk cId="4174705414" sldId="301"/>
+            <ac:spMk id="11" creationId="{F79D771E-7140-467F-F2CE-98C7F8A7075F}"/>
+          </ac:spMkLst>
+        </pc:spChg>
+        <pc:spChg chg="add del">
+          <ac:chgData name="Alexandra Björnham" userId="09fb604d-9c8a-4ac5-ba40-5f9eb696fc4a" providerId="ADAL" clId="{A8289D4A-263B-49CE-9447-9BDB55CA3AF1}" dt="2024-03-26T13:35:54.203" v="1329" actId="26606"/>
+          <ac:spMkLst>
+            <pc:docMk/>
+            <pc:sldMk cId="4174705414" sldId="301"/>
+            <ac:spMk id="13" creationId="{2E8628C1-C4FA-13EA-B516-321DB7977E61}"/>
+          </ac:spMkLst>
+        </pc:spChg>
+        <pc:spChg chg="add mod">
+          <ac:chgData name="Alexandra Björnham" userId="09fb604d-9c8a-4ac5-ba40-5f9eb696fc4a" providerId="ADAL" clId="{A8289D4A-263B-49CE-9447-9BDB55CA3AF1}" dt="2024-03-26T13:36:09.905" v="1342" actId="20577"/>
+          <ac:spMkLst>
+            <pc:docMk/>
+            <pc:sldMk cId="4174705414" sldId="301"/>
+            <ac:spMk id="16" creationId="{BE5E45B6-D408-4DF6-E4BA-60C0E5A60CD4}"/>
+          </ac:spMkLst>
+        </pc:spChg>
+        <pc:graphicFrameChg chg="add del mod">
+          <ac:chgData name="Alexandra Björnham" userId="09fb604d-9c8a-4ac5-ba40-5f9eb696fc4a" providerId="ADAL" clId="{A8289D4A-263B-49CE-9447-9BDB55CA3AF1}" dt="2024-03-26T13:35:52.103" v="1327" actId="26606"/>
+          <ac:graphicFrameMkLst>
+            <pc:docMk/>
+            <pc:sldMk cId="4174705414" sldId="301"/>
+            <ac:graphicFrameMk id="5" creationId="{ED4AD411-F58E-98CE-3D6A-047AF2B5CB4A}"/>
+          </ac:graphicFrameMkLst>
+        </pc:graphicFrameChg>
+        <pc:graphicFrameChg chg="add del">
+          <ac:chgData name="Alexandra Björnham" userId="09fb604d-9c8a-4ac5-ba40-5f9eb696fc4a" providerId="ADAL" clId="{A8289D4A-263B-49CE-9447-9BDB55CA3AF1}" dt="2024-03-26T13:35:54.203" v="1329" actId="26606"/>
+          <ac:graphicFrameMkLst>
+            <pc:docMk/>
+            <pc:sldMk cId="4174705414" sldId="301"/>
+            <ac:graphicFrameMk id="14" creationId="{EF393434-9288-0F36-C9FF-80EFD5F6C8F4}"/>
+          </ac:graphicFrameMkLst>
+        </pc:graphicFrameChg>
+        <pc:graphicFrameChg chg="add">
+          <ac:chgData name="Alexandra Björnham" userId="09fb604d-9c8a-4ac5-ba40-5f9eb696fc4a" providerId="ADAL" clId="{A8289D4A-263B-49CE-9447-9BDB55CA3AF1}" dt="2024-03-26T13:35:54.220" v="1330" actId="26606"/>
+          <ac:graphicFrameMkLst>
+            <pc:docMk/>
+            <pc:sldMk cId="4174705414" sldId="301"/>
+            <ac:graphicFrameMk id="17" creationId="{2737A5BF-76DF-9A35-030E-2F7CA0ECD88C}"/>
+          </ac:graphicFrameMkLst>
+        </pc:graphicFrameChg>
+      </pc:sldChg>
+      <pc:sldChg chg="modSp new mod">
+        <pc:chgData name="Alexandra Björnham" userId="09fb604d-9c8a-4ac5-ba40-5f9eb696fc4a" providerId="ADAL" clId="{A8289D4A-263B-49CE-9447-9BDB55CA3AF1}" dt="2024-03-26T13:25:55.419" v="1065" actId="403"/>
+        <pc:sldMkLst>
+          <pc:docMk/>
+          <pc:sldMk cId="68757682" sldId="302"/>
+        </pc:sldMkLst>
+        <pc:spChg chg="mod">
+          <ac:chgData name="Alexandra Björnham" userId="09fb604d-9c8a-4ac5-ba40-5f9eb696fc4a" providerId="ADAL" clId="{A8289D4A-263B-49CE-9447-9BDB55CA3AF1}" dt="2024-03-26T13:25:44.853" v="1060" actId="20577"/>
+          <ac:spMkLst>
+            <pc:docMk/>
+            <pc:sldMk cId="68757682" sldId="302"/>
+            <ac:spMk id="2" creationId="{D825DF7D-A5C6-46B0-2A12-C91BC9B2EDE5}"/>
+          </ac:spMkLst>
+        </pc:spChg>
+        <pc:spChg chg="mod">
+          <ac:chgData name="Alexandra Björnham" userId="09fb604d-9c8a-4ac5-ba40-5f9eb696fc4a" providerId="ADAL" clId="{A8289D4A-263B-49CE-9447-9BDB55CA3AF1}" dt="2024-03-26T13:25:55.419" v="1065" actId="403"/>
+          <ac:spMkLst>
+            <pc:docMk/>
+            <pc:sldMk cId="68757682" sldId="302"/>
+            <ac:spMk id="3" creationId="{C4B82903-E737-04FA-DA0F-246F2CD0F7FF}"/>
+          </ac:spMkLst>
+        </pc:spChg>
+      </pc:sldChg>
+      <pc:sldChg chg="modSp new mod">
+        <pc:chgData name="Alexandra Björnham" userId="09fb604d-9c8a-4ac5-ba40-5f9eb696fc4a" providerId="ADAL" clId="{A8289D4A-263B-49CE-9447-9BDB55CA3AF1}" dt="2024-03-26T13:26:37.587" v="1095" actId="255"/>
+        <pc:sldMkLst>
+          <pc:docMk/>
+          <pc:sldMk cId="1743426760" sldId="303"/>
+        </pc:sldMkLst>
+        <pc:spChg chg="mod">
+          <ac:chgData name="Alexandra Björnham" userId="09fb604d-9c8a-4ac5-ba40-5f9eb696fc4a" providerId="ADAL" clId="{A8289D4A-263B-49CE-9447-9BDB55CA3AF1}" dt="2024-03-26T13:26:15.476" v="1087" actId="20577"/>
+          <ac:spMkLst>
+            <pc:docMk/>
+            <pc:sldMk cId="1743426760" sldId="303"/>
+            <ac:spMk id="2" creationId="{617DE54E-AE31-EA8C-B444-D9A9E30F7A52}"/>
+          </ac:spMkLst>
+        </pc:spChg>
+        <pc:spChg chg="mod">
+          <ac:chgData name="Alexandra Björnham" userId="09fb604d-9c8a-4ac5-ba40-5f9eb696fc4a" providerId="ADAL" clId="{A8289D4A-263B-49CE-9447-9BDB55CA3AF1}" dt="2024-03-26T13:26:37.587" v="1095" actId="255"/>
+          <ac:spMkLst>
+            <pc:docMk/>
+            <pc:sldMk cId="1743426760" sldId="303"/>
+            <ac:spMk id="3" creationId="{46259520-F8A1-254A-02BD-F06E93900E01}"/>
+          </ac:spMkLst>
+        </pc:spChg>
+      </pc:sldChg>
+      <pc:sldChg chg="modSp new mod">
+        <pc:chgData name="Alexandra Björnham" userId="09fb604d-9c8a-4ac5-ba40-5f9eb696fc4a" providerId="ADAL" clId="{A8289D4A-263B-49CE-9447-9BDB55CA3AF1}" dt="2024-03-26T13:27:04.092" v="1120" actId="255"/>
+        <pc:sldMkLst>
+          <pc:docMk/>
+          <pc:sldMk cId="664653128" sldId="304"/>
+        </pc:sldMkLst>
+        <pc:spChg chg="mod">
+          <ac:chgData name="Alexandra Björnham" userId="09fb604d-9c8a-4ac5-ba40-5f9eb696fc4a" providerId="ADAL" clId="{A8289D4A-263B-49CE-9447-9BDB55CA3AF1}" dt="2024-03-26T13:26:57.092" v="1117" actId="20577"/>
+          <ac:spMkLst>
+            <pc:docMk/>
+            <pc:sldMk cId="664653128" sldId="304"/>
+            <ac:spMk id="2" creationId="{8C608946-97CC-EAFC-846E-FCE1D43D048F}"/>
+          </ac:spMkLst>
+        </pc:spChg>
+        <pc:spChg chg="mod">
+          <ac:chgData name="Alexandra Björnham" userId="09fb604d-9c8a-4ac5-ba40-5f9eb696fc4a" providerId="ADAL" clId="{A8289D4A-263B-49CE-9447-9BDB55CA3AF1}" dt="2024-03-26T13:27:04.092" v="1120" actId="255"/>
+          <ac:spMkLst>
+            <pc:docMk/>
+            <pc:sldMk cId="664653128" sldId="304"/>
+            <ac:spMk id="3" creationId="{340A26C2-EFFF-CF75-7C30-D0641F3AA902}"/>
+          </ac:spMkLst>
+        </pc:spChg>
+      </pc:sldChg>
+      <pc:sldChg chg="addSp delSp modSp new mod">
+        <pc:chgData name="Alexandra Björnham" userId="09fb604d-9c8a-4ac5-ba40-5f9eb696fc4a" providerId="ADAL" clId="{A8289D4A-263B-49CE-9447-9BDB55CA3AF1}" dt="2024-03-26T13:33:43.206" v="1247" actId="20577"/>
+        <pc:sldMkLst>
+          <pc:docMk/>
+          <pc:sldMk cId="2567276736" sldId="305"/>
+        </pc:sldMkLst>
+        <pc:spChg chg="mod">
+          <ac:chgData name="Alexandra Björnham" userId="09fb604d-9c8a-4ac5-ba40-5f9eb696fc4a" providerId="ADAL" clId="{A8289D4A-263B-49CE-9447-9BDB55CA3AF1}" dt="2024-03-26T13:33:25.630" v="1233" actId="26606"/>
+          <ac:spMkLst>
+            <pc:docMk/>
+            <pc:sldMk cId="2567276736" sldId="305"/>
+            <ac:spMk id="2" creationId="{7E039C03-8FB6-8495-5AA7-4D8DC8D64C1C}"/>
+          </ac:spMkLst>
+        </pc:spChg>
+        <pc:spChg chg="del mod">
+          <ac:chgData name="Alexandra Björnham" userId="09fb604d-9c8a-4ac5-ba40-5f9eb696fc4a" providerId="ADAL" clId="{A8289D4A-263B-49CE-9447-9BDB55CA3AF1}" dt="2024-03-26T13:33:25.630" v="1233" actId="26606"/>
+          <ac:spMkLst>
+            <pc:docMk/>
+            <pc:sldMk cId="2567276736" sldId="305"/>
+            <ac:spMk id="3" creationId="{5FCFDCA2-4EC0-38E3-F674-6179054C2A78}"/>
+          </ac:spMkLst>
+        </pc:spChg>
+        <pc:graphicFrameChg chg="add mod">
+          <ac:chgData name="Alexandra Björnham" userId="09fb604d-9c8a-4ac5-ba40-5f9eb696fc4a" providerId="ADAL" clId="{A8289D4A-263B-49CE-9447-9BDB55CA3AF1}" dt="2024-03-26T13:33:43.206" v="1247" actId="20577"/>
+          <ac:graphicFrameMkLst>
+            <pc:docMk/>
+            <pc:sldMk cId="2567276736" sldId="305"/>
+            <ac:graphicFrameMk id="5" creationId="{882D6B0D-AE69-4804-1EA9-A95B5B678879}"/>
+          </ac:graphicFrameMkLst>
+        </pc:graphicFrameChg>
+      </pc:sldChg>
+      <pc:sldChg chg="modSp new mod">
+        <pc:chgData name="Alexandra Björnham" userId="09fb604d-9c8a-4ac5-ba40-5f9eb696fc4a" providerId="ADAL" clId="{A8289D4A-263B-49CE-9447-9BDB55CA3AF1}" dt="2024-03-26T13:43:21.670" v="1380"/>
+        <pc:sldMkLst>
+          <pc:docMk/>
+          <pc:sldMk cId="3431481199" sldId="306"/>
+        </pc:sldMkLst>
+        <pc:spChg chg="mod">
+          <ac:chgData name="Alexandra Björnham" userId="09fb604d-9c8a-4ac5-ba40-5f9eb696fc4a" providerId="ADAL" clId="{A8289D4A-263B-49CE-9447-9BDB55CA3AF1}" dt="2024-03-26T13:28:05.376" v="1159" actId="20577"/>
+          <ac:spMkLst>
+            <pc:docMk/>
+            <pc:sldMk cId="3431481199" sldId="306"/>
+            <ac:spMk id="2" creationId="{63E6C107-D637-CFAD-78C6-E352D5F2250F}"/>
+          </ac:spMkLst>
+        </pc:spChg>
+        <pc:spChg chg="mod">
+          <ac:chgData name="Alexandra Björnham" userId="09fb604d-9c8a-4ac5-ba40-5f9eb696fc4a" providerId="ADAL" clId="{A8289D4A-263B-49CE-9447-9BDB55CA3AF1}" dt="2024-03-26T13:43:21.670" v="1380"/>
+          <ac:spMkLst>
+            <pc:docMk/>
+            <pc:sldMk cId="3431481199" sldId="306"/>
+            <ac:spMk id="3" creationId="{AB102138-D424-0984-2E31-5144919708A8}"/>
+          </ac:spMkLst>
+        </pc:spChg>
+      </pc:sldChg>
+      <pc:sldChg chg="modSp new mod">
+        <pc:chgData name="Alexandra Björnham" userId="09fb604d-9c8a-4ac5-ba40-5f9eb696fc4a" providerId="ADAL" clId="{A8289D4A-263B-49CE-9447-9BDB55CA3AF1}" dt="2024-03-26T13:34:43.085" v="1304" actId="20577"/>
+        <pc:sldMkLst>
+          <pc:docMk/>
+          <pc:sldMk cId="1207611210" sldId="307"/>
+        </pc:sldMkLst>
+        <pc:spChg chg="mod">
+          <ac:chgData name="Alexandra Björnham" userId="09fb604d-9c8a-4ac5-ba40-5f9eb696fc4a" providerId="ADAL" clId="{A8289D4A-263B-49CE-9447-9BDB55CA3AF1}" dt="2024-03-26T13:34:27.031" v="1282" actId="20577"/>
+          <ac:spMkLst>
+            <pc:docMk/>
+            <pc:sldMk cId="1207611210" sldId="307"/>
+            <ac:spMk id="2" creationId="{6442E413-D4C3-80E0-FEAF-E444A643E54F}"/>
+          </ac:spMkLst>
+        </pc:spChg>
+        <pc:spChg chg="mod">
+          <ac:chgData name="Alexandra Björnham" userId="09fb604d-9c8a-4ac5-ba40-5f9eb696fc4a" providerId="ADAL" clId="{A8289D4A-263B-49CE-9447-9BDB55CA3AF1}" dt="2024-03-26T13:34:43.085" v="1304" actId="20577"/>
+          <ac:spMkLst>
+            <pc:docMk/>
+            <pc:sldMk cId="1207611210" sldId="307"/>
+            <ac:spMk id="3" creationId="{9BF3A7CB-0BB5-B81A-6151-926F5496DF4D}"/>
+          </ac:spMkLst>
+        </pc:spChg>
+      </pc:sldChg>
+      <pc:sldChg chg="modSp add mod">
+        <pc:chgData name="Alexandra Björnham" userId="09fb604d-9c8a-4ac5-ba40-5f9eb696fc4a" providerId="ADAL" clId="{A8289D4A-263B-49CE-9447-9BDB55CA3AF1}" dt="2024-03-26T13:45:58.264" v="1383" actId="207"/>
+        <pc:sldMkLst>
+          <pc:docMk/>
+          <pc:sldMk cId="1840513607" sldId="316"/>
+        </pc:sldMkLst>
+        <pc:spChg chg="mod">
+          <ac:chgData name="Alexandra Björnham" userId="09fb604d-9c8a-4ac5-ba40-5f9eb696fc4a" providerId="ADAL" clId="{A8289D4A-263B-49CE-9447-9BDB55CA3AF1}" dt="2024-03-26T13:45:58.264" v="1383" actId="207"/>
+          <ac:spMkLst>
+            <pc:docMk/>
+            <pc:sldMk cId="1840513607" sldId="316"/>
+            <ac:spMk id="3" creationId="{011D9FC7-E9FC-8615-1A4D-91292A1E9E67}"/>
+          </ac:spMkLst>
+        </pc:spChg>
+      </pc:sldChg>
+      <pc:sldChg chg="modSp add mod">
+        <pc:chgData name="Alexandra Björnham" userId="09fb604d-9c8a-4ac5-ba40-5f9eb696fc4a" providerId="ADAL" clId="{A8289D4A-263B-49CE-9447-9BDB55CA3AF1}" dt="2024-03-26T13:46:03.228" v="1384" actId="207"/>
+        <pc:sldMkLst>
+          <pc:docMk/>
+          <pc:sldMk cId="4045277596" sldId="317"/>
+        </pc:sldMkLst>
+        <pc:spChg chg="mod">
+          <ac:chgData name="Alexandra Björnham" userId="09fb604d-9c8a-4ac5-ba40-5f9eb696fc4a" providerId="ADAL" clId="{A8289D4A-263B-49CE-9447-9BDB55CA3AF1}" dt="2024-03-26T13:46:03.228" v="1384" actId="207"/>
+          <ac:spMkLst>
+            <pc:docMk/>
+            <pc:sldMk cId="4045277596" sldId="317"/>
+            <ac:spMk id="3" creationId="{2C4F23AD-3E2B-E28D-686D-97C98FB9EE7B}"/>
+          </ac:spMkLst>
+        </pc:spChg>
+      </pc:sldChg>
+      <pc:sldChg chg="modSp add mod">
+        <pc:chgData name="Alexandra Björnham" userId="09fb604d-9c8a-4ac5-ba40-5f9eb696fc4a" providerId="ADAL" clId="{A8289D4A-263B-49CE-9447-9BDB55CA3AF1}" dt="2024-03-26T13:46:07.116" v="1385" actId="207"/>
+        <pc:sldMkLst>
+          <pc:docMk/>
+          <pc:sldMk cId="1103770123" sldId="318"/>
+        </pc:sldMkLst>
+        <pc:spChg chg="mod">
+          <ac:chgData name="Alexandra Björnham" userId="09fb604d-9c8a-4ac5-ba40-5f9eb696fc4a" providerId="ADAL" clId="{A8289D4A-263B-49CE-9447-9BDB55CA3AF1}" dt="2024-03-26T13:46:07.116" v="1385" actId="207"/>
+          <ac:spMkLst>
+            <pc:docMk/>
+            <pc:sldMk cId="1103770123" sldId="318"/>
+            <ac:spMk id="3" creationId="{94572339-7079-59CC-156D-0646A7AC0646}"/>
+          </ac:spMkLst>
+        </pc:spChg>
+        <pc:spChg chg="mod">
+          <ac:chgData name="Alexandra Björnham" userId="09fb604d-9c8a-4ac5-ba40-5f9eb696fc4a" providerId="ADAL" clId="{A8289D4A-263B-49CE-9447-9BDB55CA3AF1}" dt="2024-03-26T13:45:41.777" v="1382" actId="27636"/>
+          <ac:spMkLst>
+            <pc:docMk/>
+            <pc:sldMk cId="1103770123" sldId="318"/>
+            <ac:spMk id="4" creationId="{760E8D07-93D1-7D6D-2F5F-2C9B7AF543DF}"/>
+          </ac:spMkLst>
+        </pc:spChg>
+      </pc:sldChg>
+      <pc:sldChg chg="modSp add mod">
+        <pc:chgData name="Alexandra Björnham" userId="09fb604d-9c8a-4ac5-ba40-5f9eb696fc4a" providerId="ADAL" clId="{A8289D4A-263B-49CE-9447-9BDB55CA3AF1}" dt="2024-03-26T13:46:12.574" v="1386" actId="207"/>
+        <pc:sldMkLst>
+          <pc:docMk/>
+          <pc:sldMk cId="2461626861" sldId="319"/>
+        </pc:sldMkLst>
+        <pc:spChg chg="mod">
+          <ac:chgData name="Alexandra Björnham" userId="09fb604d-9c8a-4ac5-ba40-5f9eb696fc4a" providerId="ADAL" clId="{A8289D4A-263B-49CE-9447-9BDB55CA3AF1}" dt="2024-03-26T13:46:12.574" v="1386" actId="207"/>
+          <ac:spMkLst>
+            <pc:docMk/>
+            <pc:sldMk cId="2461626861" sldId="319"/>
+            <ac:spMk id="3" creationId="{A3B0642F-A127-98D5-6369-4FD86D90B897}"/>
+          </ac:spMkLst>
+        </pc:spChg>
+      </pc:sldChg>
     </pc:docChg>
   </pc:docChgLst>
 </pc:chgInfo>
-</file>
-
-<file path=ppt/diagrams/colors1.xml><?xml version="1.0" encoding="utf-8"?>
-<dgm:colorsDef xmlns:dgm="http://schemas.openxmlformats.org/drawingml/2006/diagram" xmlns:a="http://schemas.openxmlformats.org/drawingml/2006/main" uniqueId="urn:microsoft.com/office/officeart/2005/8/colors/accent1_2">
-  <dgm:title val=""/>
-  <dgm:desc val=""/>
-  <dgm:catLst>
-    <dgm:cat type="accent1" pri="11200"/>
-  </dgm:catLst>
-  <dgm:styleLbl name="node0">
-    <dgm:fillClrLst meth="repeat">
-      <a:schemeClr val="accent1"/>
-    </dgm:fillClrLst>
-    <dgm:linClrLst meth="repeat">
-      <a:schemeClr val="lt1"/>
-    </dgm:linClrLst>
-    <dgm:effectClrLst/>
-    <dgm:txLinClrLst/>
-    <dgm:txFillClrLst/>
-    <dgm:txEffectClrLst/>
-  </dgm:styleLbl>
-  <dgm:styleLbl name="alignNode1">
-    <dgm:fillClrLst meth="repeat">
-      <a:schemeClr val="accent1"/>
-    </dgm:fillClrLst>
-    <dgm:linClrLst meth="repeat">
-      <a:schemeClr val="accent1"/>
-    </dgm:linClrLst>
-    <dgm:effectClrLst/>
-    <dgm:txLinClrLst/>
-    <dgm:txFillClrLst/>
-    <dgm:txEffectClrLst/>
-  </dgm:styleLbl>
-  <dgm:styleLbl name="node1">
-    <dgm:fillClrLst meth="repeat">
-      <a:schemeClr val="accent1"/>
-    </dgm:fillClrLst>
-    <dgm:linClrLst meth="repeat">
-      <a:schemeClr val="lt1"/>
-    </dgm:linClrLst>
-    <dgm:effectClrLst/>
-    <dgm:txLinClrLst/>
-    <dgm:txFillClrLst/>
-    <dgm:txEffectClrLst/>
-  </dgm:styleLbl>
-  <dgm:styleLbl name="lnNode1">
-    <dgm:fillClrLst meth="repeat">
-      <a:schemeClr val="accent1"/>
-    </dgm:fillClrLst>
-    <dgm:linClrLst meth="repeat">
-      <a:schemeClr val="lt1"/>
-    </dgm:linClrLst>
-    <dgm:effectClrLst/>
-    <dgm:txLinClrLst/>
-    <dgm:txFillClrLst/>
-    <dgm:txEffectClrLst/>
-  </dgm:styleLbl>
-  <dgm:styleLbl name="vennNode1">
-    <dgm:fillClrLst meth="repeat">
-      <a:schemeClr val="accent1">
-        <a:alpha val="50000"/>
-      </a:schemeClr>
-    </dgm:fillClrLst>
-    <dgm:linClrLst meth="repeat">
-      <a:schemeClr val="lt1"/>
-    </dgm:linClrLst>
-    <dgm:effectClrLst/>
-    <dgm:txLinClrLst/>
-    <dgm:txFillClrLst/>
-    <dgm:txEffectClrLst/>
-  </dgm:styleLbl>
-  <dgm:styleLbl name="node2">
-    <dgm:fillClrLst meth="repeat">
-      <a:schemeClr val="accent1"/>
-    </dgm:fillClrLst>
-    <dgm:linClrLst meth="repeat">
-      <a:schemeClr val="lt1"/>
-    </dgm:linClrLst>
-    <dgm:effectClrLst/>
-    <dgm:txLinClrLst/>
-    <dgm:txFillClrLst/>
-    <dgm:txEffectClrLst/>
-  </dgm:styleLbl>
-  <dgm:styleLbl name="node3">
-    <dgm:fillClrLst meth="repeat">
-      <a:schemeClr val="accent1"/>
-    </dgm:fillClrLst>
-    <dgm:linClrLst meth="repeat">
-      <a:schemeClr val="lt1"/>
-    </dgm:linClrLst>
-    <dgm:effectClrLst/>
-    <dgm:txLinClrLst/>
-    <dgm:txFillClrLst/>
-    <dgm:txEffectClrLst/>
-  </dgm:styleLbl>
-  <dgm:styleLbl name="node4">
-    <dgm:fillClrLst meth="repeat">
-      <a:schemeClr val="accent1"/>
-    </dgm:fillClrLst>
-    <dgm:linClrLst meth="repeat">
-      <a:schemeClr val="lt1"/>
-    </dgm:linClrLst>
-    <dgm:effectClrLst/>
-    <dgm:txLinClrLst/>
-    <dgm:txFillClrLst/>
-    <dgm:txEffectClrLst/>
-  </dgm:styleLbl>
-  <dgm:styleLbl name="fgImgPlace1">
-    <dgm:fillClrLst meth="repeat">
-      <a:schemeClr val="accent1">
-        <a:tint val="50000"/>
-      </a:schemeClr>
-    </dgm:fillClrLst>
-    <dgm:linClrLst meth="repeat">
-      <a:schemeClr val="lt1"/>
-    </dgm:linClrLst>
-    <dgm:effectClrLst/>
-    <dgm:txLinClrLst/>
-    <dgm:txFillClrLst meth="repeat">
-      <a:schemeClr val="lt1"/>
-    </dgm:txFillClrLst>
-    <dgm:txEffectClrLst/>
-  </dgm:styleLbl>
-  <dgm:styleLbl name="alignImgPlace1">
-    <dgm:fillClrLst meth="repeat">
-      <a:schemeClr val="accent1">
-        <a:tint val="50000"/>
-      </a:schemeClr>
-    </dgm:fillClrLst>
-    <dgm:linClrLst meth="repeat">
-      <a:schemeClr val="lt1"/>
-    </dgm:linClrLst>
-    <dgm:effectClrLst/>
-    <dgm:txLinClrLst/>
-    <dgm:txFillClrLst meth="repeat">
-      <a:schemeClr val="lt1"/>
-    </dgm:txFillClrLst>
-    <dgm:txEffectClrLst/>
-  </dgm:styleLbl>
-  <dgm:styleLbl name="bgImgPlace1">
-    <dgm:fillClrLst meth="repeat">
-      <a:schemeClr val="accent1">
-        <a:tint val="50000"/>
-      </a:schemeClr>
-    </dgm:fillClrLst>
-    <dgm:linClrLst meth="repeat">
-      <a:schemeClr val="lt1"/>
-    </dgm:linClrLst>
-    <dgm:effectClrLst/>
-    <dgm:txLinClrLst/>
-    <dgm:txFillClrLst meth="repeat">
-      <a:schemeClr val="lt1"/>
-    </dgm:txFillClrLst>
-    <dgm:txEffectClrLst/>
-  </dgm:styleLbl>
-  <dgm:styleLbl name="sibTrans2D1">
-    <dgm:fillClrLst meth="repeat">
-      <a:schemeClr val="accent1">
-        <a:tint val="60000"/>
-      </a:schemeClr>
-    </dgm:fillClrLst>
-    <dgm:linClrLst meth="repeat">
-      <a:schemeClr val="accent1">
-        <a:tint val="60000"/>
-      </a:schemeClr>
-    </dgm:linClrLst>
-    <dgm:effectClrLst/>
-    <dgm:txLinClrLst/>
-    <dgm:txFillClrLst/>
-    <dgm:txEffectClrLst/>
-  </dgm:styleLbl>
-  <dgm:styleLbl name="fgSibTrans2D1">
-    <dgm:fillClrLst meth="repeat">
-      <a:schemeClr val="accent1">
-        <a:tint val="60000"/>
-      </a:schemeClr>
-    </dgm:fillClrLst>
-    <dgm:linClrLst meth="repeat">
-      <a:schemeClr val="accent1">
-        <a:tint val="60000"/>
-      </a:schemeClr>
-    </dgm:linClrLst>
-    <dgm:effectClrLst/>
-    <dgm:txLinClrLst/>
-    <dgm:txFillClrLst/>
-    <dgm:txEffectClrLst/>
-  </dgm:styleLbl>
-  <dgm:styleLbl name="bgSibTrans2D1">
-    <dgm:fillClrLst meth="repeat">
-      <a:schemeClr val="accent1">
-        <a:tint val="60000"/>
-      </a:schemeClr>
-    </dgm:fillClrLst>
-    <dgm:linClrLst meth="repeat">
-      <a:schemeClr val="accent1">
-        <a:tint val="60000"/>
-      </a:schemeClr>
-    </dgm:linClrLst>
-    <dgm:effectClrLst/>
-    <dgm:txLinClrLst/>
-    <dgm:txFillClrLst/>
-    <dgm:txEffectClrLst/>
-  </dgm:styleLbl>
-  <dgm:styleLbl name="sibTrans1D1">
-    <dgm:fillClrLst meth="repeat">
-      <a:schemeClr val="accent1"/>
-    </dgm:fillClrLst>
-    <dgm:linClrLst meth="repeat">
-      <a:schemeClr val="accent1"/>
-    </dgm:linClrLst>
-    <dgm:effectClrLst/>
-    <dgm:txLinClrLst/>
-    <dgm:txFillClrLst meth="repeat">
-      <a:schemeClr val="tx1"/>
-    </dgm:txFillClrLst>
-    <dgm:txEffectClrLst/>
-  </dgm:styleLbl>
-  <dgm:styleLbl name="callout">
-    <dgm:fillClrLst meth="repeat">
-      <a:schemeClr val="accent1"/>
-    </dgm:fillClrLst>
-    <dgm:linClrLst meth="repeat">
-      <a:schemeClr val="accent1">
-        <a:tint val="50000"/>
-      </a:schemeClr>
-    </dgm:linClrLst>
-    <dgm:effectClrLst/>
-    <dgm:txLinClrLst/>
-    <dgm:txFillClrLst meth="repeat">
-      <a:schemeClr val="tx1"/>
-    </dgm:txFillClrLst>
-    <dgm:txEffectClrLst/>
-  </dgm:styleLbl>
-  <dgm:styleLbl name="asst0">
-    <dgm:fillClrLst meth="repeat">
-      <a:schemeClr val="accent1"/>
-    </dgm:fillClrLst>
-    <dgm:linClrLst meth="repeat">
-      <a:schemeClr val="lt1"/>
-    </dgm:linClrLst>
-    <dgm:effectClrLst/>
-    <dgm:txLinClrLst/>
-    <dgm:txFillClrLst/>
-    <dgm:txEffectClrLst/>
-  </dgm:styleLbl>
-  <dgm:styleLbl name="asst1">
-    <dgm:fillClrLst meth="repeat">
-      <a:schemeClr val="accent1"/>
-    </dgm:fillClrLst>
-    <dgm:linClrLst meth="repeat">
-      <a:schemeClr val="lt1"/>
-    </dgm:linClrLst>
-    <dgm:effectClrLst/>
-    <dgm:txLinClrLst/>
-    <dgm:txFillClrLst/>
-    <dgm:txEffectClrLst/>
-  </dgm:styleLbl>
-  <dgm:styleLbl name="asst2">
-    <dgm:fillClrLst meth="repeat">
-      <a:schemeClr val="accent1"/>
-    </dgm:fillClrLst>
-    <dgm:linClrLst meth="repeat">
-      <a:schemeClr val="lt1"/>
-    </dgm:linClrLst>
-    <dgm:effectClrLst/>
-    <dgm:txLinClrLst/>
-    <dgm:txFillClrLst/>
-    <dgm:txEffectClrLst/>
-  </dgm:styleLbl>
-  <dgm:styleLbl name="asst3">
-    <dgm:fillClrLst meth="repeat">
-      <a:schemeClr val="accent1"/>
-    </dgm:fillClrLst>
-    <dgm:linClrLst meth="repeat">
-      <a:schemeClr val="lt1"/>
-    </dgm:linClrLst>
-    <dgm:effectClrLst/>
-    <dgm:txLinClrLst/>
-    <dgm:txFillClrLst/>
-    <dgm:txEffectClrLst/>
-  </dgm:styleLbl>
-  <dgm:styleLbl name="asst4">
-    <dgm:fillClrLst meth="repeat">
-      <a:schemeClr val="accent1"/>
-    </dgm:fillClrLst>
-    <dgm:linClrLst meth="repeat">
-      <a:schemeClr val="lt1"/>
-    </dgm:linClrLst>
-    <dgm:effectClrLst/>
-    <dgm:txLinClrLst/>
-    <dgm:txFillClrLst/>
-    <dgm:txEffectClrLst/>
-  </dgm:styleLbl>
-  <dgm:styleLbl name="parChTrans2D1">
-    <dgm:fillClrLst meth="repeat">
-      <a:schemeClr val="accent1">
-        <a:tint val="60000"/>
-      </a:schemeClr>
-    </dgm:fillClrLst>
-    <dgm:linClrLst meth="repeat">
-      <a:schemeClr val="accent1">
-        <a:tint val="60000"/>
-      </a:schemeClr>
-    </dgm:linClrLst>
-    <dgm:effectClrLst/>
-    <dgm:txLinClrLst/>
-    <dgm:txFillClrLst meth="repeat">
-      <a:schemeClr val="lt1"/>
-    </dgm:txFillClrLst>
-    <dgm:txEffectClrLst/>
-  </dgm:styleLbl>
-  <dgm:styleLbl name="parChTrans2D2">
-    <dgm:fillClrLst meth="repeat">
-      <a:schemeClr val="accent1"/>
-    </dgm:fillClrLst>
-    <dgm:linClrLst meth="repeat">
-      <a:schemeClr val="accent1"/>
-    </dgm:linClrLst>
-    <dgm:effectClrLst/>
-    <dgm:txLinClrLst/>
-    <dgm:txFillClrLst meth="repeat">
-      <a:schemeClr val="lt1"/>
-    </dgm:txFillClrLst>
-    <dgm:txEffectClrLst/>
-  </dgm:styleLbl>
-  <dgm:styleLbl name="parChTrans2D3">
-    <dgm:fillClrLst meth="repeat">
-      <a:schemeClr val="accent1"/>
-    </dgm:fillClrLst>
-    <dgm:linClrLst meth="repeat">
-      <a:schemeClr val="accent1"/>
-    </dgm:linClrLst>
-    <dgm:effectClrLst/>
-    <dgm:txLinClrLst/>
-    <dgm:txFillClrLst meth="repeat">
-      <a:schemeClr val="lt1"/>
-    </dgm:txFillClrLst>
-    <dgm:txEffectClrLst/>
-  </dgm:styleLbl>
-  <dgm:styleLbl name="parChTrans2D4">
-    <dgm:fillClrLst meth="repeat">
-      <a:schemeClr val="accent1"/>
-    </dgm:fillClrLst>
-    <dgm:linClrLst meth="repeat">
-      <a:schemeClr val="accent1"/>
-    </dgm:linClrLst>
-    <dgm:effectClrLst/>
-    <dgm:txLinClrLst/>
-    <dgm:txFillClrLst meth="repeat">
-      <a:schemeClr val="lt1"/>
-    </dgm:txFillClrLst>
-    <dgm:txEffectClrLst/>
-  </dgm:styleLbl>
-  <dgm:styleLbl name="parChTrans1D1">
-    <dgm:fillClrLst meth="repeat">
-      <a:schemeClr val="accent1"/>
-    </dgm:fillClrLst>
-    <dgm:linClrLst meth="repeat">
-      <a:schemeClr val="accent1">
-        <a:shade val="60000"/>
-      </a:schemeClr>
-    </dgm:linClrLst>
-    <dgm:effectClrLst/>
-    <dgm:txLinClrLst/>
-    <dgm:txFillClrLst meth="repeat">
-      <a:schemeClr val="tx1"/>
-    </dgm:txFillClrLst>
-    <dgm:txEffectClrLst/>
-  </dgm:styleLbl>
-  <dgm:styleLbl name="parChTrans1D2">
-    <dgm:fillClrLst meth="repeat">
-      <a:schemeClr val="accent1"/>
-    </dgm:fillClrLst>
-    <dgm:linClrLst meth="repeat">
-      <a:schemeClr val="accent1">
-        <a:shade val="60000"/>
-      </a:schemeClr>
-    </dgm:linClrLst>
-    <dgm:effectClrLst/>
-    <dgm:txLinClrLst/>
-    <dgm:txFillClrLst meth="repeat">
-      <a:schemeClr val="tx1"/>
-    </dgm:txFillClrLst>
-    <dgm:txEffectClrLst/>
-  </dgm:styleLbl>
-  <dgm:styleLbl name="parChTrans1D3">
-    <dgm:fillClrLst meth="repeat">
-      <a:schemeClr val="accent1"/>
-    </dgm:fillClrLst>
-    <dgm:linClrLst meth="repeat">
-      <a:schemeClr val="accent1">
-        <a:shade val="80000"/>
-      </a:schemeClr>
-    </dgm:linClrLst>
-    <dgm:effectClrLst/>
-    <dgm:txLinClrLst/>
-    <dgm:txFillClrLst meth="repeat">
-      <a:schemeClr val="tx1"/>
-    </dgm:txFillClrLst>
-    <dgm:txEffectClrLst/>
-  </dgm:styleLbl>
-  <dgm:styleLbl name="parChTrans1D4">
-    <dgm:fillClrLst meth="repeat">
-      <a:schemeClr val="accent1"/>
-    </dgm:fillClrLst>
-    <dgm:linClrLst meth="repeat">
-      <a:schemeClr val="accent1">
-        <a:shade val="80000"/>
-      </a:schemeClr>
-    </dgm:linClrLst>
-    <dgm:effectClrLst/>
-    <dgm:txLinClrLst/>
-    <dgm:txFillClrLst meth="repeat">
-      <a:schemeClr val="tx1"/>
-    </dgm:txFillClrLst>
-    <dgm:txEffectClrLst/>
-  </dgm:styleLbl>
-  <dgm:styleLbl name="fgAcc1">
-    <dgm:fillClrLst meth="repeat">
-      <a:schemeClr val="lt1">
-        <a:alpha val="90000"/>
-      </a:schemeClr>
-    </dgm:fillClrLst>
-    <dgm:linClrLst meth="repeat">
-      <a:schemeClr val="accent1"/>
-    </dgm:linClrLst>
-    <dgm:effectClrLst/>
-    <dgm:txLinClrLst/>
-    <dgm:txFillClrLst meth="repeat">
-      <a:schemeClr val="dk1"/>
-    </dgm:txFillClrLst>
-    <dgm:txEffectClrLst/>
-  </dgm:styleLbl>
-  <dgm:styleLbl name="conFgAcc1">
-    <dgm:fillClrLst meth="repeat">
-      <a:schemeClr val="lt1">
-        <a:alpha val="90000"/>
-      </a:schemeClr>
-    </dgm:fillClrLst>
-    <dgm:linClrLst meth="repeat">
-      <a:schemeClr val="accent1"/>
-    </dgm:linClrLst>
-    <dgm:effectClrLst/>
-    <dgm:txLinClrLst/>
-    <dgm:txFillClrLst meth="repeat">
-      <a:schemeClr val="dk1"/>
-    </dgm:txFillClrLst>
-    <dgm:txEffectClrLst/>
-  </dgm:styleLbl>
-  <dgm:styleLbl name="alignAcc1">
-    <dgm:fillClrLst meth="repeat">
-      <a:schemeClr val="lt1">
-        <a:alpha val="90000"/>
-      </a:schemeClr>
-    </dgm:fillClrLst>
-    <dgm:linClrLst meth="repeat">
-      <a:schemeClr val="accent1"/>
-    </dgm:linClrLst>
-    <dgm:effectClrLst/>
-    <dgm:txLinClrLst/>
-    <dgm:txFillClrLst meth="repeat">
-      <a:schemeClr val="dk1"/>
-    </dgm:txFillClrLst>
-    <dgm:txEffectClrLst/>
-  </dgm:styleLbl>
-  <dgm:styleLbl name="trAlignAcc1">
-    <dgm:fillClrLst meth="repeat">
-      <a:schemeClr val="lt1">
-        <a:alpha val="40000"/>
-      </a:schemeClr>
-    </dgm:fillClrLst>
-    <dgm:linClrLst meth="repeat">
-      <a:schemeClr val="accent1"/>
-    </dgm:linClrLst>
-    <dgm:effectClrLst/>
-    <dgm:txLinClrLst/>
-    <dgm:txFillClrLst meth="repeat">
-      <a:schemeClr val="dk1"/>
-    </dgm:txFillClrLst>
-    <dgm:txEffectClrLst/>
-  </dgm:styleLbl>
-  <dgm:styleLbl name="bgAcc1">
-    <dgm:fillClrLst meth="repeat">
-      <a:schemeClr val="lt1">
-        <a:alpha val="90000"/>
-      </a:schemeClr>
-    </dgm:fillClrLst>
-    <dgm:linClrLst meth="repeat">
-      <a:schemeClr val="accent1"/>
-    </dgm:linClrLst>
-    <dgm:effectClrLst/>
-    <dgm:txLinClrLst/>
-    <dgm:txFillClrLst meth="repeat">
-      <a:schemeClr val="dk1"/>
-    </dgm:txFillClrLst>
-    <dgm:txEffectClrLst/>
-  </dgm:styleLbl>
-  <dgm:styleLbl name="solidFgAcc1">
-    <dgm:fillClrLst meth="repeat">
-      <a:schemeClr val="lt1"/>
-    </dgm:fillClrLst>
-    <dgm:linClrLst meth="repeat">
-      <a:schemeClr val="accent1"/>
-    </dgm:linClrLst>
-    <dgm:effectClrLst/>
-    <dgm:txLinClrLst/>
-    <dgm:txFillClrLst meth="repeat">
-      <a:schemeClr val="dk1"/>
-    </dgm:txFillClrLst>
-    <dgm:txEffectClrLst/>
-  </dgm:styleLbl>
-  <dgm:styleLbl name="solidAlignAcc1">
-    <dgm:fillClrLst meth="repeat">
-      <a:schemeClr val="lt1"/>
-    </dgm:fillClrLst>
-    <dgm:linClrLst meth="repeat">
-      <a:schemeClr val="accent1"/>
-    </dgm:linClrLst>
-    <dgm:effectClrLst/>
-    <dgm:txLinClrLst/>
-    <dgm:txFillClrLst meth="repeat">
-      <a:schemeClr val="dk1"/>
-    </dgm:txFillClrLst>
-    <dgm:txEffectClrLst/>
-  </dgm:styleLbl>
-  <dgm:styleLbl name="solidBgAcc1">
-    <dgm:fillClrLst meth="repeat">
-      <a:schemeClr val="lt1"/>
-    </dgm:fillClrLst>
-    <dgm:linClrLst meth="repeat">
-      <a:schemeClr val="accent1"/>
-    </dgm:linClrLst>
-    <dgm:effectClrLst/>
-    <dgm:txLinClrLst/>
-    <dgm:txFillClrLst meth="repeat">
-      <a:schemeClr val="dk1"/>
-    </dgm:txFillClrLst>
-    <dgm:txEffectClrLst/>
-  </dgm:styleLbl>
-  <dgm:styleLbl name="fgAccFollowNode1">
-    <dgm:fillClrLst meth="repeat">
-      <a:schemeClr val="accent1">
-        <a:alpha val="90000"/>
-        <a:tint val="40000"/>
-      </a:schemeClr>
-    </dgm:fillClrLst>
-    <dgm:linClrLst meth="repeat">
-      <a:schemeClr val="accent1">
-        <a:alpha val="90000"/>
-        <a:tint val="40000"/>
-      </a:schemeClr>
-    </dgm:linClrLst>
-    <dgm:effectClrLst/>
-    <dgm:txLinClrLst/>
-    <dgm:txFillClrLst meth="repeat">
-      <a:schemeClr val="dk1"/>
-    </dgm:txFillClrLst>
-    <dgm:txEffectClrLst/>
-  </dgm:styleLbl>
-  <dgm:styleLbl name="alignAccFollowNode1">
-    <dgm:fillClrLst meth="repeat">
-      <a:schemeClr val="accent1">
-        <a:alpha val="90000"/>
-        <a:tint val="40000"/>
-      </a:schemeClr>
-    </dgm:fillClrLst>
-    <dgm:linClrLst meth="repeat">
-      <a:schemeClr val="accent1">
-        <a:alpha val="90000"/>
-        <a:tint val="40000"/>
-      </a:schemeClr>
-    </dgm:linClrLst>
-    <dgm:effectClrLst/>
-    <dgm:txLinClrLst/>
-    <dgm:txFillClrLst meth="repeat">
-      <a:schemeClr val="dk1"/>
-    </dgm:txFillClrLst>
-    <dgm:txEffectClrLst/>
-  </dgm:styleLbl>
-  <dgm:styleLbl name="bgAccFollowNode1">
-    <dgm:fillClrLst meth="repeat">
-      <a:schemeClr val="accent1">
-        <a:alpha val="90000"/>
-        <a:tint val="40000"/>
-      </a:schemeClr>
-    </dgm:fillClrLst>
-    <dgm:linClrLst meth="repeat">
-      <a:schemeClr val="accent1">
-        <a:alpha val="90000"/>
-        <a:tint val="40000"/>
-      </a:schemeClr>
-    </dgm:linClrLst>
-    <dgm:effectClrLst/>
-    <dgm:txLinClrLst/>
-    <dgm:txFillClrLst meth="repeat">
-      <a:schemeClr val="dk1"/>
-    </dgm:txFillClrLst>
-    <dgm:txEffectClrLst/>
-  </dgm:styleLbl>
-  <dgm:styleLbl name="fgAcc0">
-    <dgm:fillClrLst meth="repeat">
-      <a:schemeClr val="lt1">
-        <a:alpha val="90000"/>
-      </a:schemeClr>
-    </dgm:fillClrLst>
-    <dgm:linClrLst meth="repeat">
-      <a:schemeClr val="accent1"/>
-    </dgm:linClrLst>
-    <dgm:effectClrLst/>
-    <dgm:txLinClrLst/>
-    <dgm:txFillClrLst meth="repeat">
-      <a:schemeClr val="dk1"/>
-    </dgm:txFillClrLst>
-    <dgm:txEffectClrLst/>
-  </dgm:styleLbl>
-  <dgm:styleLbl name="fgAcc2">
-    <dgm:fillClrLst meth="repeat">
-      <a:schemeClr val="lt1">
-        <a:alpha val="90000"/>
-      </a:schemeClr>
-    </dgm:fillClrLst>
-    <dgm:linClrLst meth="repeat">
-      <a:schemeClr val="accent1"/>
-    </dgm:linClrLst>
-    <dgm:effectClrLst/>
-    <dgm:txLinClrLst/>
-    <dgm:txFillClrLst meth="repeat">
-      <a:schemeClr val="dk1"/>
-    </dgm:txFillClrLst>
-    <dgm:txEffectClrLst/>
-  </dgm:styleLbl>
-  <dgm:styleLbl name="fgAcc3">
-    <dgm:fillClrLst meth="repeat">
-      <a:schemeClr val="lt1">
-        <a:alpha val="90000"/>
-      </a:schemeClr>
-    </dgm:fillClrLst>
-    <dgm:linClrLst meth="repeat">
-      <a:schemeClr val="accent1"/>
-    </dgm:linClrLst>
-    <dgm:effectClrLst/>
-    <dgm:txLinClrLst/>
-    <dgm:txFillClrLst meth="repeat">
-      <a:schemeClr val="dk1"/>
-    </dgm:txFillClrLst>
-    <dgm:txEffectClrLst/>
-  </dgm:styleLbl>
-  <dgm:styleLbl name="fgAcc4">
-    <dgm:fillClrLst meth="repeat">
-      <a:schemeClr val="lt1">
-        <a:alpha val="90000"/>
-      </a:schemeClr>
-    </dgm:fillClrLst>
-    <dgm:linClrLst meth="repeat">
-      <a:schemeClr val="accent1"/>
-    </dgm:linClrLst>
-    <dgm:effectClrLst/>
-    <dgm:txLinClrLst/>
-    <dgm:txFillClrLst meth="repeat">
-      <a:schemeClr val="dk1"/>
-    </dgm:txFillClrLst>
-    <dgm:txEffectClrLst/>
-  </dgm:styleLbl>
-  <dgm:styleLbl name="bgShp">
-    <dgm:fillClrLst meth="repeat">
-      <a:schemeClr val="accent1">
-        <a:tint val="40000"/>
-      </a:schemeClr>
-    </dgm:fillClrLst>
-    <dgm:linClrLst meth="repeat">
-      <a:schemeClr val="accent1"/>
-    </dgm:linClrLst>
-    <dgm:effectClrLst/>
-    <dgm:txLinClrLst/>
-    <dgm:txFillClrLst meth="repeat">
-      <a:schemeClr val="dk1"/>
-    </dgm:txFillClrLst>
-    <dgm:txEffectClrLst/>
-  </dgm:styleLbl>
-  <dgm:styleLbl name="dkBgShp">
-    <dgm:fillClrLst meth="repeat">
-      <a:schemeClr val="accent1">
-        <a:shade val="80000"/>
-      </a:schemeClr>
-    </dgm:fillClrLst>
-    <dgm:linClrLst meth="repeat">
-      <a:schemeClr val="accent1"/>
-    </dgm:linClrLst>
-    <dgm:effectClrLst/>
-    <dgm:txLinClrLst/>
-    <dgm:txFillClrLst meth="repeat">
-      <a:schemeClr val="lt1"/>
-    </dgm:txFillClrLst>
-    <dgm:txEffectClrLst/>
-  </dgm:styleLbl>
-  <dgm:styleLbl name="trBgShp">
-    <dgm:fillClrLst meth="repeat">
-      <a:schemeClr val="accent1">
-        <a:tint val="50000"/>
-        <a:alpha val="40000"/>
-      </a:schemeClr>
-    </dgm:fillClrLst>
-    <dgm:linClrLst meth="repeat">
-      <a:schemeClr val="accent1"/>
-    </dgm:linClrLst>
-    <dgm:effectClrLst/>
-    <dgm:txLinClrLst/>
-    <dgm:txFillClrLst meth="repeat">
-      <a:schemeClr val="lt1"/>
-    </dgm:txFillClrLst>
-    <dgm:txEffectClrLst/>
-  </dgm:styleLbl>
-  <dgm:styleLbl name="fgShp">
-    <dgm:fillClrLst meth="repeat">
-      <a:schemeClr val="accent1">
-        <a:tint val="60000"/>
-      </a:schemeClr>
-    </dgm:fillClrLst>
-    <dgm:linClrLst meth="repeat">
-      <a:schemeClr val="lt1"/>
-    </dgm:linClrLst>
-    <dgm:effectClrLst/>
-    <dgm:txLinClrLst/>
-    <dgm:txFillClrLst meth="repeat">
-      <a:schemeClr val="dk1"/>
-    </dgm:txFillClrLst>
-    <dgm:txEffectClrLst/>
-  </dgm:styleLbl>
-  <dgm:styleLbl name="revTx">
-    <dgm:fillClrLst meth="repeat">
-      <a:schemeClr val="lt1">
-        <a:alpha val="0"/>
-      </a:schemeClr>
-    </dgm:fillClrLst>
-    <dgm:linClrLst meth="repeat">
-      <a:schemeClr val="dk1">
-        <a:alpha val="0"/>
-      </a:schemeClr>
-    </dgm:linClrLst>
-    <dgm:effectClrLst/>
-    <dgm:txLinClrLst/>
-    <dgm:txFillClrLst meth="repeat">
-      <a:schemeClr val="tx1"/>
-    </dgm:txFillClrLst>
-    <dgm:txEffectClrLst/>
-  </dgm:styleLbl>
-</dgm:colorsDef>
-</file>
-
-<file path=ppt/diagrams/data1.xml><?xml version="1.0" encoding="utf-8"?>
-<dgm:dataModel xmlns:dgm="http://schemas.openxmlformats.org/drawingml/2006/diagram" xmlns:a="http://schemas.openxmlformats.org/drawingml/2006/main">
-  <dgm:ptLst>
-    <dgm:pt modelId="{D7EFBCFE-BBBF-4919-83DA-494E8373A46A}" type="doc">
-      <dgm:prSet loTypeId="urn:microsoft.com/office/officeart/2005/8/layout/default" loCatId="list" qsTypeId="urn:microsoft.com/office/officeart/2005/8/quickstyle/simple1" qsCatId="simple" csTypeId="urn:microsoft.com/office/officeart/2005/8/colors/accent1_2" csCatId="accent1" phldr="1"/>
-      <dgm:spPr/>
-      <dgm:t>
-        <a:bodyPr/>
-        <a:lstStyle/>
-        <a:p>
-          <a:endParaRPr lang="en-US"/>
-        </a:p>
-      </dgm:t>
-    </dgm:pt>
-    <dgm:pt modelId="{948FDE5B-9AE4-4A31-AE79-483CF3BCDCC5}">
-      <dgm:prSet/>
-      <dgm:spPr/>
-      <dgm:t>
-        <a:bodyPr/>
-        <a:lstStyle/>
-        <a:p>
-          <a:r>
-            <a:rPr lang="en-US" b="1" dirty="0" err="1"/>
-            <a:t>Modularitet</a:t>
-          </a:r>
-          <a:br>
-            <a:rPr lang="en-US" b="1" dirty="0"/>
-          </a:br>
-          <a:br>
-            <a:rPr lang="en-US" dirty="0"/>
-          </a:br>
-          <a:r>
-            <a:rPr lang="en-US" dirty="0" err="1"/>
-            <a:t>Enklare</a:t>
-          </a:r>
-          <a:r>
-            <a:rPr lang="en-US" dirty="0"/>
-            <a:t> </a:t>
-          </a:r>
-          <a:r>
-            <a:rPr lang="en-US" dirty="0" err="1"/>
-            <a:t>att</a:t>
-          </a:r>
-          <a:r>
-            <a:rPr lang="en-US" dirty="0"/>
-            <a:t> </a:t>
-          </a:r>
-          <a:r>
-            <a:rPr lang="en-US" dirty="0" err="1"/>
-            <a:t>hantera</a:t>
-          </a:r>
-          <a:r>
-            <a:rPr lang="en-US" dirty="0"/>
-            <a:t> </a:t>
-          </a:r>
-          <a:r>
-            <a:rPr lang="en-US" dirty="0" err="1"/>
-            <a:t>och</a:t>
-          </a:r>
-          <a:r>
-            <a:rPr lang="en-US" dirty="0"/>
-            <a:t> </a:t>
-          </a:r>
-          <a:r>
-            <a:rPr lang="en-US" dirty="0" err="1"/>
-            <a:t>underhålla</a:t>
-          </a:r>
-          <a:r>
-            <a:rPr lang="en-US" dirty="0"/>
-            <a:t>. </a:t>
-          </a:r>
-          <a:r>
-            <a:rPr lang="en-US" dirty="0" err="1"/>
-            <a:t>Varje</a:t>
-          </a:r>
-          <a:r>
-            <a:rPr lang="en-US" dirty="0"/>
-            <a:t> fil </a:t>
-          </a:r>
-          <a:r>
-            <a:rPr lang="en-US" dirty="0" err="1"/>
-            <a:t>kan</a:t>
-          </a:r>
-          <a:r>
-            <a:rPr lang="en-US" dirty="0"/>
-            <a:t> </a:t>
-          </a:r>
-          <a:r>
-            <a:rPr lang="en-US" dirty="0" err="1"/>
-            <a:t>göra</a:t>
-          </a:r>
-          <a:r>
-            <a:rPr lang="en-US" dirty="0"/>
-            <a:t> </a:t>
-          </a:r>
-          <a:r>
-            <a:rPr lang="en-US" dirty="0" err="1"/>
-            <a:t>en</a:t>
-          </a:r>
-          <a:r>
-            <a:rPr lang="en-US" dirty="0"/>
-            <a:t> </a:t>
-          </a:r>
-          <a:r>
-            <a:rPr lang="en-US" dirty="0" err="1"/>
-            <a:t>sak</a:t>
-          </a:r>
-          <a:r>
-            <a:rPr lang="en-US" dirty="0"/>
-            <a:t>, </a:t>
-          </a:r>
-          <a:r>
-            <a:rPr lang="en-US" dirty="0" err="1"/>
-            <a:t>som</a:t>
-          </a:r>
-          <a:r>
-            <a:rPr lang="en-US" dirty="0"/>
-            <a:t> </a:t>
-          </a:r>
-          <a:r>
-            <a:rPr lang="en-US" dirty="0" err="1"/>
-            <a:t>att</a:t>
-          </a:r>
-          <a:r>
-            <a:rPr lang="en-US" dirty="0"/>
-            <a:t> </a:t>
-          </a:r>
-          <a:r>
-            <a:rPr lang="en-US" dirty="0" err="1"/>
-            <a:t>definiera</a:t>
-          </a:r>
-          <a:r>
-            <a:rPr lang="en-US" dirty="0"/>
-            <a:t> </a:t>
-          </a:r>
-          <a:r>
-            <a:rPr lang="en-US" dirty="0" err="1"/>
-            <a:t>klasser</a:t>
-          </a:r>
-          <a:r>
-            <a:rPr lang="en-US" dirty="0"/>
-            <a:t> </a:t>
-          </a:r>
-          <a:r>
-            <a:rPr lang="en-US" dirty="0" err="1"/>
-            <a:t>eller</a:t>
-          </a:r>
-          <a:r>
-            <a:rPr lang="en-US" dirty="0"/>
-            <a:t> </a:t>
-          </a:r>
-          <a:r>
-            <a:rPr lang="en-US" dirty="0" err="1"/>
-            <a:t>funktioner</a:t>
-          </a:r>
-          <a:r>
-            <a:rPr lang="en-US" dirty="0"/>
-            <a:t>.</a:t>
-          </a:r>
-        </a:p>
-      </dgm:t>
-    </dgm:pt>
-    <dgm:pt modelId="{F7AFF8B7-E615-4D94-9A4C-838F7F96AE2B}" type="parTrans" cxnId="{8E01FB21-B83F-4491-B47C-B15C2433441A}">
-      <dgm:prSet/>
-      <dgm:spPr/>
-      <dgm:t>
-        <a:bodyPr/>
-        <a:lstStyle/>
-        <a:p>
-          <a:endParaRPr lang="en-US"/>
-        </a:p>
-      </dgm:t>
-    </dgm:pt>
-    <dgm:pt modelId="{D1596C4A-F2A7-4545-BB01-5150EA203009}" type="sibTrans" cxnId="{8E01FB21-B83F-4491-B47C-B15C2433441A}">
-      <dgm:prSet/>
-      <dgm:spPr/>
-      <dgm:t>
-        <a:bodyPr/>
-        <a:lstStyle/>
-        <a:p>
-          <a:endParaRPr lang="en-US"/>
-        </a:p>
-      </dgm:t>
-    </dgm:pt>
-    <dgm:pt modelId="{BA7726A2-EBEB-4D06-BFAD-BC4A5DF60F02}">
-      <dgm:prSet/>
-      <dgm:spPr/>
-      <dgm:t>
-        <a:bodyPr/>
-        <a:lstStyle/>
-        <a:p>
-          <a:r>
-            <a:rPr lang="en-US" b="1" dirty="0" err="1"/>
-            <a:t>Läsbarhet</a:t>
-          </a:r>
-          <a:br>
-            <a:rPr lang="en-US" b="1" dirty="0"/>
-          </a:br>
-          <a:br>
-            <a:rPr lang="en-US" dirty="0"/>
-          </a:br>
-          <a:r>
-            <a:rPr lang="en-US" dirty="0" err="1"/>
-            <a:t>Lättare</a:t>
-          </a:r>
-          <a:r>
-            <a:rPr lang="en-US" dirty="0"/>
-            <a:t> </a:t>
-          </a:r>
-          <a:r>
-            <a:rPr lang="en-US" dirty="0" err="1"/>
-            <a:t>att</a:t>
-          </a:r>
-          <a:r>
-            <a:rPr lang="en-US" dirty="0"/>
-            <a:t> </a:t>
-          </a:r>
-          <a:r>
-            <a:rPr lang="en-US" dirty="0" err="1"/>
-            <a:t>läsa</a:t>
-          </a:r>
-          <a:r>
-            <a:rPr lang="en-US" dirty="0"/>
-            <a:t> </a:t>
-          </a:r>
-          <a:r>
-            <a:rPr lang="en-US" dirty="0" err="1"/>
-            <a:t>och</a:t>
-          </a:r>
-          <a:r>
-            <a:rPr lang="en-US" dirty="0"/>
-            <a:t> </a:t>
-          </a:r>
-          <a:r>
-            <a:rPr lang="en-US" dirty="0" err="1"/>
-            <a:t>förstå</a:t>
-          </a:r>
-          <a:r>
-            <a:rPr lang="en-US" dirty="0"/>
-            <a:t>. </a:t>
-          </a:r>
-          <a:r>
-            <a:rPr lang="en-US" dirty="0" err="1"/>
-            <a:t>Snabbt</a:t>
-          </a:r>
-          <a:r>
-            <a:rPr lang="en-US" dirty="0"/>
-            <a:t> </a:t>
-          </a:r>
-          <a:r>
-            <a:rPr lang="en-US" dirty="0" err="1"/>
-            <a:t>att</a:t>
-          </a:r>
-          <a:r>
-            <a:rPr lang="en-US" dirty="0"/>
-            <a:t> </a:t>
-          </a:r>
-          <a:r>
-            <a:rPr lang="en-US" dirty="0" err="1"/>
-            <a:t>hitta</a:t>
-          </a:r>
-          <a:r>
-            <a:rPr lang="en-US" dirty="0"/>
-            <a:t> </a:t>
-          </a:r>
-          <a:r>
-            <a:rPr lang="en-US" dirty="0" err="1"/>
-            <a:t>specifika</a:t>
-          </a:r>
-          <a:r>
-            <a:rPr lang="en-US" dirty="0"/>
-            <a:t> </a:t>
-          </a:r>
-          <a:r>
-            <a:rPr lang="en-US" dirty="0" err="1"/>
-            <a:t>delar</a:t>
-          </a:r>
-          <a:r>
-            <a:rPr lang="en-US" dirty="0"/>
-            <a:t>.</a:t>
-          </a:r>
-        </a:p>
-      </dgm:t>
-    </dgm:pt>
-    <dgm:pt modelId="{89E5A77E-66A5-4D63-A572-A67F7A9957D3}" type="parTrans" cxnId="{D48ED1DC-7AAB-481D-AD91-04652F7D809D}">
-      <dgm:prSet/>
-      <dgm:spPr/>
-      <dgm:t>
-        <a:bodyPr/>
-        <a:lstStyle/>
-        <a:p>
-          <a:endParaRPr lang="en-US"/>
-        </a:p>
-      </dgm:t>
-    </dgm:pt>
-    <dgm:pt modelId="{E3C10630-0177-4986-8C03-BD447136899D}" type="sibTrans" cxnId="{D48ED1DC-7AAB-481D-AD91-04652F7D809D}">
-      <dgm:prSet/>
-      <dgm:spPr/>
-      <dgm:t>
-        <a:bodyPr/>
-        <a:lstStyle/>
-        <a:p>
-          <a:endParaRPr lang="en-US"/>
-        </a:p>
-      </dgm:t>
-    </dgm:pt>
-    <dgm:pt modelId="{3D8B7C30-3CC1-47F7-8CEB-7D05756772AE}">
-      <dgm:prSet/>
-      <dgm:spPr/>
-      <dgm:t>
-        <a:bodyPr/>
-        <a:lstStyle/>
-        <a:p>
-          <a:r>
-            <a:rPr lang="en-US" b="1" dirty="0" err="1"/>
-            <a:t>Återanvändbarhet</a:t>
-          </a:r>
-          <a:br>
-            <a:rPr lang="en-US" b="1" dirty="0"/>
-          </a:br>
-          <a:endParaRPr lang="en-US" b="1" dirty="0"/>
-        </a:p>
-        <a:p>
-          <a:r>
-            <a:rPr lang="en-US" dirty="0" err="1"/>
-            <a:t>Modulär</a:t>
-          </a:r>
-          <a:r>
-            <a:rPr lang="en-US" dirty="0"/>
-            <a:t> </a:t>
-          </a:r>
-          <a:r>
-            <a:rPr lang="en-US" dirty="0" err="1"/>
-            <a:t>kod</a:t>
-          </a:r>
-          <a:r>
-            <a:rPr lang="en-US" dirty="0"/>
-            <a:t> </a:t>
-          </a:r>
-          <a:r>
-            <a:rPr lang="en-US" dirty="0" err="1"/>
-            <a:t>kan</a:t>
-          </a:r>
-          <a:r>
-            <a:rPr lang="en-US" dirty="0"/>
-            <a:t> </a:t>
-          </a:r>
-          <a:r>
-            <a:rPr lang="en-US" dirty="0" err="1"/>
-            <a:t>återanvändas</a:t>
-          </a:r>
-          <a:r>
-            <a:rPr lang="en-US" dirty="0"/>
-            <a:t> </a:t>
-          </a:r>
-          <a:r>
-            <a:rPr lang="en-US" dirty="0" err="1"/>
-            <a:t>i</a:t>
-          </a:r>
-          <a:r>
-            <a:rPr lang="en-US" dirty="0"/>
-            <a:t> </a:t>
-          </a:r>
-          <a:r>
-            <a:rPr lang="en-US" dirty="0" err="1"/>
-            <a:t>olika</a:t>
-          </a:r>
-          <a:r>
-            <a:rPr lang="en-US" dirty="0"/>
-            <a:t> </a:t>
-          </a:r>
-          <a:r>
-            <a:rPr lang="en-US" dirty="0" err="1"/>
-            <a:t>delar</a:t>
-          </a:r>
-          <a:r>
-            <a:rPr lang="en-US" dirty="0"/>
-            <a:t> av </a:t>
-          </a:r>
-          <a:r>
-            <a:rPr lang="en-US" dirty="0" err="1"/>
-            <a:t>programmet</a:t>
-          </a:r>
-          <a:r>
-            <a:rPr lang="en-US" dirty="0"/>
-            <a:t> </a:t>
-          </a:r>
-          <a:r>
-            <a:rPr lang="en-US" dirty="0" err="1"/>
-            <a:t>eller</a:t>
-          </a:r>
-          <a:r>
-            <a:rPr lang="en-US" dirty="0"/>
-            <a:t> </a:t>
-          </a:r>
-          <a:r>
-            <a:rPr lang="en-US" dirty="0" err="1"/>
-            <a:t>i</a:t>
-          </a:r>
-          <a:r>
-            <a:rPr lang="en-US" dirty="0"/>
-            <a:t> </a:t>
-          </a:r>
-          <a:r>
-            <a:rPr lang="en-US" dirty="0" err="1"/>
-            <a:t>andra</a:t>
-          </a:r>
-          <a:r>
-            <a:rPr lang="en-US" dirty="0"/>
-            <a:t> </a:t>
-          </a:r>
-          <a:r>
-            <a:rPr lang="en-US" dirty="0" err="1"/>
-            <a:t>projekt</a:t>
-          </a:r>
-          <a:r>
-            <a:rPr lang="en-US" dirty="0"/>
-            <a:t>. </a:t>
-          </a:r>
-        </a:p>
-      </dgm:t>
-    </dgm:pt>
-    <dgm:pt modelId="{8F9C6452-9772-4980-B4B6-B59D39D2BEC2}" type="parTrans" cxnId="{810B082E-7CDD-4B25-8550-C2F101CEE880}">
-      <dgm:prSet/>
-      <dgm:spPr/>
-      <dgm:t>
-        <a:bodyPr/>
-        <a:lstStyle/>
-        <a:p>
-          <a:endParaRPr lang="en-US"/>
-        </a:p>
-      </dgm:t>
-    </dgm:pt>
-    <dgm:pt modelId="{F2977E65-BBC7-4C28-A333-55CED9D16B8D}" type="sibTrans" cxnId="{810B082E-7CDD-4B25-8550-C2F101CEE880}">
-      <dgm:prSet/>
-      <dgm:spPr/>
-      <dgm:t>
-        <a:bodyPr/>
-        <a:lstStyle/>
-        <a:p>
-          <a:endParaRPr lang="en-US"/>
-        </a:p>
-      </dgm:t>
-    </dgm:pt>
-    <dgm:pt modelId="{28D2DE4D-F9DD-4CC8-BB65-E06A134140E7}">
-      <dgm:prSet/>
-      <dgm:spPr/>
-      <dgm:t>
-        <a:bodyPr/>
-        <a:lstStyle/>
-        <a:p>
-          <a:r>
-            <a:rPr lang="en-US" b="1" dirty="0" err="1"/>
-            <a:t>Samarbete</a:t>
-          </a:r>
-          <a:br>
-            <a:rPr lang="en-US" b="1" dirty="0"/>
-          </a:br>
-          <a:br>
-            <a:rPr lang="en-US" dirty="0"/>
-          </a:br>
-          <a:r>
-            <a:rPr lang="en-US" dirty="0" err="1"/>
-            <a:t>Enklare</a:t>
-          </a:r>
-          <a:r>
-            <a:rPr lang="en-US" dirty="0"/>
-            <a:t> </a:t>
-          </a:r>
-          <a:r>
-            <a:rPr lang="en-US"/>
-            <a:t>samarbete. </a:t>
-          </a:r>
-          <a:r>
-            <a:rPr lang="en-US" dirty="0" err="1"/>
-            <a:t>Flera</a:t>
-          </a:r>
-          <a:r>
-            <a:rPr lang="en-US" dirty="0"/>
-            <a:t> </a:t>
-          </a:r>
-          <a:r>
-            <a:rPr lang="en-US" dirty="0" err="1"/>
-            <a:t>utvecklare</a:t>
-          </a:r>
-          <a:r>
-            <a:rPr lang="en-US" dirty="0"/>
-            <a:t> </a:t>
-          </a:r>
-          <a:r>
-            <a:rPr lang="en-US" dirty="0" err="1"/>
-            <a:t>kan</a:t>
-          </a:r>
-          <a:r>
-            <a:rPr lang="en-US" dirty="0"/>
-            <a:t> </a:t>
-          </a:r>
-          <a:r>
-            <a:rPr lang="en-US" dirty="0" err="1"/>
-            <a:t>arbeta</a:t>
-          </a:r>
-          <a:r>
-            <a:rPr lang="en-US" dirty="0"/>
-            <a:t> med </a:t>
-          </a:r>
-          <a:r>
-            <a:rPr lang="en-US" dirty="0" err="1"/>
-            <a:t>olika</a:t>
-          </a:r>
-          <a:r>
-            <a:rPr lang="en-US" dirty="0"/>
-            <a:t> </a:t>
-          </a:r>
-          <a:r>
-            <a:rPr lang="en-US" dirty="0" err="1"/>
-            <a:t>moduler</a:t>
-          </a:r>
-          <a:r>
-            <a:rPr lang="en-US" dirty="0"/>
-            <a:t> </a:t>
-          </a:r>
-          <a:r>
-            <a:rPr lang="en-US" dirty="0" err="1"/>
-            <a:t>samtidigt</a:t>
-          </a:r>
-          <a:r>
-            <a:rPr lang="en-US" dirty="0"/>
-            <a:t> </a:t>
-          </a:r>
-          <a:r>
-            <a:rPr lang="en-US" dirty="0" err="1"/>
-            <a:t>utan</a:t>
-          </a:r>
-          <a:r>
-            <a:rPr lang="en-US" dirty="0"/>
-            <a:t> </a:t>
-          </a:r>
-          <a:r>
-            <a:rPr lang="en-US" dirty="0" err="1"/>
-            <a:t>att</a:t>
-          </a:r>
-          <a:r>
-            <a:rPr lang="en-US" dirty="0"/>
-            <a:t> </a:t>
-          </a:r>
-          <a:r>
-            <a:rPr lang="en-US" dirty="0" err="1"/>
-            <a:t>störa</a:t>
-          </a:r>
-          <a:r>
-            <a:rPr lang="en-US" dirty="0"/>
-            <a:t> </a:t>
-          </a:r>
-          <a:r>
-            <a:rPr lang="en-US" dirty="0" err="1"/>
-            <a:t>varandras</a:t>
-          </a:r>
-          <a:r>
-            <a:rPr lang="en-US" dirty="0"/>
-            <a:t> </a:t>
-          </a:r>
-          <a:r>
-            <a:rPr lang="en-US" dirty="0" err="1"/>
-            <a:t>kod</a:t>
-          </a:r>
-          <a:r>
-            <a:rPr lang="en-US" dirty="0"/>
-            <a:t>.</a:t>
-          </a:r>
-        </a:p>
-      </dgm:t>
-    </dgm:pt>
-    <dgm:pt modelId="{E83DA284-2269-4B3F-B9A4-06D271CBAA3E}" type="parTrans" cxnId="{309F965E-9624-4110-8A95-A1198A8ED838}">
-      <dgm:prSet/>
-      <dgm:spPr/>
-      <dgm:t>
-        <a:bodyPr/>
-        <a:lstStyle/>
-        <a:p>
-          <a:endParaRPr lang="en-US"/>
-        </a:p>
-      </dgm:t>
-    </dgm:pt>
-    <dgm:pt modelId="{D2F0AA82-1111-4628-9738-C66B257A4539}" type="sibTrans" cxnId="{309F965E-9624-4110-8A95-A1198A8ED838}">
-      <dgm:prSet/>
-      <dgm:spPr/>
-      <dgm:t>
-        <a:bodyPr/>
-        <a:lstStyle/>
-        <a:p>
-          <a:endParaRPr lang="en-US"/>
-        </a:p>
-      </dgm:t>
-    </dgm:pt>
-    <dgm:pt modelId="{AFF6742E-21CD-4312-BBFF-EDC36D1B8CAA}">
-      <dgm:prSet/>
-      <dgm:spPr/>
-      <dgm:t>
-        <a:bodyPr/>
-        <a:lstStyle/>
-        <a:p>
-          <a:r>
-            <a:rPr lang="en-US" b="1" dirty="0" err="1"/>
-            <a:t>Testning</a:t>
-          </a:r>
-          <a:r>
-            <a:rPr lang="en-US" b="1" dirty="0"/>
-            <a:t> </a:t>
-          </a:r>
-          <a:r>
-            <a:rPr lang="en-US" b="1" dirty="0" err="1"/>
-            <a:t>och</a:t>
-          </a:r>
-          <a:r>
-            <a:rPr lang="en-US" b="1" dirty="0"/>
-            <a:t> </a:t>
-          </a:r>
-          <a:r>
-            <a:rPr lang="en-US" b="1" dirty="0" err="1"/>
-            <a:t>Felsökning</a:t>
-          </a:r>
-          <a:br>
-            <a:rPr lang="en-US" b="1" dirty="0"/>
-          </a:br>
-          <a:br>
-            <a:rPr lang="en-US" dirty="0"/>
-          </a:br>
-          <a:r>
-            <a:rPr lang="en-US" dirty="0" err="1"/>
-            <a:t>Lättare</a:t>
-          </a:r>
-          <a:r>
-            <a:rPr lang="en-US" dirty="0"/>
-            <a:t> </a:t>
-          </a:r>
-          <a:r>
-            <a:rPr lang="en-US" dirty="0" err="1"/>
-            <a:t>att</a:t>
-          </a:r>
-          <a:r>
-            <a:rPr lang="en-US" dirty="0"/>
-            <a:t> </a:t>
-          </a:r>
-          <a:r>
-            <a:rPr lang="en-US" dirty="0" err="1"/>
-            <a:t>isolera</a:t>
-          </a:r>
-          <a:r>
-            <a:rPr lang="en-US" dirty="0"/>
-            <a:t> </a:t>
-          </a:r>
-          <a:r>
-            <a:rPr lang="en-US" dirty="0" err="1"/>
-            <a:t>och</a:t>
-          </a:r>
-          <a:r>
-            <a:rPr lang="en-US" dirty="0"/>
-            <a:t> </a:t>
-          </a:r>
-          <a:r>
-            <a:rPr lang="en-US" dirty="0" err="1"/>
-            <a:t>testa</a:t>
-          </a:r>
-          <a:r>
-            <a:rPr lang="en-US" dirty="0"/>
-            <a:t> </a:t>
-          </a:r>
-          <a:r>
-            <a:rPr lang="en-US" dirty="0" err="1"/>
-            <a:t>enskilda</a:t>
-          </a:r>
-          <a:r>
-            <a:rPr lang="en-US" dirty="0"/>
-            <a:t> </a:t>
-          </a:r>
-          <a:r>
-            <a:rPr lang="en-US" dirty="0" err="1"/>
-            <a:t>delar</a:t>
-          </a:r>
-          <a:r>
-            <a:rPr lang="en-US" dirty="0"/>
-            <a:t>. </a:t>
-          </a:r>
-          <a:r>
-            <a:rPr lang="en-US" dirty="0" err="1"/>
-            <a:t>Felsökning</a:t>
-          </a:r>
-          <a:r>
-            <a:rPr lang="en-US" dirty="0"/>
-            <a:t> </a:t>
-          </a:r>
-          <a:r>
-            <a:rPr lang="en-US" dirty="0" err="1"/>
-            <a:t>blir</a:t>
-          </a:r>
-          <a:r>
-            <a:rPr lang="en-US" dirty="0"/>
-            <a:t> </a:t>
-          </a:r>
-          <a:r>
-            <a:rPr lang="en-US" dirty="0" err="1"/>
-            <a:t>enklare</a:t>
-          </a:r>
-          <a:r>
-            <a:rPr lang="en-US" dirty="0"/>
-            <a:t> </a:t>
-          </a:r>
-          <a:r>
-            <a:rPr lang="en-US" dirty="0" err="1"/>
-            <a:t>eftersom</a:t>
-          </a:r>
-          <a:r>
-            <a:rPr lang="en-US" dirty="0"/>
-            <a:t> du </a:t>
-          </a:r>
-          <a:r>
-            <a:rPr lang="en-US" dirty="0" err="1"/>
-            <a:t>kan</a:t>
-          </a:r>
-          <a:r>
-            <a:rPr lang="en-US" dirty="0"/>
-            <a:t> </a:t>
-          </a:r>
-          <a:r>
-            <a:rPr lang="en-US" dirty="0" err="1"/>
-            <a:t>fokusera</a:t>
-          </a:r>
-          <a:r>
-            <a:rPr lang="en-US" dirty="0"/>
-            <a:t> </a:t>
-          </a:r>
-          <a:r>
-            <a:rPr lang="en-US" dirty="0" err="1"/>
-            <a:t>på</a:t>
-          </a:r>
-          <a:r>
-            <a:rPr lang="en-US" dirty="0"/>
-            <a:t> </a:t>
-          </a:r>
-          <a:r>
-            <a:rPr lang="en-US" dirty="0" err="1"/>
-            <a:t>en</a:t>
-          </a:r>
-          <a:r>
-            <a:rPr lang="en-US" dirty="0"/>
-            <a:t> </a:t>
-          </a:r>
-          <a:r>
-            <a:rPr lang="en-US" dirty="0" err="1"/>
-            <a:t>specifik</a:t>
-          </a:r>
-          <a:r>
-            <a:rPr lang="en-US" dirty="0"/>
-            <a:t> fil.</a:t>
-          </a:r>
-        </a:p>
-      </dgm:t>
-    </dgm:pt>
-    <dgm:pt modelId="{4BB56AB6-EF67-4DF1-BF40-E5B1606E5586}" type="parTrans" cxnId="{4BDD369F-E22F-40F7-AF86-29E41CA6F135}">
-      <dgm:prSet/>
-      <dgm:spPr/>
-      <dgm:t>
-        <a:bodyPr/>
-        <a:lstStyle/>
-        <a:p>
-          <a:endParaRPr lang="en-US"/>
-        </a:p>
-      </dgm:t>
-    </dgm:pt>
-    <dgm:pt modelId="{C16F3723-8219-4B57-96A5-A5B15C43FBBA}" type="sibTrans" cxnId="{4BDD369F-E22F-40F7-AF86-29E41CA6F135}">
-      <dgm:prSet/>
-      <dgm:spPr/>
-      <dgm:t>
-        <a:bodyPr/>
-        <a:lstStyle/>
-        <a:p>
-          <a:endParaRPr lang="en-US"/>
-        </a:p>
-      </dgm:t>
-    </dgm:pt>
-    <dgm:pt modelId="{1E90ACCA-277B-4B31-8A87-688D7ED8ECDC}">
-      <dgm:prSet/>
-      <dgm:spPr/>
-      <dgm:t>
-        <a:bodyPr/>
-        <a:lstStyle/>
-        <a:p>
-          <a:r>
-            <a:rPr lang="en-US" b="1" dirty="0" err="1"/>
-            <a:t>Skalbarhet</a:t>
-          </a:r>
-          <a:br>
-            <a:rPr lang="en-US" b="1" dirty="0"/>
-          </a:br>
-          <a:br>
-            <a:rPr lang="en-US" dirty="0"/>
-          </a:br>
-          <a:r>
-            <a:rPr lang="en-US" dirty="0" err="1"/>
-            <a:t>Lättare</a:t>
-          </a:r>
-          <a:r>
-            <a:rPr lang="en-US" dirty="0"/>
-            <a:t> </a:t>
-          </a:r>
-          <a:r>
-            <a:rPr lang="en-US" dirty="0" err="1"/>
-            <a:t>att</a:t>
-          </a:r>
-          <a:r>
-            <a:rPr lang="en-US" dirty="0"/>
-            <a:t> </a:t>
-          </a:r>
-          <a:r>
-            <a:rPr lang="en-US" dirty="0" err="1"/>
-            <a:t>behålla</a:t>
-          </a:r>
-          <a:r>
-            <a:rPr lang="en-US" dirty="0"/>
-            <a:t> </a:t>
-          </a:r>
-          <a:r>
-            <a:rPr lang="en-US" dirty="0" err="1"/>
-            <a:t>skalbarheten</a:t>
-          </a:r>
-          <a:r>
-            <a:rPr lang="en-US" dirty="0"/>
-            <a:t>. Du </a:t>
-          </a:r>
-          <a:r>
-            <a:rPr lang="en-US" dirty="0" err="1"/>
-            <a:t>kan</a:t>
-          </a:r>
-          <a:r>
-            <a:rPr lang="en-US" dirty="0"/>
-            <a:t> </a:t>
-          </a:r>
-          <a:r>
-            <a:rPr lang="en-US" dirty="0" err="1"/>
-            <a:t>lägga</a:t>
-          </a:r>
-          <a:r>
-            <a:rPr lang="en-US" dirty="0"/>
-            <a:t> till </a:t>
-          </a:r>
-          <a:r>
-            <a:rPr lang="en-US" dirty="0" err="1"/>
-            <a:t>nya</a:t>
-          </a:r>
-          <a:r>
-            <a:rPr lang="en-US" dirty="0"/>
-            <a:t> </a:t>
-          </a:r>
-          <a:r>
-            <a:rPr lang="en-US" dirty="0" err="1"/>
-            <a:t>funktioner</a:t>
-          </a:r>
-          <a:r>
-            <a:rPr lang="en-US" dirty="0"/>
-            <a:t> </a:t>
-          </a:r>
-          <a:r>
-            <a:rPr lang="en-US" dirty="0" err="1"/>
-            <a:t>eller</a:t>
-          </a:r>
-          <a:r>
-            <a:rPr lang="en-US" dirty="0"/>
-            <a:t> </a:t>
-          </a:r>
-          <a:r>
-            <a:rPr lang="en-US" dirty="0" err="1"/>
-            <a:t>göra</a:t>
-          </a:r>
-          <a:r>
-            <a:rPr lang="en-US" dirty="0"/>
-            <a:t> </a:t>
-          </a:r>
-          <a:r>
-            <a:rPr lang="en-US" dirty="0" err="1"/>
-            <a:t>ändringar</a:t>
-          </a:r>
-          <a:r>
-            <a:rPr lang="en-US" dirty="0"/>
-            <a:t> </a:t>
-          </a:r>
-          <a:r>
-            <a:rPr lang="en-US" dirty="0" err="1"/>
-            <a:t>utan</a:t>
-          </a:r>
-          <a:r>
-            <a:rPr lang="en-US" dirty="0"/>
-            <a:t> </a:t>
-          </a:r>
-          <a:r>
-            <a:rPr lang="en-US" dirty="0" err="1"/>
-            <a:t>att</a:t>
-          </a:r>
-          <a:r>
-            <a:rPr lang="en-US" dirty="0"/>
-            <a:t> </a:t>
-          </a:r>
-          <a:r>
-            <a:rPr lang="en-US" dirty="0" err="1"/>
-            <a:t>påverka</a:t>
-          </a:r>
-          <a:r>
-            <a:rPr lang="en-US" dirty="0"/>
-            <a:t> </a:t>
-          </a:r>
-          <a:r>
-            <a:rPr lang="en-US" dirty="0" err="1"/>
-            <a:t>hela</a:t>
-          </a:r>
-          <a:r>
-            <a:rPr lang="en-US" dirty="0"/>
-            <a:t> </a:t>
-          </a:r>
-          <a:r>
-            <a:rPr lang="en-US" dirty="0" err="1"/>
-            <a:t>kodbasen</a:t>
-          </a:r>
-          <a:r>
-            <a:rPr lang="en-US" dirty="0"/>
-            <a:t>.</a:t>
-          </a:r>
-        </a:p>
-      </dgm:t>
-    </dgm:pt>
-    <dgm:pt modelId="{754DFF72-B360-4979-A637-AE842CD22CEA}" type="parTrans" cxnId="{097439CB-9319-418A-8DF1-1E2E8D8ABBD8}">
-      <dgm:prSet/>
-      <dgm:spPr/>
-      <dgm:t>
-        <a:bodyPr/>
-        <a:lstStyle/>
-        <a:p>
-          <a:endParaRPr lang="en-US"/>
-        </a:p>
-      </dgm:t>
-    </dgm:pt>
-    <dgm:pt modelId="{786E9F64-4758-43F9-AE34-E25C697F4EA6}" type="sibTrans" cxnId="{097439CB-9319-418A-8DF1-1E2E8D8ABBD8}">
-      <dgm:prSet/>
-      <dgm:spPr/>
-      <dgm:t>
-        <a:bodyPr/>
-        <a:lstStyle/>
-        <a:p>
-          <a:endParaRPr lang="en-US"/>
-        </a:p>
-      </dgm:t>
-    </dgm:pt>
-    <dgm:pt modelId="{C6942418-B9D9-4EB4-8622-502AD189CDD5}" type="pres">
-      <dgm:prSet presAssocID="{D7EFBCFE-BBBF-4919-83DA-494E8373A46A}" presName="diagram" presStyleCnt="0">
-        <dgm:presLayoutVars>
-          <dgm:dir/>
-          <dgm:resizeHandles val="exact"/>
-        </dgm:presLayoutVars>
-      </dgm:prSet>
-      <dgm:spPr/>
-    </dgm:pt>
-    <dgm:pt modelId="{8AB3B6AC-491C-4978-B73E-04A84FDF16B1}" type="pres">
-      <dgm:prSet presAssocID="{948FDE5B-9AE4-4A31-AE79-483CF3BCDCC5}" presName="node" presStyleLbl="node1" presStyleIdx="0" presStyleCnt="6">
-        <dgm:presLayoutVars>
-          <dgm:bulletEnabled val="1"/>
-        </dgm:presLayoutVars>
-      </dgm:prSet>
-      <dgm:spPr/>
-    </dgm:pt>
-    <dgm:pt modelId="{33C59DA3-98A8-406A-A29C-51FCA198F6A7}" type="pres">
-      <dgm:prSet presAssocID="{D1596C4A-F2A7-4545-BB01-5150EA203009}" presName="sibTrans" presStyleCnt="0"/>
-      <dgm:spPr/>
-    </dgm:pt>
-    <dgm:pt modelId="{89375B08-3D2D-4F0E-9988-419C79150B0E}" type="pres">
-      <dgm:prSet presAssocID="{BA7726A2-EBEB-4D06-BFAD-BC4A5DF60F02}" presName="node" presStyleLbl="node1" presStyleIdx="1" presStyleCnt="6">
-        <dgm:presLayoutVars>
-          <dgm:bulletEnabled val="1"/>
-        </dgm:presLayoutVars>
-      </dgm:prSet>
-      <dgm:spPr/>
-    </dgm:pt>
-    <dgm:pt modelId="{34B1CEC6-9F0F-4608-AD3F-061569301CC8}" type="pres">
-      <dgm:prSet presAssocID="{E3C10630-0177-4986-8C03-BD447136899D}" presName="sibTrans" presStyleCnt="0"/>
-      <dgm:spPr/>
-    </dgm:pt>
-    <dgm:pt modelId="{4ECC2E34-87D0-4CB3-A941-64EF99A1F054}" type="pres">
-      <dgm:prSet presAssocID="{3D8B7C30-3CC1-47F7-8CEB-7D05756772AE}" presName="node" presStyleLbl="node1" presStyleIdx="2" presStyleCnt="6">
-        <dgm:presLayoutVars>
-          <dgm:bulletEnabled val="1"/>
-        </dgm:presLayoutVars>
-      </dgm:prSet>
-      <dgm:spPr/>
-    </dgm:pt>
-    <dgm:pt modelId="{80FC81CA-4612-4E8A-BA4B-D0DBC7866600}" type="pres">
-      <dgm:prSet presAssocID="{F2977E65-BBC7-4C28-A333-55CED9D16B8D}" presName="sibTrans" presStyleCnt="0"/>
-      <dgm:spPr/>
-    </dgm:pt>
-    <dgm:pt modelId="{A25CD218-BCEC-4F94-81B8-6526DFDBE08A}" type="pres">
-      <dgm:prSet presAssocID="{28D2DE4D-F9DD-4CC8-BB65-E06A134140E7}" presName="node" presStyleLbl="node1" presStyleIdx="3" presStyleCnt="6">
-        <dgm:presLayoutVars>
-          <dgm:bulletEnabled val="1"/>
-        </dgm:presLayoutVars>
-      </dgm:prSet>
-      <dgm:spPr/>
-    </dgm:pt>
-    <dgm:pt modelId="{B06FD4F1-D504-4FE6-AF57-43472CAA97F8}" type="pres">
-      <dgm:prSet presAssocID="{D2F0AA82-1111-4628-9738-C66B257A4539}" presName="sibTrans" presStyleCnt="0"/>
-      <dgm:spPr/>
-    </dgm:pt>
-    <dgm:pt modelId="{F95DE0D4-E9BD-4B32-A553-B4949E9C2975}" type="pres">
-      <dgm:prSet presAssocID="{AFF6742E-21CD-4312-BBFF-EDC36D1B8CAA}" presName="node" presStyleLbl="node1" presStyleIdx="4" presStyleCnt="6">
-        <dgm:presLayoutVars>
-          <dgm:bulletEnabled val="1"/>
-        </dgm:presLayoutVars>
-      </dgm:prSet>
-      <dgm:spPr/>
-    </dgm:pt>
-    <dgm:pt modelId="{3D4D65FA-8040-4A7E-BDA5-8DE70DB1D995}" type="pres">
-      <dgm:prSet presAssocID="{C16F3723-8219-4B57-96A5-A5B15C43FBBA}" presName="sibTrans" presStyleCnt="0"/>
-      <dgm:spPr/>
-    </dgm:pt>
-    <dgm:pt modelId="{02016FE7-B7F9-4CF7-A0CC-555FC226F824}" type="pres">
-      <dgm:prSet presAssocID="{1E90ACCA-277B-4B31-8A87-688D7ED8ECDC}" presName="node" presStyleLbl="node1" presStyleIdx="5" presStyleCnt="6">
-        <dgm:presLayoutVars>
-          <dgm:bulletEnabled val="1"/>
-        </dgm:presLayoutVars>
-      </dgm:prSet>
-      <dgm:spPr/>
-    </dgm:pt>
-  </dgm:ptLst>
-  <dgm:cxnLst>
-    <dgm:cxn modelId="{A6DDAD0F-8F2B-46A6-AD78-E53FDB9EF6E9}" type="presOf" srcId="{28D2DE4D-F9DD-4CC8-BB65-E06A134140E7}" destId="{A25CD218-BCEC-4F94-81B8-6526DFDBE08A}" srcOrd="0" destOrd="0" presId="urn:microsoft.com/office/officeart/2005/8/layout/default"/>
-    <dgm:cxn modelId="{8E01FB21-B83F-4491-B47C-B15C2433441A}" srcId="{D7EFBCFE-BBBF-4919-83DA-494E8373A46A}" destId="{948FDE5B-9AE4-4A31-AE79-483CF3BCDCC5}" srcOrd="0" destOrd="0" parTransId="{F7AFF8B7-E615-4D94-9A4C-838F7F96AE2B}" sibTransId="{D1596C4A-F2A7-4545-BB01-5150EA203009}"/>
-    <dgm:cxn modelId="{B279322B-6447-4FCF-840B-541CCAAC1FAB}" type="presOf" srcId="{3D8B7C30-3CC1-47F7-8CEB-7D05756772AE}" destId="{4ECC2E34-87D0-4CB3-A941-64EF99A1F054}" srcOrd="0" destOrd="0" presId="urn:microsoft.com/office/officeart/2005/8/layout/default"/>
-    <dgm:cxn modelId="{810B082E-7CDD-4B25-8550-C2F101CEE880}" srcId="{D7EFBCFE-BBBF-4919-83DA-494E8373A46A}" destId="{3D8B7C30-3CC1-47F7-8CEB-7D05756772AE}" srcOrd="2" destOrd="0" parTransId="{8F9C6452-9772-4980-B4B6-B59D39D2BEC2}" sibTransId="{F2977E65-BBC7-4C28-A333-55CED9D16B8D}"/>
-    <dgm:cxn modelId="{6874CE35-70CB-4BA3-8F46-5DFD6F0E387A}" type="presOf" srcId="{AFF6742E-21CD-4312-BBFF-EDC36D1B8CAA}" destId="{F95DE0D4-E9BD-4B32-A553-B4949E9C2975}" srcOrd="0" destOrd="0" presId="urn:microsoft.com/office/officeart/2005/8/layout/default"/>
-    <dgm:cxn modelId="{309F965E-9624-4110-8A95-A1198A8ED838}" srcId="{D7EFBCFE-BBBF-4919-83DA-494E8373A46A}" destId="{28D2DE4D-F9DD-4CC8-BB65-E06A134140E7}" srcOrd="3" destOrd="0" parTransId="{E83DA284-2269-4B3F-B9A4-06D271CBAA3E}" sibTransId="{D2F0AA82-1111-4628-9738-C66B257A4539}"/>
-    <dgm:cxn modelId="{C3931570-F749-4A9E-8586-ACF852F70F0C}" type="presOf" srcId="{1E90ACCA-277B-4B31-8A87-688D7ED8ECDC}" destId="{02016FE7-B7F9-4CF7-A0CC-555FC226F824}" srcOrd="0" destOrd="0" presId="urn:microsoft.com/office/officeart/2005/8/layout/default"/>
-    <dgm:cxn modelId="{CAB05E74-1737-4F95-8B38-DA8CC98E9ADE}" type="presOf" srcId="{D7EFBCFE-BBBF-4919-83DA-494E8373A46A}" destId="{C6942418-B9D9-4EB4-8622-502AD189CDD5}" srcOrd="0" destOrd="0" presId="urn:microsoft.com/office/officeart/2005/8/layout/default"/>
-    <dgm:cxn modelId="{DDB60987-C368-4C1F-A961-17C71CC1D78E}" type="presOf" srcId="{BA7726A2-EBEB-4D06-BFAD-BC4A5DF60F02}" destId="{89375B08-3D2D-4F0E-9988-419C79150B0E}" srcOrd="0" destOrd="0" presId="urn:microsoft.com/office/officeart/2005/8/layout/default"/>
-    <dgm:cxn modelId="{4BDD369F-E22F-40F7-AF86-29E41CA6F135}" srcId="{D7EFBCFE-BBBF-4919-83DA-494E8373A46A}" destId="{AFF6742E-21CD-4312-BBFF-EDC36D1B8CAA}" srcOrd="4" destOrd="0" parTransId="{4BB56AB6-EF67-4DF1-BF40-E5B1606E5586}" sibTransId="{C16F3723-8219-4B57-96A5-A5B15C43FBBA}"/>
-    <dgm:cxn modelId="{097439CB-9319-418A-8DF1-1E2E8D8ABBD8}" srcId="{D7EFBCFE-BBBF-4919-83DA-494E8373A46A}" destId="{1E90ACCA-277B-4B31-8A87-688D7ED8ECDC}" srcOrd="5" destOrd="0" parTransId="{754DFF72-B360-4979-A637-AE842CD22CEA}" sibTransId="{786E9F64-4758-43F9-AE34-E25C697F4EA6}"/>
-    <dgm:cxn modelId="{DB44C5D8-00BB-4023-A7DE-2CC8FDF4F223}" type="presOf" srcId="{948FDE5B-9AE4-4A31-AE79-483CF3BCDCC5}" destId="{8AB3B6AC-491C-4978-B73E-04A84FDF16B1}" srcOrd="0" destOrd="0" presId="urn:microsoft.com/office/officeart/2005/8/layout/default"/>
-    <dgm:cxn modelId="{D48ED1DC-7AAB-481D-AD91-04652F7D809D}" srcId="{D7EFBCFE-BBBF-4919-83DA-494E8373A46A}" destId="{BA7726A2-EBEB-4D06-BFAD-BC4A5DF60F02}" srcOrd="1" destOrd="0" parTransId="{89E5A77E-66A5-4D63-A572-A67F7A9957D3}" sibTransId="{E3C10630-0177-4986-8C03-BD447136899D}"/>
-    <dgm:cxn modelId="{461E5500-CF9D-4AC3-97FD-57D7FD9A3D9B}" type="presParOf" srcId="{C6942418-B9D9-4EB4-8622-502AD189CDD5}" destId="{8AB3B6AC-491C-4978-B73E-04A84FDF16B1}" srcOrd="0" destOrd="0" presId="urn:microsoft.com/office/officeart/2005/8/layout/default"/>
-    <dgm:cxn modelId="{54F7B63E-B792-40A5-A4FE-20CFCEB736B8}" type="presParOf" srcId="{C6942418-B9D9-4EB4-8622-502AD189CDD5}" destId="{33C59DA3-98A8-406A-A29C-51FCA198F6A7}" srcOrd="1" destOrd="0" presId="urn:microsoft.com/office/officeart/2005/8/layout/default"/>
-    <dgm:cxn modelId="{C9747DE8-8257-413A-9DD2-8C47DCEE7160}" type="presParOf" srcId="{C6942418-B9D9-4EB4-8622-502AD189CDD5}" destId="{89375B08-3D2D-4F0E-9988-419C79150B0E}" srcOrd="2" destOrd="0" presId="urn:microsoft.com/office/officeart/2005/8/layout/default"/>
-    <dgm:cxn modelId="{62E85C53-47FC-4EDC-8CB8-F9AAD8D9BC83}" type="presParOf" srcId="{C6942418-B9D9-4EB4-8622-502AD189CDD5}" destId="{34B1CEC6-9F0F-4608-AD3F-061569301CC8}" srcOrd="3" destOrd="0" presId="urn:microsoft.com/office/officeart/2005/8/layout/default"/>
-    <dgm:cxn modelId="{D33081BD-B2F8-41BB-B95A-80A82A4B6668}" type="presParOf" srcId="{C6942418-B9D9-4EB4-8622-502AD189CDD5}" destId="{4ECC2E34-87D0-4CB3-A941-64EF99A1F054}" srcOrd="4" destOrd="0" presId="urn:microsoft.com/office/officeart/2005/8/layout/default"/>
-    <dgm:cxn modelId="{CF6AA140-7231-4FE3-86BC-0B64AF8AE8FA}" type="presParOf" srcId="{C6942418-B9D9-4EB4-8622-502AD189CDD5}" destId="{80FC81CA-4612-4E8A-BA4B-D0DBC7866600}" srcOrd="5" destOrd="0" presId="urn:microsoft.com/office/officeart/2005/8/layout/default"/>
-    <dgm:cxn modelId="{95706627-CC0A-41C8-83EE-631175AA7DF6}" type="presParOf" srcId="{C6942418-B9D9-4EB4-8622-502AD189CDD5}" destId="{A25CD218-BCEC-4F94-81B8-6526DFDBE08A}" srcOrd="6" destOrd="0" presId="urn:microsoft.com/office/officeart/2005/8/layout/default"/>
-    <dgm:cxn modelId="{B6F985AE-FDB9-4314-ABF7-5357EFB987B4}" type="presParOf" srcId="{C6942418-B9D9-4EB4-8622-502AD189CDD5}" destId="{B06FD4F1-D504-4FE6-AF57-43472CAA97F8}" srcOrd="7" destOrd="0" presId="urn:microsoft.com/office/officeart/2005/8/layout/default"/>
-    <dgm:cxn modelId="{A51AC193-244C-4A04-A8AC-3359532F9969}" type="presParOf" srcId="{C6942418-B9D9-4EB4-8622-502AD189CDD5}" destId="{F95DE0D4-E9BD-4B32-A553-B4949E9C2975}" srcOrd="8" destOrd="0" presId="urn:microsoft.com/office/officeart/2005/8/layout/default"/>
-    <dgm:cxn modelId="{ACD55E38-1BEF-43B4-9A39-D874CA945934}" type="presParOf" srcId="{C6942418-B9D9-4EB4-8622-502AD189CDD5}" destId="{3D4D65FA-8040-4A7E-BDA5-8DE70DB1D995}" srcOrd="9" destOrd="0" presId="urn:microsoft.com/office/officeart/2005/8/layout/default"/>
-    <dgm:cxn modelId="{6E8BB672-D361-4205-9D2A-182141951663}" type="presParOf" srcId="{C6942418-B9D9-4EB4-8622-502AD189CDD5}" destId="{02016FE7-B7F9-4CF7-A0CC-555FC226F824}" srcOrd="10" destOrd="0" presId="urn:microsoft.com/office/officeart/2005/8/layout/default"/>
-  </dgm:cxnLst>
-  <dgm:bg/>
-  <dgm:whole/>
-  <dgm:extLst>
-    <a:ext uri="http://schemas.microsoft.com/office/drawing/2008/diagram">
-      <dsp:dataModelExt xmlns:dsp="http://schemas.microsoft.com/office/drawing/2008/diagram" relId="rId6" minVer="http://schemas.openxmlformats.org/drawingml/2006/diagram"/>
-    </a:ext>
-  </dgm:extLst>
-</dgm:dataModel>
-</file>
-
-<file path=ppt/diagrams/drawing1.xml><?xml version="1.0" encoding="utf-8"?>
-<dsp:drawing xmlns:dgm="http://schemas.openxmlformats.org/drawingml/2006/diagram" xmlns:dsp="http://schemas.microsoft.com/office/drawing/2008/diagram" xmlns:a="http://schemas.openxmlformats.org/drawingml/2006/main">
-  <dsp:spTree>
-    <dsp:nvGrpSpPr>
-      <dsp:cNvPr id="0" name=""/>
-      <dsp:cNvGrpSpPr/>
-    </dsp:nvGrpSpPr>
-    <dsp:grpSpPr/>
-    <dsp:sp modelId="{8AB3B6AC-491C-4978-B73E-04A84FDF16B1}">
-      <dsp:nvSpPr>
-        <dsp:cNvPr id="0" name=""/>
-        <dsp:cNvSpPr/>
-      </dsp:nvSpPr>
-      <dsp:spPr>
-        <a:xfrm>
-          <a:off x="990941" y="1331"/>
-          <a:ext cx="2827415" cy="1696449"/>
-        </a:xfrm>
-        <a:prstGeom prst="rect">
-          <a:avLst/>
-        </a:prstGeom>
-        <a:solidFill>
-          <a:schemeClr val="accent1">
-            <a:hueOff val="0"/>
-            <a:satOff val="0"/>
-            <a:lumOff val="0"/>
-            <a:alphaOff val="0"/>
-          </a:schemeClr>
-        </a:solidFill>
-        <a:ln w="22225" cap="rnd" cmpd="sng" algn="ctr">
-          <a:solidFill>
-            <a:schemeClr val="lt1">
-              <a:hueOff val="0"/>
-              <a:satOff val="0"/>
-              <a:lumOff val="0"/>
-              <a:alphaOff val="0"/>
-            </a:schemeClr>
-          </a:solidFill>
-          <a:prstDash val="solid"/>
-        </a:ln>
-        <a:effectLst/>
-      </dsp:spPr>
-      <dsp:style>
-        <a:lnRef idx="2">
-          <a:scrgbClr r="0" g="0" b="0"/>
-        </a:lnRef>
-        <a:fillRef idx="1">
-          <a:scrgbClr r="0" g="0" b="0"/>
-        </a:fillRef>
-        <a:effectRef idx="0">
-          <a:scrgbClr r="0" g="0" b="0"/>
-        </a:effectRef>
-        <a:fontRef idx="minor">
-          <a:schemeClr val="lt1"/>
-        </a:fontRef>
-      </dsp:style>
-      <dsp:txBody>
-        <a:bodyPr spcFirstLastPara="0" vert="horz" wrap="square" lIns="60960" tIns="60960" rIns="60960" bIns="60960" numCol="1" spcCol="1270" anchor="ctr" anchorCtr="0">
-          <a:noAutofit/>
-        </a:bodyPr>
-        <a:lstStyle/>
-        <a:p>
-          <a:pPr marL="0" lvl="0" indent="0" algn="ctr" defTabSz="711200">
-            <a:lnSpc>
-              <a:spcPct val="90000"/>
-            </a:lnSpc>
-            <a:spcBef>
-              <a:spcPct val="0"/>
-            </a:spcBef>
-            <a:spcAft>
-              <a:spcPct val="35000"/>
-            </a:spcAft>
-            <a:buNone/>
-          </a:pPr>
-          <a:r>
-            <a:rPr lang="en-US" sz="1600" b="1" kern="1200" dirty="0" err="1"/>
-            <a:t>Modularitet</a:t>
-          </a:r>
-          <a:br>
-            <a:rPr lang="en-US" sz="1600" b="1" kern="1200" dirty="0"/>
-          </a:br>
-          <a:br>
-            <a:rPr lang="en-US" sz="1600" kern="1200" dirty="0"/>
-          </a:br>
-          <a:r>
-            <a:rPr lang="en-US" sz="1600" kern="1200" dirty="0" err="1"/>
-            <a:t>Enklare</a:t>
-          </a:r>
-          <a:r>
-            <a:rPr lang="en-US" sz="1600" kern="1200" dirty="0"/>
-            <a:t> </a:t>
-          </a:r>
-          <a:r>
-            <a:rPr lang="en-US" sz="1600" kern="1200" dirty="0" err="1"/>
-            <a:t>att</a:t>
-          </a:r>
-          <a:r>
-            <a:rPr lang="en-US" sz="1600" kern="1200" dirty="0"/>
-            <a:t> </a:t>
-          </a:r>
-          <a:r>
-            <a:rPr lang="en-US" sz="1600" kern="1200" dirty="0" err="1"/>
-            <a:t>hantera</a:t>
-          </a:r>
-          <a:r>
-            <a:rPr lang="en-US" sz="1600" kern="1200" dirty="0"/>
-            <a:t> </a:t>
-          </a:r>
-          <a:r>
-            <a:rPr lang="en-US" sz="1600" kern="1200" dirty="0" err="1"/>
-            <a:t>och</a:t>
-          </a:r>
-          <a:r>
-            <a:rPr lang="en-US" sz="1600" kern="1200" dirty="0"/>
-            <a:t> </a:t>
-          </a:r>
-          <a:r>
-            <a:rPr lang="en-US" sz="1600" kern="1200" dirty="0" err="1"/>
-            <a:t>underhålla</a:t>
-          </a:r>
-          <a:r>
-            <a:rPr lang="en-US" sz="1600" kern="1200" dirty="0"/>
-            <a:t>. </a:t>
-          </a:r>
-          <a:r>
-            <a:rPr lang="en-US" sz="1600" kern="1200" dirty="0" err="1"/>
-            <a:t>Varje</a:t>
-          </a:r>
-          <a:r>
-            <a:rPr lang="en-US" sz="1600" kern="1200" dirty="0"/>
-            <a:t> fil </a:t>
-          </a:r>
-          <a:r>
-            <a:rPr lang="en-US" sz="1600" kern="1200" dirty="0" err="1"/>
-            <a:t>kan</a:t>
-          </a:r>
-          <a:r>
-            <a:rPr lang="en-US" sz="1600" kern="1200" dirty="0"/>
-            <a:t> </a:t>
-          </a:r>
-          <a:r>
-            <a:rPr lang="en-US" sz="1600" kern="1200" dirty="0" err="1"/>
-            <a:t>göra</a:t>
-          </a:r>
-          <a:r>
-            <a:rPr lang="en-US" sz="1600" kern="1200" dirty="0"/>
-            <a:t> </a:t>
-          </a:r>
-          <a:r>
-            <a:rPr lang="en-US" sz="1600" kern="1200" dirty="0" err="1"/>
-            <a:t>en</a:t>
-          </a:r>
-          <a:r>
-            <a:rPr lang="en-US" sz="1600" kern="1200" dirty="0"/>
-            <a:t> </a:t>
-          </a:r>
-          <a:r>
-            <a:rPr lang="en-US" sz="1600" kern="1200" dirty="0" err="1"/>
-            <a:t>sak</a:t>
-          </a:r>
-          <a:r>
-            <a:rPr lang="en-US" sz="1600" kern="1200" dirty="0"/>
-            <a:t>, </a:t>
-          </a:r>
-          <a:r>
-            <a:rPr lang="en-US" sz="1600" kern="1200" dirty="0" err="1"/>
-            <a:t>som</a:t>
-          </a:r>
-          <a:r>
-            <a:rPr lang="en-US" sz="1600" kern="1200" dirty="0"/>
-            <a:t> </a:t>
-          </a:r>
-          <a:r>
-            <a:rPr lang="en-US" sz="1600" kern="1200" dirty="0" err="1"/>
-            <a:t>att</a:t>
-          </a:r>
-          <a:r>
-            <a:rPr lang="en-US" sz="1600" kern="1200" dirty="0"/>
-            <a:t> </a:t>
-          </a:r>
-          <a:r>
-            <a:rPr lang="en-US" sz="1600" kern="1200" dirty="0" err="1"/>
-            <a:t>definiera</a:t>
-          </a:r>
-          <a:r>
-            <a:rPr lang="en-US" sz="1600" kern="1200" dirty="0"/>
-            <a:t> </a:t>
-          </a:r>
-          <a:r>
-            <a:rPr lang="en-US" sz="1600" kern="1200" dirty="0" err="1"/>
-            <a:t>klasser</a:t>
-          </a:r>
-          <a:r>
-            <a:rPr lang="en-US" sz="1600" kern="1200" dirty="0"/>
-            <a:t> </a:t>
-          </a:r>
-          <a:r>
-            <a:rPr lang="en-US" sz="1600" kern="1200" dirty="0" err="1"/>
-            <a:t>eller</a:t>
-          </a:r>
-          <a:r>
-            <a:rPr lang="en-US" sz="1600" kern="1200" dirty="0"/>
-            <a:t> </a:t>
-          </a:r>
-          <a:r>
-            <a:rPr lang="en-US" sz="1600" kern="1200" dirty="0" err="1"/>
-            <a:t>funktioner</a:t>
-          </a:r>
-          <a:r>
-            <a:rPr lang="en-US" sz="1600" kern="1200" dirty="0"/>
-            <a:t>.</a:t>
-          </a:r>
-        </a:p>
-      </dsp:txBody>
-      <dsp:txXfrm>
-        <a:off x="990941" y="1331"/>
-        <a:ext cx="2827415" cy="1696449"/>
-      </dsp:txXfrm>
-    </dsp:sp>
-    <dsp:sp modelId="{89375B08-3D2D-4F0E-9988-419C79150B0E}">
-      <dsp:nvSpPr>
-        <dsp:cNvPr id="0" name=""/>
-        <dsp:cNvSpPr/>
-      </dsp:nvSpPr>
-      <dsp:spPr>
-        <a:xfrm>
-          <a:off x="4101099" y="1331"/>
-          <a:ext cx="2827415" cy="1696449"/>
-        </a:xfrm>
-        <a:prstGeom prst="rect">
-          <a:avLst/>
-        </a:prstGeom>
-        <a:solidFill>
-          <a:schemeClr val="accent1">
-            <a:hueOff val="0"/>
-            <a:satOff val="0"/>
-            <a:lumOff val="0"/>
-            <a:alphaOff val="0"/>
-          </a:schemeClr>
-        </a:solidFill>
-        <a:ln w="22225" cap="rnd" cmpd="sng" algn="ctr">
-          <a:solidFill>
-            <a:schemeClr val="lt1">
-              <a:hueOff val="0"/>
-              <a:satOff val="0"/>
-              <a:lumOff val="0"/>
-              <a:alphaOff val="0"/>
-            </a:schemeClr>
-          </a:solidFill>
-          <a:prstDash val="solid"/>
-        </a:ln>
-        <a:effectLst/>
-      </dsp:spPr>
-      <dsp:style>
-        <a:lnRef idx="2">
-          <a:scrgbClr r="0" g="0" b="0"/>
-        </a:lnRef>
-        <a:fillRef idx="1">
-          <a:scrgbClr r="0" g="0" b="0"/>
-        </a:fillRef>
-        <a:effectRef idx="0">
-          <a:scrgbClr r="0" g="0" b="0"/>
-        </a:effectRef>
-        <a:fontRef idx="minor">
-          <a:schemeClr val="lt1"/>
-        </a:fontRef>
-      </dsp:style>
-      <dsp:txBody>
-        <a:bodyPr spcFirstLastPara="0" vert="horz" wrap="square" lIns="60960" tIns="60960" rIns="60960" bIns="60960" numCol="1" spcCol="1270" anchor="ctr" anchorCtr="0">
-          <a:noAutofit/>
-        </a:bodyPr>
-        <a:lstStyle/>
-        <a:p>
-          <a:pPr marL="0" lvl="0" indent="0" algn="ctr" defTabSz="711200">
-            <a:lnSpc>
-              <a:spcPct val="90000"/>
-            </a:lnSpc>
-            <a:spcBef>
-              <a:spcPct val="0"/>
-            </a:spcBef>
-            <a:spcAft>
-              <a:spcPct val="35000"/>
-            </a:spcAft>
-            <a:buNone/>
-          </a:pPr>
-          <a:r>
-            <a:rPr lang="en-US" sz="1600" b="1" kern="1200" dirty="0" err="1"/>
-            <a:t>Läsbarhet</a:t>
-          </a:r>
-          <a:br>
-            <a:rPr lang="en-US" sz="1600" b="1" kern="1200" dirty="0"/>
-          </a:br>
-          <a:br>
-            <a:rPr lang="en-US" sz="1600" kern="1200" dirty="0"/>
-          </a:br>
-          <a:r>
-            <a:rPr lang="en-US" sz="1600" kern="1200" dirty="0" err="1"/>
-            <a:t>Lättare</a:t>
-          </a:r>
-          <a:r>
-            <a:rPr lang="en-US" sz="1600" kern="1200" dirty="0"/>
-            <a:t> </a:t>
-          </a:r>
-          <a:r>
-            <a:rPr lang="en-US" sz="1600" kern="1200" dirty="0" err="1"/>
-            <a:t>att</a:t>
-          </a:r>
-          <a:r>
-            <a:rPr lang="en-US" sz="1600" kern="1200" dirty="0"/>
-            <a:t> </a:t>
-          </a:r>
-          <a:r>
-            <a:rPr lang="en-US" sz="1600" kern="1200" dirty="0" err="1"/>
-            <a:t>läsa</a:t>
-          </a:r>
-          <a:r>
-            <a:rPr lang="en-US" sz="1600" kern="1200" dirty="0"/>
-            <a:t> </a:t>
-          </a:r>
-          <a:r>
-            <a:rPr lang="en-US" sz="1600" kern="1200" dirty="0" err="1"/>
-            <a:t>och</a:t>
-          </a:r>
-          <a:r>
-            <a:rPr lang="en-US" sz="1600" kern="1200" dirty="0"/>
-            <a:t> </a:t>
-          </a:r>
-          <a:r>
-            <a:rPr lang="en-US" sz="1600" kern="1200" dirty="0" err="1"/>
-            <a:t>förstå</a:t>
-          </a:r>
-          <a:r>
-            <a:rPr lang="en-US" sz="1600" kern="1200" dirty="0"/>
-            <a:t>. </a:t>
-          </a:r>
-          <a:r>
-            <a:rPr lang="en-US" sz="1600" kern="1200" dirty="0" err="1"/>
-            <a:t>Snabbt</a:t>
-          </a:r>
-          <a:r>
-            <a:rPr lang="en-US" sz="1600" kern="1200" dirty="0"/>
-            <a:t> </a:t>
-          </a:r>
-          <a:r>
-            <a:rPr lang="en-US" sz="1600" kern="1200" dirty="0" err="1"/>
-            <a:t>att</a:t>
-          </a:r>
-          <a:r>
-            <a:rPr lang="en-US" sz="1600" kern="1200" dirty="0"/>
-            <a:t> </a:t>
-          </a:r>
-          <a:r>
-            <a:rPr lang="en-US" sz="1600" kern="1200" dirty="0" err="1"/>
-            <a:t>hitta</a:t>
-          </a:r>
-          <a:r>
-            <a:rPr lang="en-US" sz="1600" kern="1200" dirty="0"/>
-            <a:t> </a:t>
-          </a:r>
-          <a:r>
-            <a:rPr lang="en-US" sz="1600" kern="1200" dirty="0" err="1"/>
-            <a:t>specifika</a:t>
-          </a:r>
-          <a:r>
-            <a:rPr lang="en-US" sz="1600" kern="1200" dirty="0"/>
-            <a:t> </a:t>
-          </a:r>
-          <a:r>
-            <a:rPr lang="en-US" sz="1600" kern="1200" dirty="0" err="1"/>
-            <a:t>delar</a:t>
-          </a:r>
-          <a:r>
-            <a:rPr lang="en-US" sz="1600" kern="1200" dirty="0"/>
-            <a:t>.</a:t>
-          </a:r>
-        </a:p>
-      </dsp:txBody>
-      <dsp:txXfrm>
-        <a:off x="4101099" y="1331"/>
-        <a:ext cx="2827415" cy="1696449"/>
-      </dsp:txXfrm>
-    </dsp:sp>
-    <dsp:sp modelId="{4ECC2E34-87D0-4CB3-A941-64EF99A1F054}">
-      <dsp:nvSpPr>
-        <dsp:cNvPr id="0" name=""/>
-        <dsp:cNvSpPr/>
-      </dsp:nvSpPr>
-      <dsp:spPr>
-        <a:xfrm>
-          <a:off x="7211257" y="1331"/>
-          <a:ext cx="2827415" cy="1696449"/>
-        </a:xfrm>
-        <a:prstGeom prst="rect">
-          <a:avLst/>
-        </a:prstGeom>
-        <a:solidFill>
-          <a:schemeClr val="accent1">
-            <a:hueOff val="0"/>
-            <a:satOff val="0"/>
-            <a:lumOff val="0"/>
-            <a:alphaOff val="0"/>
-          </a:schemeClr>
-        </a:solidFill>
-        <a:ln w="22225" cap="rnd" cmpd="sng" algn="ctr">
-          <a:solidFill>
-            <a:schemeClr val="lt1">
-              <a:hueOff val="0"/>
-              <a:satOff val="0"/>
-              <a:lumOff val="0"/>
-              <a:alphaOff val="0"/>
-            </a:schemeClr>
-          </a:solidFill>
-          <a:prstDash val="solid"/>
-        </a:ln>
-        <a:effectLst/>
-      </dsp:spPr>
-      <dsp:style>
-        <a:lnRef idx="2">
-          <a:scrgbClr r="0" g="0" b="0"/>
-        </a:lnRef>
-        <a:fillRef idx="1">
-          <a:scrgbClr r="0" g="0" b="0"/>
-        </a:fillRef>
-        <a:effectRef idx="0">
-          <a:scrgbClr r="0" g="0" b="0"/>
-        </a:effectRef>
-        <a:fontRef idx="minor">
-          <a:schemeClr val="lt1"/>
-        </a:fontRef>
-      </dsp:style>
-      <dsp:txBody>
-        <a:bodyPr spcFirstLastPara="0" vert="horz" wrap="square" lIns="60960" tIns="60960" rIns="60960" bIns="60960" numCol="1" spcCol="1270" anchor="ctr" anchorCtr="0">
-          <a:noAutofit/>
-        </a:bodyPr>
-        <a:lstStyle/>
-        <a:p>
-          <a:pPr marL="0" lvl="0" indent="0" algn="ctr" defTabSz="711200">
-            <a:lnSpc>
-              <a:spcPct val="90000"/>
-            </a:lnSpc>
-            <a:spcBef>
-              <a:spcPct val="0"/>
-            </a:spcBef>
-            <a:spcAft>
-              <a:spcPct val="35000"/>
-            </a:spcAft>
-            <a:buNone/>
-          </a:pPr>
-          <a:r>
-            <a:rPr lang="en-US" sz="1600" b="1" kern="1200" dirty="0" err="1"/>
-            <a:t>Återanvändbarhet</a:t>
-          </a:r>
-          <a:br>
-            <a:rPr lang="en-US" sz="1600" b="1" kern="1200" dirty="0"/>
-          </a:br>
-          <a:endParaRPr lang="en-US" sz="1600" b="1" kern="1200" dirty="0"/>
-        </a:p>
-        <a:p>
-          <a:pPr marL="0" lvl="0" indent="0" algn="ctr" defTabSz="711200">
-            <a:lnSpc>
-              <a:spcPct val="90000"/>
-            </a:lnSpc>
-            <a:spcBef>
-              <a:spcPct val="0"/>
-            </a:spcBef>
-            <a:spcAft>
-              <a:spcPct val="35000"/>
-            </a:spcAft>
-            <a:buNone/>
-          </a:pPr>
-          <a:r>
-            <a:rPr lang="en-US" sz="1600" kern="1200" dirty="0" err="1"/>
-            <a:t>Modulär</a:t>
-          </a:r>
-          <a:r>
-            <a:rPr lang="en-US" sz="1600" kern="1200" dirty="0"/>
-            <a:t> </a:t>
-          </a:r>
-          <a:r>
-            <a:rPr lang="en-US" sz="1600" kern="1200" dirty="0" err="1"/>
-            <a:t>kod</a:t>
-          </a:r>
-          <a:r>
-            <a:rPr lang="en-US" sz="1600" kern="1200" dirty="0"/>
-            <a:t> </a:t>
-          </a:r>
-          <a:r>
-            <a:rPr lang="en-US" sz="1600" kern="1200" dirty="0" err="1"/>
-            <a:t>kan</a:t>
-          </a:r>
-          <a:r>
-            <a:rPr lang="en-US" sz="1600" kern="1200" dirty="0"/>
-            <a:t> </a:t>
-          </a:r>
-          <a:r>
-            <a:rPr lang="en-US" sz="1600" kern="1200" dirty="0" err="1"/>
-            <a:t>återanvändas</a:t>
-          </a:r>
-          <a:r>
-            <a:rPr lang="en-US" sz="1600" kern="1200" dirty="0"/>
-            <a:t> </a:t>
-          </a:r>
-          <a:r>
-            <a:rPr lang="en-US" sz="1600" kern="1200" dirty="0" err="1"/>
-            <a:t>i</a:t>
-          </a:r>
-          <a:r>
-            <a:rPr lang="en-US" sz="1600" kern="1200" dirty="0"/>
-            <a:t> </a:t>
-          </a:r>
-          <a:r>
-            <a:rPr lang="en-US" sz="1600" kern="1200" dirty="0" err="1"/>
-            <a:t>olika</a:t>
-          </a:r>
-          <a:r>
-            <a:rPr lang="en-US" sz="1600" kern="1200" dirty="0"/>
-            <a:t> </a:t>
-          </a:r>
-          <a:r>
-            <a:rPr lang="en-US" sz="1600" kern="1200" dirty="0" err="1"/>
-            <a:t>delar</a:t>
-          </a:r>
-          <a:r>
-            <a:rPr lang="en-US" sz="1600" kern="1200" dirty="0"/>
-            <a:t> av </a:t>
-          </a:r>
-          <a:r>
-            <a:rPr lang="en-US" sz="1600" kern="1200" dirty="0" err="1"/>
-            <a:t>programmet</a:t>
-          </a:r>
-          <a:r>
-            <a:rPr lang="en-US" sz="1600" kern="1200" dirty="0"/>
-            <a:t> </a:t>
-          </a:r>
-          <a:r>
-            <a:rPr lang="en-US" sz="1600" kern="1200" dirty="0" err="1"/>
-            <a:t>eller</a:t>
-          </a:r>
-          <a:r>
-            <a:rPr lang="en-US" sz="1600" kern="1200" dirty="0"/>
-            <a:t> </a:t>
-          </a:r>
-          <a:r>
-            <a:rPr lang="en-US" sz="1600" kern="1200" dirty="0" err="1"/>
-            <a:t>i</a:t>
-          </a:r>
-          <a:r>
-            <a:rPr lang="en-US" sz="1600" kern="1200" dirty="0"/>
-            <a:t> </a:t>
-          </a:r>
-          <a:r>
-            <a:rPr lang="en-US" sz="1600" kern="1200" dirty="0" err="1"/>
-            <a:t>andra</a:t>
-          </a:r>
-          <a:r>
-            <a:rPr lang="en-US" sz="1600" kern="1200" dirty="0"/>
-            <a:t> </a:t>
-          </a:r>
-          <a:r>
-            <a:rPr lang="en-US" sz="1600" kern="1200" dirty="0" err="1"/>
-            <a:t>projekt</a:t>
-          </a:r>
-          <a:r>
-            <a:rPr lang="en-US" sz="1600" kern="1200" dirty="0"/>
-            <a:t>. </a:t>
-          </a:r>
-        </a:p>
-      </dsp:txBody>
-      <dsp:txXfrm>
-        <a:off x="7211257" y="1331"/>
-        <a:ext cx="2827415" cy="1696449"/>
-      </dsp:txXfrm>
-    </dsp:sp>
-    <dsp:sp modelId="{A25CD218-BCEC-4F94-81B8-6526DFDBE08A}">
-      <dsp:nvSpPr>
-        <dsp:cNvPr id="0" name=""/>
-        <dsp:cNvSpPr/>
-      </dsp:nvSpPr>
-      <dsp:spPr>
-        <a:xfrm>
-          <a:off x="990941" y="1980522"/>
-          <a:ext cx="2827415" cy="1696449"/>
-        </a:xfrm>
-        <a:prstGeom prst="rect">
-          <a:avLst/>
-        </a:prstGeom>
-        <a:solidFill>
-          <a:schemeClr val="accent1">
-            <a:hueOff val="0"/>
-            <a:satOff val="0"/>
-            <a:lumOff val="0"/>
-            <a:alphaOff val="0"/>
-          </a:schemeClr>
-        </a:solidFill>
-        <a:ln w="22225" cap="rnd" cmpd="sng" algn="ctr">
-          <a:solidFill>
-            <a:schemeClr val="lt1">
-              <a:hueOff val="0"/>
-              <a:satOff val="0"/>
-              <a:lumOff val="0"/>
-              <a:alphaOff val="0"/>
-            </a:schemeClr>
-          </a:solidFill>
-          <a:prstDash val="solid"/>
-        </a:ln>
-        <a:effectLst/>
-      </dsp:spPr>
-      <dsp:style>
-        <a:lnRef idx="2">
-          <a:scrgbClr r="0" g="0" b="0"/>
-        </a:lnRef>
-        <a:fillRef idx="1">
-          <a:scrgbClr r="0" g="0" b="0"/>
-        </a:fillRef>
-        <a:effectRef idx="0">
-          <a:scrgbClr r="0" g="0" b="0"/>
-        </a:effectRef>
-        <a:fontRef idx="minor">
-          <a:schemeClr val="lt1"/>
-        </a:fontRef>
-      </dsp:style>
-      <dsp:txBody>
-        <a:bodyPr spcFirstLastPara="0" vert="horz" wrap="square" lIns="60960" tIns="60960" rIns="60960" bIns="60960" numCol="1" spcCol="1270" anchor="ctr" anchorCtr="0">
-          <a:noAutofit/>
-        </a:bodyPr>
-        <a:lstStyle/>
-        <a:p>
-          <a:pPr marL="0" lvl="0" indent="0" algn="ctr" defTabSz="711200">
-            <a:lnSpc>
-              <a:spcPct val="90000"/>
-            </a:lnSpc>
-            <a:spcBef>
-              <a:spcPct val="0"/>
-            </a:spcBef>
-            <a:spcAft>
-              <a:spcPct val="35000"/>
-            </a:spcAft>
-            <a:buNone/>
-          </a:pPr>
-          <a:r>
-            <a:rPr lang="en-US" sz="1600" b="1" kern="1200" dirty="0" err="1"/>
-            <a:t>Samarbete</a:t>
-          </a:r>
-          <a:br>
-            <a:rPr lang="en-US" sz="1600" b="1" kern="1200" dirty="0"/>
-          </a:br>
-          <a:br>
-            <a:rPr lang="en-US" sz="1600" kern="1200" dirty="0"/>
-          </a:br>
-          <a:r>
-            <a:rPr lang="en-US" sz="1600" kern="1200" dirty="0" err="1"/>
-            <a:t>Enklare</a:t>
-          </a:r>
-          <a:r>
-            <a:rPr lang="en-US" sz="1600" kern="1200" dirty="0"/>
-            <a:t> </a:t>
-          </a:r>
-          <a:r>
-            <a:rPr lang="en-US" sz="1600" kern="1200"/>
-            <a:t>samarbete. </a:t>
-          </a:r>
-          <a:r>
-            <a:rPr lang="en-US" sz="1600" kern="1200" dirty="0" err="1"/>
-            <a:t>Flera</a:t>
-          </a:r>
-          <a:r>
-            <a:rPr lang="en-US" sz="1600" kern="1200" dirty="0"/>
-            <a:t> </a:t>
-          </a:r>
-          <a:r>
-            <a:rPr lang="en-US" sz="1600" kern="1200" dirty="0" err="1"/>
-            <a:t>utvecklare</a:t>
-          </a:r>
-          <a:r>
-            <a:rPr lang="en-US" sz="1600" kern="1200" dirty="0"/>
-            <a:t> </a:t>
-          </a:r>
-          <a:r>
-            <a:rPr lang="en-US" sz="1600" kern="1200" dirty="0" err="1"/>
-            <a:t>kan</a:t>
-          </a:r>
-          <a:r>
-            <a:rPr lang="en-US" sz="1600" kern="1200" dirty="0"/>
-            <a:t> </a:t>
-          </a:r>
-          <a:r>
-            <a:rPr lang="en-US" sz="1600" kern="1200" dirty="0" err="1"/>
-            <a:t>arbeta</a:t>
-          </a:r>
-          <a:r>
-            <a:rPr lang="en-US" sz="1600" kern="1200" dirty="0"/>
-            <a:t> med </a:t>
-          </a:r>
-          <a:r>
-            <a:rPr lang="en-US" sz="1600" kern="1200" dirty="0" err="1"/>
-            <a:t>olika</a:t>
-          </a:r>
-          <a:r>
-            <a:rPr lang="en-US" sz="1600" kern="1200" dirty="0"/>
-            <a:t> </a:t>
-          </a:r>
-          <a:r>
-            <a:rPr lang="en-US" sz="1600" kern="1200" dirty="0" err="1"/>
-            <a:t>moduler</a:t>
-          </a:r>
-          <a:r>
-            <a:rPr lang="en-US" sz="1600" kern="1200" dirty="0"/>
-            <a:t> </a:t>
-          </a:r>
-          <a:r>
-            <a:rPr lang="en-US" sz="1600" kern="1200" dirty="0" err="1"/>
-            <a:t>samtidigt</a:t>
-          </a:r>
-          <a:r>
-            <a:rPr lang="en-US" sz="1600" kern="1200" dirty="0"/>
-            <a:t> </a:t>
-          </a:r>
-          <a:r>
-            <a:rPr lang="en-US" sz="1600" kern="1200" dirty="0" err="1"/>
-            <a:t>utan</a:t>
-          </a:r>
-          <a:r>
-            <a:rPr lang="en-US" sz="1600" kern="1200" dirty="0"/>
-            <a:t> </a:t>
-          </a:r>
-          <a:r>
-            <a:rPr lang="en-US" sz="1600" kern="1200" dirty="0" err="1"/>
-            <a:t>att</a:t>
-          </a:r>
-          <a:r>
-            <a:rPr lang="en-US" sz="1600" kern="1200" dirty="0"/>
-            <a:t> </a:t>
-          </a:r>
-          <a:r>
-            <a:rPr lang="en-US" sz="1600" kern="1200" dirty="0" err="1"/>
-            <a:t>störa</a:t>
-          </a:r>
-          <a:r>
-            <a:rPr lang="en-US" sz="1600" kern="1200" dirty="0"/>
-            <a:t> </a:t>
-          </a:r>
-          <a:r>
-            <a:rPr lang="en-US" sz="1600" kern="1200" dirty="0" err="1"/>
-            <a:t>varandras</a:t>
-          </a:r>
-          <a:r>
-            <a:rPr lang="en-US" sz="1600" kern="1200" dirty="0"/>
-            <a:t> </a:t>
-          </a:r>
-          <a:r>
-            <a:rPr lang="en-US" sz="1600" kern="1200" dirty="0" err="1"/>
-            <a:t>kod</a:t>
-          </a:r>
-          <a:r>
-            <a:rPr lang="en-US" sz="1600" kern="1200" dirty="0"/>
-            <a:t>.</a:t>
-          </a:r>
-        </a:p>
-      </dsp:txBody>
-      <dsp:txXfrm>
-        <a:off x="990941" y="1980522"/>
-        <a:ext cx="2827415" cy="1696449"/>
-      </dsp:txXfrm>
-    </dsp:sp>
-    <dsp:sp modelId="{F95DE0D4-E9BD-4B32-A553-B4949E9C2975}">
-      <dsp:nvSpPr>
-        <dsp:cNvPr id="0" name=""/>
-        <dsp:cNvSpPr/>
-      </dsp:nvSpPr>
-      <dsp:spPr>
-        <a:xfrm>
-          <a:off x="4101099" y="1980522"/>
-          <a:ext cx="2827415" cy="1696449"/>
-        </a:xfrm>
-        <a:prstGeom prst="rect">
-          <a:avLst/>
-        </a:prstGeom>
-        <a:solidFill>
-          <a:schemeClr val="accent1">
-            <a:hueOff val="0"/>
-            <a:satOff val="0"/>
-            <a:lumOff val="0"/>
-            <a:alphaOff val="0"/>
-          </a:schemeClr>
-        </a:solidFill>
-        <a:ln w="22225" cap="rnd" cmpd="sng" algn="ctr">
-          <a:solidFill>
-            <a:schemeClr val="lt1">
-              <a:hueOff val="0"/>
-              <a:satOff val="0"/>
-              <a:lumOff val="0"/>
-              <a:alphaOff val="0"/>
-            </a:schemeClr>
-          </a:solidFill>
-          <a:prstDash val="solid"/>
-        </a:ln>
-        <a:effectLst/>
-      </dsp:spPr>
-      <dsp:style>
-        <a:lnRef idx="2">
-          <a:scrgbClr r="0" g="0" b="0"/>
-        </a:lnRef>
-        <a:fillRef idx="1">
-          <a:scrgbClr r="0" g="0" b="0"/>
-        </a:fillRef>
-        <a:effectRef idx="0">
-          <a:scrgbClr r="0" g="0" b="0"/>
-        </a:effectRef>
-        <a:fontRef idx="minor">
-          <a:schemeClr val="lt1"/>
-        </a:fontRef>
-      </dsp:style>
-      <dsp:txBody>
-        <a:bodyPr spcFirstLastPara="0" vert="horz" wrap="square" lIns="60960" tIns="60960" rIns="60960" bIns="60960" numCol="1" spcCol="1270" anchor="ctr" anchorCtr="0">
-          <a:noAutofit/>
-        </a:bodyPr>
-        <a:lstStyle/>
-        <a:p>
-          <a:pPr marL="0" lvl="0" indent="0" algn="ctr" defTabSz="711200">
-            <a:lnSpc>
-              <a:spcPct val="90000"/>
-            </a:lnSpc>
-            <a:spcBef>
-              <a:spcPct val="0"/>
-            </a:spcBef>
-            <a:spcAft>
-              <a:spcPct val="35000"/>
-            </a:spcAft>
-            <a:buNone/>
-          </a:pPr>
-          <a:r>
-            <a:rPr lang="en-US" sz="1600" b="1" kern="1200" dirty="0" err="1"/>
-            <a:t>Testning</a:t>
-          </a:r>
-          <a:r>
-            <a:rPr lang="en-US" sz="1600" b="1" kern="1200" dirty="0"/>
-            <a:t> </a:t>
-          </a:r>
-          <a:r>
-            <a:rPr lang="en-US" sz="1600" b="1" kern="1200" dirty="0" err="1"/>
-            <a:t>och</a:t>
-          </a:r>
-          <a:r>
-            <a:rPr lang="en-US" sz="1600" b="1" kern="1200" dirty="0"/>
-            <a:t> </a:t>
-          </a:r>
-          <a:r>
-            <a:rPr lang="en-US" sz="1600" b="1" kern="1200" dirty="0" err="1"/>
-            <a:t>Felsökning</a:t>
-          </a:r>
-          <a:br>
-            <a:rPr lang="en-US" sz="1600" b="1" kern="1200" dirty="0"/>
-          </a:br>
-          <a:br>
-            <a:rPr lang="en-US" sz="1600" kern="1200" dirty="0"/>
-          </a:br>
-          <a:r>
-            <a:rPr lang="en-US" sz="1600" kern="1200" dirty="0" err="1"/>
-            <a:t>Lättare</a:t>
-          </a:r>
-          <a:r>
-            <a:rPr lang="en-US" sz="1600" kern="1200" dirty="0"/>
-            <a:t> </a:t>
-          </a:r>
-          <a:r>
-            <a:rPr lang="en-US" sz="1600" kern="1200" dirty="0" err="1"/>
-            <a:t>att</a:t>
-          </a:r>
-          <a:r>
-            <a:rPr lang="en-US" sz="1600" kern="1200" dirty="0"/>
-            <a:t> </a:t>
-          </a:r>
-          <a:r>
-            <a:rPr lang="en-US" sz="1600" kern="1200" dirty="0" err="1"/>
-            <a:t>isolera</a:t>
-          </a:r>
-          <a:r>
-            <a:rPr lang="en-US" sz="1600" kern="1200" dirty="0"/>
-            <a:t> </a:t>
-          </a:r>
-          <a:r>
-            <a:rPr lang="en-US" sz="1600" kern="1200" dirty="0" err="1"/>
-            <a:t>och</a:t>
-          </a:r>
-          <a:r>
-            <a:rPr lang="en-US" sz="1600" kern="1200" dirty="0"/>
-            <a:t> </a:t>
-          </a:r>
-          <a:r>
-            <a:rPr lang="en-US" sz="1600" kern="1200" dirty="0" err="1"/>
-            <a:t>testa</a:t>
-          </a:r>
-          <a:r>
-            <a:rPr lang="en-US" sz="1600" kern="1200" dirty="0"/>
-            <a:t> </a:t>
-          </a:r>
-          <a:r>
-            <a:rPr lang="en-US" sz="1600" kern="1200" dirty="0" err="1"/>
-            <a:t>enskilda</a:t>
-          </a:r>
-          <a:r>
-            <a:rPr lang="en-US" sz="1600" kern="1200" dirty="0"/>
-            <a:t> </a:t>
-          </a:r>
-          <a:r>
-            <a:rPr lang="en-US" sz="1600" kern="1200" dirty="0" err="1"/>
-            <a:t>delar</a:t>
-          </a:r>
-          <a:r>
-            <a:rPr lang="en-US" sz="1600" kern="1200" dirty="0"/>
-            <a:t>. </a:t>
-          </a:r>
-          <a:r>
-            <a:rPr lang="en-US" sz="1600" kern="1200" dirty="0" err="1"/>
-            <a:t>Felsökning</a:t>
-          </a:r>
-          <a:r>
-            <a:rPr lang="en-US" sz="1600" kern="1200" dirty="0"/>
-            <a:t> </a:t>
-          </a:r>
-          <a:r>
-            <a:rPr lang="en-US" sz="1600" kern="1200" dirty="0" err="1"/>
-            <a:t>blir</a:t>
-          </a:r>
-          <a:r>
-            <a:rPr lang="en-US" sz="1600" kern="1200" dirty="0"/>
-            <a:t> </a:t>
-          </a:r>
-          <a:r>
-            <a:rPr lang="en-US" sz="1600" kern="1200" dirty="0" err="1"/>
-            <a:t>enklare</a:t>
-          </a:r>
-          <a:r>
-            <a:rPr lang="en-US" sz="1600" kern="1200" dirty="0"/>
-            <a:t> </a:t>
-          </a:r>
-          <a:r>
-            <a:rPr lang="en-US" sz="1600" kern="1200" dirty="0" err="1"/>
-            <a:t>eftersom</a:t>
-          </a:r>
-          <a:r>
-            <a:rPr lang="en-US" sz="1600" kern="1200" dirty="0"/>
-            <a:t> du </a:t>
-          </a:r>
-          <a:r>
-            <a:rPr lang="en-US" sz="1600" kern="1200" dirty="0" err="1"/>
-            <a:t>kan</a:t>
-          </a:r>
-          <a:r>
-            <a:rPr lang="en-US" sz="1600" kern="1200" dirty="0"/>
-            <a:t> </a:t>
-          </a:r>
-          <a:r>
-            <a:rPr lang="en-US" sz="1600" kern="1200" dirty="0" err="1"/>
-            <a:t>fokusera</a:t>
-          </a:r>
-          <a:r>
-            <a:rPr lang="en-US" sz="1600" kern="1200" dirty="0"/>
-            <a:t> </a:t>
-          </a:r>
-          <a:r>
-            <a:rPr lang="en-US" sz="1600" kern="1200" dirty="0" err="1"/>
-            <a:t>på</a:t>
-          </a:r>
-          <a:r>
-            <a:rPr lang="en-US" sz="1600" kern="1200" dirty="0"/>
-            <a:t> </a:t>
-          </a:r>
-          <a:r>
-            <a:rPr lang="en-US" sz="1600" kern="1200" dirty="0" err="1"/>
-            <a:t>en</a:t>
-          </a:r>
-          <a:r>
-            <a:rPr lang="en-US" sz="1600" kern="1200" dirty="0"/>
-            <a:t> </a:t>
-          </a:r>
-          <a:r>
-            <a:rPr lang="en-US" sz="1600" kern="1200" dirty="0" err="1"/>
-            <a:t>specifik</a:t>
-          </a:r>
-          <a:r>
-            <a:rPr lang="en-US" sz="1600" kern="1200" dirty="0"/>
-            <a:t> fil.</a:t>
-          </a:r>
-        </a:p>
-      </dsp:txBody>
-      <dsp:txXfrm>
-        <a:off x="4101099" y="1980522"/>
-        <a:ext cx="2827415" cy="1696449"/>
-      </dsp:txXfrm>
-    </dsp:sp>
-    <dsp:sp modelId="{02016FE7-B7F9-4CF7-A0CC-555FC226F824}">
-      <dsp:nvSpPr>
-        <dsp:cNvPr id="0" name=""/>
-        <dsp:cNvSpPr/>
-      </dsp:nvSpPr>
-      <dsp:spPr>
-        <a:xfrm>
-          <a:off x="7211257" y="1980522"/>
-          <a:ext cx="2827415" cy="1696449"/>
-        </a:xfrm>
-        <a:prstGeom prst="rect">
-          <a:avLst/>
-        </a:prstGeom>
-        <a:solidFill>
-          <a:schemeClr val="accent1">
-            <a:hueOff val="0"/>
-            <a:satOff val="0"/>
-            <a:lumOff val="0"/>
-            <a:alphaOff val="0"/>
-          </a:schemeClr>
-        </a:solidFill>
-        <a:ln w="22225" cap="rnd" cmpd="sng" algn="ctr">
-          <a:solidFill>
-            <a:schemeClr val="lt1">
-              <a:hueOff val="0"/>
-              <a:satOff val="0"/>
-              <a:lumOff val="0"/>
-              <a:alphaOff val="0"/>
-            </a:schemeClr>
-          </a:solidFill>
-          <a:prstDash val="solid"/>
-        </a:ln>
-        <a:effectLst/>
-      </dsp:spPr>
-      <dsp:style>
-        <a:lnRef idx="2">
-          <a:scrgbClr r="0" g="0" b="0"/>
-        </a:lnRef>
-        <a:fillRef idx="1">
-          <a:scrgbClr r="0" g="0" b="0"/>
-        </a:fillRef>
-        <a:effectRef idx="0">
-          <a:scrgbClr r="0" g="0" b="0"/>
-        </a:effectRef>
-        <a:fontRef idx="minor">
-          <a:schemeClr val="lt1"/>
-        </a:fontRef>
-      </dsp:style>
-      <dsp:txBody>
-        <a:bodyPr spcFirstLastPara="0" vert="horz" wrap="square" lIns="60960" tIns="60960" rIns="60960" bIns="60960" numCol="1" spcCol="1270" anchor="ctr" anchorCtr="0">
-          <a:noAutofit/>
-        </a:bodyPr>
-        <a:lstStyle/>
-        <a:p>
-          <a:pPr marL="0" lvl="0" indent="0" algn="ctr" defTabSz="711200">
-            <a:lnSpc>
-              <a:spcPct val="90000"/>
-            </a:lnSpc>
-            <a:spcBef>
-              <a:spcPct val="0"/>
-            </a:spcBef>
-            <a:spcAft>
-              <a:spcPct val="35000"/>
-            </a:spcAft>
-            <a:buNone/>
-          </a:pPr>
-          <a:r>
-            <a:rPr lang="en-US" sz="1600" b="1" kern="1200" dirty="0" err="1"/>
-            <a:t>Skalbarhet</a:t>
-          </a:r>
-          <a:br>
-            <a:rPr lang="en-US" sz="1600" b="1" kern="1200" dirty="0"/>
-          </a:br>
-          <a:br>
-            <a:rPr lang="en-US" sz="1600" kern="1200" dirty="0"/>
-          </a:br>
-          <a:r>
-            <a:rPr lang="en-US" sz="1600" kern="1200" dirty="0" err="1"/>
-            <a:t>Lättare</a:t>
-          </a:r>
-          <a:r>
-            <a:rPr lang="en-US" sz="1600" kern="1200" dirty="0"/>
-            <a:t> </a:t>
-          </a:r>
-          <a:r>
-            <a:rPr lang="en-US" sz="1600" kern="1200" dirty="0" err="1"/>
-            <a:t>att</a:t>
-          </a:r>
-          <a:r>
-            <a:rPr lang="en-US" sz="1600" kern="1200" dirty="0"/>
-            <a:t> </a:t>
-          </a:r>
-          <a:r>
-            <a:rPr lang="en-US" sz="1600" kern="1200" dirty="0" err="1"/>
-            <a:t>behålla</a:t>
-          </a:r>
-          <a:r>
-            <a:rPr lang="en-US" sz="1600" kern="1200" dirty="0"/>
-            <a:t> </a:t>
-          </a:r>
-          <a:r>
-            <a:rPr lang="en-US" sz="1600" kern="1200" dirty="0" err="1"/>
-            <a:t>skalbarheten</a:t>
-          </a:r>
-          <a:r>
-            <a:rPr lang="en-US" sz="1600" kern="1200" dirty="0"/>
-            <a:t>. Du </a:t>
-          </a:r>
-          <a:r>
-            <a:rPr lang="en-US" sz="1600" kern="1200" dirty="0" err="1"/>
-            <a:t>kan</a:t>
-          </a:r>
-          <a:r>
-            <a:rPr lang="en-US" sz="1600" kern="1200" dirty="0"/>
-            <a:t> </a:t>
-          </a:r>
-          <a:r>
-            <a:rPr lang="en-US" sz="1600" kern="1200" dirty="0" err="1"/>
-            <a:t>lägga</a:t>
-          </a:r>
-          <a:r>
-            <a:rPr lang="en-US" sz="1600" kern="1200" dirty="0"/>
-            <a:t> till </a:t>
-          </a:r>
-          <a:r>
-            <a:rPr lang="en-US" sz="1600" kern="1200" dirty="0" err="1"/>
-            <a:t>nya</a:t>
-          </a:r>
-          <a:r>
-            <a:rPr lang="en-US" sz="1600" kern="1200" dirty="0"/>
-            <a:t> </a:t>
-          </a:r>
-          <a:r>
-            <a:rPr lang="en-US" sz="1600" kern="1200" dirty="0" err="1"/>
-            <a:t>funktioner</a:t>
-          </a:r>
-          <a:r>
-            <a:rPr lang="en-US" sz="1600" kern="1200" dirty="0"/>
-            <a:t> </a:t>
-          </a:r>
-          <a:r>
-            <a:rPr lang="en-US" sz="1600" kern="1200" dirty="0" err="1"/>
-            <a:t>eller</a:t>
-          </a:r>
-          <a:r>
-            <a:rPr lang="en-US" sz="1600" kern="1200" dirty="0"/>
-            <a:t> </a:t>
-          </a:r>
-          <a:r>
-            <a:rPr lang="en-US" sz="1600" kern="1200" dirty="0" err="1"/>
-            <a:t>göra</a:t>
-          </a:r>
-          <a:r>
-            <a:rPr lang="en-US" sz="1600" kern="1200" dirty="0"/>
-            <a:t> </a:t>
-          </a:r>
-          <a:r>
-            <a:rPr lang="en-US" sz="1600" kern="1200" dirty="0" err="1"/>
-            <a:t>ändringar</a:t>
-          </a:r>
-          <a:r>
-            <a:rPr lang="en-US" sz="1600" kern="1200" dirty="0"/>
-            <a:t> </a:t>
-          </a:r>
-          <a:r>
-            <a:rPr lang="en-US" sz="1600" kern="1200" dirty="0" err="1"/>
-            <a:t>utan</a:t>
-          </a:r>
-          <a:r>
-            <a:rPr lang="en-US" sz="1600" kern="1200" dirty="0"/>
-            <a:t> </a:t>
-          </a:r>
-          <a:r>
-            <a:rPr lang="en-US" sz="1600" kern="1200" dirty="0" err="1"/>
-            <a:t>att</a:t>
-          </a:r>
-          <a:r>
-            <a:rPr lang="en-US" sz="1600" kern="1200" dirty="0"/>
-            <a:t> </a:t>
-          </a:r>
-          <a:r>
-            <a:rPr lang="en-US" sz="1600" kern="1200" dirty="0" err="1"/>
-            <a:t>påverka</a:t>
-          </a:r>
-          <a:r>
-            <a:rPr lang="en-US" sz="1600" kern="1200" dirty="0"/>
-            <a:t> </a:t>
-          </a:r>
-          <a:r>
-            <a:rPr lang="en-US" sz="1600" kern="1200" dirty="0" err="1"/>
-            <a:t>hela</a:t>
-          </a:r>
-          <a:r>
-            <a:rPr lang="en-US" sz="1600" kern="1200" dirty="0"/>
-            <a:t> </a:t>
-          </a:r>
-          <a:r>
-            <a:rPr lang="en-US" sz="1600" kern="1200" dirty="0" err="1"/>
-            <a:t>kodbasen</a:t>
-          </a:r>
-          <a:r>
-            <a:rPr lang="en-US" sz="1600" kern="1200" dirty="0"/>
-            <a:t>.</a:t>
-          </a:r>
-        </a:p>
-      </dsp:txBody>
-      <dsp:txXfrm>
-        <a:off x="7211257" y="1980522"/>
-        <a:ext cx="2827415" cy="1696449"/>
-      </dsp:txXfrm>
-    </dsp:sp>
-  </dsp:spTree>
-</dsp:drawing>
-</file>
-
-<file path=ppt/diagrams/layout1.xml><?xml version="1.0" encoding="utf-8"?>
-<dgm:layoutDef xmlns:dgm="http://schemas.openxmlformats.org/drawingml/2006/diagram" xmlns:a="http://schemas.openxmlformats.org/drawingml/2006/main" uniqueId="urn:microsoft.com/office/officeart/2005/8/layout/default">
-  <dgm:title val=""/>
-  <dgm:desc val=""/>
-  <dgm:catLst>
-    <dgm:cat type="list" pri="400"/>
-  </dgm:catLst>
-  <dgm:sampData>
-    <dgm:dataModel>
-      <dgm:ptLst>
-        <dgm:pt modelId="0" type="doc"/>
-        <dgm:pt modelId="1">
-          <dgm:prSet phldr="1"/>
-        </dgm:pt>
-        <dgm:pt modelId="2">
-          <dgm:prSet phldr="1"/>
-        </dgm:pt>
-        <dgm:pt modelId="3">
-          <dgm:prSet phldr="1"/>
-        </dgm:pt>
-        <dgm:pt modelId="4">
-          <dgm:prSet phldr="1"/>
-        </dgm:pt>
-        <dgm:pt modelId="5">
-          <dgm:prSet phldr="1"/>
-        </dgm:pt>
-      </dgm:ptLst>
-      <dgm:cxnLst>
-        <dgm:cxn modelId="6" srcId="0" destId="1" srcOrd="0" destOrd="0"/>
-        <dgm:cxn modelId="7" srcId="0" destId="2" srcOrd="1" destOrd="0"/>
-        <dgm:cxn modelId="8" srcId="0" destId="3" srcOrd="2" destOrd="0"/>
-        <dgm:cxn modelId="9" srcId="0" destId="4" srcOrd="3" destOrd="0"/>
-        <dgm:cxn modelId="10" srcId="0" destId="5" srcOrd="4" destOrd="0"/>
-      </dgm:cxnLst>
-      <dgm:bg/>
-      <dgm:whole/>
-    </dgm:dataModel>
-  </dgm:sampData>
-  <dgm:styleData>
-    <dgm:dataModel>
-      <dgm:ptLst>
-        <dgm:pt modelId="0" type="doc"/>
-        <dgm:pt modelId="1"/>
-        <dgm:pt modelId="2"/>
-      </dgm:ptLst>
-      <dgm:cxnLst>
-        <dgm:cxn modelId="3" srcId="0" destId="1" srcOrd="0" destOrd="0"/>
-        <dgm:cxn modelId="4" srcId="0" destId="2" srcOrd="1" destOrd="0"/>
-      </dgm:cxnLst>
-      <dgm:bg/>
-      <dgm:whole/>
-    </dgm:dataModel>
-  </dgm:styleData>
-  <dgm:clrData>
-    <dgm:dataModel>
-      <dgm:ptLst>
-        <dgm:pt modelId="0" type="doc"/>
-        <dgm:pt modelId="1"/>
-        <dgm:pt modelId="2"/>
-        <dgm:pt modelId="3"/>
-        <dgm:pt modelId="4"/>
-        <dgm:pt modelId="5"/>
-        <dgm:pt modelId="6"/>
-      </dgm:ptLst>
-      <dgm:cxnLst>
-        <dgm:cxn modelId="7" srcId="0" destId="1" srcOrd="0" destOrd="0"/>
-        <dgm:cxn modelId="8" srcId="0" destId="2" srcOrd="1" destOrd="0"/>
-        <dgm:cxn modelId="9" srcId="0" destId="3" srcOrd="2" destOrd="0"/>
-        <dgm:cxn modelId="10" srcId="0" destId="4" srcOrd="3" destOrd="0"/>
-        <dgm:cxn modelId="11" srcId="0" destId="5" srcOrd="4" destOrd="0"/>
-        <dgm:cxn modelId="12" srcId="0" destId="6" srcOrd="5" destOrd="0"/>
-      </dgm:cxnLst>
-      <dgm:bg/>
-      <dgm:whole/>
-    </dgm:dataModel>
-  </dgm:clrData>
-  <dgm:layoutNode name="diagram">
-    <dgm:varLst>
-      <dgm:dir/>
-      <dgm:resizeHandles val="exact"/>
-    </dgm:varLst>
-    <dgm:choose name="Name0">
-      <dgm:if name="Name1" func="var" arg="dir" op="equ" val="norm">
-        <dgm:alg type="snake">
-          <dgm:param type="grDir" val="tL"/>
-          <dgm:param type="flowDir" val="row"/>
-          <dgm:param type="contDir" val="sameDir"/>
-          <dgm:param type="off" val="ctr"/>
-        </dgm:alg>
-      </dgm:if>
-      <dgm:else name="Name2">
-        <dgm:alg type="snake">
-          <dgm:param type="grDir" val="tR"/>
-          <dgm:param type="flowDir" val="row"/>
-          <dgm:param type="contDir" val="sameDir"/>
-          <dgm:param type="off" val="ctr"/>
-        </dgm:alg>
-      </dgm:else>
-    </dgm:choose>
-    <dgm:shape xmlns:r="http://schemas.openxmlformats.org/officeDocument/2006/relationships" r:blip="">
-      <dgm:adjLst/>
-    </dgm:shape>
-    <dgm:presOf/>
-    <dgm:constrLst>
-      <dgm:constr type="w" for="ch" forName="node" refType="w"/>
-      <dgm:constr type="h" for="ch" forName="node" refType="w" refFor="ch" refForName="node" fact="0.6"/>
-      <dgm:constr type="w" for="ch" forName="sibTrans" refType="w" refFor="ch" refForName="node" fact="0.1"/>
-      <dgm:constr type="sp" refType="w" refFor="ch" refForName="sibTrans"/>
-      <dgm:constr type="primFontSz" for="ch" forName="node" op="equ" val="65"/>
-    </dgm:constrLst>
-    <dgm:ruleLst/>
-    <dgm:forEach name="Name3" axis="ch" ptType="node">
-      <dgm:layoutNode name="node">
-        <dgm:varLst>
-          <dgm:bulletEnabled val="1"/>
-        </dgm:varLst>
-        <dgm:alg type="tx"/>
-        <dgm:shape xmlns:r="http://schemas.openxmlformats.org/officeDocument/2006/relationships" type="rect" r:blip="">
-          <dgm:adjLst/>
-        </dgm:shape>
-        <dgm:presOf axis="desOrSelf" ptType="node"/>
-        <dgm:constrLst>
-          <dgm:constr type="lMarg" refType="primFontSz" fact="0.3"/>
-          <dgm:constr type="rMarg" refType="primFontSz" fact="0.3"/>
-          <dgm:constr type="tMarg" refType="primFontSz" fact="0.3"/>
-          <dgm:constr type="bMarg" refType="primFontSz" fact="0.3"/>
-        </dgm:constrLst>
-        <dgm:ruleLst>
-          <dgm:rule type="primFontSz" val="5" fact="NaN" max="NaN"/>
-        </dgm:ruleLst>
-      </dgm:layoutNode>
-      <dgm:forEach name="Name4" axis="followSib" ptType="sibTrans" cnt="1">
-        <dgm:layoutNode name="sibTrans">
-          <dgm:alg type="sp"/>
-          <dgm:shape xmlns:r="http://schemas.openxmlformats.org/officeDocument/2006/relationships" r:blip="">
-            <dgm:adjLst/>
-          </dgm:shape>
-          <dgm:presOf/>
-          <dgm:constrLst/>
-          <dgm:ruleLst/>
-        </dgm:layoutNode>
-      </dgm:forEach>
-    </dgm:forEach>
-  </dgm:layoutNode>
-</dgm:layoutDef>
-</file>
-
-<file path=ppt/diagrams/quickStyle1.xml><?xml version="1.0" encoding="utf-8"?>
-<dgm:styleDef xmlns:dgm="http://schemas.openxmlformats.org/drawingml/2006/diagram" xmlns:a="http://schemas.openxmlformats.org/drawingml/2006/main" uniqueId="urn:microsoft.com/office/officeart/2005/8/quickstyle/simple1">
-  <dgm:title val=""/>
-  <dgm:desc val=""/>
-  <dgm:catLst>
-    <dgm:cat type="simple" pri="10100"/>
-  </dgm:catLst>
-  <dgm:scene3d>
-    <a:camera prst="orthographicFront"/>
-    <a:lightRig rig="threePt" dir="t"/>
-  </dgm:scene3d>
-  <dgm:styleLbl name="node0">
-    <dgm:scene3d>
-      <a:camera prst="orthographicFront"/>
-      <a:lightRig rig="threePt" dir="t"/>
-    </dgm:scene3d>
-    <dgm:sp3d/>
-    <dgm:txPr/>
-    <dgm:style>
-      <a:lnRef idx="2">
-        <a:scrgbClr r="0" g="0" b="0"/>
-      </a:lnRef>
-      <a:fillRef idx="1">
-        <a:scrgbClr r="0" g="0" b="0"/>
-      </a:fillRef>
-      <a:effectRef idx="0">
-        <a:scrgbClr r="0" g="0" b="0"/>
-      </a:effectRef>
-      <a:fontRef idx="minor">
-        <a:schemeClr val="lt1"/>
-      </a:fontRef>
-    </dgm:style>
-  </dgm:styleLbl>
-  <dgm:styleLbl name="lnNode1">
-    <dgm:scene3d>
-      <a:camera prst="orthographicFront"/>
-      <a:lightRig rig="threePt" dir="t"/>
-    </dgm:scene3d>
-    <dgm:sp3d/>
-    <dgm:txPr/>
-    <dgm:style>
-      <a:lnRef idx="2">
-        <a:scrgbClr r="0" g="0" b="0"/>
-      </a:lnRef>
-      <a:fillRef idx="1">
-        <a:scrgbClr r="0" g="0" b="0"/>
-      </a:fillRef>
-      <a:effectRef idx="0">
-        <a:scrgbClr r="0" g="0" b="0"/>
-      </a:effectRef>
-      <a:fontRef idx="minor">
-        <a:schemeClr val="lt1"/>
-      </a:fontRef>
-    </dgm:style>
-  </dgm:styleLbl>
-  <dgm:styleLbl name="vennNode1">
-    <dgm:scene3d>
-      <a:camera prst="orthographicFront"/>
-      <a:lightRig rig="threePt" dir="t"/>
-    </dgm:scene3d>
-    <dgm:sp3d/>
-    <dgm:txPr/>
-    <dgm:style>
-      <a:lnRef idx="2">
-        <a:scrgbClr r="0" g="0" b="0"/>
-      </a:lnRef>
-      <a:fillRef idx="1">
-        <a:scrgbClr r="0" g="0" b="0"/>
-      </a:fillRef>
-      <a:effectRef idx="0">
-        <a:scrgbClr r="0" g="0" b="0"/>
-      </a:effectRef>
-      <a:fontRef idx="minor">
-        <a:schemeClr val="tx1"/>
-      </a:fontRef>
-    </dgm:style>
-  </dgm:styleLbl>
-  <dgm:styleLbl name="alignNode1">
-    <dgm:scene3d>
-      <a:camera prst="orthographicFront"/>
-      <a:lightRig rig="threePt" dir="t"/>
-    </dgm:scene3d>
-    <dgm:sp3d/>
-    <dgm:txPr/>
-    <dgm:style>
-      <a:lnRef idx="2">
-        <a:scrgbClr r="0" g="0" b="0"/>
-      </a:lnRef>
-      <a:fillRef idx="1">
-        <a:scrgbClr r="0" g="0" b="0"/>
-      </a:fillRef>
-      <a:effectRef idx="0">
-        <a:scrgbClr r="0" g="0" b="0"/>
-      </a:effectRef>
-      <a:fontRef idx="minor">
-        <a:schemeClr val="lt1"/>
-      </a:fontRef>
-    </dgm:style>
-  </dgm:styleLbl>
-  <dgm:styleLbl name="node1">
-    <dgm:scene3d>
-      <a:camera prst="orthographicFront"/>
-      <a:lightRig rig="threePt" dir="t"/>
-    </dgm:scene3d>
-    <dgm:sp3d/>
-    <dgm:txPr/>
-    <dgm:style>
-      <a:lnRef idx="2">
-        <a:scrgbClr r="0" g="0" b="0"/>
-      </a:lnRef>
-      <a:fillRef idx="1">
-        <a:scrgbClr r="0" g="0" b="0"/>
-      </a:fillRef>
-      <a:effectRef idx="0">
-        <a:scrgbClr r="0" g="0" b="0"/>
-      </a:effectRef>
-      <a:fontRef idx="minor">
-        <a:schemeClr val="lt1"/>
-      </a:fontRef>
-    </dgm:style>
-  </dgm:styleLbl>
-  <dgm:styleLbl name="node2">
-    <dgm:scene3d>
-      <a:camera prst="orthographicFront"/>
-      <a:lightRig rig="threePt" dir="t"/>
-    </dgm:scene3d>
-    <dgm:sp3d/>
-    <dgm:txPr/>
-    <dgm:style>
-      <a:lnRef idx="2">
-        <a:scrgbClr r="0" g="0" b="0"/>
-      </a:lnRef>
-      <a:fillRef idx="1">
-        <a:scrgbClr r="0" g="0" b="0"/>
-      </a:fillRef>
-      <a:effectRef idx="0">
-        <a:scrgbClr r="0" g="0" b="0"/>
-      </a:effectRef>
-      <a:fontRef idx="minor">
-        <a:schemeClr val="lt1"/>
-      </a:fontRef>
-    </dgm:style>
-  </dgm:styleLbl>
-  <dgm:styleLbl name="node3">
-    <dgm:scene3d>
-      <a:camera prst="orthographicFront"/>
-      <a:lightRig rig="threePt" dir="t"/>
-    </dgm:scene3d>
-    <dgm:sp3d/>
-    <dgm:txPr/>
-    <dgm:style>
-      <a:lnRef idx="2">
-        <a:scrgbClr r="0" g="0" b="0"/>
-      </a:lnRef>
-      <a:fillRef idx="1">
-        <a:scrgbClr r="0" g="0" b="0"/>
-      </a:fillRef>
-      <a:effectRef idx="0">
-        <a:scrgbClr r="0" g="0" b="0"/>
-      </a:effectRef>
-      <a:fontRef idx="minor">
-        <a:schemeClr val="lt1"/>
-      </a:fontRef>
-    </dgm:style>
-  </dgm:styleLbl>
-  <dgm:styleLbl name="node4">
-    <dgm:scene3d>
-      <a:camera prst="orthographicFront"/>
-      <a:lightRig rig="threePt" dir="t"/>
-    </dgm:scene3d>
-    <dgm:sp3d/>
-    <dgm:txPr/>
-    <dgm:style>
-      <a:lnRef idx="2">
-        <a:scrgbClr r="0" g="0" b="0"/>
-      </a:lnRef>
-      <a:fillRef idx="1">
-        <a:scrgbClr r="0" g="0" b="0"/>
-      </a:fillRef>
-      <a:effectRef idx="0">
-        <a:scrgbClr r="0" g="0" b="0"/>
-      </a:effectRef>
-      <a:fontRef idx="minor">
-        <a:schemeClr val="lt1"/>
-      </a:fontRef>
-    </dgm:style>
-  </dgm:styleLbl>
-  <dgm:styleLbl name="fgImgPlace1">
-    <dgm:scene3d>
-      <a:camera prst="orthographicFront"/>
-      <a:lightRig rig="threePt" dir="t"/>
-    </dgm:scene3d>
-    <dgm:sp3d/>
-    <dgm:txPr/>
-    <dgm:style>
-      <a:lnRef idx="2">
-        <a:scrgbClr r="0" g="0" b="0"/>
-      </a:lnRef>
-      <a:fillRef idx="1">
-        <a:scrgbClr r="0" g="0" b="0"/>
-      </a:fillRef>
-      <a:effectRef idx="0">
-        <a:scrgbClr r="0" g="0" b="0"/>
-      </a:effectRef>
-      <a:fontRef idx="minor"/>
-    </dgm:style>
-  </dgm:styleLbl>
-  <dgm:styleLbl name="alignImgPlace1">
-    <dgm:scene3d>
-      <a:camera prst="orthographicFront"/>
-      <a:lightRig rig="threePt" dir="t"/>
-    </dgm:scene3d>
-    <dgm:sp3d/>
-    <dgm:txPr/>
-    <dgm:style>
-      <a:lnRef idx="2">
-        <a:scrgbClr r="0" g="0" b="0"/>
-      </a:lnRef>
-      <a:fillRef idx="1">
-        <a:scrgbClr r="0" g="0" b="0"/>
-      </a:fillRef>
-      <a:effectRef idx="0">
-        <a:scrgbClr r="0" g="0" b="0"/>
-      </a:effectRef>
-      <a:fontRef idx="minor"/>
-    </dgm:style>
-  </dgm:styleLbl>
-  <dgm:styleLbl name="bgImgPlace1">
-    <dgm:scene3d>
-      <a:camera prst="orthographicFront"/>
-      <a:lightRig rig="threePt" dir="t"/>
-    </dgm:scene3d>
-    <dgm:sp3d/>
-    <dgm:txPr/>
-    <dgm:style>
-      <a:lnRef idx="2">
-        <a:scrgbClr r="0" g="0" b="0"/>
-      </a:lnRef>
-      <a:fillRef idx="1">
-        <a:scrgbClr r="0" g="0" b="0"/>
-      </a:fillRef>
-      <a:effectRef idx="0">
-        <a:scrgbClr r="0" g="0" b="0"/>
-      </a:effectRef>
-      <a:fontRef idx="minor"/>
-    </dgm:style>
-  </dgm:styleLbl>
-  <dgm:styleLbl name="sibTrans2D1">
-    <dgm:scene3d>
-      <a:camera prst="orthographicFront"/>
-      <a:lightRig rig="threePt" dir="t"/>
-    </dgm:scene3d>
-    <dgm:sp3d/>
-    <dgm:txPr/>
-    <dgm:style>
-      <a:lnRef idx="0">
-        <a:scrgbClr r="0" g="0" b="0"/>
-      </a:lnRef>
-      <a:fillRef idx="1">
-        <a:scrgbClr r="0" g="0" b="0"/>
-      </a:fillRef>
-      <a:effectRef idx="0">
-        <a:scrgbClr r="0" g="0" b="0"/>
-      </a:effectRef>
-      <a:fontRef idx="minor">
-        <a:schemeClr val="lt1"/>
-      </a:fontRef>
-    </dgm:style>
-  </dgm:styleLbl>
-  <dgm:styleLbl name="fgSibTrans2D1">
-    <dgm:scene3d>
-      <a:camera prst="orthographicFront"/>
-      <a:lightRig rig="threePt" dir="t"/>
-    </dgm:scene3d>
-    <dgm:sp3d/>
-    <dgm:txPr/>
-    <dgm:style>
-      <a:lnRef idx="0">
-        <a:scrgbClr r="0" g="0" b="0"/>
-      </a:lnRef>
-      <a:fillRef idx="1">
-        <a:scrgbClr r="0" g="0" b="0"/>
-      </a:fillRef>
-      <a:effectRef idx="0">
-        <a:scrgbClr r="0" g="0" b="0"/>
-      </a:effectRef>
-      <a:fontRef idx="minor">
-        <a:schemeClr val="lt1"/>
-      </a:fontRef>
-    </dgm:style>
-  </dgm:styleLbl>
-  <dgm:styleLbl name="bgSibTrans2D1">
-    <dgm:scene3d>
-      <a:camera prst="orthographicFront"/>
-      <a:lightRig rig="threePt" dir="t"/>
-    </dgm:scene3d>
-    <dgm:sp3d/>
-    <dgm:txPr/>
-    <dgm:style>
-      <a:lnRef idx="0">
-        <a:scrgbClr r="0" g="0" b="0"/>
-      </a:lnRef>
-      <a:fillRef idx="1">
-        <a:scrgbClr r="0" g="0" b="0"/>
-      </a:fillRef>
-      <a:effectRef idx="0">
-        <a:scrgbClr r="0" g="0" b="0"/>
-      </a:effectRef>
-      <a:fontRef idx="minor">
-        <a:schemeClr val="lt1"/>
-      </a:fontRef>
-    </dgm:style>
-  </dgm:styleLbl>
-  <dgm:styleLbl name="sibTrans1D1">
-    <dgm:scene3d>
-      <a:camera prst="orthographicFront"/>
-      <a:lightRig rig="threePt" dir="t"/>
-    </dgm:scene3d>
-    <dgm:sp3d/>
-    <dgm:txPr/>
-    <dgm:style>
-      <a:lnRef idx="1">
-        <a:scrgbClr r="0" g="0" b="0"/>
-      </a:lnRef>
-      <a:fillRef idx="0">
-        <a:scrgbClr r="0" g="0" b="0"/>
-      </a:fillRef>
-      <a:effectRef idx="0">
-        <a:scrgbClr r="0" g="0" b="0"/>
-      </a:effectRef>
-      <a:fontRef idx="minor"/>
-    </dgm:style>
-  </dgm:styleLbl>
-  <dgm:styleLbl name="callout">
-    <dgm:scene3d>
-      <a:camera prst="orthographicFront"/>
-      <a:lightRig rig="threePt" dir="t"/>
-    </dgm:scene3d>
-    <dgm:sp3d/>
-    <dgm:txPr/>
-    <dgm:style>
-      <a:lnRef idx="2">
-        <a:scrgbClr r="0" g="0" b="0"/>
-      </a:lnRef>
-      <a:fillRef idx="1">
-        <a:scrgbClr r="0" g="0" b="0"/>
-      </a:fillRef>
-      <a:effectRef idx="0">
-        <a:scrgbClr r="0" g="0" b="0"/>
-      </a:effectRef>
-      <a:fontRef idx="minor"/>
-    </dgm:style>
-  </dgm:styleLbl>
-  <dgm:styleLbl name="asst0">
-    <dgm:scene3d>
-      <a:camera prst="orthographicFront"/>
-      <a:lightRig rig="threePt" dir="t"/>
-    </dgm:scene3d>
-    <dgm:sp3d/>
-    <dgm:txPr/>
-    <dgm:style>
-      <a:lnRef idx="2">
-        <a:scrgbClr r="0" g="0" b="0"/>
-      </a:lnRef>
-      <a:fillRef idx="1">
-        <a:scrgbClr r="0" g="0" b="0"/>
-      </a:fillRef>
-      <a:effectRef idx="0">
-        <a:scrgbClr r="0" g="0" b="0"/>
-      </a:effectRef>
-      <a:fontRef idx="minor">
-        <a:schemeClr val="lt1"/>
-      </a:fontRef>
-    </dgm:style>
-  </dgm:styleLbl>
-  <dgm:styleLbl name="asst1">
-    <dgm:scene3d>
-      <a:camera prst="orthographicFront"/>
-      <a:lightRig rig="threePt" dir="t"/>
-    </dgm:scene3d>
-    <dgm:sp3d/>
-    <dgm:txPr/>
-    <dgm:style>
-      <a:lnRef idx="2">
-        <a:scrgbClr r="0" g="0" b="0"/>
-      </a:lnRef>
-      <a:fillRef idx="1">
-        <a:scrgbClr r="0" g="0" b="0"/>
-      </a:fillRef>
-      <a:effectRef idx="0">
-        <a:scrgbClr r="0" g="0" b="0"/>
-      </a:effectRef>
-      <a:fontRef idx="minor">
-        <a:schemeClr val="lt1"/>
-      </a:fontRef>
-    </dgm:style>
-  </dgm:styleLbl>
-  <dgm:styleLbl name="asst2">
-    <dgm:scene3d>
-      <a:camera prst="orthographicFront"/>
-      <a:lightRig rig="threePt" dir="t"/>
-    </dgm:scene3d>
-    <dgm:sp3d/>
-    <dgm:txPr/>
-    <dgm:style>
-      <a:lnRef idx="2">
-        <a:scrgbClr r="0" g="0" b="0"/>
-      </a:lnRef>
-      <a:fillRef idx="1">
-        <a:scrgbClr r="0" g="0" b="0"/>
-      </a:fillRef>
-      <a:effectRef idx="0">
-        <a:scrgbClr r="0" g="0" b="0"/>
-      </a:effectRef>
-      <a:fontRef idx="minor">
-        <a:schemeClr val="lt1"/>
-      </a:fontRef>
-    </dgm:style>
-  </dgm:styleLbl>
-  <dgm:styleLbl name="asst3">
-    <dgm:scene3d>
-      <a:camera prst="orthographicFront"/>
-      <a:lightRig rig="threePt" dir="t"/>
-    </dgm:scene3d>
-    <dgm:sp3d/>
-    <dgm:txPr/>
-    <dgm:style>
-      <a:lnRef idx="2">
-        <a:scrgbClr r="0" g="0" b="0"/>
-      </a:lnRef>
-      <a:fillRef idx="1">
-        <a:scrgbClr r="0" g="0" b="0"/>
-      </a:fillRef>
-      <a:effectRef idx="0">
-        <a:scrgbClr r="0" g="0" b="0"/>
-      </a:effectRef>
-      <a:fontRef idx="minor">
-        <a:schemeClr val="lt1"/>
-      </a:fontRef>
-    </dgm:style>
-  </dgm:styleLbl>
-  <dgm:styleLbl name="asst4">
-    <dgm:scene3d>
-      <a:camera prst="orthographicFront"/>
-      <a:lightRig rig="threePt" dir="t"/>
-    </dgm:scene3d>
-    <dgm:sp3d/>
-    <dgm:txPr/>
-    <dgm:style>
-      <a:lnRef idx="2">
-        <a:scrgbClr r="0" g="0" b="0"/>
-      </a:lnRef>
-      <a:fillRef idx="1">
-        <a:scrgbClr r="0" g="0" b="0"/>
-      </a:fillRef>
-      <a:effectRef idx="0">
-        <a:scrgbClr r="0" g="0" b="0"/>
-      </a:effectRef>
-      <a:fontRef idx="minor">
-        <a:schemeClr val="lt1"/>
-      </a:fontRef>
-    </dgm:style>
-  </dgm:styleLbl>
-  <dgm:styleLbl name="parChTrans2D1">
-    <dgm:scene3d>
-      <a:camera prst="orthographicFront"/>
-      <a:lightRig rig="threePt" dir="t"/>
-    </dgm:scene3d>
-    <dgm:sp3d/>
-    <dgm:txPr/>
-    <dgm:style>
-      <a:lnRef idx="2">
-        <a:scrgbClr r="0" g="0" b="0"/>
-      </a:lnRef>
-      <a:fillRef idx="1">
-        <a:scrgbClr r="0" g="0" b="0"/>
-      </a:fillRef>
-      <a:effectRef idx="0">
-        <a:scrgbClr r="0" g="0" b="0"/>
-      </a:effectRef>
-      <a:fontRef idx="minor">
-        <a:schemeClr val="lt1"/>
-      </a:fontRef>
-    </dgm:style>
-  </dgm:styleLbl>
-  <dgm:styleLbl name="parChTrans2D2">
-    <dgm:scene3d>
-      <a:camera prst="orthographicFront"/>
-      <a:lightRig rig="threePt" dir="t"/>
-    </dgm:scene3d>
-    <dgm:sp3d/>
-    <dgm:txPr/>
-    <dgm:style>
-      <a:lnRef idx="2">
-        <a:scrgbClr r="0" g="0" b="0"/>
-      </a:lnRef>
-      <a:fillRef idx="1">
-        <a:scrgbClr r="0" g="0" b="0"/>
-      </a:fillRef>
-      <a:effectRef idx="0">
-        <a:scrgbClr r="0" g="0" b="0"/>
-      </a:effectRef>
-      <a:fontRef idx="minor">
-        <a:schemeClr val="lt1"/>
-      </a:fontRef>
-    </dgm:style>
-  </dgm:styleLbl>
-  <dgm:styleLbl name="parChTrans2D3">
-    <dgm:scene3d>
-      <a:camera prst="orthographicFront"/>
-      <a:lightRig rig="threePt" dir="t"/>
-    </dgm:scene3d>
-    <dgm:sp3d/>
-    <dgm:txPr/>
-    <dgm:style>
-      <a:lnRef idx="2">
-        <a:scrgbClr r="0" g="0" b="0"/>
-      </a:lnRef>
-      <a:fillRef idx="1">
-        <a:scrgbClr r="0" g="0" b="0"/>
-      </a:fillRef>
-      <a:effectRef idx="0">
-        <a:scrgbClr r="0" g="0" b="0"/>
-      </a:effectRef>
-      <a:fontRef idx="minor">
-        <a:schemeClr val="lt1"/>
-      </a:fontRef>
-    </dgm:style>
-  </dgm:styleLbl>
-  <dgm:styleLbl name="parChTrans2D4">
-    <dgm:scene3d>
-      <a:camera prst="orthographicFront"/>
-      <a:lightRig rig="threePt" dir="t"/>
-    </dgm:scene3d>
-    <dgm:sp3d/>
-    <dgm:txPr/>
-    <dgm:style>
-      <a:lnRef idx="2">
-        <a:scrgbClr r="0" g="0" b="0"/>
-      </a:lnRef>
-      <a:fillRef idx="1">
-        <a:scrgbClr r="0" g="0" b="0"/>
-      </a:fillRef>
-      <a:effectRef idx="0">
-        <a:scrgbClr r="0" g="0" b="0"/>
-      </a:effectRef>
-      <a:fontRef idx="minor">
-        <a:schemeClr val="lt1"/>
-      </a:fontRef>
-    </dgm:style>
-  </dgm:styleLbl>
-  <dgm:styleLbl name="parChTrans1D1">
-    <dgm:scene3d>
-      <a:camera prst="orthographicFront"/>
-      <a:lightRig rig="threePt" dir="t"/>
-    </dgm:scene3d>
-    <dgm:sp3d/>
-    <dgm:txPr/>
-    <dgm:style>
-      <a:lnRef idx="2">
-        <a:scrgbClr r="0" g="0" b="0"/>
-      </a:lnRef>
-      <a:fillRef idx="0">
-        <a:scrgbClr r="0" g="0" b="0"/>
-      </a:fillRef>
-      <a:effectRef idx="0">
-        <a:scrgbClr r="0" g="0" b="0"/>
-      </a:effectRef>
-      <a:fontRef idx="minor"/>
-    </dgm:style>
-  </dgm:styleLbl>
-  <dgm:styleLbl name="parChTrans1D2">
-    <dgm:scene3d>
-      <a:camera prst="orthographicFront"/>
-      <a:lightRig rig="threePt" dir="t"/>
-    </dgm:scene3d>
-    <dgm:sp3d/>
-    <dgm:txPr/>
-    <dgm:style>
-      <a:lnRef idx="2">
-        <a:scrgbClr r="0" g="0" b="0"/>
-      </a:lnRef>
-      <a:fillRef idx="0">
-        <a:scrgbClr r="0" g="0" b="0"/>
-      </a:fillRef>
-      <a:effectRef idx="0">
-        <a:scrgbClr r="0" g="0" b="0"/>
-      </a:effectRef>
-      <a:fontRef idx="minor"/>
-    </dgm:style>
-  </dgm:styleLbl>
-  <dgm:styleLbl name="parChTrans1D3">
-    <dgm:scene3d>
-      <a:camera prst="orthographicFront"/>
-      <a:lightRig rig="threePt" dir="t"/>
-    </dgm:scene3d>
-    <dgm:sp3d/>
-    <dgm:txPr/>
-    <dgm:style>
-      <a:lnRef idx="2">
-        <a:scrgbClr r="0" g="0" b="0"/>
-      </a:lnRef>
-      <a:fillRef idx="0">
-        <a:scrgbClr r="0" g="0" b="0"/>
-      </a:fillRef>
-      <a:effectRef idx="0">
-        <a:scrgbClr r="0" g="0" b="0"/>
-      </a:effectRef>
-      <a:fontRef idx="minor"/>
-    </dgm:style>
-  </dgm:styleLbl>
-  <dgm:styleLbl name="parChTrans1D4">
-    <dgm:scene3d>
-      <a:camera prst="orthographicFront"/>
-      <a:lightRig rig="threePt" dir="t"/>
-    </dgm:scene3d>
-    <dgm:sp3d/>
-    <dgm:txPr/>
-    <dgm:style>
-      <a:lnRef idx="2">
-        <a:scrgbClr r="0" g="0" b="0"/>
-      </a:lnRef>
-      <a:fillRef idx="0">
-        <a:scrgbClr r="0" g="0" b="0"/>
-      </a:fillRef>
-      <a:effectRef idx="0">
-        <a:scrgbClr r="0" g="0" b="0"/>
-      </a:effectRef>
-      <a:fontRef idx="minor"/>
-    </dgm:style>
-  </dgm:styleLbl>
-  <dgm:styleLbl name="fgAcc1">
-    <dgm:scene3d>
-      <a:camera prst="orthographicFront"/>
-      <a:lightRig rig="threePt" dir="t"/>
-    </dgm:scene3d>
-    <dgm:sp3d/>
-    <dgm:txPr/>
-    <dgm:style>
-      <a:lnRef idx="2">
-        <a:scrgbClr r="0" g="0" b="0"/>
-      </a:lnRef>
-      <a:fillRef idx="1">
-        <a:scrgbClr r="0" g="0" b="0"/>
-      </a:fillRef>
-      <a:effectRef idx="0">
-        <a:scrgbClr r="0" g="0" b="0"/>
-      </a:effectRef>
-      <a:fontRef idx="minor"/>
-    </dgm:style>
-  </dgm:styleLbl>
-  <dgm:styleLbl name="conFgAcc1">
-    <dgm:scene3d>
-      <a:camera prst="orthographicFront"/>
-      <a:lightRig rig="threePt" dir="t"/>
-    </dgm:scene3d>
-    <dgm:sp3d/>
-    <dgm:txPr/>
-    <dgm:style>
-      <a:lnRef idx="2">
-        <a:scrgbClr r="0" g="0" b="0"/>
-      </a:lnRef>
-      <a:fillRef idx="1">
-        <a:scrgbClr r="0" g="0" b="0"/>
-      </a:fillRef>
-      <a:effectRef idx="0">
-        <a:scrgbClr r="0" g="0" b="0"/>
-      </a:effectRef>
-      <a:fontRef idx="minor"/>
-    </dgm:style>
-  </dgm:styleLbl>
-  <dgm:styleLbl name="alignAcc1">
-    <dgm:scene3d>
-      <a:camera prst="orthographicFront"/>
-      <a:lightRig rig="threePt" dir="t"/>
-    </dgm:scene3d>
-    <dgm:sp3d/>
-    <dgm:txPr/>
-    <dgm:style>
-      <a:lnRef idx="2">
-        <a:scrgbClr r="0" g="0" b="0"/>
-      </a:lnRef>
-      <a:fillRef idx="1">
-        <a:scrgbClr r="0" g="0" b="0"/>
-      </a:fillRef>
-      <a:effectRef idx="0">
-        <a:scrgbClr r="0" g="0" b="0"/>
-      </a:effectRef>
-      <a:fontRef idx="minor"/>
-    </dgm:style>
-  </dgm:styleLbl>
-  <dgm:styleLbl name="trAlignAcc1">
-    <dgm:scene3d>
-      <a:camera prst="orthographicFront"/>
-      <a:lightRig rig="threePt" dir="t"/>
-    </dgm:scene3d>
-    <dgm:sp3d/>
-    <dgm:txPr/>
-    <dgm:style>
-      <a:lnRef idx="1">
-        <a:scrgbClr r="0" g="0" b="0"/>
-      </a:lnRef>
-      <a:fillRef idx="1">
-        <a:scrgbClr r="0" g="0" b="0"/>
-      </a:fillRef>
-      <a:effectRef idx="0">
-        <a:scrgbClr r="0" g="0" b="0"/>
-      </a:effectRef>
-      <a:fontRef idx="minor"/>
-    </dgm:style>
-  </dgm:styleLbl>
-  <dgm:styleLbl name="bgAcc1">
-    <dgm:scene3d>
-      <a:camera prst="orthographicFront"/>
-      <a:lightRig rig="threePt" dir="t"/>
-    </dgm:scene3d>
-    <dgm:sp3d/>
-    <dgm:txPr/>
-    <dgm:style>
-      <a:lnRef idx="2">
-        <a:scrgbClr r="0" g="0" b="0"/>
-      </a:lnRef>
-      <a:fillRef idx="1">
-        <a:scrgbClr r="0" g="0" b="0"/>
-      </a:fillRef>
-      <a:effectRef idx="0">
-        <a:scrgbClr r="0" g="0" b="0"/>
-      </a:effectRef>
-      <a:fontRef idx="minor"/>
-    </dgm:style>
-  </dgm:styleLbl>
-  <dgm:styleLbl name="solidFgAcc1">
-    <dgm:scene3d>
-      <a:camera prst="orthographicFront"/>
-      <a:lightRig rig="threePt" dir="t"/>
-    </dgm:scene3d>
-    <dgm:sp3d/>
-    <dgm:txPr/>
-    <dgm:style>
-      <a:lnRef idx="2">
-        <a:scrgbClr r="0" g="0" b="0"/>
-      </a:lnRef>
-      <a:fillRef idx="1">
-        <a:scrgbClr r="0" g="0" b="0"/>
-      </a:fillRef>
-      <a:effectRef idx="0">
-        <a:scrgbClr r="0" g="0" b="0"/>
-      </a:effectRef>
-      <a:fontRef idx="minor"/>
-    </dgm:style>
-  </dgm:styleLbl>
-  <dgm:styleLbl name="solidAlignAcc1">
-    <dgm:scene3d>
-      <a:camera prst="orthographicFront"/>
-      <a:lightRig rig="threePt" dir="t"/>
-    </dgm:scene3d>
-    <dgm:sp3d/>
-    <dgm:txPr/>
-    <dgm:style>
-      <a:lnRef idx="2">
-        <a:scrgbClr r="0" g="0" b="0"/>
-      </a:lnRef>
-      <a:fillRef idx="1">
-        <a:scrgbClr r="0" g="0" b="0"/>
-      </a:fillRef>
-      <a:effectRef idx="0">
-        <a:scrgbClr r="0" g="0" b="0"/>
-      </a:effectRef>
-      <a:fontRef idx="minor"/>
-    </dgm:style>
-  </dgm:styleLbl>
-  <dgm:styleLbl name="solidBgAcc1">
-    <dgm:scene3d>
-      <a:camera prst="orthographicFront"/>
-      <a:lightRig rig="threePt" dir="t"/>
-    </dgm:scene3d>
-    <dgm:sp3d/>
-    <dgm:txPr/>
-    <dgm:style>
-      <a:lnRef idx="2">
-        <a:scrgbClr r="0" g="0" b="0"/>
-      </a:lnRef>
-      <a:fillRef idx="1">
-        <a:scrgbClr r="0" g="0" b="0"/>
-      </a:fillRef>
-      <a:effectRef idx="0">
-        <a:scrgbClr r="0" g="0" b="0"/>
-      </a:effectRef>
-      <a:fontRef idx="minor"/>
-    </dgm:style>
-  </dgm:styleLbl>
-  <dgm:styleLbl name="fgAccFollowNode1">
-    <dgm:scene3d>
-      <a:camera prst="orthographicFront"/>
-      <a:lightRig rig="threePt" dir="t"/>
-    </dgm:scene3d>
-    <dgm:sp3d/>
-    <dgm:txPr/>
-    <dgm:style>
-      <a:lnRef idx="2">
-        <a:scrgbClr r="0" g="0" b="0"/>
-      </a:lnRef>
-      <a:fillRef idx="1">
-        <a:scrgbClr r="0" g="0" b="0"/>
-      </a:fillRef>
-      <a:effectRef idx="0">
-        <a:scrgbClr r="0" g="0" b="0"/>
-      </a:effectRef>
-      <a:fontRef idx="minor"/>
-    </dgm:style>
-  </dgm:styleLbl>
-  <dgm:styleLbl name="alignAccFollowNode1">
-    <dgm:scene3d>
-      <a:camera prst="orthographicFront"/>
-      <a:lightRig rig="threePt" dir="t"/>
-    </dgm:scene3d>
-    <dgm:sp3d/>
-    <dgm:txPr/>
-    <dgm:style>
-      <a:lnRef idx="2">
-        <a:scrgbClr r="0" g="0" b="0"/>
-      </a:lnRef>
-      <a:fillRef idx="1">
-        <a:scrgbClr r="0" g="0" b="0"/>
-      </a:fillRef>
-      <a:effectRef idx="0">
-        <a:scrgbClr r="0" g="0" b="0"/>
-      </a:effectRef>
-      <a:fontRef idx="minor"/>
-    </dgm:style>
-  </dgm:styleLbl>
-  <dgm:styleLbl name="bgAccFollowNode1">
-    <dgm:scene3d>
-      <a:camera prst="orthographicFront"/>
-      <a:lightRig rig="threePt" dir="t"/>
-    </dgm:scene3d>
-    <dgm:sp3d/>
-    <dgm:txPr/>
-    <dgm:style>
-      <a:lnRef idx="2">
-        <a:scrgbClr r="0" g="0" b="0"/>
-      </a:lnRef>
-      <a:fillRef idx="1">
-        <a:scrgbClr r="0" g="0" b="0"/>
-      </a:fillRef>
-      <a:effectRef idx="0">
-        <a:scrgbClr r="0" g="0" b="0"/>
-      </a:effectRef>
-      <a:fontRef idx="minor"/>
-    </dgm:style>
-  </dgm:styleLbl>
-  <dgm:styleLbl name="fgAcc0">
-    <dgm:scene3d>
-      <a:camera prst="orthographicFront"/>
-      <a:lightRig rig="threePt" dir="t"/>
-    </dgm:scene3d>
-    <dgm:sp3d/>
-    <dgm:txPr/>
-    <dgm:style>
-      <a:lnRef idx="2">
-        <a:scrgbClr r="0" g="0" b="0"/>
-      </a:lnRef>
-      <a:fillRef idx="1">
-        <a:scrgbClr r="0" g="0" b="0"/>
-      </a:fillRef>
-      <a:effectRef idx="0">
-        <a:scrgbClr r="0" g="0" b="0"/>
-      </a:effectRef>
-      <a:fontRef idx="minor"/>
-    </dgm:style>
-  </dgm:styleLbl>
-  <dgm:styleLbl name="fgAcc2">
-    <dgm:scene3d>
-      <a:camera prst="orthographicFront"/>
-      <a:lightRig rig="threePt" dir="t"/>
-    </dgm:scene3d>
-    <dgm:sp3d/>
-    <dgm:txPr/>
-    <dgm:style>
-      <a:lnRef idx="2">
-        <a:scrgbClr r="0" g="0" b="0"/>
-      </a:lnRef>
-      <a:fillRef idx="1">
-        <a:scrgbClr r="0" g="0" b="0"/>
-      </a:fillRef>
-      <a:effectRef idx="0">
-        <a:scrgbClr r="0" g="0" b="0"/>
-      </a:effectRef>
-      <a:fontRef idx="minor"/>
-    </dgm:style>
-  </dgm:styleLbl>
-  <dgm:styleLbl name="fgAcc3">
-    <dgm:scene3d>
-      <a:camera prst="orthographicFront"/>
-      <a:lightRig rig="threePt" dir="t"/>
-    </dgm:scene3d>
-    <dgm:sp3d/>
-    <dgm:txPr/>
-    <dgm:style>
-      <a:lnRef idx="2">
-        <a:scrgbClr r="0" g="0" b="0"/>
-      </a:lnRef>
-      <a:fillRef idx="1">
-        <a:scrgbClr r="0" g="0" b="0"/>
-      </a:fillRef>
-      <a:effectRef idx="0">
-        <a:scrgbClr r="0" g="0" b="0"/>
-      </a:effectRef>
-      <a:fontRef idx="minor"/>
-    </dgm:style>
-  </dgm:styleLbl>
-  <dgm:styleLbl name="fgAcc4">
-    <dgm:scene3d>
-      <a:camera prst="orthographicFront"/>
-      <a:lightRig rig="threePt" dir="t"/>
-    </dgm:scene3d>
-    <dgm:sp3d/>
-    <dgm:txPr/>
-    <dgm:style>
-      <a:lnRef idx="2">
-        <a:scrgbClr r="0" g="0" b="0"/>
-      </a:lnRef>
-      <a:fillRef idx="1">
-        <a:scrgbClr r="0" g="0" b="0"/>
-      </a:fillRef>
-      <a:effectRef idx="0">
-        <a:scrgbClr r="0" g="0" b="0"/>
-      </a:effectRef>
-      <a:fontRef idx="minor"/>
-    </dgm:style>
-  </dgm:styleLbl>
-  <dgm:styleLbl name="bgShp">
-    <dgm:scene3d>
-      <a:camera prst="orthographicFront"/>
-      <a:lightRig rig="threePt" dir="t"/>
-    </dgm:scene3d>
-    <dgm:sp3d/>
-    <dgm:txPr/>
-    <dgm:style>
-      <a:lnRef idx="0">
-        <a:scrgbClr r="0" g="0" b="0"/>
-      </a:lnRef>
-      <a:fillRef idx="1">
-        <a:scrgbClr r="0" g="0" b="0"/>
-      </a:fillRef>
-      <a:effectRef idx="0">
-        <a:scrgbClr r="0" g="0" b="0"/>
-      </a:effectRef>
-      <a:fontRef idx="minor"/>
-    </dgm:style>
-  </dgm:styleLbl>
-  <dgm:styleLbl name="dkBgShp">
-    <dgm:scene3d>
-      <a:camera prst="orthographicFront"/>
-      <a:lightRig rig="threePt" dir="t"/>
-    </dgm:scene3d>
-    <dgm:sp3d/>
-    <dgm:txPr/>
-    <dgm:style>
-      <a:lnRef idx="0">
-        <a:scrgbClr r="0" g="0" b="0"/>
-      </a:lnRef>
-      <a:fillRef idx="1">
-        <a:scrgbClr r="0" g="0" b="0"/>
-      </a:fillRef>
-      <a:effectRef idx="0">
-        <a:scrgbClr r="0" g="0" b="0"/>
-      </a:effectRef>
-      <a:fontRef idx="minor"/>
-    </dgm:style>
-  </dgm:styleLbl>
-  <dgm:styleLbl name="trBgShp">
-    <dgm:scene3d>
-      <a:camera prst="orthographicFront"/>
-      <a:lightRig rig="threePt" dir="t"/>
-    </dgm:scene3d>
-    <dgm:sp3d/>
-    <dgm:txPr/>
-    <dgm:style>
-      <a:lnRef idx="0">
-        <a:scrgbClr r="0" g="0" b="0"/>
-      </a:lnRef>
-      <a:fillRef idx="1">
-        <a:scrgbClr r="0" g="0" b="0"/>
-      </a:fillRef>
-      <a:effectRef idx="0">
-        <a:scrgbClr r="0" g="0" b="0"/>
-      </a:effectRef>
-      <a:fontRef idx="minor"/>
-    </dgm:style>
-  </dgm:styleLbl>
-  <dgm:styleLbl name="fgShp">
-    <dgm:scene3d>
-      <a:camera prst="orthographicFront"/>
-      <a:lightRig rig="threePt" dir="t"/>
-    </dgm:scene3d>
-    <dgm:sp3d/>
-    <dgm:txPr/>
-    <dgm:style>
-      <a:lnRef idx="2">
-        <a:scrgbClr r="0" g="0" b="0"/>
-      </a:lnRef>
-      <a:fillRef idx="1">
-        <a:scrgbClr r="0" g="0" b="0"/>
-      </a:fillRef>
-      <a:effectRef idx="0">
-        <a:scrgbClr r="0" g="0" b="0"/>
-      </a:effectRef>
-      <a:fontRef idx="minor"/>
-    </dgm:style>
-  </dgm:styleLbl>
-  <dgm:styleLbl name="revTx">
-    <dgm:scene3d>
-      <a:camera prst="orthographicFront"/>
-      <a:lightRig rig="threePt" dir="t"/>
-    </dgm:scene3d>
-    <dgm:sp3d/>
-    <dgm:txPr/>
-    <dgm:style>
-      <a:lnRef idx="0">
-        <a:scrgbClr r="0" g="0" b="0"/>
-      </a:lnRef>
-      <a:fillRef idx="0">
-        <a:scrgbClr r="0" g="0" b="0"/>
-      </a:fillRef>
-      <a:effectRef idx="0">
-        <a:scrgbClr r="0" g="0" b="0"/>
-      </a:effectRef>
-      <a:fontRef idx="minor"/>
-    </dgm:style>
-  </dgm:styleLbl>
-</dgm:styleDef>
 </file>
 
 <file path=ppt/handoutMasters/handoutMaster1.xml><?xml version="1.0" encoding="utf-8"?>
@@ -4913,7 +1473,7 @@
             <a:pPr rtl="0"/>
             <a:fld id="{BF0E8C04-2B3A-43E3-AA15-27B2295511E7}" type="datetime1">
               <a:rPr lang="sv-SE" smtClean="0"/>
-              <a:t>2024-03-19</a:t>
+              <a:t>2024-06-03</a:t>
             </a:fld>
             <a:endParaRPr lang="sv-SE"/>
           </a:p>
@@ -5095,7 +1655,7 @@
             <a:pPr rtl="0"/>
             <a:fld id="{8B20316A-1642-487C-A38D-E918FFCD580A}" type="datetime1">
               <a:rPr lang="sv-SE" noProof="0" smtClean="0"/>
-              <a:t>2024-03-19</a:t>
+              <a:t>2024-06-03</a:t>
             </a:fld>
             <a:endParaRPr lang="sv-SE" noProof="0"/>
           </a:p>
@@ -5452,6 +2012,442 @@
 </p:notes>
 </file>
 
+<file path=ppt/notesSlides/notesSlide2.xml><?xml version="1.0" encoding="utf-8"?>
+<p:notes xmlns:a="http://schemas.openxmlformats.org/drawingml/2006/main" xmlns:r="http://schemas.openxmlformats.org/officeDocument/2006/relationships" xmlns:p="http://schemas.openxmlformats.org/presentationml/2006/main">
+  <p:cSld>
+    <p:spTree>
+      <p:nvGrpSpPr>
+        <p:cNvPr id="1" name="">
+          <a:extLst>
+            <a:ext uri="{FF2B5EF4-FFF2-40B4-BE49-F238E27FC236}">
+              <a16:creationId xmlns:a16="http://schemas.microsoft.com/office/drawing/2014/main" id="{9936011B-D53C-AB9A-82AB-4C778F540A93}"/>
+            </a:ext>
+          </a:extLst>
+        </p:cNvPr>
+        <p:cNvGrpSpPr/>
+        <p:nvPr/>
+      </p:nvGrpSpPr>
+      <p:grpSpPr>
+        <a:xfrm>
+          <a:off x="0" y="0"/>
+          <a:ext cx="0" cy="0"/>
+          <a:chOff x="0" y="0"/>
+          <a:chExt cx="0" cy="0"/>
+        </a:xfrm>
+      </p:grpSpPr>
+      <p:sp>
+        <p:nvSpPr>
+          <p:cNvPr id="2" name="Platshållare för bildobjekt 1">
+            <a:extLst>
+              <a:ext uri="{FF2B5EF4-FFF2-40B4-BE49-F238E27FC236}">
+                <a16:creationId xmlns:a16="http://schemas.microsoft.com/office/drawing/2014/main" id="{8C31B25A-BBF0-B400-7E1E-7EB40487CF7D}"/>
+              </a:ext>
+            </a:extLst>
+          </p:cNvPr>
+          <p:cNvSpPr>
+            <a:spLocks noGrp="1" noRot="1" noChangeAspect="1"/>
+          </p:cNvSpPr>
+          <p:nvPr>
+            <p:ph type="sldImg"/>
+          </p:nvPr>
+        </p:nvSpPr>
+        <p:spPr/>
+      </p:sp>
+      <p:sp>
+        <p:nvSpPr>
+          <p:cNvPr id="3" name="Platshållare för anteckningar 2">
+            <a:extLst>
+              <a:ext uri="{FF2B5EF4-FFF2-40B4-BE49-F238E27FC236}">
+                <a16:creationId xmlns:a16="http://schemas.microsoft.com/office/drawing/2014/main" id="{7B4CFDF9-542A-3944-1CBB-7FD3975A8B8E}"/>
+              </a:ext>
+            </a:extLst>
+          </p:cNvPr>
+          <p:cNvSpPr>
+            <a:spLocks noGrp="1"/>
+          </p:cNvSpPr>
+          <p:nvPr>
+            <p:ph type="body" idx="1"/>
+          </p:nvPr>
+        </p:nvSpPr>
+        <p:spPr/>
+        <p:txBody>
+          <a:bodyPr/>
+          <a:lstStyle/>
+          <a:p>
+            <a:endParaRPr lang="sv-SE"/>
+          </a:p>
+        </p:txBody>
+      </p:sp>
+      <p:sp>
+        <p:nvSpPr>
+          <p:cNvPr id="4" name="Platshållare för bildnummer 3">
+            <a:extLst>
+              <a:ext uri="{FF2B5EF4-FFF2-40B4-BE49-F238E27FC236}">
+                <a16:creationId xmlns:a16="http://schemas.microsoft.com/office/drawing/2014/main" id="{74C2A8DF-2E8B-4BE7-5506-F15308A4890E}"/>
+              </a:ext>
+            </a:extLst>
+          </p:cNvPr>
+          <p:cNvSpPr>
+            <a:spLocks noGrp="1"/>
+          </p:cNvSpPr>
+          <p:nvPr>
+            <p:ph type="sldNum" sz="quarter" idx="5"/>
+          </p:nvPr>
+        </p:nvSpPr>
+        <p:spPr/>
+        <p:txBody>
+          <a:bodyPr/>
+          <a:lstStyle/>
+          <a:p>
+            <a:pPr rtl="0"/>
+            <a:fld id="{D5939589-3E79-4C82-AA4A-FE78234FAA59}" type="slidenum">
+              <a:rPr lang="sv-SE" smtClean="0"/>
+              <a:t>7</a:t>
+            </a:fld>
+            <a:endParaRPr lang="sv-SE"/>
+          </a:p>
+        </p:txBody>
+      </p:sp>
+    </p:spTree>
+    <p:extLst>
+      <p:ext uri="{BB962C8B-B14F-4D97-AF65-F5344CB8AC3E}">
+        <p14:creationId xmlns:p14="http://schemas.microsoft.com/office/powerpoint/2010/main" val="3471550935"/>
+      </p:ext>
+    </p:extLst>
+  </p:cSld>
+  <p:clrMapOvr>
+    <a:masterClrMapping/>
+  </p:clrMapOvr>
+</p:notes>
+</file>
+
+<file path=ppt/notesSlides/notesSlide3.xml><?xml version="1.0" encoding="utf-8"?>
+<p:notes xmlns:a="http://schemas.openxmlformats.org/drawingml/2006/main" xmlns:r="http://schemas.openxmlformats.org/officeDocument/2006/relationships" xmlns:p="http://schemas.openxmlformats.org/presentationml/2006/main">
+  <p:cSld>
+    <p:spTree>
+      <p:nvGrpSpPr>
+        <p:cNvPr id="1" name="">
+          <a:extLst>
+            <a:ext uri="{FF2B5EF4-FFF2-40B4-BE49-F238E27FC236}">
+              <a16:creationId xmlns:a16="http://schemas.microsoft.com/office/drawing/2014/main" id="{3D5E7748-A1A7-98D3-016A-4395D9C45E78}"/>
+            </a:ext>
+          </a:extLst>
+        </p:cNvPr>
+        <p:cNvGrpSpPr/>
+        <p:nvPr/>
+      </p:nvGrpSpPr>
+      <p:grpSpPr>
+        <a:xfrm>
+          <a:off x="0" y="0"/>
+          <a:ext cx="0" cy="0"/>
+          <a:chOff x="0" y="0"/>
+          <a:chExt cx="0" cy="0"/>
+        </a:xfrm>
+      </p:grpSpPr>
+      <p:sp>
+        <p:nvSpPr>
+          <p:cNvPr id="2" name="Platshållare för bildobjekt 1">
+            <a:extLst>
+              <a:ext uri="{FF2B5EF4-FFF2-40B4-BE49-F238E27FC236}">
+                <a16:creationId xmlns:a16="http://schemas.microsoft.com/office/drawing/2014/main" id="{7C21FD90-6ADA-6E4A-DD15-5897C5F33207}"/>
+              </a:ext>
+            </a:extLst>
+          </p:cNvPr>
+          <p:cNvSpPr>
+            <a:spLocks noGrp="1" noRot="1" noChangeAspect="1"/>
+          </p:cNvSpPr>
+          <p:nvPr>
+            <p:ph type="sldImg"/>
+          </p:nvPr>
+        </p:nvSpPr>
+        <p:spPr/>
+      </p:sp>
+      <p:sp>
+        <p:nvSpPr>
+          <p:cNvPr id="3" name="Platshållare för anteckningar 2">
+            <a:extLst>
+              <a:ext uri="{FF2B5EF4-FFF2-40B4-BE49-F238E27FC236}">
+                <a16:creationId xmlns:a16="http://schemas.microsoft.com/office/drawing/2014/main" id="{FFCADEA2-33BC-9BD0-37C1-EE4B93432D05}"/>
+              </a:ext>
+            </a:extLst>
+          </p:cNvPr>
+          <p:cNvSpPr>
+            <a:spLocks noGrp="1"/>
+          </p:cNvSpPr>
+          <p:nvPr>
+            <p:ph type="body" idx="1"/>
+          </p:nvPr>
+        </p:nvSpPr>
+        <p:spPr/>
+        <p:txBody>
+          <a:bodyPr/>
+          <a:lstStyle/>
+          <a:p>
+            <a:endParaRPr lang="sv-SE"/>
+          </a:p>
+        </p:txBody>
+      </p:sp>
+      <p:sp>
+        <p:nvSpPr>
+          <p:cNvPr id="4" name="Platshållare för bildnummer 3">
+            <a:extLst>
+              <a:ext uri="{FF2B5EF4-FFF2-40B4-BE49-F238E27FC236}">
+                <a16:creationId xmlns:a16="http://schemas.microsoft.com/office/drawing/2014/main" id="{3EF66F51-BD65-6EDB-4A6F-C2ADA0F0DA46}"/>
+              </a:ext>
+            </a:extLst>
+          </p:cNvPr>
+          <p:cNvSpPr>
+            <a:spLocks noGrp="1"/>
+          </p:cNvSpPr>
+          <p:nvPr>
+            <p:ph type="sldNum" sz="quarter" idx="5"/>
+          </p:nvPr>
+        </p:nvSpPr>
+        <p:spPr/>
+        <p:txBody>
+          <a:bodyPr/>
+          <a:lstStyle/>
+          <a:p>
+            <a:pPr rtl="0"/>
+            <a:fld id="{D5939589-3E79-4C82-AA4A-FE78234FAA59}" type="slidenum">
+              <a:rPr lang="sv-SE" smtClean="0"/>
+              <a:t>8</a:t>
+            </a:fld>
+            <a:endParaRPr lang="sv-SE"/>
+          </a:p>
+        </p:txBody>
+      </p:sp>
+    </p:spTree>
+    <p:extLst>
+      <p:ext uri="{BB962C8B-B14F-4D97-AF65-F5344CB8AC3E}">
+        <p14:creationId xmlns:p14="http://schemas.microsoft.com/office/powerpoint/2010/main" val="757541841"/>
+      </p:ext>
+    </p:extLst>
+  </p:cSld>
+  <p:clrMapOvr>
+    <a:masterClrMapping/>
+  </p:clrMapOvr>
+</p:notes>
+</file>
+
+<file path=ppt/notesSlides/notesSlide4.xml><?xml version="1.0" encoding="utf-8"?>
+<p:notes xmlns:a="http://schemas.openxmlformats.org/drawingml/2006/main" xmlns:r="http://schemas.openxmlformats.org/officeDocument/2006/relationships" xmlns:p="http://schemas.openxmlformats.org/presentationml/2006/main">
+  <p:cSld>
+    <p:spTree>
+      <p:nvGrpSpPr>
+        <p:cNvPr id="1" name="">
+          <a:extLst>
+            <a:ext uri="{FF2B5EF4-FFF2-40B4-BE49-F238E27FC236}">
+              <a16:creationId xmlns:a16="http://schemas.microsoft.com/office/drawing/2014/main" id="{6FFC8AEE-CFEE-0D1C-C47D-D848655C5B6E}"/>
+            </a:ext>
+          </a:extLst>
+        </p:cNvPr>
+        <p:cNvGrpSpPr/>
+        <p:nvPr/>
+      </p:nvGrpSpPr>
+      <p:grpSpPr>
+        <a:xfrm>
+          <a:off x="0" y="0"/>
+          <a:ext cx="0" cy="0"/>
+          <a:chOff x="0" y="0"/>
+          <a:chExt cx="0" cy="0"/>
+        </a:xfrm>
+      </p:grpSpPr>
+      <p:sp>
+        <p:nvSpPr>
+          <p:cNvPr id="2" name="Platshållare för bildobjekt 1">
+            <a:extLst>
+              <a:ext uri="{FF2B5EF4-FFF2-40B4-BE49-F238E27FC236}">
+                <a16:creationId xmlns:a16="http://schemas.microsoft.com/office/drawing/2014/main" id="{E6E497A4-5A32-15DB-9CB6-5EBB3B73817A}"/>
+              </a:ext>
+            </a:extLst>
+          </p:cNvPr>
+          <p:cNvSpPr>
+            <a:spLocks noGrp="1" noRot="1" noChangeAspect="1"/>
+          </p:cNvSpPr>
+          <p:nvPr>
+            <p:ph type="sldImg"/>
+          </p:nvPr>
+        </p:nvSpPr>
+        <p:spPr/>
+      </p:sp>
+      <p:sp>
+        <p:nvSpPr>
+          <p:cNvPr id="3" name="Platshållare för anteckningar 2">
+            <a:extLst>
+              <a:ext uri="{FF2B5EF4-FFF2-40B4-BE49-F238E27FC236}">
+                <a16:creationId xmlns:a16="http://schemas.microsoft.com/office/drawing/2014/main" id="{C7FF328E-88B5-CDD3-F560-1037107CF5AA}"/>
+              </a:ext>
+            </a:extLst>
+          </p:cNvPr>
+          <p:cNvSpPr>
+            <a:spLocks noGrp="1"/>
+          </p:cNvSpPr>
+          <p:nvPr>
+            <p:ph type="body" idx="1"/>
+          </p:nvPr>
+        </p:nvSpPr>
+        <p:spPr/>
+        <p:txBody>
+          <a:bodyPr/>
+          <a:lstStyle/>
+          <a:p>
+            <a:endParaRPr lang="sv-SE"/>
+          </a:p>
+        </p:txBody>
+      </p:sp>
+      <p:sp>
+        <p:nvSpPr>
+          <p:cNvPr id="4" name="Platshållare för bildnummer 3">
+            <a:extLst>
+              <a:ext uri="{FF2B5EF4-FFF2-40B4-BE49-F238E27FC236}">
+                <a16:creationId xmlns:a16="http://schemas.microsoft.com/office/drawing/2014/main" id="{339F90E6-2660-6BE4-4C0A-1D9D19EC5ECC}"/>
+              </a:ext>
+            </a:extLst>
+          </p:cNvPr>
+          <p:cNvSpPr>
+            <a:spLocks noGrp="1"/>
+          </p:cNvSpPr>
+          <p:nvPr>
+            <p:ph type="sldNum" sz="quarter" idx="5"/>
+          </p:nvPr>
+        </p:nvSpPr>
+        <p:spPr/>
+        <p:txBody>
+          <a:bodyPr/>
+          <a:lstStyle/>
+          <a:p>
+            <a:pPr rtl="0"/>
+            <a:fld id="{D5939589-3E79-4C82-AA4A-FE78234FAA59}" type="slidenum">
+              <a:rPr lang="sv-SE" smtClean="0"/>
+              <a:t>9</a:t>
+            </a:fld>
+            <a:endParaRPr lang="sv-SE"/>
+          </a:p>
+        </p:txBody>
+      </p:sp>
+    </p:spTree>
+    <p:extLst>
+      <p:ext uri="{BB962C8B-B14F-4D97-AF65-F5344CB8AC3E}">
+        <p14:creationId xmlns:p14="http://schemas.microsoft.com/office/powerpoint/2010/main" val="3445872038"/>
+      </p:ext>
+    </p:extLst>
+  </p:cSld>
+  <p:clrMapOvr>
+    <a:masterClrMapping/>
+  </p:clrMapOvr>
+</p:notes>
+</file>
+
+<file path=ppt/notesSlides/notesSlide5.xml><?xml version="1.0" encoding="utf-8"?>
+<p:notes xmlns:a="http://schemas.openxmlformats.org/drawingml/2006/main" xmlns:r="http://schemas.openxmlformats.org/officeDocument/2006/relationships" xmlns:p="http://schemas.openxmlformats.org/presentationml/2006/main">
+  <p:cSld>
+    <p:spTree>
+      <p:nvGrpSpPr>
+        <p:cNvPr id="1" name="">
+          <a:extLst>
+            <a:ext uri="{FF2B5EF4-FFF2-40B4-BE49-F238E27FC236}">
+              <a16:creationId xmlns:a16="http://schemas.microsoft.com/office/drawing/2014/main" id="{32C3AFE7-DFC9-429C-9402-C145E252D7BD}"/>
+            </a:ext>
+          </a:extLst>
+        </p:cNvPr>
+        <p:cNvGrpSpPr/>
+        <p:nvPr/>
+      </p:nvGrpSpPr>
+      <p:grpSpPr>
+        <a:xfrm>
+          <a:off x="0" y="0"/>
+          <a:ext cx="0" cy="0"/>
+          <a:chOff x="0" y="0"/>
+          <a:chExt cx="0" cy="0"/>
+        </a:xfrm>
+      </p:grpSpPr>
+      <p:sp>
+        <p:nvSpPr>
+          <p:cNvPr id="2" name="Platshållare för bildobjekt 1">
+            <a:extLst>
+              <a:ext uri="{FF2B5EF4-FFF2-40B4-BE49-F238E27FC236}">
+                <a16:creationId xmlns:a16="http://schemas.microsoft.com/office/drawing/2014/main" id="{F262B4D9-7DE5-4866-9840-1DCB73588DC1}"/>
+              </a:ext>
+            </a:extLst>
+          </p:cNvPr>
+          <p:cNvSpPr>
+            <a:spLocks noGrp="1" noRot="1" noChangeAspect="1"/>
+          </p:cNvSpPr>
+          <p:nvPr>
+            <p:ph type="sldImg"/>
+          </p:nvPr>
+        </p:nvSpPr>
+        <p:spPr/>
+      </p:sp>
+      <p:sp>
+        <p:nvSpPr>
+          <p:cNvPr id="3" name="Platshållare för anteckningar 2">
+            <a:extLst>
+              <a:ext uri="{FF2B5EF4-FFF2-40B4-BE49-F238E27FC236}">
+                <a16:creationId xmlns:a16="http://schemas.microsoft.com/office/drawing/2014/main" id="{44A8272E-5718-9A28-5A52-1C5926D88FE3}"/>
+              </a:ext>
+            </a:extLst>
+          </p:cNvPr>
+          <p:cNvSpPr>
+            <a:spLocks noGrp="1"/>
+          </p:cNvSpPr>
+          <p:nvPr>
+            <p:ph type="body" idx="1"/>
+          </p:nvPr>
+        </p:nvSpPr>
+        <p:spPr/>
+        <p:txBody>
+          <a:bodyPr/>
+          <a:lstStyle/>
+          <a:p>
+            <a:endParaRPr lang="sv-SE"/>
+          </a:p>
+        </p:txBody>
+      </p:sp>
+      <p:sp>
+        <p:nvSpPr>
+          <p:cNvPr id="4" name="Platshållare för bildnummer 3">
+            <a:extLst>
+              <a:ext uri="{FF2B5EF4-FFF2-40B4-BE49-F238E27FC236}">
+                <a16:creationId xmlns:a16="http://schemas.microsoft.com/office/drawing/2014/main" id="{44F349BF-5A44-0C28-362A-B50758C71F54}"/>
+              </a:ext>
+            </a:extLst>
+          </p:cNvPr>
+          <p:cNvSpPr>
+            <a:spLocks noGrp="1"/>
+          </p:cNvSpPr>
+          <p:nvPr>
+            <p:ph type="sldNum" sz="quarter" idx="5"/>
+          </p:nvPr>
+        </p:nvSpPr>
+        <p:spPr/>
+        <p:txBody>
+          <a:bodyPr/>
+          <a:lstStyle/>
+          <a:p>
+            <a:pPr rtl="0"/>
+            <a:fld id="{D5939589-3E79-4C82-AA4A-FE78234FAA59}" type="slidenum">
+              <a:rPr lang="sv-SE" smtClean="0"/>
+              <a:t>10</a:t>
+            </a:fld>
+            <a:endParaRPr lang="sv-SE"/>
+          </a:p>
+        </p:txBody>
+      </p:sp>
+    </p:spTree>
+    <p:extLst>
+      <p:ext uri="{BB962C8B-B14F-4D97-AF65-F5344CB8AC3E}">
+        <p14:creationId xmlns:p14="http://schemas.microsoft.com/office/powerpoint/2010/main" val="2364246294"/>
+      </p:ext>
+    </p:extLst>
+  </p:cSld>
+  <p:clrMapOvr>
+    <a:masterClrMapping/>
+  </p:clrMapOvr>
+</p:notes>
+</file>
+
 <file path=ppt/slideLayouts/slideLayout1.xml><?xml version="1.0" encoding="utf-8"?>
 <p:sldLayout xmlns:a="http://schemas.openxmlformats.org/drawingml/2006/main" xmlns:r="http://schemas.openxmlformats.org/officeDocument/2006/relationships" xmlns:p="http://schemas.openxmlformats.org/presentationml/2006/main" type="title" preserve="1">
   <p:cSld name="Rubrikbild">
@@ -5698,7 +2694,7 @@
             <a:pPr rtl="0"/>
             <a:fld id="{9E1C7E15-A5D9-44CB-AA09-BDE68780EFAC}" type="datetime1">
               <a:rPr lang="sv-SE" noProof="0" smtClean="0"/>
-              <a:t>2024-03-19</a:t>
+              <a:t>2024-06-03</a:t>
             </a:fld>
             <a:endParaRPr lang="sv-SE" noProof="0"/>
           </a:p>
@@ -5963,7 +2959,7 @@
             <a:pPr rtl="0"/>
             <a:fld id="{561EE234-DC73-444A-954B-E89CE88AD6A7}" type="datetime1">
               <a:rPr lang="sv-SE" noProof="0" smtClean="0"/>
-              <a:t>2024-03-19</a:t>
+              <a:t>2024-06-03</a:t>
             </a:fld>
             <a:endParaRPr lang="sv-SE" noProof="0"/>
           </a:p>
@@ -6201,7 +3197,7 @@
             <a:pPr rtl="0"/>
             <a:fld id="{A06512CE-127A-4A92-B425-5C3D57FDA44B}" type="datetime1">
               <a:rPr lang="sv-SE" noProof="0" smtClean="0"/>
-              <a:t>2024-03-19</a:t>
+              <a:t>2024-06-03</a:t>
             </a:fld>
             <a:endParaRPr lang="sv-SE" noProof="0"/>
           </a:p>
@@ -6277,6 +3273,769 @@
     <p:extLst>
       <p:ext uri="{BB962C8B-B14F-4D97-AF65-F5344CB8AC3E}">
         <p14:creationId xmlns:p14="http://schemas.microsoft.com/office/powerpoint/2010/main" val="4291526879"/>
+      </p:ext>
+    </p:extLst>
+  </p:cSld>
+  <p:clrMapOvr>
+    <a:masterClrMapping/>
+  </p:clrMapOvr>
+</p:sldLayout>
+</file>
+
+<file path=ppt/slideLayouts/slideLayout12.xml><?xml version="1.0" encoding="utf-8"?>
+<p:sldLayout xmlns:a="http://schemas.openxmlformats.org/drawingml/2006/main" xmlns:r="http://schemas.openxmlformats.org/officeDocument/2006/relationships" xmlns:p="http://schemas.openxmlformats.org/presentationml/2006/main" userDrawn="1">
+  <p:cSld name="1_Rubrik och innehåll">
+    <p:spTree>
+      <p:nvGrpSpPr>
+        <p:cNvPr id="1" name=""/>
+        <p:cNvGrpSpPr/>
+        <p:nvPr/>
+      </p:nvGrpSpPr>
+      <p:grpSpPr>
+        <a:xfrm>
+          <a:off x="0" y="0"/>
+          <a:ext cx="0" cy="0"/>
+          <a:chOff x="0" y="0"/>
+          <a:chExt cx="0" cy="0"/>
+        </a:xfrm>
+      </p:grpSpPr>
+      <p:sp>
+        <p:nvSpPr>
+          <p:cNvPr id="15" name="Platshållare för bild 14">
+            <a:extLst>
+              <a:ext uri="{FF2B5EF4-FFF2-40B4-BE49-F238E27FC236}">
+                <a16:creationId xmlns:a16="http://schemas.microsoft.com/office/drawing/2014/main" id="{E62FC6D8-DD87-4B93-8491-43C84EE63FE2}"/>
+              </a:ext>
+            </a:extLst>
+          </p:cNvPr>
+          <p:cNvSpPr>
+            <a:spLocks noGrp="1"/>
+          </p:cNvSpPr>
+          <p:nvPr>
+            <p:ph type="pic" sz="quarter" idx="13"/>
+          </p:nvPr>
+        </p:nvSpPr>
+        <p:spPr>
+          <a:xfrm>
+            <a:off x="7451965" y="1665520"/>
+            <a:ext cx="4266960" cy="4266968"/>
+          </a:xfrm>
+          <a:custGeom>
+            <a:avLst/>
+            <a:gdLst>
+              <a:gd name="connsiteX0" fmla="*/ 2133823 w 4266960"/>
+              <a:gd name="connsiteY0" fmla="*/ 0 h 4266968"/>
+              <a:gd name="connsiteX1" fmla="*/ 4256628 w 4266960"/>
+              <a:gd name="connsiteY1" fmla="*/ 1915652 h 4266968"/>
+              <a:gd name="connsiteX2" fmla="*/ 4266960 w 4266960"/>
+              <a:gd name="connsiteY2" fmla="*/ 2120258 h 4266968"/>
+              <a:gd name="connsiteX3" fmla="*/ 4266960 w 4266960"/>
+              <a:gd name="connsiteY3" fmla="*/ 2147389 h 4266968"/>
+              <a:gd name="connsiteX4" fmla="*/ 4256628 w 4266960"/>
+              <a:gd name="connsiteY4" fmla="*/ 2351994 h 4266968"/>
+              <a:gd name="connsiteX5" fmla="*/ 2351994 w 4266960"/>
+              <a:gd name="connsiteY5" fmla="*/ 4256629 h 4266968"/>
+              <a:gd name="connsiteX6" fmla="*/ 2147230 w 4266960"/>
+              <a:gd name="connsiteY6" fmla="*/ 4266968 h 4266968"/>
+              <a:gd name="connsiteX7" fmla="*/ 2120416 w 4266960"/>
+              <a:gd name="connsiteY7" fmla="*/ 4266968 h 4266968"/>
+              <a:gd name="connsiteX8" fmla="*/ 1915652 w 4266960"/>
+              <a:gd name="connsiteY8" fmla="*/ 4256629 h 4266968"/>
+              <a:gd name="connsiteX9" fmla="*/ 0 w 4266960"/>
+              <a:gd name="connsiteY9" fmla="*/ 2133823 h 4266968"/>
+              <a:gd name="connsiteX10" fmla="*/ 2133823 w 4266960"/>
+              <a:gd name="connsiteY10" fmla="*/ 0 h 4266968"/>
+            </a:gdLst>
+            <a:ahLst/>
+            <a:cxnLst>
+              <a:cxn ang="0">
+                <a:pos x="connsiteX0" y="connsiteY0"/>
+              </a:cxn>
+              <a:cxn ang="0">
+                <a:pos x="connsiteX1" y="connsiteY1"/>
+              </a:cxn>
+              <a:cxn ang="0">
+                <a:pos x="connsiteX2" y="connsiteY2"/>
+              </a:cxn>
+              <a:cxn ang="0">
+                <a:pos x="connsiteX3" y="connsiteY3"/>
+              </a:cxn>
+              <a:cxn ang="0">
+                <a:pos x="connsiteX4" y="connsiteY4"/>
+              </a:cxn>
+              <a:cxn ang="0">
+                <a:pos x="connsiteX5" y="connsiteY5"/>
+              </a:cxn>
+              <a:cxn ang="0">
+                <a:pos x="connsiteX6" y="connsiteY6"/>
+              </a:cxn>
+              <a:cxn ang="0">
+                <a:pos x="connsiteX7" y="connsiteY7"/>
+              </a:cxn>
+              <a:cxn ang="0">
+                <a:pos x="connsiteX8" y="connsiteY8"/>
+              </a:cxn>
+              <a:cxn ang="0">
+                <a:pos x="connsiteX9" y="connsiteY9"/>
+              </a:cxn>
+              <a:cxn ang="0">
+                <a:pos x="connsiteX10" y="connsiteY10"/>
+              </a:cxn>
+            </a:cxnLst>
+            <a:rect l="l" t="t" r="r" b="b"/>
+            <a:pathLst>
+              <a:path w="4266960" h="4266968">
+                <a:moveTo>
+                  <a:pt x="2133823" y="0"/>
+                </a:moveTo>
+                <a:cubicBezTo>
+                  <a:pt x="3238644" y="0"/>
+                  <a:pt x="4147355" y="839660"/>
+                  <a:pt x="4256628" y="1915652"/>
+                </a:cubicBezTo>
+                <a:lnTo>
+                  <a:pt x="4266960" y="2120258"/>
+                </a:lnTo>
+                <a:lnTo>
+                  <a:pt x="4266960" y="2147389"/>
+                </a:lnTo>
+                <a:lnTo>
+                  <a:pt x="4256628" y="2351994"/>
+                </a:lnTo>
+                <a:cubicBezTo>
+                  <a:pt x="4154640" y="3356254"/>
+                  <a:pt x="3356253" y="4154640"/>
+                  <a:pt x="2351994" y="4256629"/>
+                </a:cubicBezTo>
+                <a:lnTo>
+                  <a:pt x="2147230" y="4266968"/>
+                </a:lnTo>
+                <a:lnTo>
+                  <a:pt x="2120416" y="4266968"/>
+                </a:lnTo>
+                <a:lnTo>
+                  <a:pt x="1915652" y="4256629"/>
+                </a:lnTo>
+                <a:cubicBezTo>
+                  <a:pt x="839660" y="4147356"/>
+                  <a:pt x="0" y="3238645"/>
+                  <a:pt x="0" y="2133823"/>
+                </a:cubicBezTo>
+                <a:cubicBezTo>
+                  <a:pt x="0" y="955346"/>
+                  <a:pt x="955346" y="0"/>
+                  <a:pt x="2133823" y="0"/>
+                </a:cubicBezTo>
+                <a:close/>
+              </a:path>
+            </a:pathLst>
+          </a:custGeom>
+        </p:spPr>
+        <p:txBody>
+          <a:bodyPr wrap="square" rtlCol="0" anchor="ctr">
+            <a:noAutofit/>
+          </a:bodyPr>
+          <a:lstStyle>
+            <a:lvl1pPr algn="ctr">
+              <a:buNone/>
+              <a:defRPr/>
+            </a:lvl1pPr>
+          </a:lstStyle>
+          <a:p>
+            <a:pPr rtl="0"/>
+            <a:r>
+              <a:rPr lang="sv-SE" noProof="0"/>
+              <a:t>Klicka på ikonen för att lägga till en bild</a:t>
+            </a:r>
+          </a:p>
+        </p:txBody>
+      </p:sp>
+      <p:sp>
+        <p:nvSpPr>
+          <p:cNvPr id="2" name="Rubrik 1">
+            <a:extLst>
+              <a:ext uri="{FF2B5EF4-FFF2-40B4-BE49-F238E27FC236}">
+                <a16:creationId xmlns:a16="http://schemas.microsoft.com/office/drawing/2014/main" id="{9696CF8C-1EA0-4E47-AC60-CAC3B80A3C5D}"/>
+              </a:ext>
+            </a:extLst>
+          </p:cNvPr>
+          <p:cNvSpPr>
+            <a:spLocks noGrp="1"/>
+          </p:cNvSpPr>
+          <p:nvPr>
+            <p:ph type="title" hasCustomPrompt="1"/>
+          </p:nvPr>
+        </p:nvSpPr>
+        <p:spPr>
+          <a:xfrm>
+            <a:off x="804672" y="1335024"/>
+            <a:ext cx="6190488" cy="1179576"/>
+          </a:xfrm>
+        </p:spPr>
+        <p:txBody>
+          <a:bodyPr lIns="91440" tIns="45720" rIns="91440" bIns="45720" rtlCol="0" anchor="b"/>
+          <a:lstStyle>
+            <a:lvl1pPr>
+              <a:defRPr sz="5400"/>
+            </a:lvl1pPr>
+          </a:lstStyle>
+          <a:p>
+            <a:pPr rtl="0"/>
+            <a:r>
+              <a:rPr lang="sv-SE" noProof="0"/>
+              <a:t>Klicka här för att ändra format</a:t>
+            </a:r>
+          </a:p>
+        </p:txBody>
+      </p:sp>
+      <p:sp>
+        <p:nvSpPr>
+          <p:cNvPr id="3" name="Platshållare för innehåll 2">
+            <a:extLst>
+              <a:ext uri="{FF2B5EF4-FFF2-40B4-BE49-F238E27FC236}">
+                <a16:creationId xmlns:a16="http://schemas.microsoft.com/office/drawing/2014/main" id="{628CABF8-19D8-4F3C-994F-4D35EC7A2C3E}"/>
+              </a:ext>
+            </a:extLst>
+          </p:cNvPr>
+          <p:cNvSpPr>
+            <a:spLocks noGrp="1"/>
+          </p:cNvSpPr>
+          <p:nvPr>
+            <p:ph idx="1" hasCustomPrompt="1"/>
+          </p:nvPr>
+        </p:nvSpPr>
+        <p:spPr>
+          <a:xfrm>
+            <a:off x="850392" y="2825496"/>
+            <a:ext cx="6190488" cy="3346704"/>
+          </a:xfrm>
+        </p:spPr>
+        <p:txBody>
+          <a:bodyPr rtlCol="0"/>
+          <a:lstStyle>
+            <a:lvl1pPr marL="0" indent="0" rtl="0">
+              <a:lnSpc>
+                <a:spcPct val="110000"/>
+              </a:lnSpc>
+              <a:buNone/>
+              <a:defRPr sz="2000"/>
+            </a:lvl1pPr>
+            <a:lvl2pPr marL="228600">
+              <a:defRPr sz="1800"/>
+            </a:lvl2pPr>
+            <a:lvl3pPr marL="457200">
+              <a:defRPr sz="1600"/>
+            </a:lvl3pPr>
+            <a:lvl4pPr marL="685800">
+              <a:defRPr sz="1400"/>
+            </a:lvl4pPr>
+            <a:lvl5pPr>
+              <a:defRPr sz="1400"/>
+            </a:lvl5pPr>
+          </a:lstStyle>
+          <a:p>
+            <a:pPr lvl="0" rtl="0"/>
+            <a:r>
+              <a:rPr lang="sv-SE" noProof="0" dirty="0"/>
+              <a:t>Redigera format för bakgrundstext</a:t>
+            </a:r>
+          </a:p>
+          <a:p>
+            <a:pPr lvl="1" rtl="0"/>
+            <a:r>
+              <a:rPr lang="sv-SE" noProof="0" dirty="0"/>
+              <a:t>Nivå två</a:t>
+            </a:r>
+          </a:p>
+          <a:p>
+            <a:pPr lvl="2" rtl="0"/>
+            <a:r>
+              <a:rPr lang="sv-SE" noProof="0" dirty="0"/>
+              <a:t>Nivå tre</a:t>
+            </a:r>
+          </a:p>
+          <a:p>
+            <a:pPr lvl="3" rtl="0"/>
+            <a:r>
+              <a:rPr lang="sv-SE" noProof="0" dirty="0"/>
+              <a:t>Nivå fyra</a:t>
+            </a:r>
+          </a:p>
+        </p:txBody>
+      </p:sp>
+      <p:sp>
+        <p:nvSpPr>
+          <p:cNvPr id="4" name="Platshållare för datum 3">
+            <a:extLst>
+              <a:ext uri="{FF2B5EF4-FFF2-40B4-BE49-F238E27FC236}">
+                <a16:creationId xmlns:a16="http://schemas.microsoft.com/office/drawing/2014/main" id="{D097BB2D-4E2C-4490-A2A3-4B68BCC5D2F9}"/>
+              </a:ext>
+            </a:extLst>
+          </p:cNvPr>
+          <p:cNvSpPr>
+            <a:spLocks noGrp="1"/>
+          </p:cNvSpPr>
+          <p:nvPr>
+            <p:ph type="dt" sz="half" idx="10"/>
+          </p:nvPr>
+        </p:nvSpPr>
+        <p:spPr/>
+        <p:txBody>
+          <a:bodyPr rtlCol="0"/>
+          <a:lstStyle>
+            <a:lvl1pPr>
+              <a:defRPr>
+                <a:solidFill>
+                  <a:schemeClr val="accent2"/>
+                </a:solidFill>
+              </a:defRPr>
+            </a:lvl1pPr>
+          </a:lstStyle>
+          <a:p>
+            <a:pPr rtl="0"/>
+            <a:r>
+              <a:rPr lang="sv-SE" noProof="0"/>
+              <a:t>20XX-09-03</a:t>
+            </a:r>
+          </a:p>
+        </p:txBody>
+      </p:sp>
+      <p:sp>
+        <p:nvSpPr>
+          <p:cNvPr id="5" name="Platshållare för sidfot 4">
+            <a:extLst>
+              <a:ext uri="{FF2B5EF4-FFF2-40B4-BE49-F238E27FC236}">
+                <a16:creationId xmlns:a16="http://schemas.microsoft.com/office/drawing/2014/main" id="{6140F15D-DD72-46D5-BF0F-F5064710700E}"/>
+              </a:ext>
+            </a:extLst>
+          </p:cNvPr>
+          <p:cNvSpPr>
+            <a:spLocks noGrp="1"/>
+          </p:cNvSpPr>
+          <p:nvPr>
+            <p:ph type="ftr" sz="quarter" idx="11"/>
+          </p:nvPr>
+        </p:nvSpPr>
+        <p:spPr>
+          <a:xfrm>
+            <a:off x="7964424" y="621792"/>
+            <a:ext cx="4114800" cy="365125"/>
+          </a:xfrm>
+        </p:spPr>
+        <p:txBody>
+          <a:bodyPr rtlCol="0"/>
+          <a:lstStyle>
+            <a:lvl1pPr>
+              <a:defRPr baseline="0">
+                <a:solidFill>
+                  <a:schemeClr val="accent2"/>
+                </a:solidFill>
+              </a:defRPr>
+            </a:lvl1pPr>
+          </a:lstStyle>
+          <a:p>
+            <a:pPr rtl="0"/>
+            <a:r>
+              <a:rPr lang="sv-SE" noProof="0"/>
+              <a:t>Presentationens rubrik</a:t>
+            </a:r>
+          </a:p>
+        </p:txBody>
+      </p:sp>
+      <p:sp>
+        <p:nvSpPr>
+          <p:cNvPr id="6" name="Platshållare för bildnummer 5">
+            <a:extLst>
+              <a:ext uri="{FF2B5EF4-FFF2-40B4-BE49-F238E27FC236}">
+                <a16:creationId xmlns:a16="http://schemas.microsoft.com/office/drawing/2014/main" id="{5266FD4D-815A-431C-ADEF-DE6F236F617F}"/>
+              </a:ext>
+            </a:extLst>
+          </p:cNvPr>
+          <p:cNvSpPr>
+            <a:spLocks noGrp="1"/>
+          </p:cNvSpPr>
+          <p:nvPr>
+            <p:ph type="sldNum" sz="quarter" idx="12"/>
+          </p:nvPr>
+        </p:nvSpPr>
+        <p:spPr/>
+        <p:txBody>
+          <a:bodyPr rtlCol="0"/>
+          <a:lstStyle>
+            <a:lvl1pPr>
+              <a:defRPr>
+                <a:solidFill>
+                  <a:schemeClr val="accent2"/>
+                </a:solidFill>
+              </a:defRPr>
+            </a:lvl1pPr>
+          </a:lstStyle>
+          <a:p>
+            <a:pPr rtl="0"/>
+            <a:fld id="{D8DA9DAA-006C-4F4B-980E-E3DF019B24E2}" type="slidenum">
+              <a:rPr lang="sv-SE" noProof="0" smtClean="0"/>
+              <a:pPr rtl="0"/>
+              <a:t>‹#›</a:t>
+            </a:fld>
+            <a:endParaRPr lang="sv-SE" noProof="0"/>
+          </a:p>
+        </p:txBody>
+      </p:sp>
+      <p:cxnSp>
+        <p:nvCxnSpPr>
+          <p:cNvPr id="9" name="Rak 8">
+            <a:extLst>
+              <a:ext uri="{FF2B5EF4-FFF2-40B4-BE49-F238E27FC236}">
+                <a16:creationId xmlns:a16="http://schemas.microsoft.com/office/drawing/2014/main" id="{FA8B3D0E-ED3F-46FA-AE79-5FEFDE9168E3}"/>
+              </a:ext>
+            </a:extLst>
+          </p:cNvPr>
+          <p:cNvCxnSpPr>
+            <a:cxnSpLocks/>
+          </p:cNvCxnSpPr>
+          <p:nvPr userDrawn="1"/>
+        </p:nvCxnSpPr>
+        <p:spPr>
+          <a:xfrm>
+            <a:off x="0" y="806470"/>
+            <a:ext cx="7903723" cy="0"/>
+          </a:xfrm>
+          <a:prstGeom prst="line">
+            <a:avLst/>
+          </a:prstGeom>
+          <a:ln w="25400" cap="sq">
+            <a:gradFill flip="none" rotWithShape="1">
+              <a:gsLst>
+                <a:gs pos="0">
+                  <a:schemeClr val="accent2"/>
+                </a:gs>
+                <a:gs pos="100000">
+                  <a:schemeClr val="accent4"/>
+                </a:gs>
+              </a:gsLst>
+              <a:lin ang="10800000" scaled="1"/>
+              <a:tileRect/>
+            </a:gradFill>
+            <a:bevel/>
+          </a:ln>
+        </p:spPr>
+        <p:style>
+          <a:lnRef idx="1">
+            <a:schemeClr val="accent1"/>
+          </a:lnRef>
+          <a:fillRef idx="0">
+            <a:schemeClr val="accent1"/>
+          </a:fillRef>
+          <a:effectRef idx="0">
+            <a:schemeClr val="accent1"/>
+          </a:effectRef>
+          <a:fontRef idx="minor">
+            <a:schemeClr val="tx1"/>
+          </a:fontRef>
+        </p:style>
+      </p:cxnSp>
+      <p:sp>
+        <p:nvSpPr>
+          <p:cNvPr id="17" name="Grafik 10">
+            <a:extLst>
+              <a:ext uri="{FF2B5EF4-FFF2-40B4-BE49-F238E27FC236}">
+                <a16:creationId xmlns:a16="http://schemas.microsoft.com/office/drawing/2014/main" id="{AAD06B87-D9B2-4F94-B734-A8F039A2033F}"/>
+              </a:ext>
+            </a:extLst>
+          </p:cNvPr>
+          <p:cNvSpPr/>
+          <p:nvPr userDrawn="1"/>
+        </p:nvSpPr>
+        <p:spPr>
+          <a:xfrm>
+            <a:off x="11281590" y="2070656"/>
+            <a:ext cx="91138" cy="91138"/>
+          </a:xfrm>
+          <a:custGeom>
+            <a:avLst/>
+            <a:gdLst>
+              <a:gd name="connsiteX0" fmla="*/ 91138 w 91138"/>
+              <a:gd name="connsiteY0" fmla="*/ 45569 h 91138"/>
+              <a:gd name="connsiteX1" fmla="*/ 45569 w 91138"/>
+              <a:gd name="connsiteY1" fmla="*/ 91138 h 91138"/>
+              <a:gd name="connsiteX2" fmla="*/ 0 w 91138"/>
+              <a:gd name="connsiteY2" fmla="*/ 45569 h 91138"/>
+              <a:gd name="connsiteX3" fmla="*/ 45569 w 91138"/>
+              <a:gd name="connsiteY3" fmla="*/ 0 h 91138"/>
+              <a:gd name="connsiteX4" fmla="*/ 91138 w 91138"/>
+              <a:gd name="connsiteY4" fmla="*/ 45569 h 91138"/>
+            </a:gdLst>
+            <a:ahLst/>
+            <a:cxnLst>
+              <a:cxn ang="0">
+                <a:pos x="connsiteX0" y="connsiteY0"/>
+              </a:cxn>
+              <a:cxn ang="0">
+                <a:pos x="connsiteX1" y="connsiteY1"/>
+              </a:cxn>
+              <a:cxn ang="0">
+                <a:pos x="connsiteX2" y="connsiteY2"/>
+              </a:cxn>
+              <a:cxn ang="0">
+                <a:pos x="connsiteX3" y="connsiteY3"/>
+              </a:cxn>
+              <a:cxn ang="0">
+                <a:pos x="connsiteX4" y="connsiteY4"/>
+              </a:cxn>
+            </a:cxnLst>
+            <a:rect l="l" t="t" r="r" b="b"/>
+            <a:pathLst>
+              <a:path w="91138" h="91138">
+                <a:moveTo>
+                  <a:pt x="91138" y="45569"/>
+                </a:moveTo>
+                <a:cubicBezTo>
+                  <a:pt x="91138" y="70736"/>
+                  <a:pt x="70736" y="91138"/>
+                  <a:pt x="45569" y="91138"/>
+                </a:cubicBezTo>
+                <a:cubicBezTo>
+                  <a:pt x="20402" y="91138"/>
+                  <a:pt x="0" y="70736"/>
+                  <a:pt x="0" y="45569"/>
+                </a:cubicBezTo>
+                <a:cubicBezTo>
+                  <a:pt x="0" y="20402"/>
+                  <a:pt x="20402" y="0"/>
+                  <a:pt x="45569" y="0"/>
+                </a:cubicBezTo>
+                <a:cubicBezTo>
+                  <a:pt x="70736" y="0"/>
+                  <a:pt x="91138" y="20402"/>
+                  <a:pt x="91138" y="45569"/>
+                </a:cubicBezTo>
+                <a:close/>
+              </a:path>
+            </a:pathLst>
+          </a:custGeom>
+          <a:solidFill>
+            <a:schemeClr val="accent2"/>
+          </a:solidFill>
+          <a:ln w="422" cap="flat">
+            <a:noFill/>
+            <a:prstDash val="solid"/>
+            <a:miter/>
+          </a:ln>
+        </p:spPr>
+        <p:txBody>
+          <a:bodyPr rtlCol="0" anchor="ctr"/>
+          <a:lstStyle/>
+          <a:p>
+            <a:pPr rtl="0"/>
+            <a:endParaRPr lang="sv-SE" noProof="0"/>
+          </a:p>
+        </p:txBody>
+      </p:sp>
+      <p:sp>
+        <p:nvSpPr>
+          <p:cNvPr id="19" name="Grafik 11">
+            <a:extLst>
+              <a:ext uri="{FF2B5EF4-FFF2-40B4-BE49-F238E27FC236}">
+                <a16:creationId xmlns:a16="http://schemas.microsoft.com/office/drawing/2014/main" id="{BB13A13C-36EA-4B13-9175-C5FE95B34D33}"/>
+              </a:ext>
+            </a:extLst>
+          </p:cNvPr>
+          <p:cNvSpPr/>
+          <p:nvPr userDrawn="1"/>
+        </p:nvSpPr>
+        <p:spPr>
+          <a:xfrm>
+            <a:off x="10969280" y="1780012"/>
+            <a:ext cx="139039" cy="139039"/>
+          </a:xfrm>
+          <a:custGeom>
+            <a:avLst/>
+            <a:gdLst>
+              <a:gd name="connsiteX0" fmla="*/ 129602 w 139039"/>
+              <a:gd name="connsiteY0" fmla="*/ 60082 h 139039"/>
+              <a:gd name="connsiteX1" fmla="*/ 78957 w 139039"/>
+              <a:gd name="connsiteY1" fmla="*/ 60082 h 139039"/>
+              <a:gd name="connsiteX2" fmla="*/ 78957 w 139039"/>
+              <a:gd name="connsiteY2" fmla="*/ 9437 h 139039"/>
+              <a:gd name="connsiteX3" fmla="*/ 69520 w 139039"/>
+              <a:gd name="connsiteY3" fmla="*/ 0 h 139039"/>
+              <a:gd name="connsiteX4" fmla="*/ 60082 w 139039"/>
+              <a:gd name="connsiteY4" fmla="*/ 9437 h 139039"/>
+              <a:gd name="connsiteX5" fmla="*/ 60082 w 139039"/>
+              <a:gd name="connsiteY5" fmla="*/ 60082 h 139039"/>
+              <a:gd name="connsiteX6" fmla="*/ 9437 w 139039"/>
+              <a:gd name="connsiteY6" fmla="*/ 60082 h 139039"/>
+              <a:gd name="connsiteX7" fmla="*/ 0 w 139039"/>
+              <a:gd name="connsiteY7" fmla="*/ 69520 h 139039"/>
+              <a:gd name="connsiteX8" fmla="*/ 9437 w 139039"/>
+              <a:gd name="connsiteY8" fmla="*/ 78957 h 139039"/>
+              <a:gd name="connsiteX9" fmla="*/ 60082 w 139039"/>
+              <a:gd name="connsiteY9" fmla="*/ 78957 h 139039"/>
+              <a:gd name="connsiteX10" fmla="*/ 60082 w 139039"/>
+              <a:gd name="connsiteY10" fmla="*/ 129602 h 139039"/>
+              <a:gd name="connsiteX11" fmla="*/ 69520 w 139039"/>
+              <a:gd name="connsiteY11" fmla="*/ 139039 h 139039"/>
+              <a:gd name="connsiteX12" fmla="*/ 78957 w 139039"/>
+              <a:gd name="connsiteY12" fmla="*/ 129602 h 139039"/>
+              <a:gd name="connsiteX13" fmla="*/ 78957 w 139039"/>
+              <a:gd name="connsiteY13" fmla="*/ 78957 h 139039"/>
+              <a:gd name="connsiteX14" fmla="*/ 129602 w 139039"/>
+              <a:gd name="connsiteY14" fmla="*/ 78957 h 139039"/>
+              <a:gd name="connsiteX15" fmla="*/ 139039 w 139039"/>
+              <a:gd name="connsiteY15" fmla="*/ 69520 h 139039"/>
+              <a:gd name="connsiteX16" fmla="*/ 129602 w 139039"/>
+              <a:gd name="connsiteY16" fmla="*/ 60082 h 139039"/>
+            </a:gdLst>
+            <a:ahLst/>
+            <a:cxnLst>
+              <a:cxn ang="0">
+                <a:pos x="connsiteX0" y="connsiteY0"/>
+              </a:cxn>
+              <a:cxn ang="0">
+                <a:pos x="connsiteX1" y="connsiteY1"/>
+              </a:cxn>
+              <a:cxn ang="0">
+                <a:pos x="connsiteX2" y="connsiteY2"/>
+              </a:cxn>
+              <a:cxn ang="0">
+                <a:pos x="connsiteX3" y="connsiteY3"/>
+              </a:cxn>
+              <a:cxn ang="0">
+                <a:pos x="connsiteX4" y="connsiteY4"/>
+              </a:cxn>
+              <a:cxn ang="0">
+                <a:pos x="connsiteX5" y="connsiteY5"/>
+              </a:cxn>
+              <a:cxn ang="0">
+                <a:pos x="connsiteX6" y="connsiteY6"/>
+              </a:cxn>
+              <a:cxn ang="0">
+                <a:pos x="connsiteX7" y="connsiteY7"/>
+              </a:cxn>
+              <a:cxn ang="0">
+                <a:pos x="connsiteX8" y="connsiteY8"/>
+              </a:cxn>
+              <a:cxn ang="0">
+                <a:pos x="connsiteX9" y="connsiteY9"/>
+              </a:cxn>
+              <a:cxn ang="0">
+                <a:pos x="connsiteX10" y="connsiteY10"/>
+              </a:cxn>
+              <a:cxn ang="0">
+                <a:pos x="connsiteX11" y="connsiteY11"/>
+              </a:cxn>
+              <a:cxn ang="0">
+                <a:pos x="connsiteX12" y="connsiteY12"/>
+              </a:cxn>
+              <a:cxn ang="0">
+                <a:pos x="connsiteX13" y="connsiteY13"/>
+              </a:cxn>
+              <a:cxn ang="0">
+                <a:pos x="connsiteX14" y="connsiteY14"/>
+              </a:cxn>
+              <a:cxn ang="0">
+                <a:pos x="connsiteX15" y="connsiteY15"/>
+              </a:cxn>
+              <a:cxn ang="0">
+                <a:pos x="connsiteX16" y="connsiteY16"/>
+              </a:cxn>
+            </a:cxnLst>
+            <a:rect l="l" t="t" r="r" b="b"/>
+            <a:pathLst>
+              <a:path w="139039" h="139039">
+                <a:moveTo>
+                  <a:pt x="129602" y="60082"/>
+                </a:moveTo>
+                <a:lnTo>
+                  <a:pt x="78957" y="60082"/>
+                </a:lnTo>
+                <a:lnTo>
+                  <a:pt x="78957" y="9437"/>
+                </a:lnTo>
+                <a:cubicBezTo>
+                  <a:pt x="78957" y="4225"/>
+                  <a:pt x="74731" y="0"/>
+                  <a:pt x="69520" y="0"/>
+                </a:cubicBezTo>
+                <a:cubicBezTo>
+                  <a:pt x="64308" y="0"/>
+                  <a:pt x="60082" y="4225"/>
+                  <a:pt x="60082" y="9437"/>
+                </a:cubicBezTo>
+                <a:lnTo>
+                  <a:pt x="60082" y="60082"/>
+                </a:lnTo>
+                <a:lnTo>
+                  <a:pt x="9437" y="60082"/>
+                </a:lnTo>
+                <a:cubicBezTo>
+                  <a:pt x="4225" y="60082"/>
+                  <a:pt x="0" y="64308"/>
+                  <a:pt x="0" y="69520"/>
+                </a:cubicBezTo>
+                <a:cubicBezTo>
+                  <a:pt x="0" y="74731"/>
+                  <a:pt x="4225" y="78957"/>
+                  <a:pt x="9437" y="78957"/>
+                </a:cubicBezTo>
+                <a:lnTo>
+                  <a:pt x="60082" y="78957"/>
+                </a:lnTo>
+                <a:lnTo>
+                  <a:pt x="60082" y="129602"/>
+                </a:lnTo>
+                <a:cubicBezTo>
+                  <a:pt x="60082" y="134814"/>
+                  <a:pt x="64308" y="139039"/>
+                  <a:pt x="69520" y="139039"/>
+                </a:cubicBezTo>
+                <a:cubicBezTo>
+                  <a:pt x="74731" y="139039"/>
+                  <a:pt x="78957" y="134814"/>
+                  <a:pt x="78957" y="129602"/>
+                </a:cubicBezTo>
+                <a:lnTo>
+                  <a:pt x="78957" y="78957"/>
+                </a:lnTo>
+                <a:lnTo>
+                  <a:pt x="129602" y="78957"/>
+                </a:lnTo>
+                <a:cubicBezTo>
+                  <a:pt x="134814" y="78957"/>
+                  <a:pt x="139039" y="74731"/>
+                  <a:pt x="139039" y="69520"/>
+                </a:cubicBezTo>
+                <a:cubicBezTo>
+                  <a:pt x="139039" y="64308"/>
+                  <a:pt x="134814" y="60082"/>
+                  <a:pt x="129602" y="60082"/>
+                </a:cubicBezTo>
+                <a:close/>
+              </a:path>
+            </a:pathLst>
+          </a:custGeom>
+          <a:solidFill>
+            <a:schemeClr val="accent2"/>
+          </a:solidFill>
+          <a:ln w="603" cap="flat">
+            <a:noFill/>
+            <a:prstDash val="solid"/>
+            <a:miter/>
+          </a:ln>
+        </p:spPr>
+        <p:txBody>
+          <a:bodyPr rtlCol="0" anchor="ctr"/>
+          <a:lstStyle/>
+          <a:p>
+            <a:pPr rtl="0"/>
+            <a:endParaRPr lang="sv-SE" noProof="0"/>
+          </a:p>
+        </p:txBody>
+      </p:sp>
+    </p:spTree>
+    <p:extLst>
+      <p:ext uri="{BB962C8B-B14F-4D97-AF65-F5344CB8AC3E}">
+        <p14:creationId xmlns:p14="http://schemas.microsoft.com/office/powerpoint/2010/main" val="1185464503"/>
       </p:ext>
     </p:extLst>
   </p:cSld>
@@ -6444,7 +4203,7 @@
             <a:pPr rtl="0"/>
             <a:fld id="{18BA5819-876C-40D7-B05D-82DAC82D5655}" type="datetime1">
               <a:rPr lang="sv-SE" noProof="0" smtClean="0"/>
-              <a:t>2024-03-19</a:t>
+              <a:t>2024-06-03</a:t>
             </a:fld>
             <a:endParaRPr lang="sv-SE" noProof="0"/>
           </a:p>
@@ -6755,7 +4514,7 @@
             <a:pPr rtl="0"/>
             <a:fld id="{7949AA0E-6A47-4365-A56F-C26D07467938}" type="datetime1">
               <a:rPr lang="sv-SE" noProof="0" smtClean="0"/>
-              <a:t>2024-03-19</a:t>
+              <a:t>2024-06-03</a:t>
             </a:fld>
             <a:endParaRPr lang="sv-SE" noProof="0"/>
           </a:p>
@@ -7059,7 +4818,7 @@
             <a:pPr rtl="0"/>
             <a:fld id="{B352CDAE-0DBF-4CCE-8D8D-BCC1A1B963F7}" type="datetime1">
               <a:rPr lang="sv-SE" noProof="0" smtClean="0"/>
-              <a:t>2024-03-19</a:t>
+              <a:t>2024-06-03</a:t>
             </a:fld>
             <a:endParaRPr lang="sv-SE" noProof="0"/>
           </a:p>
@@ -7483,7 +5242,7 @@
             <a:pPr rtl="0"/>
             <a:fld id="{EE769021-A962-41DC-B2BE-B2D5BE48197E}" type="datetime1">
               <a:rPr lang="sv-SE" noProof="0" smtClean="0"/>
-              <a:t>2024-03-19</a:t>
+              <a:t>2024-06-03</a:t>
             </a:fld>
             <a:endParaRPr lang="sv-SE" noProof="0"/>
           </a:p>
@@ -7582,7 +5341,7 @@
             <a:pPr rtl="0"/>
             <a:fld id="{1D21C337-78CE-4B42-B3F9-57AA2C8CE673}" type="datetime1">
               <a:rPr lang="sv-SE" noProof="0" smtClean="0"/>
-              <a:t>2024-03-19</a:t>
+              <a:t>2024-06-03</a:t>
             </a:fld>
             <a:endParaRPr lang="sv-SE" noProof="0"/>
           </a:p>
@@ -7748,7 +5507,7 @@
             <a:pPr rtl="0"/>
             <a:fld id="{944A4472-8FEF-4AB6-8DC5-BBF8799EDA3C}" type="datetime1">
               <a:rPr lang="sv-SE" noProof="0" smtClean="0"/>
-              <a:t>2024-03-19</a:t>
+              <a:t>2024-06-03</a:t>
             </a:fld>
             <a:endParaRPr lang="sv-SE" noProof="0"/>
           </a:p>
@@ -8129,7 +5888,7 @@
             <a:pPr rtl="0"/>
             <a:fld id="{9C951709-E3CE-4C6A-8C9B-0A975C581F46}" type="datetime1">
               <a:rPr lang="sv-SE" noProof="0" smtClean="0"/>
-              <a:t>2024-03-19</a:t>
+              <a:t>2024-06-03</a:t>
             </a:fld>
             <a:endParaRPr lang="sv-SE" noProof="0"/>
           </a:p>
@@ -8422,7 +6181,7 @@
             <a:pPr rtl="0"/>
             <a:fld id="{AE076600-0888-48C6-B089-DF3A6834FC41}" type="datetime1">
               <a:rPr lang="sv-SE" noProof="0" smtClean="0"/>
-              <a:t>2024-03-19</a:t>
+              <a:t>2024-06-03</a:t>
             </a:fld>
             <a:endParaRPr lang="sv-SE" noProof="0"/>
           </a:p>
@@ -8636,7 +6395,7 @@
             <a:pPr rtl="0"/>
             <a:fld id="{DCB5594E-A726-475C-AA0A-CE0BD647288B}" type="datetime1">
               <a:rPr lang="sv-SE" noProof="0" smtClean="0"/>
-              <a:t>2024-03-19</a:t>
+              <a:t>2024-06-03</a:t>
             </a:fld>
             <a:endParaRPr lang="sv-SE" noProof="0"/>
           </a:p>
@@ -8850,6 +6609,7 @@
     <p:sldLayoutId id="2147483681" r:id="rId9"/>
     <p:sldLayoutId id="2147483682" r:id="rId10"/>
     <p:sldLayoutId id="2147483683" r:id="rId11"/>
+    <p:sldLayoutId id="2147483684" r:id="rId12"/>
   </p:sldLayoutIdLst>
   <p:hf sldNum="0" hdr="0" ftr="0" dt="0"/>
   <p:txStyles>
@@ -9709,6 +7469,196 @@
 </p:sld>
 </file>
 
+<file path=ppt/slides/slide10.xml><?xml version="1.0" encoding="utf-8"?>
+<p:sld xmlns:a="http://schemas.openxmlformats.org/drawingml/2006/main" xmlns:r="http://schemas.openxmlformats.org/officeDocument/2006/relationships" xmlns:p="http://schemas.openxmlformats.org/presentationml/2006/main">
+  <p:cSld>
+    <p:spTree>
+      <p:nvGrpSpPr>
+        <p:cNvPr id="1" name="">
+          <a:extLst>
+            <a:ext uri="{FF2B5EF4-FFF2-40B4-BE49-F238E27FC236}">
+              <a16:creationId xmlns:a16="http://schemas.microsoft.com/office/drawing/2014/main" id="{C7D3D6DE-FB8C-B0F8-7B03-9C81ED40F372}"/>
+            </a:ext>
+          </a:extLst>
+        </p:cNvPr>
+        <p:cNvGrpSpPr/>
+        <p:nvPr/>
+      </p:nvGrpSpPr>
+      <p:grpSpPr>
+        <a:xfrm>
+          <a:off x="0" y="0"/>
+          <a:ext cx="0" cy="0"/>
+          <a:chOff x="0" y="0"/>
+          <a:chExt cx="0" cy="0"/>
+        </a:xfrm>
+      </p:grpSpPr>
+      <p:sp>
+        <p:nvSpPr>
+          <p:cNvPr id="3" name="Rubrik 2">
+            <a:extLst>
+              <a:ext uri="{FF2B5EF4-FFF2-40B4-BE49-F238E27FC236}">
+                <a16:creationId xmlns:a16="http://schemas.microsoft.com/office/drawing/2014/main" id="{A3B0642F-A127-98D5-6369-4FD86D90B897}"/>
+              </a:ext>
+            </a:extLst>
+          </p:cNvPr>
+          <p:cNvSpPr>
+            <a:spLocks noGrp="1"/>
+          </p:cNvSpPr>
+          <p:nvPr>
+            <p:ph type="title"/>
+          </p:nvPr>
+        </p:nvSpPr>
+        <p:spPr/>
+        <p:txBody>
+          <a:bodyPr rtlCol="0">
+            <a:normAutofit fontScale="90000"/>
+          </a:bodyPr>
+          <a:lstStyle/>
+          <a:p>
+            <a:pPr rtl="0"/>
+            <a:r>
+              <a:rPr lang="sv-SE" sz="5400" dirty="0">
+                <a:solidFill>
+                  <a:schemeClr val="tx2"/>
+                </a:solidFill>
+              </a:rPr>
+              <a:t>Events och </a:t>
+            </a:r>
+            <a:r>
+              <a:rPr lang="sv-SE" sz="5400" dirty="0" err="1">
+                <a:solidFill>
+                  <a:schemeClr val="tx2"/>
+                </a:solidFill>
+              </a:rPr>
+              <a:t>bindings</a:t>
+            </a:r>
+            <a:endParaRPr lang="sv-SE" dirty="0">
+              <a:solidFill>
+                <a:schemeClr val="tx2"/>
+              </a:solidFill>
+            </a:endParaRPr>
+          </a:p>
+        </p:txBody>
+      </p:sp>
+      <p:sp>
+        <p:nvSpPr>
+          <p:cNvPr id="4" name="Platshållare för innehåll 3">
+            <a:extLst>
+              <a:ext uri="{FF2B5EF4-FFF2-40B4-BE49-F238E27FC236}">
+                <a16:creationId xmlns:a16="http://schemas.microsoft.com/office/drawing/2014/main" id="{9439F981-6848-DFAD-7D55-0343783292A8}"/>
+              </a:ext>
+            </a:extLst>
+          </p:cNvPr>
+          <p:cNvSpPr>
+            <a:spLocks noGrp="1"/>
+          </p:cNvSpPr>
+          <p:nvPr>
+            <p:ph idx="1"/>
+          </p:nvPr>
+        </p:nvSpPr>
+        <p:spPr/>
+        <p:txBody>
+          <a:bodyPr rtlCol="0"/>
+          <a:lstStyle/>
+          <a:p>
+            <a:pPr algn="l"/>
+            <a:r>
+              <a:rPr lang="sv-SE" b="0" i="0" dirty="0" err="1">
+                <a:solidFill>
+                  <a:srgbClr val="0D0D0D"/>
+                </a:solidFill>
+                <a:effectLst/>
+                <a:latin typeface="Söhne"/>
+              </a:rPr>
+              <a:t>Tkinter</a:t>
+            </a:r>
+            <a:r>
+              <a:rPr lang="sv-SE" b="0" i="0">
+                <a:solidFill>
+                  <a:srgbClr val="0D0D0D"/>
+                </a:solidFill>
+                <a:effectLst/>
+                <a:latin typeface="Söhne"/>
+              </a:rPr>
+              <a:t> tillåter utvecklare att binda funktioner till händelser som knapptryckningar eller tangenttryckningar, vilket möjliggör interaktivitet i GUI-applikationer.</a:t>
+            </a:r>
+            <a:endParaRPr lang="sv-SE" b="0" i="0" dirty="0">
+              <a:solidFill>
+                <a:srgbClr val="0D0D0D"/>
+              </a:solidFill>
+              <a:effectLst/>
+              <a:latin typeface="Söhne"/>
+            </a:endParaRPr>
+          </a:p>
+        </p:txBody>
+      </p:sp>
+      <p:pic>
+        <p:nvPicPr>
+          <p:cNvPr id="8" name="Platshållare för bild 7" descr="berg under natthimmel strax före gryning">
+            <a:extLst>
+              <a:ext uri="{FF2B5EF4-FFF2-40B4-BE49-F238E27FC236}">
+                <a16:creationId xmlns:a16="http://schemas.microsoft.com/office/drawing/2014/main" id="{5F5DDF29-1725-A162-AC88-A12FF2099B8D}"/>
+              </a:ext>
+            </a:extLst>
+          </p:cNvPr>
+          <p:cNvPicPr>
+            <a:picLocks noGrp="1" noChangeAspect="1"/>
+          </p:cNvPicPr>
+          <p:nvPr>
+            <p:ph type="pic" sz="quarter" idx="13"/>
+          </p:nvPr>
+        </p:nvPicPr>
+        <p:blipFill rotWithShape="1">
+          <a:blip r:embed="rId3"/>
+          <a:srcRect l="71" r="71"/>
+          <a:stretch/>
+        </p:blipFill>
+        <p:spPr/>
+      </p:pic>
+      <p:sp>
+        <p:nvSpPr>
+          <p:cNvPr id="11" name="Platshållare för bildnummer 10">
+            <a:extLst>
+              <a:ext uri="{FF2B5EF4-FFF2-40B4-BE49-F238E27FC236}">
+                <a16:creationId xmlns:a16="http://schemas.microsoft.com/office/drawing/2014/main" id="{5887B530-86FB-3644-141F-4A9B448AC8A1}"/>
+              </a:ext>
+            </a:extLst>
+          </p:cNvPr>
+          <p:cNvSpPr>
+            <a:spLocks noGrp="1"/>
+          </p:cNvSpPr>
+          <p:nvPr>
+            <p:ph type="sldNum" sz="quarter" idx="12"/>
+          </p:nvPr>
+        </p:nvSpPr>
+        <p:spPr/>
+        <p:txBody>
+          <a:bodyPr rtlCol="0"/>
+          <a:lstStyle/>
+          <a:p>
+            <a:pPr rtl="0"/>
+            <a:fld id="{D8DA9DAA-006C-4F4B-980E-E3DF019B24E2}" type="slidenum">
+              <a:rPr lang="sv-SE" smtClean="0"/>
+              <a:pPr rtl="0"/>
+              <a:t>10</a:t>
+            </a:fld>
+            <a:endParaRPr lang="sv-SE"/>
+          </a:p>
+        </p:txBody>
+      </p:sp>
+    </p:spTree>
+    <p:extLst>
+      <p:ext uri="{BB962C8B-B14F-4D97-AF65-F5344CB8AC3E}">
+        <p14:creationId xmlns:p14="http://schemas.microsoft.com/office/powerpoint/2010/main" val="2461626861"/>
+      </p:ext>
+    </p:extLst>
+  </p:cSld>
+  <p:clrMapOvr>
+    <a:masterClrMapping/>
+  </p:clrMapOvr>
+</p:sld>
+</file>
+
 <file path=ppt/slides/slide2.xml><?xml version="1.0" encoding="utf-8"?>
 <p:sld xmlns:a="http://schemas.openxmlformats.org/drawingml/2006/main" xmlns:r="http://schemas.openxmlformats.org/officeDocument/2006/relationships" xmlns:p="http://schemas.openxmlformats.org/presentationml/2006/main">
   <p:cSld>
@@ -9814,6 +7764,11 @@
               <a:rPr lang="sv-SE" dirty="0"/>
               <a:t>Klickar man på en boll händer något </a:t>
             </a:r>
+            <a:endParaRPr lang="sv-SE" dirty="0">
+              <a:solidFill>
+                <a:schemeClr val="accent6"/>
+              </a:solidFill>
+            </a:endParaRPr>
           </a:p>
           <a:p>
             <a:pPr lvl="1"/>
@@ -10043,6 +7998,186 @@
           </a:prstGeom>
         </p:spPr>
       </p:pic>
+      <p:pic>
+        <p:nvPicPr>
+          <p:cNvPr id="4" name="Bild 3" descr="Bock med hel fyllning">
+            <a:extLst>
+              <a:ext uri="{FF2B5EF4-FFF2-40B4-BE49-F238E27FC236}">
+                <a16:creationId xmlns:a16="http://schemas.microsoft.com/office/drawing/2014/main" id="{2A34BCF1-D7B3-E527-1E83-4EAED4313457}"/>
+              </a:ext>
+            </a:extLst>
+          </p:cNvPr>
+          <p:cNvPicPr>
+            <a:picLocks noChangeAspect="1"/>
+          </p:cNvPicPr>
+          <p:nvPr/>
+        </p:nvPicPr>
+        <p:blipFill>
+          <a:blip r:embed="rId4">
+            <a:extLst>
+              <a:ext uri="{96DAC541-7B7A-43D3-8B79-37D633B846F1}">
+                <asvg:svgBlip xmlns:asvg="http://schemas.microsoft.com/office/drawing/2016/SVG/main" r:embed="rId5"/>
+              </a:ext>
+            </a:extLst>
+          </a:blip>
+          <a:stretch>
+            <a:fillRect/>
+          </a:stretch>
+        </p:blipFill>
+        <p:spPr>
+          <a:xfrm>
+            <a:off x="5672288" y="2815496"/>
+            <a:ext cx="335280" cy="335280"/>
+          </a:xfrm>
+          <a:prstGeom prst="rect">
+            <a:avLst/>
+          </a:prstGeom>
+        </p:spPr>
+      </p:pic>
+      <p:pic>
+        <p:nvPicPr>
+          <p:cNvPr id="8" name="Bild 7" descr="Bock med hel fyllning">
+            <a:extLst>
+              <a:ext uri="{FF2B5EF4-FFF2-40B4-BE49-F238E27FC236}">
+                <a16:creationId xmlns:a16="http://schemas.microsoft.com/office/drawing/2014/main" id="{0C5A8167-5CBA-4E6E-36B9-074BA8E3F815}"/>
+              </a:ext>
+            </a:extLst>
+          </p:cNvPr>
+          <p:cNvPicPr>
+            <a:picLocks noChangeAspect="1"/>
+          </p:cNvPicPr>
+          <p:nvPr/>
+        </p:nvPicPr>
+        <p:blipFill>
+          <a:blip r:embed="rId6">
+            <a:extLst>
+              <a:ext uri="{96DAC541-7B7A-43D3-8B79-37D633B846F1}">
+                <asvg:svgBlip xmlns:asvg="http://schemas.microsoft.com/office/drawing/2016/SVG/main" r:embed="rId7"/>
+              </a:ext>
+            </a:extLst>
+          </a:blip>
+          <a:stretch>
+            <a:fillRect/>
+          </a:stretch>
+        </p:blipFill>
+        <p:spPr>
+          <a:xfrm>
+            <a:off x="2959100" y="3150776"/>
+            <a:ext cx="335280" cy="335280"/>
+          </a:xfrm>
+          <a:prstGeom prst="rect">
+            <a:avLst/>
+          </a:prstGeom>
+        </p:spPr>
+      </p:pic>
+      <p:pic>
+        <p:nvPicPr>
+          <p:cNvPr id="9" name="Bild 8" descr="Bock med hel fyllning">
+            <a:extLst>
+              <a:ext uri="{FF2B5EF4-FFF2-40B4-BE49-F238E27FC236}">
+                <a16:creationId xmlns:a16="http://schemas.microsoft.com/office/drawing/2014/main" id="{06A36B19-9FC0-4908-8FEA-B4643F6B2236}"/>
+              </a:ext>
+            </a:extLst>
+          </p:cNvPr>
+          <p:cNvPicPr>
+            <a:picLocks noChangeAspect="1"/>
+          </p:cNvPicPr>
+          <p:nvPr/>
+        </p:nvPicPr>
+        <p:blipFill>
+          <a:blip r:embed="rId6">
+            <a:extLst>
+              <a:ext uri="{96DAC541-7B7A-43D3-8B79-37D633B846F1}">
+                <asvg:svgBlip xmlns:asvg="http://schemas.microsoft.com/office/drawing/2016/SVG/main" r:embed="rId7"/>
+              </a:ext>
+            </a:extLst>
+          </a:blip>
+          <a:stretch>
+            <a:fillRect/>
+          </a:stretch>
+        </p:blipFill>
+        <p:spPr>
+          <a:xfrm>
+            <a:off x="6850380" y="3294192"/>
+            <a:ext cx="335280" cy="335280"/>
+          </a:xfrm>
+          <a:prstGeom prst="rect">
+            <a:avLst/>
+          </a:prstGeom>
+        </p:spPr>
+      </p:pic>
+      <p:pic>
+        <p:nvPicPr>
+          <p:cNvPr id="10" name="Bild 9" descr="Bock med hel fyllning">
+            <a:extLst>
+              <a:ext uri="{FF2B5EF4-FFF2-40B4-BE49-F238E27FC236}">
+                <a16:creationId xmlns:a16="http://schemas.microsoft.com/office/drawing/2014/main" id="{97270DFC-04A5-178D-9CC2-5F8483C0C070}"/>
+              </a:ext>
+            </a:extLst>
+          </p:cNvPr>
+          <p:cNvPicPr>
+            <a:picLocks noChangeAspect="1"/>
+          </p:cNvPicPr>
+          <p:nvPr/>
+        </p:nvPicPr>
+        <p:blipFill>
+          <a:blip r:embed="rId6">
+            <a:extLst>
+              <a:ext uri="{96DAC541-7B7A-43D3-8B79-37D633B846F1}">
+                <asvg:svgBlip xmlns:asvg="http://schemas.microsoft.com/office/drawing/2016/SVG/main" r:embed="rId7"/>
+              </a:ext>
+            </a:extLst>
+          </a:blip>
+          <a:stretch>
+            <a:fillRect/>
+          </a:stretch>
+        </p:blipFill>
+        <p:spPr>
+          <a:xfrm>
+            <a:off x="3378200" y="3555624"/>
+            <a:ext cx="335280" cy="335280"/>
+          </a:xfrm>
+          <a:prstGeom prst="rect">
+            <a:avLst/>
+          </a:prstGeom>
+        </p:spPr>
+      </p:pic>
+      <p:pic>
+        <p:nvPicPr>
+          <p:cNvPr id="11" name="Bild 10" descr="Bock med hel fyllning">
+            <a:extLst>
+              <a:ext uri="{FF2B5EF4-FFF2-40B4-BE49-F238E27FC236}">
+                <a16:creationId xmlns:a16="http://schemas.microsoft.com/office/drawing/2014/main" id="{AED45F7A-366F-5917-B4FA-710BBDF7D5A0}"/>
+              </a:ext>
+            </a:extLst>
+          </p:cNvPr>
+          <p:cNvPicPr>
+            <a:picLocks noChangeAspect="1"/>
+          </p:cNvPicPr>
+          <p:nvPr/>
+        </p:nvPicPr>
+        <p:blipFill>
+          <a:blip r:embed="rId6">
+            <a:extLst>
+              <a:ext uri="{96DAC541-7B7A-43D3-8B79-37D633B846F1}">
+                <asvg:svgBlip xmlns:asvg="http://schemas.microsoft.com/office/drawing/2016/SVG/main" r:embed="rId7"/>
+              </a:ext>
+            </a:extLst>
+          </a:blip>
+          <a:stretch>
+            <a:fillRect/>
+          </a:stretch>
+        </p:blipFill>
+        <p:spPr>
+          <a:xfrm>
+            <a:off x="3545840" y="3767056"/>
+            <a:ext cx="335280" cy="335280"/>
+          </a:xfrm>
+          <a:prstGeom prst="rect">
+            <a:avLst/>
+          </a:prstGeom>
+        </p:spPr>
+      </p:pic>
     </p:spTree>
     <p:extLst>
       <p:ext uri="{BB962C8B-B14F-4D97-AF65-F5344CB8AC3E}">
@@ -10096,7 +8231,7 @@
           <a:p>
             <a:r>
               <a:rPr lang="sv-SE" dirty="0"/>
-              <a:t>HUR du kan utforma ditt ekosystem</a:t>
+              <a:t>HUR du kan utforma ditt PROGRAM</a:t>
             </a:r>
           </a:p>
         </p:txBody>
@@ -10114,8 +8249,8 @@
           <p:nvPr/>
         </p:nvSpPr>
         <p:spPr>
-          <a:xfrm rot="3988630">
-            <a:off x="2183024" y="4063818"/>
+          <a:xfrm rot="5075243">
+            <a:off x="2771283" y="3994004"/>
             <a:ext cx="1414420" cy="307070"/>
           </a:xfrm>
           <a:prstGeom prst="rightArrow">
@@ -10164,7 +8299,7 @@
         </p:nvSpPr>
         <p:spPr>
           <a:xfrm>
-            <a:off x="2166664" y="2795501"/>
+            <a:off x="3111318" y="2641725"/>
             <a:ext cx="685319" cy="679789"/>
           </a:xfrm>
           <a:custGeom>
@@ -10310,8 +8445,12 @@
               <a:buNone/>
             </a:pPr>
             <a:r>
+              <a:rPr lang="sv-SE" sz="1200" dirty="0" err="1"/>
+              <a:t>tk</a:t>
+            </a:r>
+            <a:r>
               <a:rPr lang="sv-SE" sz="1200" kern="1200" dirty="0" err="1"/>
-              <a:t>TKinter</a:t>
+              <a:t>inter</a:t>
             </a:r>
             <a:endParaRPr lang="sv-SE" sz="1200" kern="1200" dirty="0"/>
           </a:p>
@@ -10572,8 +8711,16 @@
               <a:buNone/>
             </a:pPr>
             <a:r>
+              <a:rPr lang="sv-SE" sz="1200" dirty="0" err="1"/>
+              <a:t>m</a:t>
+            </a:r>
+            <a:r>
+              <a:rPr lang="sv-SE" sz="1200" kern="1200" dirty="0" err="1"/>
+              <a:t>ain</a:t>
+            </a:r>
+            <a:r>
               <a:rPr lang="sv-SE" sz="1200" kern="1200" dirty="0"/>
-              <a:t>APP</a:t>
+              <a:t>()</a:t>
             </a:r>
           </a:p>
         </p:txBody>
@@ -10592,7 +8739,7 @@
         </p:nvSpPr>
         <p:spPr>
           <a:xfrm>
-            <a:off x="1298512" y="3117874"/>
+            <a:off x="2209071" y="2780637"/>
             <a:ext cx="685319" cy="679789"/>
           </a:xfrm>
           <a:custGeom>
@@ -10738,8 +8885,12 @@
               <a:buNone/>
             </a:pPr>
             <a:r>
+              <a:rPr lang="sv-SE" sz="1200" dirty="0" err="1"/>
+              <a:t>r</a:t>
+            </a:r>
+            <a:r>
               <a:rPr lang="sv-SE" sz="1200" kern="1200" dirty="0" err="1"/>
-              <a:t>Random</a:t>
+              <a:t>andom</a:t>
             </a:r>
             <a:endParaRPr lang="sv-SE" sz="1200" kern="1200" dirty="0"/>
           </a:p>
@@ -10758,8 +8909,8 @@
           <p:nvPr/>
         </p:nvSpPr>
         <p:spPr>
-          <a:xfrm rot="3411749">
-            <a:off x="1629612" y="4308719"/>
+          <a:xfrm rot="4417923">
+            <a:off x="2112982" y="4041335"/>
             <a:ext cx="1414420" cy="307070"/>
           </a:xfrm>
           <a:prstGeom prst="rightArrow">
@@ -10840,10 +8991,214 @@
           </a:p>
         </p:txBody>
       </p:sp>
+      <p:sp>
+        <p:nvSpPr>
+          <p:cNvPr id="4" name="Rektangel: diagonala klippta hörn 3">
+            <a:extLst>
+              <a:ext uri="{FF2B5EF4-FFF2-40B4-BE49-F238E27FC236}">
+                <a16:creationId xmlns:a16="http://schemas.microsoft.com/office/drawing/2014/main" id="{3EDC58B5-6C31-A7CC-51BD-E800AF21AFC4}"/>
+              </a:ext>
+            </a:extLst>
+          </p:cNvPr>
+          <p:cNvSpPr/>
+          <p:nvPr/>
+        </p:nvSpPr>
+        <p:spPr>
+          <a:xfrm>
+            <a:off x="721360" y="5334000"/>
+            <a:ext cx="1030322" cy="559809"/>
+          </a:xfrm>
+          <a:prstGeom prst="snip2DiagRect">
+            <a:avLst/>
+          </a:prstGeom>
+          <a:solidFill>
+            <a:schemeClr val="accent6">
+              <a:lumMod val="60000"/>
+              <a:lumOff val="40000"/>
+            </a:schemeClr>
+          </a:solidFill>
+        </p:spPr>
+        <p:style>
+          <a:lnRef idx="2">
+            <a:schemeClr val="accent1">
+              <a:shade val="15000"/>
+            </a:schemeClr>
+          </a:lnRef>
+          <a:fillRef idx="1">
+            <a:schemeClr val="accent1"/>
+          </a:fillRef>
+          <a:effectRef idx="0">
+            <a:schemeClr val="accent1"/>
+          </a:effectRef>
+          <a:fontRef idx="minor">
+            <a:schemeClr val="lt1"/>
+          </a:fontRef>
+        </p:style>
+        <p:txBody>
+          <a:bodyPr rtlCol="0" anchor="ctr"/>
+          <a:lstStyle/>
+          <a:p>
+            <a:pPr algn="ctr"/>
+            <a:r>
+              <a:rPr lang="sv-SE" dirty="0" err="1"/>
+              <a:t>Ballclass</a:t>
+            </a:r>
+            <a:endParaRPr lang="sv-SE" dirty="0"/>
+          </a:p>
+        </p:txBody>
+      </p:sp>
+      <p:sp>
+        <p:nvSpPr>
+          <p:cNvPr id="5" name="Rektangel: diagonala klippta hörn 4">
+            <a:extLst>
+              <a:ext uri="{FF2B5EF4-FFF2-40B4-BE49-F238E27FC236}">
+                <a16:creationId xmlns:a16="http://schemas.microsoft.com/office/drawing/2014/main" id="{31B2DB10-5225-8F43-551E-9F56476B5AA8}"/>
+              </a:ext>
+            </a:extLst>
+          </p:cNvPr>
+          <p:cNvSpPr/>
+          <p:nvPr/>
+        </p:nvSpPr>
+        <p:spPr>
+          <a:xfrm>
+            <a:off x="1237964" y="6155978"/>
+            <a:ext cx="1030322" cy="559809"/>
+          </a:xfrm>
+          <a:prstGeom prst="snip2DiagRect">
+            <a:avLst/>
+          </a:prstGeom>
+          <a:solidFill>
+            <a:schemeClr val="accent6">
+              <a:lumMod val="60000"/>
+              <a:lumOff val="40000"/>
+            </a:schemeClr>
+          </a:solidFill>
+        </p:spPr>
+        <p:style>
+          <a:lnRef idx="2">
+            <a:schemeClr val="accent1">
+              <a:shade val="15000"/>
+            </a:schemeClr>
+          </a:lnRef>
+          <a:fillRef idx="1">
+            <a:schemeClr val="accent1"/>
+          </a:fillRef>
+          <a:effectRef idx="0">
+            <a:schemeClr val="accent1"/>
+          </a:effectRef>
+          <a:fontRef idx="minor">
+            <a:schemeClr val="lt1"/>
+          </a:fontRef>
+        </p:style>
+        <p:txBody>
+          <a:bodyPr rtlCol="0" anchor="ctr"/>
+          <a:lstStyle/>
+          <a:p>
+            <a:pPr algn="ctr"/>
+            <a:r>
+              <a:rPr lang="sv-SE" dirty="0" err="1"/>
+              <a:t>Ballfunc</a:t>
+            </a:r>
+            <a:endParaRPr lang="sv-SE" dirty="0"/>
+          </a:p>
+        </p:txBody>
+      </p:sp>
+      <p:sp>
+        <p:nvSpPr>
+          <p:cNvPr id="6" name="Pil: höger 5">
+            <a:extLst>
+              <a:ext uri="{FF2B5EF4-FFF2-40B4-BE49-F238E27FC236}">
+                <a16:creationId xmlns:a16="http://schemas.microsoft.com/office/drawing/2014/main" id="{7F22BA1B-7C61-1894-691C-06A7485A2EA2}"/>
+              </a:ext>
+            </a:extLst>
+          </p:cNvPr>
+          <p:cNvSpPr/>
+          <p:nvPr/>
+        </p:nvSpPr>
+        <p:spPr>
+          <a:xfrm>
+            <a:off x="1994162" y="5441105"/>
+            <a:ext cx="765760" cy="154227"/>
+          </a:xfrm>
+          <a:prstGeom prst="rightArrow">
+            <a:avLst/>
+          </a:prstGeom>
+        </p:spPr>
+        <p:style>
+          <a:lnRef idx="2">
+            <a:schemeClr val="accent1">
+              <a:shade val="15000"/>
+            </a:schemeClr>
+          </a:lnRef>
+          <a:fillRef idx="1">
+            <a:schemeClr val="accent1"/>
+          </a:fillRef>
+          <a:effectRef idx="0">
+            <a:schemeClr val="accent1"/>
+          </a:effectRef>
+          <a:fontRef idx="minor">
+            <a:schemeClr val="lt1"/>
+          </a:fontRef>
+        </p:style>
+        <p:txBody>
+          <a:bodyPr rtlCol="0" anchor="ctr"/>
+          <a:lstStyle/>
+          <a:p>
+            <a:pPr algn="ctr"/>
+            <a:endParaRPr lang="sv-SE"/>
+          </a:p>
+        </p:txBody>
+      </p:sp>
+      <p:sp>
+        <p:nvSpPr>
+          <p:cNvPr id="9" name="Pil: höger 8">
+            <a:extLst>
+              <a:ext uri="{FF2B5EF4-FFF2-40B4-BE49-F238E27FC236}">
+                <a16:creationId xmlns:a16="http://schemas.microsoft.com/office/drawing/2014/main" id="{A11FBB50-2263-511F-4B86-867A99CAC274}"/>
+              </a:ext>
+            </a:extLst>
+          </p:cNvPr>
+          <p:cNvSpPr/>
+          <p:nvPr/>
+        </p:nvSpPr>
+        <p:spPr>
+          <a:xfrm rot="19719240">
+            <a:off x="2325424" y="5989823"/>
+            <a:ext cx="500315" cy="156380"/>
+          </a:xfrm>
+          <a:prstGeom prst="rightArrow">
+            <a:avLst/>
+          </a:prstGeom>
+        </p:spPr>
+        <p:style>
+          <a:lnRef idx="2">
+            <a:schemeClr val="accent1">
+              <a:shade val="15000"/>
+            </a:schemeClr>
+          </a:lnRef>
+          <a:fillRef idx="1">
+            <a:schemeClr val="accent1"/>
+          </a:fillRef>
+          <a:effectRef idx="0">
+            <a:schemeClr val="accent1"/>
+          </a:effectRef>
+          <a:fontRef idx="minor">
+            <a:schemeClr val="lt1"/>
+          </a:fontRef>
+        </p:style>
+        <p:txBody>
+          <a:bodyPr rtlCol="0" anchor="ctr"/>
+          <a:lstStyle/>
+          <a:p>
+            <a:pPr algn="ctr"/>
+            <a:endParaRPr lang="sv-SE"/>
+          </a:p>
+        </p:txBody>
+      </p:sp>
     </p:spTree>
     <p:extLst>
       <p:ext uri="{BB962C8B-B14F-4D97-AF65-F5344CB8AC3E}">
-        <p14:creationId xmlns:p14="http://schemas.microsoft.com/office/powerpoint/2010/main" val="687416583"/>
+        <p14:creationId xmlns:p14="http://schemas.microsoft.com/office/powerpoint/2010/main" val="3063726354"/>
       </p:ext>
     </p:extLst>
   </p:cSld>
@@ -10913,14 +9268,14 @@
           <p:nvPr>
             <p:extLst>
               <p:ext uri="{D42A27DB-BD31-4B8C-83A1-F6EECF244321}">
-                <p14:modId xmlns:p14="http://schemas.microsoft.com/office/powerpoint/2010/main" val="1524963674"/>
+                <p14:modId xmlns:p14="http://schemas.microsoft.com/office/powerpoint/2010/main" val="9810839"/>
               </p:ext>
             </p:extLst>
           </p:nvPr>
         </p:nvGraphicFramePr>
         <p:xfrm>
           <a:off x="1300480" y="2397760"/>
-          <a:ext cx="9611360" cy="3078480"/>
+          <a:ext cx="9611360" cy="3352800"/>
         </p:xfrm>
         <a:graphic>
           <a:graphicData uri="http://schemas.openxmlformats.org/drawingml/2006/table">
@@ -10936,14 +9291,14 @@
                     </a:ext>
                   </a:extLst>
                 </a:gridCol>
-                <a:gridCol w="1922272">
+                <a:gridCol w="2568448">
                   <a:extLst>
                     <a:ext uri="{9D8B030D-6E8A-4147-A177-3AD203B41FA5}">
                       <a16:colId xmlns:a16="http://schemas.microsoft.com/office/drawing/2014/main" val="4218752120"/>
                     </a:ext>
                   </a:extLst>
                 </a:gridCol>
-                <a:gridCol w="1922272">
+                <a:gridCol w="1276096">
                   <a:extLst>
                     <a:ext uri="{9D8B030D-6E8A-4147-A177-3AD203B41FA5}">
                       <a16:colId xmlns:a16="http://schemas.microsoft.com/office/drawing/2014/main" val="1832375773"/>
@@ -11131,11 +9486,25 @@
                         <a:rPr lang="sv-SE" dirty="0"/>
                         <a:t>Skapa fönstret</a:t>
                       </a:r>
+                      <a:br>
+                        <a:rPr lang="sv-SE" dirty="0"/>
+                      </a:br>
+                      <a:r>
+                        <a:rPr lang="sv-SE" dirty="0"/>
+                        <a:t>Skapa lista för bollar</a:t>
+                      </a:r>
                     </a:p>
                     <a:p>
                       <a:r>
                         <a:rPr lang="sv-SE" dirty="0"/>
                         <a:t>Skapa boll</a:t>
+                      </a:r>
+                      <a:br>
+                        <a:rPr lang="sv-SE" dirty="0"/>
+                      </a:br>
+                      <a:r>
+                        <a:rPr lang="sv-SE" dirty="0"/>
+                        <a:t>Lägg till boll i listan</a:t>
                       </a:r>
                     </a:p>
                     <a:p>
@@ -11227,12 +9596,8 @@
                         <a:defRPr/>
                       </a:pPr>
                       <a:r>
-                        <a:rPr lang="sv-SE"/>
-                        <a:t>Flytta </a:t>
-                      </a:r>
-                      <a:r>
                         <a:rPr lang="sv-SE" dirty="0"/>
-                        <a:t>boll</a:t>
+                        <a:t>Flytta boll</a:t>
                       </a:r>
                     </a:p>
                     <a:p>
@@ -11257,6 +9622,14 @@
                         <a:rPr lang="sv-SE" dirty="0"/>
                         <a:t>Byt färg på boll</a:t>
                       </a:r>
+                      <a:br>
+                        <a:rPr lang="sv-SE" dirty="0"/>
+                      </a:br>
+                      <a:r>
+                        <a:rPr lang="sv-SE"/>
+                        <a:t>Kolla kollision</a:t>
+                      </a:r>
+                      <a:endParaRPr lang="sv-SE" dirty="0"/>
                     </a:p>
                   </a:txBody>
                   <a:tcPr>
@@ -11668,7 +10041,7 @@
     </p:spTree>
     <p:extLst>
       <p:ext uri="{BB962C8B-B14F-4D97-AF65-F5344CB8AC3E}">
-        <p14:creationId xmlns:p14="http://schemas.microsoft.com/office/powerpoint/2010/main" val="1469632803"/>
+        <p14:creationId xmlns:p14="http://schemas.microsoft.com/office/powerpoint/2010/main" val="3690533731"/>
       </p:ext>
     </p:extLst>
   </p:cSld>
@@ -11700,7 +10073,7 @@
           <p:cNvPr id="2" name="Rubrik 1">
             <a:extLst>
               <a:ext uri="{FF2B5EF4-FFF2-40B4-BE49-F238E27FC236}">
-                <a16:creationId xmlns:a16="http://schemas.microsoft.com/office/drawing/2014/main" id="{15DE739A-C881-F909-6F71-B8A23FE9F115}"/>
+                <a16:creationId xmlns:a16="http://schemas.microsoft.com/office/drawing/2014/main" id="{DC8E21D6-BE0A-3BA9-3156-B66481BF42F9}"/>
               </a:ext>
             </a:extLst>
           </p:cNvPr>
@@ -11711,60 +10084,22 @@
             <p:ph type="title"/>
           </p:nvPr>
         </p:nvSpPr>
-        <p:spPr>
-          <a:xfrm>
-            <a:off x="581192" y="702156"/>
-            <a:ext cx="11029616" cy="1013800"/>
-          </a:xfrm>
-        </p:spPr>
-        <p:txBody>
-          <a:bodyPr anchor="b">
-            <a:normAutofit/>
-          </a:bodyPr>
+        <p:spPr/>
+        <p:txBody>
+          <a:bodyPr/>
           <a:lstStyle/>
           <a:p>
             <a:r>
               <a:rPr lang="sv-SE" dirty="0"/>
-              <a:t>DELA UPP PROGRAMMET I FLERA FILER</a:t>
-            </a:r>
-          </a:p>
-        </p:txBody>
-      </p:sp>
-      <p:graphicFrame>
-        <p:nvGraphicFramePr>
-          <p:cNvPr id="5" name="Platshållare för innehåll 2">
-            <a:extLst>
-              <a:ext uri="{FF2B5EF4-FFF2-40B4-BE49-F238E27FC236}">
-                <a16:creationId xmlns:a16="http://schemas.microsoft.com/office/drawing/2014/main" id="{B5E8E3CE-058D-AAC5-8944-FF6B031EF28F}"/>
-              </a:ext>
-            </a:extLst>
-          </p:cNvPr>
-          <p:cNvGraphicFramePr>
-            <a:graphicFrameLocks noGrp="1"/>
-          </p:cNvGraphicFramePr>
-          <p:nvPr>
-            <p:ph idx="1"/>
-            <p:extLst>
-              <p:ext uri="{D42A27DB-BD31-4B8C-83A1-F6EECF244321}">
-                <p14:modId xmlns:p14="http://schemas.microsoft.com/office/powerpoint/2010/main" val="459331300"/>
-              </p:ext>
-            </p:extLst>
-          </p:nvPr>
-        </p:nvGraphicFramePr>
-        <p:xfrm>
-          <a:off x="581192" y="2180496"/>
-          <a:ext cx="11029615" cy="3678303"/>
-        </p:xfrm>
-        <a:graphic>
-          <a:graphicData uri="http://schemas.openxmlformats.org/drawingml/2006/diagram">
-            <dgm:relIds xmlns:dgm="http://schemas.openxmlformats.org/drawingml/2006/diagram" xmlns:r="http://schemas.openxmlformats.org/officeDocument/2006/relationships" r:dm="rId2" r:lo="rId3" r:qs="rId4" r:cs="rId5"/>
-          </a:graphicData>
-        </a:graphic>
-      </p:graphicFrame>
+              <a:t>Felsökning</a:t>
+            </a:r>
+          </a:p>
+        </p:txBody>
+      </p:sp>
     </p:spTree>
     <p:extLst>
       <p:ext uri="{BB962C8B-B14F-4D97-AF65-F5344CB8AC3E}">
-        <p14:creationId xmlns:p14="http://schemas.microsoft.com/office/powerpoint/2010/main" val="3403883220"/>
+        <p14:creationId xmlns:p14="http://schemas.microsoft.com/office/powerpoint/2010/main" val="2918221789"/>
       </p:ext>
     </p:extLst>
   </p:cSld>
@@ -11796,7 +10131,7 @@
           <p:cNvPr id="2" name="Rubrik 1">
             <a:extLst>
               <a:ext uri="{FF2B5EF4-FFF2-40B4-BE49-F238E27FC236}">
-                <a16:creationId xmlns:a16="http://schemas.microsoft.com/office/drawing/2014/main" id="{1C08AC28-5EC5-9ED8-6339-F2D88051E25D}"/>
+                <a16:creationId xmlns:a16="http://schemas.microsoft.com/office/drawing/2014/main" id="{0FB40352-759D-9DF5-EF15-F8441A01C0DB}"/>
               </a:ext>
             </a:extLst>
           </p:cNvPr>
@@ -11814,966 +10149,1092 @@
           <a:p>
             <a:r>
               <a:rPr lang="sv-SE" dirty="0"/>
-              <a:t>HUR du kan utforma ditt PROGRAM</a:t>
-            </a:r>
-          </a:p>
-        </p:txBody>
-      </p:sp>
-      <p:sp>
-        <p:nvSpPr>
-          <p:cNvPr id="10" name="Pil: höger 9">
+              <a:t>Steg för steg</a:t>
+            </a:r>
+          </a:p>
+        </p:txBody>
+      </p:sp>
+      <p:sp>
+        <p:nvSpPr>
+          <p:cNvPr id="3" name="Platshållare för innehåll 2">
             <a:extLst>
               <a:ext uri="{FF2B5EF4-FFF2-40B4-BE49-F238E27FC236}">
-                <a16:creationId xmlns:a16="http://schemas.microsoft.com/office/drawing/2014/main" id="{F2FA2F3D-2F0E-C774-C2AA-67380EFF7CDE}"/>
+                <a16:creationId xmlns:a16="http://schemas.microsoft.com/office/drawing/2014/main" id="{627A2D34-4537-7653-47D4-60A8F9C5F16F}"/>
               </a:ext>
             </a:extLst>
           </p:cNvPr>
-          <p:cNvSpPr/>
-          <p:nvPr/>
-        </p:nvSpPr>
-        <p:spPr>
-          <a:xfrm rot="5075243">
-            <a:off x="2771283" y="3994004"/>
-            <a:ext cx="1414420" cy="307070"/>
-          </a:xfrm>
-          <a:prstGeom prst="rightArrow">
-            <a:avLst>
-              <a:gd name="adj1" fmla="val 50000"/>
-              <a:gd name="adj2" fmla="val 47891"/>
-            </a:avLst>
-          </a:prstGeom>
-        </p:spPr>
-        <p:style>
-          <a:lnRef idx="2">
-            <a:schemeClr val="accent1">
-              <a:shade val="15000"/>
-            </a:schemeClr>
-          </a:lnRef>
-          <a:fillRef idx="1">
-            <a:schemeClr val="accent1"/>
-          </a:fillRef>
-          <a:effectRef idx="0">
-            <a:schemeClr val="accent1"/>
-          </a:effectRef>
-          <a:fontRef idx="minor">
-            <a:schemeClr val="lt1"/>
-          </a:fontRef>
-        </p:style>
-        <p:txBody>
-          <a:bodyPr rtlCol="0" anchor="ctr"/>
+          <p:cNvSpPr>
+            <a:spLocks noGrp="1"/>
+          </p:cNvSpPr>
+          <p:nvPr>
+            <p:ph idx="1"/>
+          </p:nvPr>
+        </p:nvSpPr>
+        <p:spPr/>
+        <p:txBody>
+          <a:bodyPr/>
           <a:lstStyle/>
           <a:p>
-            <a:pPr algn="ctr"/>
-            <a:endParaRPr lang="sv-SE"/>
-          </a:p>
-        </p:txBody>
-      </p:sp>
-      <p:sp>
-        <p:nvSpPr>
-          <p:cNvPr id="8" name="Frihandsfigur: Form 7">
+            <a:pPr algn="l">
+              <a:buFont typeface="+mj-lt"/>
+              <a:buAutoNum type="arabicPeriod"/>
+            </a:pPr>
+            <a:r>
+              <a:rPr lang="sv-SE" sz="2800" b="0" i="0" dirty="0">
+                <a:solidFill>
+                  <a:srgbClr val="0D0D0D"/>
+                </a:solidFill>
+                <a:effectLst/>
+                <a:highlight>
+                  <a:srgbClr val="FFFFFF"/>
+                </a:highlight>
+                <a:latin typeface="Söhne"/>
+              </a:rPr>
+              <a:t>Identifiera felet: Förstå vad som går fel och varför det händer.</a:t>
+            </a:r>
+          </a:p>
+          <a:p>
+            <a:pPr algn="l">
+              <a:buFont typeface="+mj-lt"/>
+              <a:buAutoNum type="arabicPeriod"/>
+            </a:pPr>
+            <a:r>
+              <a:rPr lang="sv-SE" sz="2800" b="0" i="0" dirty="0">
+                <a:solidFill>
+                  <a:srgbClr val="0D0D0D"/>
+                </a:solidFill>
+                <a:effectLst/>
+                <a:highlight>
+                  <a:srgbClr val="FFFFFF"/>
+                </a:highlight>
+                <a:latin typeface="Söhne"/>
+              </a:rPr>
+              <a:t>Reproducera felet: Återskapa problemet.</a:t>
+            </a:r>
+          </a:p>
+          <a:p>
+            <a:pPr algn="l">
+              <a:buFont typeface="+mj-lt"/>
+              <a:buAutoNum type="arabicPeriod"/>
+            </a:pPr>
+            <a:r>
+              <a:rPr lang="sv-SE" sz="2800" b="0" i="0">
+                <a:solidFill>
+                  <a:srgbClr val="0D0D0D"/>
+                </a:solidFill>
+                <a:effectLst/>
+                <a:highlight>
+                  <a:srgbClr val="FFFFFF"/>
+                </a:highlight>
+                <a:latin typeface="Söhne"/>
+              </a:rPr>
+              <a:t>Diagnostisera </a:t>
+            </a:r>
+            <a:r>
+              <a:rPr lang="sv-SE" sz="2800" b="0" i="0" dirty="0">
+                <a:solidFill>
+                  <a:srgbClr val="0D0D0D"/>
+                </a:solidFill>
+                <a:effectLst/>
+                <a:highlight>
+                  <a:srgbClr val="FFFFFF"/>
+                </a:highlight>
+                <a:latin typeface="Söhne"/>
+              </a:rPr>
+              <a:t>felet: Hitta felet via IDLE eller via din egen kod.</a:t>
+            </a:r>
+          </a:p>
+          <a:p>
+            <a:pPr algn="l">
+              <a:buFont typeface="+mj-lt"/>
+              <a:buAutoNum type="arabicPeriod"/>
+            </a:pPr>
+            <a:r>
+              <a:rPr lang="sv-SE" sz="2800" b="0" i="0" dirty="0">
+                <a:solidFill>
+                  <a:srgbClr val="0D0D0D"/>
+                </a:solidFill>
+                <a:effectLst/>
+                <a:highlight>
+                  <a:srgbClr val="FFFFFF"/>
+                </a:highlight>
+                <a:latin typeface="Söhne"/>
+              </a:rPr>
+              <a:t>Åtgärda felet: Försök lösa problemet. Ta hjälp om du fastnar – eller sov på det…</a:t>
+            </a:r>
+          </a:p>
+          <a:p>
+            <a:pPr algn="l">
+              <a:buFont typeface="+mj-lt"/>
+              <a:buAutoNum type="arabicPeriod"/>
+            </a:pPr>
+            <a:r>
+              <a:rPr lang="sv-SE" sz="2800" b="0" i="0" dirty="0">
+                <a:solidFill>
+                  <a:srgbClr val="0D0D0D"/>
+                </a:solidFill>
+                <a:effectLst/>
+                <a:highlight>
+                  <a:srgbClr val="FFFFFF"/>
+                </a:highlight>
+                <a:latin typeface="Söhne"/>
+              </a:rPr>
+              <a:t>Testa lösningen: Säkerställ att felet är löst genom att testa din kod.</a:t>
+            </a:r>
+          </a:p>
+          <a:p>
+            <a:pPr marL="0" indent="0">
+              <a:buNone/>
+            </a:pPr>
+            <a:endParaRPr lang="sv-SE" dirty="0"/>
+          </a:p>
+        </p:txBody>
+      </p:sp>
+    </p:spTree>
+    <p:extLst>
+      <p:ext uri="{BB962C8B-B14F-4D97-AF65-F5344CB8AC3E}">
+        <p14:creationId xmlns:p14="http://schemas.microsoft.com/office/powerpoint/2010/main" val="2290443957"/>
+      </p:ext>
+    </p:extLst>
+  </p:cSld>
+  <p:clrMapOvr>
+    <a:masterClrMapping/>
+  </p:clrMapOvr>
+</p:sld>
+</file>
+
+<file path=ppt/slides/slide7.xml><?xml version="1.0" encoding="utf-8"?>
+<p:sld xmlns:a="http://schemas.openxmlformats.org/drawingml/2006/main" xmlns:r="http://schemas.openxmlformats.org/officeDocument/2006/relationships" xmlns:p="http://schemas.openxmlformats.org/presentationml/2006/main">
+  <p:cSld>
+    <p:spTree>
+      <p:nvGrpSpPr>
+        <p:cNvPr id="1" name="">
+          <a:extLst>
+            <a:ext uri="{FF2B5EF4-FFF2-40B4-BE49-F238E27FC236}">
+              <a16:creationId xmlns:a16="http://schemas.microsoft.com/office/drawing/2014/main" id="{51792D36-CC67-70B1-C371-77C8BCD1CE52}"/>
+            </a:ext>
+          </a:extLst>
+        </p:cNvPr>
+        <p:cNvGrpSpPr/>
+        <p:nvPr/>
+      </p:nvGrpSpPr>
+      <p:grpSpPr>
+        <a:xfrm>
+          <a:off x="0" y="0"/>
+          <a:ext cx="0" cy="0"/>
+          <a:chOff x="0" y="0"/>
+          <a:chExt cx="0" cy="0"/>
+        </a:xfrm>
+      </p:grpSpPr>
+      <p:sp>
+        <p:nvSpPr>
+          <p:cNvPr id="3" name="Rubrik 2">
             <a:extLst>
               <a:ext uri="{FF2B5EF4-FFF2-40B4-BE49-F238E27FC236}">
-                <a16:creationId xmlns:a16="http://schemas.microsoft.com/office/drawing/2014/main" id="{EC9F3981-AA28-59B6-125A-D46B64DF29A6}"/>
+                <a16:creationId xmlns:a16="http://schemas.microsoft.com/office/drawing/2014/main" id="{011D9FC7-E9FC-8615-1A4D-91292A1E9E67}"/>
               </a:ext>
             </a:extLst>
           </p:cNvPr>
-          <p:cNvSpPr/>
-          <p:nvPr/>
-        </p:nvSpPr>
-        <p:spPr>
-          <a:xfrm>
-            <a:off x="3111318" y="2641725"/>
-            <a:ext cx="685319" cy="679789"/>
-          </a:xfrm>
-          <a:custGeom>
-            <a:avLst/>
-            <a:gdLst>
-              <a:gd name="connsiteX0" fmla="*/ 0 w 685319"/>
-              <a:gd name="connsiteY0" fmla="*/ 113298 h 679789"/>
-              <a:gd name="connsiteX1" fmla="*/ 113298 w 685319"/>
-              <a:gd name="connsiteY1" fmla="*/ 0 h 679789"/>
-              <a:gd name="connsiteX2" fmla="*/ 572021 w 685319"/>
-              <a:gd name="connsiteY2" fmla="*/ 0 h 679789"/>
-              <a:gd name="connsiteX3" fmla="*/ 685319 w 685319"/>
-              <a:gd name="connsiteY3" fmla="*/ 113298 h 679789"/>
-              <a:gd name="connsiteX4" fmla="*/ 685319 w 685319"/>
-              <a:gd name="connsiteY4" fmla="*/ 566491 h 679789"/>
-              <a:gd name="connsiteX5" fmla="*/ 572021 w 685319"/>
-              <a:gd name="connsiteY5" fmla="*/ 679789 h 679789"/>
-              <a:gd name="connsiteX6" fmla="*/ 113298 w 685319"/>
-              <a:gd name="connsiteY6" fmla="*/ 679789 h 679789"/>
-              <a:gd name="connsiteX7" fmla="*/ 0 w 685319"/>
-              <a:gd name="connsiteY7" fmla="*/ 566491 h 679789"/>
-              <a:gd name="connsiteX8" fmla="*/ 0 w 685319"/>
-              <a:gd name="connsiteY8" fmla="*/ 113298 h 679789"/>
-            </a:gdLst>
-            <a:ahLst/>
-            <a:cxnLst>
-              <a:cxn ang="0">
-                <a:pos x="connsiteX0" y="connsiteY0"/>
-              </a:cxn>
-              <a:cxn ang="0">
-                <a:pos x="connsiteX1" y="connsiteY1"/>
-              </a:cxn>
-              <a:cxn ang="0">
-                <a:pos x="connsiteX2" y="connsiteY2"/>
-              </a:cxn>
-              <a:cxn ang="0">
-                <a:pos x="connsiteX3" y="connsiteY3"/>
-              </a:cxn>
-              <a:cxn ang="0">
-                <a:pos x="connsiteX4" y="connsiteY4"/>
-              </a:cxn>
-              <a:cxn ang="0">
-                <a:pos x="connsiteX5" y="connsiteY5"/>
-              </a:cxn>
-              <a:cxn ang="0">
-                <a:pos x="connsiteX6" y="connsiteY6"/>
-              </a:cxn>
-              <a:cxn ang="0">
-                <a:pos x="connsiteX7" y="connsiteY7"/>
-              </a:cxn>
-              <a:cxn ang="0">
-                <a:pos x="connsiteX8" y="connsiteY8"/>
-              </a:cxn>
-            </a:cxnLst>
-            <a:rect l="l" t="t" r="r" b="b"/>
-            <a:pathLst>
-              <a:path w="685319" h="679789">
-                <a:moveTo>
-                  <a:pt x="0" y="113298"/>
-                </a:moveTo>
-                <a:cubicBezTo>
-                  <a:pt x="0" y="50725"/>
-                  <a:pt x="50725" y="0"/>
-                  <a:pt x="113298" y="0"/>
-                </a:cubicBezTo>
-                <a:lnTo>
-                  <a:pt x="572021" y="0"/>
-                </a:lnTo>
-                <a:cubicBezTo>
-                  <a:pt x="634594" y="0"/>
-                  <a:pt x="685319" y="50725"/>
-                  <a:pt x="685319" y="113298"/>
-                </a:cubicBezTo>
-                <a:lnTo>
-                  <a:pt x="685319" y="566491"/>
-                </a:lnTo>
-                <a:cubicBezTo>
-                  <a:pt x="685319" y="629064"/>
-                  <a:pt x="634594" y="679789"/>
-                  <a:pt x="572021" y="679789"/>
-                </a:cubicBezTo>
-                <a:lnTo>
-                  <a:pt x="113298" y="679789"/>
-                </a:lnTo>
-                <a:cubicBezTo>
-                  <a:pt x="50725" y="679789"/>
-                  <a:pt x="0" y="629064"/>
-                  <a:pt x="0" y="566491"/>
-                </a:cubicBezTo>
-                <a:lnTo>
-                  <a:pt x="0" y="113298"/>
-                </a:lnTo>
-                <a:close/>
-              </a:path>
-            </a:pathLst>
-          </a:custGeom>
-        </p:spPr>
-        <p:style>
-          <a:lnRef idx="2">
-            <a:schemeClr val="lt1">
-              <a:hueOff val="0"/>
-              <a:satOff val="0"/>
-              <a:lumOff val="0"/>
-              <a:alphaOff val="0"/>
-            </a:schemeClr>
-          </a:lnRef>
-          <a:fillRef idx="1">
-            <a:schemeClr val="accent1">
-              <a:hueOff val="0"/>
-              <a:satOff val="0"/>
-              <a:lumOff val="0"/>
-              <a:alphaOff val="0"/>
-            </a:schemeClr>
-          </a:fillRef>
-          <a:effectRef idx="0">
-            <a:schemeClr val="accent1">
-              <a:hueOff val="0"/>
-              <a:satOff val="0"/>
-              <a:lumOff val="0"/>
-              <a:alphaOff val="0"/>
-            </a:schemeClr>
-          </a:effectRef>
-          <a:fontRef idx="minor">
-            <a:schemeClr val="lt1"/>
-          </a:fontRef>
-        </p:style>
-        <p:txBody>
-          <a:bodyPr spcFirstLastPara="0" vert="horz" wrap="square" lIns="48424" tIns="48424" rIns="48424" bIns="48424" numCol="1" spcCol="1270" anchor="ctr" anchorCtr="0">
-            <a:noAutofit/>
-          </a:bodyPr>
+          <p:cNvSpPr>
+            <a:spLocks noGrp="1"/>
+          </p:cNvSpPr>
+          <p:nvPr>
+            <p:ph type="title"/>
+          </p:nvPr>
+        </p:nvSpPr>
+        <p:spPr/>
+        <p:txBody>
+          <a:bodyPr rtlCol="0"/>
           <a:lstStyle/>
           <a:p>
-            <a:pPr marL="0" lvl="0" indent="0" algn="ctr" defTabSz="533400">
-              <a:lnSpc>
-                <a:spcPct val="90000"/>
-              </a:lnSpc>
-              <a:spcBef>
-                <a:spcPct val="0"/>
-              </a:spcBef>
-              <a:spcAft>
-                <a:spcPct val="35000"/>
-              </a:spcAft>
-              <a:buNone/>
-            </a:pPr>
-            <a:r>
-              <a:rPr lang="sv-SE" sz="1200" dirty="0" err="1"/>
-              <a:t>tk</a:t>
-            </a:r>
-            <a:r>
-              <a:rPr lang="sv-SE" sz="1200" kern="1200" dirty="0" err="1"/>
-              <a:t>inter</a:t>
-            </a:r>
-            <a:endParaRPr lang="sv-SE" sz="1200" kern="1200" dirty="0"/>
-          </a:p>
-        </p:txBody>
-      </p:sp>
-      <p:sp>
-        <p:nvSpPr>
-          <p:cNvPr id="11" name="Frihandsfigur: Form 10">
+            <a:pPr rtl="0"/>
+            <a:r>
+              <a:rPr lang="sv-SE" sz="5400" dirty="0" err="1">
+                <a:solidFill>
+                  <a:schemeClr val="tx2"/>
+                </a:solidFill>
+              </a:rPr>
+              <a:t>Widgets</a:t>
+            </a:r>
+            <a:endParaRPr lang="sv-SE" dirty="0">
+              <a:solidFill>
+                <a:schemeClr val="tx2"/>
+              </a:solidFill>
+            </a:endParaRPr>
+          </a:p>
+        </p:txBody>
+      </p:sp>
+      <p:sp>
+        <p:nvSpPr>
+          <p:cNvPr id="4" name="Platshållare för innehåll 3">
             <a:extLst>
               <a:ext uri="{FF2B5EF4-FFF2-40B4-BE49-F238E27FC236}">
-                <a16:creationId xmlns:a16="http://schemas.microsoft.com/office/drawing/2014/main" id="{76BAB51E-E647-A55F-5629-1A46FA8651AB}"/>
+                <a16:creationId xmlns:a16="http://schemas.microsoft.com/office/drawing/2014/main" id="{D26121C1-B002-9C2F-2A7C-0043666204A7}"/>
               </a:ext>
             </a:extLst>
           </p:cNvPr>
-          <p:cNvSpPr/>
-          <p:nvPr/>
-        </p:nvSpPr>
-        <p:spPr>
-          <a:xfrm>
-            <a:off x="7216092" y="4829229"/>
-            <a:ext cx="966736" cy="966736"/>
-          </a:xfrm>
-          <a:custGeom>
-            <a:avLst/>
-            <a:gdLst>
-              <a:gd name="connsiteX0" fmla="*/ 0 w 966736"/>
-              <a:gd name="connsiteY0" fmla="*/ 483368 h 966736"/>
-              <a:gd name="connsiteX1" fmla="*/ 483368 w 966736"/>
-              <a:gd name="connsiteY1" fmla="*/ 0 h 966736"/>
-              <a:gd name="connsiteX2" fmla="*/ 966736 w 966736"/>
-              <a:gd name="connsiteY2" fmla="*/ 483368 h 966736"/>
-              <a:gd name="connsiteX3" fmla="*/ 483368 w 966736"/>
-              <a:gd name="connsiteY3" fmla="*/ 966736 h 966736"/>
-              <a:gd name="connsiteX4" fmla="*/ 0 w 966736"/>
-              <a:gd name="connsiteY4" fmla="*/ 483368 h 966736"/>
-            </a:gdLst>
-            <a:ahLst/>
-            <a:cxnLst>
-              <a:cxn ang="0">
-                <a:pos x="connsiteX0" y="connsiteY0"/>
-              </a:cxn>
-              <a:cxn ang="0">
-                <a:pos x="connsiteX1" y="connsiteY1"/>
-              </a:cxn>
-              <a:cxn ang="0">
-                <a:pos x="connsiteX2" y="connsiteY2"/>
-              </a:cxn>
-              <a:cxn ang="0">
-                <a:pos x="connsiteX3" y="connsiteY3"/>
-              </a:cxn>
-              <a:cxn ang="0">
-                <a:pos x="connsiteX4" y="connsiteY4"/>
-              </a:cxn>
-            </a:cxnLst>
-            <a:rect l="l" t="t" r="r" b="b"/>
-            <a:pathLst>
-              <a:path w="966736" h="966736">
-                <a:moveTo>
-                  <a:pt x="0" y="483368"/>
-                </a:moveTo>
-                <a:cubicBezTo>
-                  <a:pt x="0" y="216411"/>
-                  <a:pt x="216411" y="0"/>
-                  <a:pt x="483368" y="0"/>
-                </a:cubicBezTo>
-                <a:cubicBezTo>
-                  <a:pt x="750325" y="0"/>
-                  <a:pt x="966736" y="216411"/>
-                  <a:pt x="966736" y="483368"/>
-                </a:cubicBezTo>
-                <a:cubicBezTo>
-                  <a:pt x="966736" y="750325"/>
-                  <a:pt x="750325" y="966736"/>
-                  <a:pt x="483368" y="966736"/>
-                </a:cubicBezTo>
-                <a:cubicBezTo>
-                  <a:pt x="216411" y="966736"/>
-                  <a:pt x="0" y="750325"/>
-                  <a:pt x="0" y="483368"/>
-                </a:cubicBezTo>
-                <a:close/>
-              </a:path>
-            </a:pathLst>
-          </a:custGeom>
-        </p:spPr>
-        <p:style>
-          <a:lnRef idx="2">
-            <a:schemeClr val="lt1">
-              <a:hueOff val="0"/>
-              <a:satOff val="0"/>
-              <a:lumOff val="0"/>
-              <a:alphaOff val="0"/>
-            </a:schemeClr>
-          </a:lnRef>
-          <a:fillRef idx="1">
-            <a:schemeClr val="accent1">
-              <a:hueOff val="0"/>
-              <a:satOff val="0"/>
-              <a:lumOff val="0"/>
-              <a:alphaOff val="0"/>
-            </a:schemeClr>
-          </a:fillRef>
-          <a:effectRef idx="0">
-            <a:schemeClr val="accent1">
-              <a:hueOff val="0"/>
-              <a:satOff val="0"/>
-              <a:lumOff val="0"/>
-              <a:alphaOff val="0"/>
-            </a:schemeClr>
-          </a:effectRef>
-          <a:fontRef idx="minor">
-            <a:schemeClr val="lt1"/>
-          </a:fontRef>
-        </p:style>
-        <p:txBody>
-          <a:bodyPr spcFirstLastPara="0" vert="horz" wrap="square" lIns="156815" tIns="156815" rIns="156815" bIns="156815" numCol="1" spcCol="1270" anchor="ctr" anchorCtr="0">
-            <a:noAutofit/>
-          </a:bodyPr>
+          <p:cNvSpPr>
+            <a:spLocks noGrp="1"/>
+          </p:cNvSpPr>
+          <p:nvPr>
+            <p:ph idx="1"/>
+          </p:nvPr>
+        </p:nvSpPr>
+        <p:spPr/>
+        <p:txBody>
+          <a:bodyPr rtlCol="0"/>
           <a:lstStyle/>
           <a:p>
-            <a:pPr marL="0" lvl="0" indent="0" algn="ctr" defTabSz="533400">
-              <a:lnSpc>
-                <a:spcPct val="90000"/>
-              </a:lnSpc>
-              <a:spcBef>
-                <a:spcPct val="0"/>
-              </a:spcBef>
-              <a:spcAft>
-                <a:spcPct val="35000"/>
-              </a:spcAft>
-              <a:buNone/>
-            </a:pPr>
-            <a:r>
-              <a:rPr lang="sv-SE" sz="1200" kern="1200" dirty="0" err="1"/>
-              <a:t>Highscore</a:t>
-            </a:r>
-            <a:endParaRPr lang="sv-SE" sz="1200" kern="1200" dirty="0"/>
-          </a:p>
-        </p:txBody>
-      </p:sp>
-      <p:sp>
-        <p:nvSpPr>
-          <p:cNvPr id="12" name="Frihandsfigur: Form 11">
+            <a:pPr algn="l"/>
+            <a:r>
+              <a:rPr lang="sv-SE" b="0" i="0" dirty="0">
+                <a:solidFill>
+                  <a:srgbClr val="0D0D0D"/>
+                </a:solidFill>
+                <a:effectLst/>
+                <a:latin typeface="Söhne"/>
+              </a:rPr>
+              <a:t>Ett grafiskt element eller kontroll som låter användare interagera med applikationen. </a:t>
+            </a:r>
+            <a:r>
+              <a:rPr lang="sv-SE" b="0" i="0" dirty="0" err="1">
+                <a:solidFill>
+                  <a:srgbClr val="0D0D0D"/>
+                </a:solidFill>
+                <a:effectLst/>
+                <a:latin typeface="Söhne"/>
+              </a:rPr>
+              <a:t>Widgets</a:t>
+            </a:r>
+            <a:r>
+              <a:rPr lang="sv-SE" b="0" i="0" dirty="0">
+                <a:solidFill>
+                  <a:srgbClr val="0D0D0D"/>
+                </a:solidFill>
+                <a:effectLst/>
+                <a:latin typeface="Söhne"/>
+              </a:rPr>
+              <a:t> är byggstenarna i </a:t>
+            </a:r>
+            <a:r>
+              <a:rPr lang="sv-SE" b="0" i="0" dirty="0" err="1">
+                <a:solidFill>
+                  <a:srgbClr val="0D0D0D"/>
+                </a:solidFill>
+                <a:effectLst/>
+                <a:latin typeface="Söhne"/>
+              </a:rPr>
+              <a:t>GUI:er</a:t>
+            </a:r>
+            <a:r>
+              <a:rPr lang="sv-SE" b="0" i="0" dirty="0">
+                <a:solidFill>
+                  <a:srgbClr val="0D0D0D"/>
+                </a:solidFill>
+                <a:effectLst/>
+                <a:latin typeface="Söhne"/>
+              </a:rPr>
+              <a:t> och kan inkludera objekt som knappar, etiketter, textfält, kryssrutor, radioknappar, reglage, menyer och mer.</a:t>
+            </a:r>
+            <a:endParaRPr lang="en-US" b="0" i="0" dirty="0">
+              <a:solidFill>
+                <a:srgbClr val="0D0D0D"/>
+              </a:solidFill>
+              <a:effectLst/>
+              <a:latin typeface="Söhne"/>
+            </a:endParaRPr>
+          </a:p>
+        </p:txBody>
+      </p:sp>
+      <p:pic>
+        <p:nvPicPr>
+          <p:cNvPr id="8" name="Platshållare för bild 7" descr="berg under natthimmel strax före gryning">
             <a:extLst>
               <a:ext uri="{FF2B5EF4-FFF2-40B4-BE49-F238E27FC236}">
-                <a16:creationId xmlns:a16="http://schemas.microsoft.com/office/drawing/2014/main" id="{E07A973A-19F1-3134-725F-79A2F3C82200}"/>
+                <a16:creationId xmlns:a16="http://schemas.microsoft.com/office/drawing/2014/main" id="{3700D438-4F84-E6A7-F542-4893F6CFAE11}"/>
               </a:ext>
             </a:extLst>
           </p:cNvPr>
-          <p:cNvSpPr/>
-          <p:nvPr/>
-        </p:nvSpPr>
-        <p:spPr>
-          <a:xfrm>
-            <a:off x="2829901" y="4927073"/>
-            <a:ext cx="966736" cy="966736"/>
-          </a:xfrm>
-          <a:custGeom>
-            <a:avLst/>
-            <a:gdLst>
-              <a:gd name="connsiteX0" fmla="*/ 0 w 10000"/>
-              <a:gd name="connsiteY0" fmla="*/ 0 h 10000"/>
-              <a:gd name="connsiteX1" fmla="*/ 10000 w 10000"/>
-              <a:gd name="connsiteY1" fmla="*/ 0 h 10000"/>
-              <a:gd name="connsiteX2" fmla="*/ 10000 w 10000"/>
-              <a:gd name="connsiteY2" fmla="*/ 10000 h 10000"/>
-              <a:gd name="connsiteX3" fmla="*/ 0 w 10000"/>
-              <a:gd name="connsiteY3" fmla="*/ 10000 h 10000"/>
-              <a:gd name="connsiteX4" fmla="*/ 0 w 10000"/>
-              <a:gd name="connsiteY4" fmla="*/ 0 h 10000"/>
-            </a:gdLst>
-            <a:ahLst/>
-            <a:cxnLst>
-              <a:cxn ang="0">
-                <a:pos x="connsiteX0" y="connsiteY0"/>
-              </a:cxn>
-              <a:cxn ang="0">
-                <a:pos x="connsiteX1" y="connsiteY1"/>
-              </a:cxn>
-              <a:cxn ang="0">
-                <a:pos x="connsiteX2" y="connsiteY2"/>
-              </a:cxn>
-              <a:cxn ang="0">
-                <a:pos x="connsiteX3" y="connsiteY3"/>
-              </a:cxn>
-              <a:cxn ang="0">
-                <a:pos x="connsiteX4" y="connsiteY4"/>
-              </a:cxn>
-            </a:cxnLst>
-            <a:rect l="l" t="t" r="r" b="b"/>
-            <a:pathLst>
-              <a:path w="10000" h="10000">
-                <a:moveTo>
-                  <a:pt x="0" y="0"/>
-                </a:moveTo>
-                <a:lnTo>
-                  <a:pt x="10000" y="0"/>
-                </a:lnTo>
-                <a:lnTo>
-                  <a:pt x="10000" y="10000"/>
-                </a:lnTo>
-                <a:lnTo>
-                  <a:pt x="0" y="10000"/>
-                </a:lnTo>
-                <a:lnTo>
-                  <a:pt x="0" y="0"/>
-                </a:lnTo>
-                <a:close/>
-              </a:path>
-            </a:pathLst>
-          </a:custGeom>
-        </p:spPr>
-        <p:style>
-          <a:lnRef idx="2">
-            <a:schemeClr val="lt1">
-              <a:hueOff val="0"/>
-              <a:satOff val="0"/>
-              <a:lumOff val="0"/>
-              <a:alphaOff val="0"/>
-            </a:schemeClr>
-          </a:lnRef>
-          <a:fillRef idx="1">
-            <a:schemeClr val="accent1">
-              <a:hueOff val="0"/>
-              <a:satOff val="0"/>
-              <a:lumOff val="0"/>
-              <a:alphaOff val="0"/>
-            </a:schemeClr>
-          </a:fillRef>
-          <a:effectRef idx="0">
-            <a:schemeClr val="accent1">
-              <a:hueOff val="0"/>
-              <a:satOff val="0"/>
-              <a:lumOff val="0"/>
-              <a:alphaOff val="0"/>
-            </a:schemeClr>
-          </a:effectRef>
-          <a:fontRef idx="minor">
-            <a:schemeClr val="lt1"/>
-          </a:fontRef>
-        </p:style>
-        <p:txBody>
-          <a:bodyPr spcFirstLastPara="0" vert="horz" wrap="square" lIns="15240" tIns="15240" rIns="15240" bIns="15240" numCol="1" spcCol="1270" anchor="ctr" anchorCtr="0">
-            <a:noAutofit/>
-          </a:bodyPr>
-          <a:lstStyle/>
-          <a:p>
-            <a:pPr marL="0" lvl="0" indent="0" algn="ctr" defTabSz="533400">
-              <a:lnSpc>
-                <a:spcPct val="90000"/>
-              </a:lnSpc>
-              <a:spcBef>
-                <a:spcPct val="0"/>
-              </a:spcBef>
-              <a:spcAft>
-                <a:spcPct val="35000"/>
-              </a:spcAft>
-              <a:buNone/>
-            </a:pPr>
-            <a:r>
-              <a:rPr lang="sv-SE" sz="1200" dirty="0" err="1"/>
-              <a:t>m</a:t>
-            </a:r>
-            <a:r>
-              <a:rPr lang="sv-SE" sz="1200" kern="1200" dirty="0" err="1"/>
-              <a:t>ain</a:t>
-            </a:r>
-            <a:r>
-              <a:rPr lang="sv-SE" sz="1200" kern="1200" dirty="0"/>
-              <a:t>()</a:t>
-            </a:r>
-          </a:p>
-        </p:txBody>
-      </p:sp>
-      <p:sp>
-        <p:nvSpPr>
-          <p:cNvPr id="13" name="Frihandsfigur: Form 12">
+          <p:cNvPicPr>
+            <a:picLocks noGrp="1" noChangeAspect="1"/>
+          </p:cNvPicPr>
+          <p:nvPr>
+            <p:ph type="pic" sz="quarter" idx="13"/>
+          </p:nvPr>
+        </p:nvPicPr>
+        <p:blipFill rotWithShape="1">
+          <a:blip r:embed="rId3"/>
+          <a:srcRect l="71" r="71"/>
+          <a:stretch/>
+        </p:blipFill>
+        <p:spPr/>
+      </p:pic>
+      <p:sp>
+        <p:nvSpPr>
+          <p:cNvPr id="11" name="Platshållare för bildnummer 10">
             <a:extLst>
               <a:ext uri="{FF2B5EF4-FFF2-40B4-BE49-F238E27FC236}">
-                <a16:creationId xmlns:a16="http://schemas.microsoft.com/office/drawing/2014/main" id="{7B25BEA3-A989-3FEF-88A0-57B22B09D5E4}"/>
+                <a16:creationId xmlns:a16="http://schemas.microsoft.com/office/drawing/2014/main" id="{D8855095-E3EB-064E-1B0F-49884CD85122}"/>
               </a:ext>
             </a:extLst>
           </p:cNvPr>
-          <p:cNvSpPr/>
-          <p:nvPr/>
-        </p:nvSpPr>
-        <p:spPr>
-          <a:xfrm>
-            <a:off x="2209071" y="2780637"/>
-            <a:ext cx="685319" cy="679789"/>
-          </a:xfrm>
-          <a:custGeom>
-            <a:avLst/>
-            <a:gdLst>
-              <a:gd name="connsiteX0" fmla="*/ 0 w 685319"/>
-              <a:gd name="connsiteY0" fmla="*/ 113298 h 679789"/>
-              <a:gd name="connsiteX1" fmla="*/ 113298 w 685319"/>
-              <a:gd name="connsiteY1" fmla="*/ 0 h 679789"/>
-              <a:gd name="connsiteX2" fmla="*/ 572021 w 685319"/>
-              <a:gd name="connsiteY2" fmla="*/ 0 h 679789"/>
-              <a:gd name="connsiteX3" fmla="*/ 685319 w 685319"/>
-              <a:gd name="connsiteY3" fmla="*/ 113298 h 679789"/>
-              <a:gd name="connsiteX4" fmla="*/ 685319 w 685319"/>
-              <a:gd name="connsiteY4" fmla="*/ 566491 h 679789"/>
-              <a:gd name="connsiteX5" fmla="*/ 572021 w 685319"/>
-              <a:gd name="connsiteY5" fmla="*/ 679789 h 679789"/>
-              <a:gd name="connsiteX6" fmla="*/ 113298 w 685319"/>
-              <a:gd name="connsiteY6" fmla="*/ 679789 h 679789"/>
-              <a:gd name="connsiteX7" fmla="*/ 0 w 685319"/>
-              <a:gd name="connsiteY7" fmla="*/ 566491 h 679789"/>
-              <a:gd name="connsiteX8" fmla="*/ 0 w 685319"/>
-              <a:gd name="connsiteY8" fmla="*/ 113298 h 679789"/>
-            </a:gdLst>
-            <a:ahLst/>
-            <a:cxnLst>
-              <a:cxn ang="0">
-                <a:pos x="connsiteX0" y="connsiteY0"/>
-              </a:cxn>
-              <a:cxn ang="0">
-                <a:pos x="connsiteX1" y="connsiteY1"/>
-              </a:cxn>
-              <a:cxn ang="0">
-                <a:pos x="connsiteX2" y="connsiteY2"/>
-              </a:cxn>
-              <a:cxn ang="0">
-                <a:pos x="connsiteX3" y="connsiteY3"/>
-              </a:cxn>
-              <a:cxn ang="0">
-                <a:pos x="connsiteX4" y="connsiteY4"/>
-              </a:cxn>
-              <a:cxn ang="0">
-                <a:pos x="connsiteX5" y="connsiteY5"/>
-              </a:cxn>
-              <a:cxn ang="0">
-                <a:pos x="connsiteX6" y="connsiteY6"/>
-              </a:cxn>
-              <a:cxn ang="0">
-                <a:pos x="connsiteX7" y="connsiteY7"/>
-              </a:cxn>
-              <a:cxn ang="0">
-                <a:pos x="connsiteX8" y="connsiteY8"/>
-              </a:cxn>
-            </a:cxnLst>
-            <a:rect l="l" t="t" r="r" b="b"/>
-            <a:pathLst>
-              <a:path w="685319" h="679789">
-                <a:moveTo>
-                  <a:pt x="0" y="113298"/>
-                </a:moveTo>
-                <a:cubicBezTo>
-                  <a:pt x="0" y="50725"/>
-                  <a:pt x="50725" y="0"/>
-                  <a:pt x="113298" y="0"/>
-                </a:cubicBezTo>
-                <a:lnTo>
-                  <a:pt x="572021" y="0"/>
-                </a:lnTo>
-                <a:cubicBezTo>
-                  <a:pt x="634594" y="0"/>
-                  <a:pt x="685319" y="50725"/>
-                  <a:pt x="685319" y="113298"/>
-                </a:cubicBezTo>
-                <a:lnTo>
-                  <a:pt x="685319" y="566491"/>
-                </a:lnTo>
-                <a:cubicBezTo>
-                  <a:pt x="685319" y="629064"/>
-                  <a:pt x="634594" y="679789"/>
-                  <a:pt x="572021" y="679789"/>
-                </a:cubicBezTo>
-                <a:lnTo>
-                  <a:pt x="113298" y="679789"/>
-                </a:lnTo>
-                <a:cubicBezTo>
-                  <a:pt x="50725" y="679789"/>
-                  <a:pt x="0" y="629064"/>
-                  <a:pt x="0" y="566491"/>
-                </a:cubicBezTo>
-                <a:lnTo>
-                  <a:pt x="0" y="113298"/>
-                </a:lnTo>
-                <a:close/>
-              </a:path>
-            </a:pathLst>
-          </a:custGeom>
-        </p:spPr>
-        <p:style>
-          <a:lnRef idx="2">
-            <a:schemeClr val="lt1">
-              <a:hueOff val="0"/>
-              <a:satOff val="0"/>
-              <a:lumOff val="0"/>
-              <a:alphaOff val="0"/>
-            </a:schemeClr>
-          </a:lnRef>
-          <a:fillRef idx="1">
-            <a:schemeClr val="accent1">
-              <a:hueOff val="0"/>
-              <a:satOff val="0"/>
-              <a:lumOff val="0"/>
-              <a:alphaOff val="0"/>
-            </a:schemeClr>
-          </a:fillRef>
-          <a:effectRef idx="0">
-            <a:schemeClr val="accent1">
-              <a:hueOff val="0"/>
-              <a:satOff val="0"/>
-              <a:lumOff val="0"/>
-              <a:alphaOff val="0"/>
-            </a:schemeClr>
-          </a:effectRef>
-          <a:fontRef idx="minor">
-            <a:schemeClr val="lt1"/>
-          </a:fontRef>
-        </p:style>
-        <p:txBody>
-          <a:bodyPr spcFirstLastPara="0" vert="horz" wrap="square" lIns="48424" tIns="48424" rIns="48424" bIns="48424" numCol="1" spcCol="1270" anchor="ctr" anchorCtr="0">
-            <a:noAutofit/>
-          </a:bodyPr>
+          <p:cNvSpPr>
+            <a:spLocks noGrp="1"/>
+          </p:cNvSpPr>
+          <p:nvPr>
+            <p:ph type="sldNum" sz="quarter" idx="12"/>
+          </p:nvPr>
+        </p:nvSpPr>
+        <p:spPr/>
+        <p:txBody>
+          <a:bodyPr rtlCol="0"/>
           <a:lstStyle/>
           <a:p>
-            <a:pPr marL="0" lvl="0" indent="0" algn="ctr" defTabSz="533400">
-              <a:lnSpc>
-                <a:spcPct val="90000"/>
-              </a:lnSpc>
-              <a:spcBef>
-                <a:spcPct val="0"/>
-              </a:spcBef>
-              <a:spcAft>
-                <a:spcPct val="35000"/>
-              </a:spcAft>
-              <a:buNone/>
-            </a:pPr>
-            <a:r>
-              <a:rPr lang="sv-SE" sz="1200" dirty="0" err="1"/>
-              <a:t>r</a:t>
-            </a:r>
-            <a:r>
-              <a:rPr lang="sv-SE" sz="1200" kern="1200" dirty="0" err="1"/>
-              <a:t>andom</a:t>
-            </a:r>
-            <a:endParaRPr lang="sv-SE" sz="1200" kern="1200" dirty="0"/>
-          </a:p>
-        </p:txBody>
-      </p:sp>
-      <p:sp>
-        <p:nvSpPr>
-          <p:cNvPr id="14" name="Pil: höger 13">
+            <a:pPr rtl="0"/>
+            <a:fld id="{D8DA9DAA-006C-4F4B-980E-E3DF019B24E2}" type="slidenum">
+              <a:rPr lang="sv-SE" smtClean="0"/>
+              <a:pPr rtl="0"/>
+              <a:t>7</a:t>
+            </a:fld>
+            <a:endParaRPr lang="sv-SE"/>
+          </a:p>
+        </p:txBody>
+      </p:sp>
+    </p:spTree>
+    <p:extLst>
+      <p:ext uri="{BB962C8B-B14F-4D97-AF65-F5344CB8AC3E}">
+        <p14:creationId xmlns:p14="http://schemas.microsoft.com/office/powerpoint/2010/main" val="1840513607"/>
+      </p:ext>
+    </p:extLst>
+  </p:cSld>
+  <p:clrMapOvr>
+    <a:masterClrMapping/>
+  </p:clrMapOvr>
+</p:sld>
+</file>
+
+<file path=ppt/slides/slide8.xml><?xml version="1.0" encoding="utf-8"?>
+<p:sld xmlns:a="http://schemas.openxmlformats.org/drawingml/2006/main" xmlns:r="http://schemas.openxmlformats.org/officeDocument/2006/relationships" xmlns:p="http://schemas.openxmlformats.org/presentationml/2006/main">
+  <p:cSld>
+    <p:spTree>
+      <p:nvGrpSpPr>
+        <p:cNvPr id="1" name="">
+          <a:extLst>
+            <a:ext uri="{FF2B5EF4-FFF2-40B4-BE49-F238E27FC236}">
+              <a16:creationId xmlns:a16="http://schemas.microsoft.com/office/drawing/2014/main" id="{00B2C3E3-0CE1-7588-DEAC-D43A47A78739}"/>
+            </a:ext>
+          </a:extLst>
+        </p:cNvPr>
+        <p:cNvGrpSpPr/>
+        <p:nvPr/>
+      </p:nvGrpSpPr>
+      <p:grpSpPr>
+        <a:xfrm>
+          <a:off x="0" y="0"/>
+          <a:ext cx="0" cy="0"/>
+          <a:chOff x="0" y="0"/>
+          <a:chExt cx="0" cy="0"/>
+        </a:xfrm>
+      </p:grpSpPr>
+      <p:sp>
+        <p:nvSpPr>
+          <p:cNvPr id="3" name="Rubrik 2">
             <a:extLst>
               <a:ext uri="{FF2B5EF4-FFF2-40B4-BE49-F238E27FC236}">
-                <a16:creationId xmlns:a16="http://schemas.microsoft.com/office/drawing/2014/main" id="{79B22E24-7CA8-963C-909D-8DE5B3F584D8}"/>
+                <a16:creationId xmlns:a16="http://schemas.microsoft.com/office/drawing/2014/main" id="{2C4F23AD-3E2B-E28D-686D-97C98FB9EE7B}"/>
               </a:ext>
             </a:extLst>
           </p:cNvPr>
-          <p:cNvSpPr/>
-          <p:nvPr/>
-        </p:nvSpPr>
-        <p:spPr>
-          <a:xfrm rot="4417923">
-            <a:off x="2112982" y="4041335"/>
-            <a:ext cx="1414420" cy="307070"/>
-          </a:xfrm>
-          <a:prstGeom prst="rightArrow">
-            <a:avLst>
-              <a:gd name="adj1" fmla="val 50000"/>
-              <a:gd name="adj2" fmla="val 47891"/>
-            </a:avLst>
-          </a:prstGeom>
-        </p:spPr>
-        <p:style>
-          <a:lnRef idx="2">
-            <a:schemeClr val="accent1">
-              <a:shade val="15000"/>
-            </a:schemeClr>
-          </a:lnRef>
-          <a:fillRef idx="1">
-            <a:schemeClr val="accent1"/>
-          </a:fillRef>
-          <a:effectRef idx="0">
-            <a:schemeClr val="accent1"/>
-          </a:effectRef>
-          <a:fontRef idx="minor">
-            <a:schemeClr val="lt1"/>
-          </a:fontRef>
-        </p:style>
-        <p:txBody>
-          <a:bodyPr rtlCol="0" anchor="ctr"/>
+          <p:cNvSpPr>
+            <a:spLocks noGrp="1"/>
+          </p:cNvSpPr>
+          <p:nvPr>
+            <p:ph type="title"/>
+          </p:nvPr>
+        </p:nvSpPr>
+        <p:spPr/>
+        <p:txBody>
+          <a:bodyPr rtlCol="0"/>
           <a:lstStyle/>
           <a:p>
-            <a:pPr algn="ctr"/>
-            <a:endParaRPr lang="sv-SE"/>
-          </a:p>
-        </p:txBody>
-      </p:sp>
-      <p:sp>
-        <p:nvSpPr>
-          <p:cNvPr id="15" name="Pil: vänster-höger 14">
+            <a:pPr rtl="0"/>
+            <a:r>
+              <a:rPr lang="sv-SE" sz="5400" dirty="0" err="1">
+                <a:solidFill>
+                  <a:schemeClr val="tx2"/>
+                </a:solidFill>
+              </a:rPr>
+              <a:t>Widgets</a:t>
+            </a:r>
+            <a:endParaRPr lang="sv-SE" dirty="0">
+              <a:solidFill>
+                <a:schemeClr val="tx2"/>
+              </a:solidFill>
+            </a:endParaRPr>
+          </a:p>
+        </p:txBody>
+      </p:sp>
+      <p:sp>
+        <p:nvSpPr>
+          <p:cNvPr id="4" name="Platshållare för innehåll 3">
             <a:extLst>
               <a:ext uri="{FF2B5EF4-FFF2-40B4-BE49-F238E27FC236}">
-                <a16:creationId xmlns:a16="http://schemas.microsoft.com/office/drawing/2014/main" id="{77234BB4-24B3-10DA-AEF0-39323BD1B81B}"/>
+                <a16:creationId xmlns:a16="http://schemas.microsoft.com/office/drawing/2014/main" id="{EAC7C523-1D24-B5AC-D0AF-000B37F056C0}"/>
               </a:ext>
             </a:extLst>
           </p:cNvPr>
-          <p:cNvSpPr/>
-          <p:nvPr/>
-        </p:nvSpPr>
-        <p:spPr>
-          <a:xfrm>
-            <a:off x="4084320" y="5184089"/>
-            <a:ext cx="2956560" cy="257016"/>
-          </a:xfrm>
-          <a:prstGeom prst="leftRightArrow">
-            <a:avLst/>
-          </a:prstGeom>
-        </p:spPr>
-        <p:style>
-          <a:lnRef idx="2">
-            <a:schemeClr val="accent1">
-              <a:shade val="15000"/>
-            </a:schemeClr>
-          </a:lnRef>
-          <a:fillRef idx="1">
-            <a:schemeClr val="accent1"/>
-          </a:fillRef>
-          <a:effectRef idx="0">
-            <a:schemeClr val="accent1"/>
-          </a:effectRef>
-          <a:fontRef idx="minor">
-            <a:schemeClr val="lt1"/>
-          </a:fontRef>
-        </p:style>
-        <p:txBody>
-          <a:bodyPr rtlCol="0" anchor="ctr"/>
+          <p:cNvSpPr>
+            <a:spLocks noGrp="1"/>
+          </p:cNvSpPr>
+          <p:nvPr>
+            <p:ph idx="1"/>
+          </p:nvPr>
+        </p:nvSpPr>
+        <p:spPr/>
+        <p:txBody>
+          <a:bodyPr rtlCol="0"/>
           <a:lstStyle/>
           <a:p>
-            <a:pPr algn="ctr"/>
-            <a:endParaRPr lang="sv-SE"/>
-          </a:p>
-        </p:txBody>
-      </p:sp>
-      <p:sp>
-        <p:nvSpPr>
-          <p:cNvPr id="4" name="Rektangel: diagonala klippta hörn 3">
+            <a:pPr algn="l">
+              <a:buFont typeface="+mj-lt"/>
+              <a:buAutoNum type="arabicPeriod"/>
+            </a:pPr>
+            <a:r>
+              <a:rPr lang="sv-SE" b="1" i="0" dirty="0">
+                <a:solidFill>
+                  <a:srgbClr val="0D0D0D"/>
+                </a:solidFill>
+                <a:effectLst/>
+                <a:latin typeface="Söhne"/>
+              </a:rPr>
+              <a:t> Input-</a:t>
+            </a:r>
+            <a:r>
+              <a:rPr lang="sv-SE" b="1" i="0" dirty="0" err="1">
+                <a:solidFill>
+                  <a:srgbClr val="0D0D0D"/>
+                </a:solidFill>
+                <a:effectLst/>
+                <a:latin typeface="Söhne"/>
+              </a:rPr>
+              <a:t>widgets</a:t>
+            </a:r>
+            <a:r>
+              <a:rPr lang="sv-SE" b="0" i="0" dirty="0">
+                <a:solidFill>
+                  <a:srgbClr val="0D0D0D"/>
+                </a:solidFill>
+                <a:effectLst/>
+                <a:latin typeface="Söhne"/>
+              </a:rPr>
+              <a:t>: Dessa </a:t>
+            </a:r>
+            <a:r>
+              <a:rPr lang="sv-SE" b="0" i="0" dirty="0" err="1">
+                <a:solidFill>
+                  <a:srgbClr val="0D0D0D"/>
+                </a:solidFill>
+                <a:effectLst/>
+                <a:latin typeface="Söhne"/>
+              </a:rPr>
+              <a:t>widgets</a:t>
+            </a:r>
+            <a:r>
+              <a:rPr lang="sv-SE" b="0" i="0" dirty="0">
+                <a:solidFill>
+                  <a:srgbClr val="0D0D0D"/>
+                </a:solidFill>
+                <a:effectLst/>
+                <a:latin typeface="Söhne"/>
+              </a:rPr>
+              <a:t> låter användare mata in data eller göra val, såsom textinmatningsfält, kryssrutor, radioknappar och rullgardinsmenyer.</a:t>
+            </a:r>
+          </a:p>
+          <a:p>
+            <a:pPr algn="l">
+              <a:buFont typeface="+mj-lt"/>
+              <a:buAutoNum type="arabicPeriod"/>
+            </a:pPr>
+            <a:r>
+              <a:rPr lang="sv-SE" b="1" i="0" dirty="0">
+                <a:solidFill>
+                  <a:srgbClr val="0D0D0D"/>
+                </a:solidFill>
+                <a:effectLst/>
+                <a:latin typeface="Söhne"/>
+              </a:rPr>
+              <a:t> Output-</a:t>
+            </a:r>
+            <a:r>
+              <a:rPr lang="sv-SE" b="1" i="0" dirty="0" err="1">
+                <a:solidFill>
+                  <a:srgbClr val="0D0D0D"/>
+                </a:solidFill>
+                <a:effectLst/>
+                <a:latin typeface="Söhne"/>
+              </a:rPr>
+              <a:t>widgets</a:t>
+            </a:r>
+            <a:r>
+              <a:rPr lang="sv-SE" b="0" i="0" dirty="0">
+                <a:solidFill>
+                  <a:srgbClr val="0D0D0D"/>
+                </a:solidFill>
+                <a:effectLst/>
+                <a:latin typeface="Söhne"/>
+              </a:rPr>
+              <a:t>: Dessa </a:t>
+            </a:r>
+            <a:r>
+              <a:rPr lang="sv-SE" b="0" i="0" dirty="0" err="1">
+                <a:solidFill>
+                  <a:srgbClr val="0D0D0D"/>
+                </a:solidFill>
+                <a:effectLst/>
+                <a:latin typeface="Söhne"/>
+              </a:rPr>
+              <a:t>widgets</a:t>
+            </a:r>
+            <a:r>
+              <a:rPr lang="sv-SE" b="0" i="0" dirty="0">
+                <a:solidFill>
+                  <a:srgbClr val="0D0D0D"/>
+                </a:solidFill>
+                <a:effectLst/>
+                <a:latin typeface="Söhne"/>
+              </a:rPr>
+              <a:t> visar information för användaren, såsom etiketter, </a:t>
+            </a:r>
+            <a:r>
+              <a:rPr lang="sv-SE" b="0" i="0" dirty="0" err="1">
+                <a:solidFill>
+                  <a:srgbClr val="0D0D0D"/>
+                </a:solidFill>
+                <a:effectLst/>
+                <a:latin typeface="Söhne"/>
+              </a:rPr>
+              <a:t>textområden</a:t>
+            </a:r>
+            <a:r>
+              <a:rPr lang="sv-SE" b="0" i="0" dirty="0">
+                <a:solidFill>
+                  <a:srgbClr val="0D0D0D"/>
+                </a:solidFill>
+                <a:effectLst/>
+                <a:latin typeface="Söhne"/>
+              </a:rPr>
+              <a:t> och bilder.</a:t>
+            </a:r>
+          </a:p>
+          <a:p>
+            <a:pPr algn="l">
+              <a:buFont typeface="+mj-lt"/>
+              <a:buAutoNum type="arabicPeriod"/>
+            </a:pPr>
+            <a:r>
+              <a:rPr lang="sv-SE" b="1" i="0" dirty="0">
+                <a:solidFill>
+                  <a:srgbClr val="0D0D0D"/>
+                </a:solidFill>
+                <a:effectLst/>
+                <a:latin typeface="Söhne"/>
+              </a:rPr>
+              <a:t> Action-</a:t>
+            </a:r>
+            <a:r>
+              <a:rPr lang="sv-SE" b="1" i="0" dirty="0" err="1">
+                <a:solidFill>
+                  <a:srgbClr val="0D0D0D"/>
+                </a:solidFill>
+                <a:effectLst/>
+                <a:latin typeface="Söhne"/>
+              </a:rPr>
+              <a:t>widgets</a:t>
+            </a:r>
+            <a:r>
+              <a:rPr lang="sv-SE" b="0" i="0" dirty="0">
+                <a:solidFill>
+                  <a:srgbClr val="0D0D0D"/>
+                </a:solidFill>
+                <a:effectLst/>
+                <a:latin typeface="Söhne"/>
+              </a:rPr>
+              <a:t>: Dessa </a:t>
+            </a:r>
+            <a:r>
+              <a:rPr lang="sv-SE" b="0" i="0" dirty="0" err="1">
+                <a:solidFill>
+                  <a:srgbClr val="0D0D0D"/>
+                </a:solidFill>
+                <a:effectLst/>
+                <a:latin typeface="Söhne"/>
+              </a:rPr>
+              <a:t>widgets</a:t>
+            </a:r>
+            <a:r>
+              <a:rPr lang="sv-SE" b="0" i="0" dirty="0">
+                <a:solidFill>
+                  <a:srgbClr val="0D0D0D"/>
+                </a:solidFill>
+                <a:effectLst/>
+                <a:latin typeface="Söhne"/>
+              </a:rPr>
+              <a:t> triggar handlingar eller händelser när de interageras med, exempelvis knappar och reglage.</a:t>
+            </a:r>
+          </a:p>
+        </p:txBody>
+      </p:sp>
+      <p:pic>
+        <p:nvPicPr>
+          <p:cNvPr id="8" name="Platshållare för bild 7" descr="berg under natthimmel strax före gryning">
             <a:extLst>
               <a:ext uri="{FF2B5EF4-FFF2-40B4-BE49-F238E27FC236}">
-                <a16:creationId xmlns:a16="http://schemas.microsoft.com/office/drawing/2014/main" id="{3EDC58B5-6C31-A7CC-51BD-E800AF21AFC4}"/>
+                <a16:creationId xmlns:a16="http://schemas.microsoft.com/office/drawing/2014/main" id="{7F471A79-DADF-6460-41F5-021C7CB2C472}"/>
               </a:ext>
             </a:extLst>
           </p:cNvPr>
-          <p:cNvSpPr/>
-          <p:nvPr/>
-        </p:nvSpPr>
-        <p:spPr>
-          <a:xfrm>
-            <a:off x="721360" y="5334000"/>
-            <a:ext cx="1030322" cy="559809"/>
-          </a:xfrm>
-          <a:prstGeom prst="snip2DiagRect">
-            <a:avLst/>
-          </a:prstGeom>
-          <a:solidFill>
-            <a:schemeClr val="accent6">
-              <a:lumMod val="60000"/>
-              <a:lumOff val="40000"/>
-            </a:schemeClr>
-          </a:solidFill>
-        </p:spPr>
-        <p:style>
-          <a:lnRef idx="2">
-            <a:schemeClr val="accent1">
-              <a:shade val="15000"/>
-            </a:schemeClr>
-          </a:lnRef>
-          <a:fillRef idx="1">
-            <a:schemeClr val="accent1"/>
-          </a:fillRef>
-          <a:effectRef idx="0">
-            <a:schemeClr val="accent1"/>
-          </a:effectRef>
-          <a:fontRef idx="minor">
-            <a:schemeClr val="lt1"/>
-          </a:fontRef>
-        </p:style>
-        <p:txBody>
-          <a:bodyPr rtlCol="0" anchor="ctr"/>
-          <a:lstStyle/>
-          <a:p>
-            <a:pPr algn="ctr"/>
-            <a:r>
-              <a:rPr lang="sv-SE" dirty="0" err="1"/>
-              <a:t>Ballclass</a:t>
-            </a:r>
-            <a:endParaRPr lang="sv-SE" dirty="0"/>
-          </a:p>
-        </p:txBody>
-      </p:sp>
-      <p:sp>
-        <p:nvSpPr>
-          <p:cNvPr id="5" name="Rektangel: diagonala klippta hörn 4">
+          <p:cNvPicPr>
+            <a:picLocks noGrp="1" noChangeAspect="1"/>
+          </p:cNvPicPr>
+          <p:nvPr>
+            <p:ph type="pic" sz="quarter" idx="13"/>
+          </p:nvPr>
+        </p:nvPicPr>
+        <p:blipFill rotWithShape="1">
+          <a:blip r:embed="rId3"/>
+          <a:srcRect l="71" r="71"/>
+          <a:stretch/>
+        </p:blipFill>
+        <p:spPr/>
+      </p:pic>
+      <p:sp>
+        <p:nvSpPr>
+          <p:cNvPr id="11" name="Platshållare för bildnummer 10">
             <a:extLst>
               <a:ext uri="{FF2B5EF4-FFF2-40B4-BE49-F238E27FC236}">
-                <a16:creationId xmlns:a16="http://schemas.microsoft.com/office/drawing/2014/main" id="{31B2DB10-5225-8F43-551E-9F56476B5AA8}"/>
+                <a16:creationId xmlns:a16="http://schemas.microsoft.com/office/drawing/2014/main" id="{63890452-7496-977D-7DC9-003D0FE8F540}"/>
               </a:ext>
             </a:extLst>
           </p:cNvPr>
-          <p:cNvSpPr/>
-          <p:nvPr/>
-        </p:nvSpPr>
-        <p:spPr>
-          <a:xfrm>
-            <a:off x="1237964" y="6155978"/>
-            <a:ext cx="1030322" cy="559809"/>
-          </a:xfrm>
-          <a:prstGeom prst="snip2DiagRect">
-            <a:avLst/>
-          </a:prstGeom>
-          <a:solidFill>
-            <a:schemeClr val="accent6">
-              <a:lumMod val="60000"/>
-              <a:lumOff val="40000"/>
-            </a:schemeClr>
-          </a:solidFill>
-        </p:spPr>
-        <p:style>
-          <a:lnRef idx="2">
-            <a:schemeClr val="accent1">
-              <a:shade val="15000"/>
-            </a:schemeClr>
-          </a:lnRef>
-          <a:fillRef idx="1">
-            <a:schemeClr val="accent1"/>
-          </a:fillRef>
-          <a:effectRef idx="0">
-            <a:schemeClr val="accent1"/>
-          </a:effectRef>
-          <a:fontRef idx="minor">
-            <a:schemeClr val="lt1"/>
-          </a:fontRef>
-        </p:style>
-        <p:txBody>
-          <a:bodyPr rtlCol="0" anchor="ctr"/>
+          <p:cNvSpPr>
+            <a:spLocks noGrp="1"/>
+          </p:cNvSpPr>
+          <p:nvPr>
+            <p:ph type="sldNum" sz="quarter" idx="12"/>
+          </p:nvPr>
+        </p:nvSpPr>
+        <p:spPr/>
+        <p:txBody>
+          <a:bodyPr rtlCol="0"/>
           <a:lstStyle/>
           <a:p>
-            <a:pPr algn="ctr"/>
-            <a:r>
-              <a:rPr lang="sv-SE" dirty="0" err="1"/>
-              <a:t>Ballfunc</a:t>
-            </a:r>
-            <a:endParaRPr lang="sv-SE" dirty="0"/>
-          </a:p>
-        </p:txBody>
-      </p:sp>
-      <p:sp>
-        <p:nvSpPr>
-          <p:cNvPr id="6" name="Pil: höger 5">
+            <a:pPr rtl="0"/>
+            <a:fld id="{D8DA9DAA-006C-4F4B-980E-E3DF019B24E2}" type="slidenum">
+              <a:rPr lang="sv-SE" smtClean="0"/>
+              <a:pPr rtl="0"/>
+              <a:t>8</a:t>
+            </a:fld>
+            <a:endParaRPr lang="sv-SE"/>
+          </a:p>
+        </p:txBody>
+      </p:sp>
+    </p:spTree>
+    <p:extLst>
+      <p:ext uri="{BB962C8B-B14F-4D97-AF65-F5344CB8AC3E}">
+        <p14:creationId xmlns:p14="http://schemas.microsoft.com/office/powerpoint/2010/main" val="4045277596"/>
+      </p:ext>
+    </p:extLst>
+  </p:cSld>
+  <p:clrMapOvr>
+    <a:masterClrMapping/>
+  </p:clrMapOvr>
+</p:sld>
+</file>
+
+<file path=ppt/slides/slide9.xml><?xml version="1.0" encoding="utf-8"?>
+<p:sld xmlns:a="http://schemas.openxmlformats.org/drawingml/2006/main" xmlns:r="http://schemas.openxmlformats.org/officeDocument/2006/relationships" xmlns:p="http://schemas.openxmlformats.org/presentationml/2006/main">
+  <p:cSld>
+    <p:spTree>
+      <p:nvGrpSpPr>
+        <p:cNvPr id="1" name="">
+          <a:extLst>
+            <a:ext uri="{FF2B5EF4-FFF2-40B4-BE49-F238E27FC236}">
+              <a16:creationId xmlns:a16="http://schemas.microsoft.com/office/drawing/2014/main" id="{1C29C9AD-68F8-C8FC-C045-7D5795419B1F}"/>
+            </a:ext>
+          </a:extLst>
+        </p:cNvPr>
+        <p:cNvGrpSpPr/>
+        <p:nvPr/>
+      </p:nvGrpSpPr>
+      <p:grpSpPr>
+        <a:xfrm>
+          <a:off x="0" y="0"/>
+          <a:ext cx="0" cy="0"/>
+          <a:chOff x="0" y="0"/>
+          <a:chExt cx="0" cy="0"/>
+        </a:xfrm>
+      </p:grpSpPr>
+      <p:sp>
+        <p:nvSpPr>
+          <p:cNvPr id="3" name="Rubrik 2">
             <a:extLst>
               <a:ext uri="{FF2B5EF4-FFF2-40B4-BE49-F238E27FC236}">
-                <a16:creationId xmlns:a16="http://schemas.microsoft.com/office/drawing/2014/main" id="{7F22BA1B-7C61-1894-691C-06A7485A2EA2}"/>
+                <a16:creationId xmlns:a16="http://schemas.microsoft.com/office/drawing/2014/main" id="{94572339-7079-59CC-156D-0646A7AC0646}"/>
               </a:ext>
             </a:extLst>
           </p:cNvPr>
-          <p:cNvSpPr/>
-          <p:nvPr/>
-        </p:nvSpPr>
-        <p:spPr>
-          <a:xfrm>
-            <a:off x="1994162" y="5441105"/>
-            <a:ext cx="765760" cy="154227"/>
-          </a:xfrm>
-          <a:prstGeom prst="rightArrow">
-            <a:avLst/>
-          </a:prstGeom>
-        </p:spPr>
-        <p:style>
-          <a:lnRef idx="2">
-            <a:schemeClr val="accent1">
-              <a:shade val="15000"/>
-            </a:schemeClr>
-          </a:lnRef>
-          <a:fillRef idx="1">
-            <a:schemeClr val="accent1"/>
-          </a:fillRef>
-          <a:effectRef idx="0">
-            <a:schemeClr val="accent1"/>
-          </a:effectRef>
-          <a:fontRef idx="minor">
-            <a:schemeClr val="lt1"/>
-          </a:fontRef>
-        </p:style>
-        <p:txBody>
-          <a:bodyPr rtlCol="0" anchor="ctr"/>
+          <p:cNvSpPr>
+            <a:spLocks noGrp="1"/>
+          </p:cNvSpPr>
+          <p:nvPr>
+            <p:ph type="title"/>
+          </p:nvPr>
+        </p:nvSpPr>
+        <p:spPr/>
+        <p:txBody>
+          <a:bodyPr rtlCol="0">
+            <a:normAutofit fontScale="90000"/>
+          </a:bodyPr>
           <a:lstStyle/>
           <a:p>
-            <a:pPr algn="ctr"/>
-            <a:endParaRPr lang="sv-SE"/>
-          </a:p>
-        </p:txBody>
-      </p:sp>
-      <p:sp>
-        <p:nvSpPr>
-          <p:cNvPr id="9" name="Pil: höger 8">
+            <a:pPr rtl="0"/>
+            <a:r>
+              <a:rPr lang="sv-SE" sz="5400" dirty="0" err="1">
+                <a:solidFill>
+                  <a:schemeClr val="tx2"/>
+                </a:solidFill>
+              </a:rPr>
+              <a:t>Geometry</a:t>
+            </a:r>
+            <a:r>
+              <a:rPr lang="sv-SE" sz="5400" dirty="0">
+                <a:solidFill>
+                  <a:schemeClr val="tx2"/>
+                </a:solidFill>
+              </a:rPr>
+              <a:t> managers</a:t>
+            </a:r>
+            <a:endParaRPr lang="sv-SE" dirty="0">
+              <a:solidFill>
+                <a:schemeClr val="tx2"/>
+              </a:solidFill>
+            </a:endParaRPr>
+          </a:p>
+        </p:txBody>
+      </p:sp>
+      <p:sp>
+        <p:nvSpPr>
+          <p:cNvPr id="4" name="Platshållare för innehåll 3">
             <a:extLst>
               <a:ext uri="{FF2B5EF4-FFF2-40B4-BE49-F238E27FC236}">
-                <a16:creationId xmlns:a16="http://schemas.microsoft.com/office/drawing/2014/main" id="{A11FBB50-2263-511F-4B86-867A99CAC274}"/>
+                <a16:creationId xmlns:a16="http://schemas.microsoft.com/office/drawing/2014/main" id="{760E8D07-93D1-7D6D-2F5F-2C9B7AF543DF}"/>
               </a:ext>
             </a:extLst>
           </p:cNvPr>
-          <p:cNvSpPr/>
-          <p:nvPr/>
-        </p:nvSpPr>
-        <p:spPr>
-          <a:xfrm rot="19719240">
-            <a:off x="2325424" y="5989823"/>
-            <a:ext cx="500315" cy="156380"/>
-          </a:xfrm>
-          <a:prstGeom prst="rightArrow">
-            <a:avLst/>
-          </a:prstGeom>
-        </p:spPr>
-        <p:style>
-          <a:lnRef idx="2">
-            <a:schemeClr val="accent1">
-              <a:shade val="15000"/>
-            </a:schemeClr>
-          </a:lnRef>
-          <a:fillRef idx="1">
-            <a:schemeClr val="accent1"/>
-          </a:fillRef>
-          <a:effectRef idx="0">
-            <a:schemeClr val="accent1"/>
-          </a:effectRef>
-          <a:fontRef idx="minor">
-            <a:schemeClr val="lt1"/>
-          </a:fontRef>
-        </p:style>
-        <p:txBody>
-          <a:bodyPr rtlCol="0" anchor="ctr"/>
+          <p:cNvSpPr>
+            <a:spLocks noGrp="1"/>
+          </p:cNvSpPr>
+          <p:nvPr>
+            <p:ph idx="1"/>
+          </p:nvPr>
+        </p:nvSpPr>
+        <p:spPr/>
+        <p:txBody>
+          <a:bodyPr rtlCol="0">
+            <a:normAutofit lnSpcReduction="10000"/>
+          </a:bodyPr>
           <a:lstStyle/>
           <a:p>
-            <a:pPr algn="ctr"/>
+            <a:pPr algn="l"/>
+            <a:r>
+              <a:rPr lang="sv-SE" b="0" i="0" dirty="0" err="1">
+                <a:solidFill>
+                  <a:srgbClr val="0D0D0D"/>
+                </a:solidFill>
+                <a:effectLst/>
+                <a:latin typeface="Söhne"/>
+              </a:rPr>
+              <a:t>Tkinter</a:t>
+            </a:r>
+            <a:r>
+              <a:rPr lang="sv-SE" b="0" i="0" dirty="0">
+                <a:solidFill>
+                  <a:srgbClr val="0D0D0D"/>
+                </a:solidFill>
+                <a:effectLst/>
+                <a:latin typeface="Söhne"/>
+              </a:rPr>
+              <a:t> använder </a:t>
+            </a:r>
+            <a:r>
+              <a:rPr lang="sv-SE" b="0" i="0" dirty="0" err="1">
+                <a:solidFill>
+                  <a:srgbClr val="0D0D0D"/>
+                </a:solidFill>
+                <a:effectLst/>
+                <a:latin typeface="Söhne"/>
+              </a:rPr>
+              <a:t>geometr</a:t>
+            </a:r>
+            <a:r>
+              <a:rPr lang="sv-SE" dirty="0" err="1">
+                <a:solidFill>
+                  <a:srgbClr val="0D0D0D"/>
+                </a:solidFill>
+                <a:latin typeface="Söhne"/>
+              </a:rPr>
+              <a:t>y</a:t>
+            </a:r>
+            <a:r>
+              <a:rPr lang="sv-SE" dirty="0">
+                <a:solidFill>
+                  <a:srgbClr val="0D0D0D"/>
+                </a:solidFill>
+                <a:latin typeface="Söhne"/>
+              </a:rPr>
+              <a:t> </a:t>
+            </a:r>
+            <a:r>
+              <a:rPr lang="sv-SE" b="0" i="0" dirty="0">
+                <a:solidFill>
+                  <a:srgbClr val="0D0D0D"/>
+                </a:solidFill>
+                <a:effectLst/>
+                <a:latin typeface="Söhne"/>
+              </a:rPr>
+              <a:t>managers för att arrangera </a:t>
+            </a:r>
+            <a:r>
+              <a:rPr lang="sv-SE" b="0" i="0" dirty="0" err="1">
+                <a:solidFill>
+                  <a:srgbClr val="0D0D0D"/>
+                </a:solidFill>
+                <a:effectLst/>
+                <a:latin typeface="Söhne"/>
+              </a:rPr>
+              <a:t>widgets</a:t>
+            </a:r>
+            <a:r>
+              <a:rPr lang="sv-SE" b="0" i="0" dirty="0">
+                <a:solidFill>
+                  <a:srgbClr val="0D0D0D"/>
+                </a:solidFill>
+                <a:effectLst/>
+                <a:latin typeface="Söhne"/>
+              </a:rPr>
+              <a:t> inom programfönstret. Vanliga </a:t>
+            </a:r>
+            <a:r>
+              <a:rPr lang="sv-SE" b="0" i="0" dirty="0" err="1">
+                <a:solidFill>
+                  <a:srgbClr val="0D0D0D"/>
+                </a:solidFill>
+                <a:effectLst/>
+                <a:latin typeface="Söhne"/>
+              </a:rPr>
+              <a:t>geometry</a:t>
+            </a:r>
+            <a:r>
+              <a:rPr lang="sv-SE" b="0" i="0" dirty="0">
+                <a:solidFill>
+                  <a:srgbClr val="0D0D0D"/>
+                </a:solidFill>
+                <a:effectLst/>
+                <a:latin typeface="Söhne"/>
+              </a:rPr>
+              <a:t> managers inkluderar pack(), </a:t>
+            </a:r>
+            <a:r>
+              <a:rPr lang="sv-SE" b="0" i="0" dirty="0" err="1">
+                <a:solidFill>
+                  <a:srgbClr val="0D0D0D"/>
+                </a:solidFill>
+                <a:effectLst/>
+                <a:latin typeface="Söhne"/>
+              </a:rPr>
+              <a:t>grid</a:t>
+            </a:r>
+            <a:r>
+              <a:rPr lang="sv-SE" b="0" i="0" dirty="0">
+                <a:solidFill>
+                  <a:srgbClr val="0D0D0D"/>
+                </a:solidFill>
+                <a:effectLst/>
+                <a:latin typeface="Söhne"/>
+              </a:rPr>
+              <a:t>() och </a:t>
+            </a:r>
+            <a:r>
+              <a:rPr lang="sv-SE" b="0" i="0" dirty="0" err="1">
+                <a:solidFill>
+                  <a:srgbClr val="0D0D0D"/>
+                </a:solidFill>
+                <a:effectLst/>
+                <a:latin typeface="Söhne"/>
+              </a:rPr>
+              <a:t>place</a:t>
+            </a:r>
+            <a:r>
+              <a:rPr lang="sv-SE" b="0" i="0" dirty="0">
+                <a:solidFill>
+                  <a:srgbClr val="0D0D0D"/>
+                </a:solidFill>
+                <a:effectLst/>
+                <a:latin typeface="Söhne"/>
+              </a:rPr>
+              <a:t>().</a:t>
+            </a:r>
+            <a:br>
+              <a:rPr lang="sv-SE" b="0" i="0" dirty="0">
+                <a:solidFill>
+                  <a:srgbClr val="0D0D0D"/>
+                </a:solidFill>
+                <a:effectLst/>
+                <a:latin typeface="Söhne"/>
+              </a:rPr>
+            </a:br>
+            <a:br>
+              <a:rPr lang="sv-SE" b="0" i="0" dirty="0">
+                <a:solidFill>
+                  <a:srgbClr val="0D0D0D"/>
+                </a:solidFill>
+                <a:effectLst/>
+                <a:latin typeface="Söhne"/>
+              </a:rPr>
+            </a:br>
+            <a:r>
+              <a:rPr lang="sv-SE" b="0" i="0" dirty="0">
+                <a:solidFill>
+                  <a:srgbClr val="0D0D0D"/>
+                </a:solidFill>
+                <a:effectLst/>
+                <a:latin typeface="Söhne"/>
+              </a:rPr>
+              <a:t>Pack – placerar </a:t>
+            </a:r>
+            <a:r>
+              <a:rPr lang="sv-SE" b="0" i="0" dirty="0" err="1">
+                <a:solidFill>
+                  <a:srgbClr val="0D0D0D"/>
+                </a:solidFill>
+                <a:effectLst/>
+                <a:latin typeface="Söhne"/>
+              </a:rPr>
+              <a:t>widget</a:t>
+            </a:r>
+            <a:r>
+              <a:rPr lang="sv-SE" b="0" i="0" dirty="0">
+                <a:solidFill>
+                  <a:srgbClr val="0D0D0D"/>
+                </a:solidFill>
+                <a:effectLst/>
+                <a:latin typeface="Söhne"/>
+              </a:rPr>
+              <a:t> i annan container</a:t>
+            </a:r>
+          </a:p>
+          <a:p>
+            <a:pPr algn="l"/>
+            <a:r>
+              <a:rPr lang="sv-SE" dirty="0">
+                <a:solidFill>
+                  <a:srgbClr val="0D0D0D"/>
+                </a:solidFill>
+                <a:latin typeface="Söhne"/>
+              </a:rPr>
+              <a:t>Grid – placerar i rader och kolumner</a:t>
+            </a:r>
+          </a:p>
+          <a:p>
+            <a:pPr algn="l"/>
+            <a:r>
+              <a:rPr lang="sv-SE" b="0" i="0" dirty="0">
+                <a:solidFill>
+                  <a:srgbClr val="0D0D0D"/>
+                </a:solidFill>
+                <a:effectLst/>
+                <a:latin typeface="Söhne"/>
+              </a:rPr>
+              <a:t>Place – placerar efter x- och y-värde</a:t>
+            </a:r>
+            <a:br>
+              <a:rPr lang="sv-SE" b="0" i="0" dirty="0">
+                <a:solidFill>
+                  <a:srgbClr val="0D0D0D"/>
+                </a:solidFill>
+                <a:effectLst/>
+                <a:latin typeface="Söhne"/>
+              </a:rPr>
+            </a:br>
+            <a:br>
+              <a:rPr lang="sv-SE" b="0" i="0" dirty="0">
+                <a:solidFill>
+                  <a:srgbClr val="0D0D0D"/>
+                </a:solidFill>
+                <a:effectLst/>
+                <a:latin typeface="Söhne"/>
+              </a:rPr>
+            </a:br>
+            <a:endParaRPr lang="sv-SE" b="0" i="0" dirty="0">
+              <a:solidFill>
+                <a:srgbClr val="0D0D0D"/>
+              </a:solidFill>
+              <a:effectLst/>
+              <a:latin typeface="Söhne"/>
+            </a:endParaRPr>
+          </a:p>
+        </p:txBody>
+      </p:sp>
+      <p:pic>
+        <p:nvPicPr>
+          <p:cNvPr id="8" name="Platshållare för bild 7" descr="berg under natthimmel strax före gryning">
+            <a:extLst>
+              <a:ext uri="{FF2B5EF4-FFF2-40B4-BE49-F238E27FC236}">
+                <a16:creationId xmlns:a16="http://schemas.microsoft.com/office/drawing/2014/main" id="{2F4D1382-7F1D-B43A-366C-B083FD1D7BB7}"/>
+              </a:ext>
+            </a:extLst>
+          </p:cNvPr>
+          <p:cNvPicPr>
+            <a:picLocks noGrp="1" noChangeAspect="1"/>
+          </p:cNvPicPr>
+          <p:nvPr>
+            <p:ph type="pic" sz="quarter" idx="13"/>
+          </p:nvPr>
+        </p:nvPicPr>
+        <p:blipFill rotWithShape="1">
+          <a:blip r:embed="rId3"/>
+          <a:srcRect l="71" r="71"/>
+          <a:stretch/>
+        </p:blipFill>
+        <p:spPr/>
+      </p:pic>
+      <p:sp>
+        <p:nvSpPr>
+          <p:cNvPr id="11" name="Platshållare för bildnummer 10">
+            <a:extLst>
+              <a:ext uri="{FF2B5EF4-FFF2-40B4-BE49-F238E27FC236}">
+                <a16:creationId xmlns:a16="http://schemas.microsoft.com/office/drawing/2014/main" id="{DD96DA8D-D294-7BDC-4903-01A74E0A7A89}"/>
+              </a:ext>
+            </a:extLst>
+          </p:cNvPr>
+          <p:cNvSpPr>
+            <a:spLocks noGrp="1"/>
+          </p:cNvSpPr>
+          <p:nvPr>
+            <p:ph type="sldNum" sz="quarter" idx="12"/>
+          </p:nvPr>
+        </p:nvSpPr>
+        <p:spPr/>
+        <p:txBody>
+          <a:bodyPr rtlCol="0"/>
+          <a:lstStyle/>
+          <a:p>
+            <a:pPr rtl="0"/>
+            <a:fld id="{D8DA9DAA-006C-4F4B-980E-E3DF019B24E2}" type="slidenum">
+              <a:rPr lang="sv-SE" smtClean="0"/>
+              <a:pPr rtl="0"/>
+              <a:t>9</a:t>
+            </a:fld>
             <a:endParaRPr lang="sv-SE"/>
           </a:p>
         </p:txBody>
@@ -12781,7 +11242,7 @@
     </p:spTree>
     <p:extLst>
       <p:ext uri="{BB962C8B-B14F-4D97-AF65-F5344CB8AC3E}">
-        <p14:creationId xmlns:p14="http://schemas.microsoft.com/office/powerpoint/2010/main" val="3063726354"/>
+        <p14:creationId xmlns:p14="http://schemas.microsoft.com/office/powerpoint/2010/main" val="1103770123"/>
       </p:ext>
     </p:extLst>
   </p:cSld>
